--- a/Docs/TIU_Tracking_Presentation_v1.pptx
+++ b/Docs/TIU_Tracking_Presentation_v1.pptx
@@ -4,6 +4,9 @@
   <p:sldMasterIdLst>
     <p:sldMasterId id="2147483648" r:id="rId1"/>
   </p:sldMasterIdLst>
+  <p:notesMasterIdLst>
+    <p:notesMasterId r:id="rId19"/>
+  </p:notesMasterIdLst>
   <p:sldIdLst>
     <p:sldId id="261" r:id="rId2"/>
     <p:sldId id="263" r:id="rId3"/>
@@ -12,6 +15,16 @@
     <p:sldId id="266" r:id="rId6"/>
     <p:sldId id="267" r:id="rId7"/>
     <p:sldId id="268" r:id="rId8"/>
+    <p:sldId id="269" r:id="rId9"/>
+    <p:sldId id="271" r:id="rId10"/>
+    <p:sldId id="272" r:id="rId11"/>
+    <p:sldId id="278" r:id="rId12"/>
+    <p:sldId id="273" r:id="rId13"/>
+    <p:sldId id="277" r:id="rId14"/>
+    <p:sldId id="279" r:id="rId15"/>
+    <p:sldId id="280" r:id="rId16"/>
+    <p:sldId id="274" r:id="rId17"/>
+    <p:sldId id="275" r:id="rId18"/>
   </p:sldIdLst>
   <p:sldSz cx="9144000" cy="6858000" type="screen4x3"/>
   <p:notesSz cx="6858000" cy="9144000"/>
@@ -113,6 +126,434 @@
 </p:presentation>
 </file>
 
+<file path=ppt/notesMasters/notesMaster1.xml><?xml version="1.0" encoding="utf-8"?>
+<p:notesMaster xmlns:a="http://schemas.openxmlformats.org/drawingml/2006/main" xmlns:r="http://schemas.openxmlformats.org/officeDocument/2006/relationships" xmlns:p="http://schemas.openxmlformats.org/presentationml/2006/main">
+  <p:cSld>
+    <p:bg>
+      <p:bgRef idx="1001">
+        <a:schemeClr val="bg1"/>
+      </p:bgRef>
+    </p:bg>
+    <p:spTree>
+      <p:nvGrpSpPr>
+        <p:cNvPr id="1" name=""/>
+        <p:cNvGrpSpPr/>
+        <p:nvPr/>
+      </p:nvGrpSpPr>
+      <p:grpSpPr>
+        <a:xfrm>
+          <a:off x="0" y="0"/>
+          <a:ext cx="0" cy="0"/>
+          <a:chOff x="0" y="0"/>
+          <a:chExt cx="0" cy="0"/>
+        </a:xfrm>
+      </p:grpSpPr>
+      <p:sp>
+        <p:nvSpPr>
+          <p:cNvPr id="2" name="Header Placeholder 1"/>
+          <p:cNvSpPr>
+            <a:spLocks noGrp="1"/>
+          </p:cNvSpPr>
+          <p:nvPr>
+            <p:ph type="hdr" sz="quarter"/>
+          </p:nvPr>
+        </p:nvSpPr>
+        <p:spPr>
+          <a:xfrm>
+            <a:off x="0" y="0"/>
+            <a:ext cx="2971800" cy="457200"/>
+          </a:xfrm>
+          <a:prstGeom prst="rect">
+            <a:avLst/>
+          </a:prstGeom>
+        </p:spPr>
+        <p:txBody>
+          <a:bodyPr vert="horz" lIns="91440" tIns="45720" rIns="91440" bIns="45720" rtlCol="0"/>
+          <a:lstStyle>
+            <a:lvl1pPr algn="l">
+              <a:defRPr sz="1200"/>
+            </a:lvl1pPr>
+          </a:lstStyle>
+          <a:p>
+            <a:endParaRPr lang="en-US"/>
+          </a:p>
+        </p:txBody>
+      </p:sp>
+      <p:sp>
+        <p:nvSpPr>
+          <p:cNvPr id="3" name="Date Placeholder 2"/>
+          <p:cNvSpPr>
+            <a:spLocks noGrp="1"/>
+          </p:cNvSpPr>
+          <p:nvPr>
+            <p:ph type="dt" idx="1"/>
+          </p:nvPr>
+        </p:nvSpPr>
+        <p:spPr>
+          <a:xfrm>
+            <a:off x="3884613" y="0"/>
+            <a:ext cx="2971800" cy="457200"/>
+          </a:xfrm>
+          <a:prstGeom prst="rect">
+            <a:avLst/>
+          </a:prstGeom>
+        </p:spPr>
+        <p:txBody>
+          <a:bodyPr vert="horz" lIns="91440" tIns="45720" rIns="91440" bIns="45720" rtlCol="0"/>
+          <a:lstStyle>
+            <a:lvl1pPr algn="r">
+              <a:defRPr sz="1200"/>
+            </a:lvl1pPr>
+          </a:lstStyle>
+          <a:p>
+            <a:fld id="{342AF894-3CA5-4BF5-999A-858F3B50E095}" type="datetimeFigureOut">
+              <a:rPr lang="en-US" smtClean="0"/>
+              <a:t>5/30/2011</a:t>
+            </a:fld>
+            <a:endParaRPr lang="en-US"/>
+          </a:p>
+        </p:txBody>
+      </p:sp>
+      <p:sp>
+        <p:nvSpPr>
+          <p:cNvPr id="4" name="Slide Image Placeholder 3"/>
+          <p:cNvSpPr>
+            <a:spLocks noGrp="1" noRot="1" noChangeAspect="1"/>
+          </p:cNvSpPr>
+          <p:nvPr>
+            <p:ph type="sldImg" idx="2"/>
+          </p:nvPr>
+        </p:nvSpPr>
+        <p:spPr>
+          <a:xfrm>
+            <a:off x="1143000" y="685800"/>
+            <a:ext cx="4572000" cy="3429000"/>
+          </a:xfrm>
+          <a:prstGeom prst="rect">
+            <a:avLst/>
+          </a:prstGeom>
+          <a:noFill/>
+          <a:ln w="12700">
+            <a:solidFill>
+              <a:prstClr val="black"/>
+            </a:solidFill>
+          </a:ln>
+        </p:spPr>
+        <p:txBody>
+          <a:bodyPr vert="horz" lIns="91440" tIns="45720" rIns="91440" bIns="45720" rtlCol="0" anchor="ctr"/>
+          <a:lstStyle/>
+          <a:p>
+            <a:endParaRPr lang="en-US"/>
+          </a:p>
+        </p:txBody>
+      </p:sp>
+      <p:sp>
+        <p:nvSpPr>
+          <p:cNvPr id="5" name="Notes Placeholder 4"/>
+          <p:cNvSpPr>
+            <a:spLocks noGrp="1"/>
+          </p:cNvSpPr>
+          <p:nvPr>
+            <p:ph type="body" sz="quarter" idx="3"/>
+          </p:nvPr>
+        </p:nvSpPr>
+        <p:spPr>
+          <a:xfrm>
+            <a:off x="685800" y="4343400"/>
+            <a:ext cx="5486400" cy="4114800"/>
+          </a:xfrm>
+          <a:prstGeom prst="rect">
+            <a:avLst/>
+          </a:prstGeom>
+        </p:spPr>
+        <p:txBody>
+          <a:bodyPr vert="horz" lIns="91440" tIns="45720" rIns="91440" bIns="45720" rtlCol="0">
+            <a:normAutofit/>
+          </a:bodyPr>
+          <a:lstStyle/>
+          <a:p>
+            <a:pPr lvl="0"/>
+            <a:r>
+              <a:rPr lang="en-US" smtClean="0"/>
+              <a:t>Click to edit Master text styles</a:t>
+            </a:r>
+          </a:p>
+          <a:p>
+            <a:pPr lvl="1"/>
+            <a:r>
+              <a:rPr lang="en-US" smtClean="0"/>
+              <a:t>Second level</a:t>
+            </a:r>
+          </a:p>
+          <a:p>
+            <a:pPr lvl="2"/>
+            <a:r>
+              <a:rPr lang="en-US" smtClean="0"/>
+              <a:t>Third level</a:t>
+            </a:r>
+          </a:p>
+          <a:p>
+            <a:pPr lvl="3"/>
+            <a:r>
+              <a:rPr lang="en-US" smtClean="0"/>
+              <a:t>Fourth level</a:t>
+            </a:r>
+          </a:p>
+          <a:p>
+            <a:pPr lvl="4"/>
+            <a:r>
+              <a:rPr lang="en-US" smtClean="0"/>
+              <a:t>Fifth level</a:t>
+            </a:r>
+            <a:endParaRPr lang="en-US"/>
+          </a:p>
+        </p:txBody>
+      </p:sp>
+      <p:sp>
+        <p:nvSpPr>
+          <p:cNvPr id="6" name="Footer Placeholder 5"/>
+          <p:cNvSpPr>
+            <a:spLocks noGrp="1"/>
+          </p:cNvSpPr>
+          <p:nvPr>
+            <p:ph type="ftr" sz="quarter" idx="4"/>
+          </p:nvPr>
+        </p:nvSpPr>
+        <p:spPr>
+          <a:xfrm>
+            <a:off x="0" y="8685213"/>
+            <a:ext cx="2971800" cy="457200"/>
+          </a:xfrm>
+          <a:prstGeom prst="rect">
+            <a:avLst/>
+          </a:prstGeom>
+        </p:spPr>
+        <p:txBody>
+          <a:bodyPr vert="horz" lIns="91440" tIns="45720" rIns="91440" bIns="45720" rtlCol="0" anchor="b"/>
+          <a:lstStyle>
+            <a:lvl1pPr algn="l">
+              <a:defRPr sz="1200"/>
+            </a:lvl1pPr>
+          </a:lstStyle>
+          <a:p>
+            <a:endParaRPr lang="en-US"/>
+          </a:p>
+        </p:txBody>
+      </p:sp>
+      <p:sp>
+        <p:nvSpPr>
+          <p:cNvPr id="7" name="Slide Number Placeholder 6"/>
+          <p:cNvSpPr>
+            <a:spLocks noGrp="1"/>
+          </p:cNvSpPr>
+          <p:nvPr>
+            <p:ph type="sldNum" sz="quarter" idx="5"/>
+          </p:nvPr>
+        </p:nvSpPr>
+        <p:spPr>
+          <a:xfrm>
+            <a:off x="3884613" y="8685213"/>
+            <a:ext cx="2971800" cy="457200"/>
+          </a:xfrm>
+          <a:prstGeom prst="rect">
+            <a:avLst/>
+          </a:prstGeom>
+        </p:spPr>
+        <p:txBody>
+          <a:bodyPr vert="horz" lIns="91440" tIns="45720" rIns="91440" bIns="45720" rtlCol="0" anchor="b"/>
+          <a:lstStyle>
+            <a:lvl1pPr algn="r">
+              <a:defRPr sz="1200"/>
+            </a:lvl1pPr>
+          </a:lstStyle>
+          <a:p>
+            <a:fld id="{52494DA5-F55E-4B27-9A4E-51866B25DDAB}" type="slidenum">
+              <a:rPr lang="en-US" smtClean="0"/>
+              <a:t>‹#›</a:t>
+            </a:fld>
+            <a:endParaRPr lang="en-US"/>
+          </a:p>
+        </p:txBody>
+      </p:sp>
+    </p:spTree>
+  </p:cSld>
+  <p:clrMap bg1="lt1" tx1="dk1" bg2="lt2" tx2="dk2" accent1="accent1" accent2="accent2" accent3="accent3" accent4="accent4" accent5="accent5" accent6="accent6" hlink="hlink" folHlink="folHlink"/>
+  <p:notesStyle>
+    <a:lvl1pPr marL="0" algn="l" defTabSz="914400" rtl="0" eaLnBrk="1" latinLnBrk="0" hangingPunct="1">
+      <a:defRPr sz="1200" kern="1200">
+        <a:solidFill>
+          <a:schemeClr val="tx1"/>
+        </a:solidFill>
+        <a:latin typeface="+mn-lt"/>
+        <a:ea typeface="+mn-ea"/>
+        <a:cs typeface="+mn-cs"/>
+      </a:defRPr>
+    </a:lvl1pPr>
+    <a:lvl2pPr marL="457200" algn="l" defTabSz="914400" rtl="0" eaLnBrk="1" latinLnBrk="0" hangingPunct="1">
+      <a:defRPr sz="1200" kern="1200">
+        <a:solidFill>
+          <a:schemeClr val="tx1"/>
+        </a:solidFill>
+        <a:latin typeface="+mn-lt"/>
+        <a:ea typeface="+mn-ea"/>
+        <a:cs typeface="+mn-cs"/>
+      </a:defRPr>
+    </a:lvl2pPr>
+    <a:lvl3pPr marL="914400" algn="l" defTabSz="914400" rtl="0" eaLnBrk="1" latinLnBrk="0" hangingPunct="1">
+      <a:defRPr sz="1200" kern="1200">
+        <a:solidFill>
+          <a:schemeClr val="tx1"/>
+        </a:solidFill>
+        <a:latin typeface="+mn-lt"/>
+        <a:ea typeface="+mn-ea"/>
+        <a:cs typeface="+mn-cs"/>
+      </a:defRPr>
+    </a:lvl3pPr>
+    <a:lvl4pPr marL="1371600" algn="l" defTabSz="914400" rtl="0" eaLnBrk="1" latinLnBrk="0" hangingPunct="1">
+      <a:defRPr sz="1200" kern="1200">
+        <a:solidFill>
+          <a:schemeClr val="tx1"/>
+        </a:solidFill>
+        <a:latin typeface="+mn-lt"/>
+        <a:ea typeface="+mn-ea"/>
+        <a:cs typeface="+mn-cs"/>
+      </a:defRPr>
+    </a:lvl4pPr>
+    <a:lvl5pPr marL="1828800" algn="l" defTabSz="914400" rtl="0" eaLnBrk="1" latinLnBrk="0" hangingPunct="1">
+      <a:defRPr sz="1200" kern="1200">
+        <a:solidFill>
+          <a:schemeClr val="tx1"/>
+        </a:solidFill>
+        <a:latin typeface="+mn-lt"/>
+        <a:ea typeface="+mn-ea"/>
+        <a:cs typeface="+mn-cs"/>
+      </a:defRPr>
+    </a:lvl5pPr>
+    <a:lvl6pPr marL="2286000" algn="l" defTabSz="914400" rtl="0" eaLnBrk="1" latinLnBrk="0" hangingPunct="1">
+      <a:defRPr sz="1200" kern="1200">
+        <a:solidFill>
+          <a:schemeClr val="tx1"/>
+        </a:solidFill>
+        <a:latin typeface="+mn-lt"/>
+        <a:ea typeface="+mn-ea"/>
+        <a:cs typeface="+mn-cs"/>
+      </a:defRPr>
+    </a:lvl6pPr>
+    <a:lvl7pPr marL="2743200" algn="l" defTabSz="914400" rtl="0" eaLnBrk="1" latinLnBrk="0" hangingPunct="1">
+      <a:defRPr sz="1200" kern="1200">
+        <a:solidFill>
+          <a:schemeClr val="tx1"/>
+        </a:solidFill>
+        <a:latin typeface="+mn-lt"/>
+        <a:ea typeface="+mn-ea"/>
+        <a:cs typeface="+mn-cs"/>
+      </a:defRPr>
+    </a:lvl7pPr>
+    <a:lvl8pPr marL="3200400" algn="l" defTabSz="914400" rtl="0" eaLnBrk="1" latinLnBrk="0" hangingPunct="1">
+      <a:defRPr sz="1200" kern="1200">
+        <a:solidFill>
+          <a:schemeClr val="tx1"/>
+        </a:solidFill>
+        <a:latin typeface="+mn-lt"/>
+        <a:ea typeface="+mn-ea"/>
+        <a:cs typeface="+mn-cs"/>
+      </a:defRPr>
+    </a:lvl8pPr>
+    <a:lvl9pPr marL="3657600" algn="l" defTabSz="914400" rtl="0" eaLnBrk="1" latinLnBrk="0" hangingPunct="1">
+      <a:defRPr sz="1200" kern="1200">
+        <a:solidFill>
+          <a:schemeClr val="tx1"/>
+        </a:solidFill>
+        <a:latin typeface="+mn-lt"/>
+        <a:ea typeface="+mn-ea"/>
+        <a:cs typeface="+mn-cs"/>
+      </a:defRPr>
+    </a:lvl9pPr>
+  </p:notesStyle>
+</p:notesMaster>
+</file>
+
+<file path=ppt/notesSlides/notesSlide1.xml><?xml version="1.0" encoding="utf-8"?>
+<p:notes xmlns:a="http://schemas.openxmlformats.org/drawingml/2006/main" xmlns:r="http://schemas.openxmlformats.org/officeDocument/2006/relationships" xmlns:p="http://schemas.openxmlformats.org/presentationml/2006/main">
+  <p:cSld>
+    <p:spTree>
+      <p:nvGrpSpPr>
+        <p:cNvPr id="1" name=""/>
+        <p:cNvGrpSpPr/>
+        <p:nvPr/>
+      </p:nvGrpSpPr>
+      <p:grpSpPr>
+        <a:xfrm>
+          <a:off x="0" y="0"/>
+          <a:ext cx="0" cy="0"/>
+          <a:chOff x="0" y="0"/>
+          <a:chExt cx="0" cy="0"/>
+        </a:xfrm>
+      </p:grpSpPr>
+      <p:sp>
+        <p:nvSpPr>
+          <p:cNvPr id="2" name="Slide Image Placeholder 1"/>
+          <p:cNvSpPr>
+            <a:spLocks noGrp="1" noRot="1" noChangeAspect="1"/>
+          </p:cNvSpPr>
+          <p:nvPr>
+            <p:ph type="sldImg"/>
+          </p:nvPr>
+        </p:nvSpPr>
+        <p:spPr/>
+      </p:sp>
+      <p:sp>
+        <p:nvSpPr>
+          <p:cNvPr id="3" name="Notes Placeholder 2"/>
+          <p:cNvSpPr>
+            <a:spLocks noGrp="1"/>
+          </p:cNvSpPr>
+          <p:nvPr>
+            <p:ph type="body" idx="1"/>
+          </p:nvPr>
+        </p:nvSpPr>
+        <p:spPr/>
+        <p:txBody>
+          <a:bodyPr>
+            <a:normAutofit/>
+          </a:bodyPr>
+          <a:lstStyle/>
+          <a:p>
+            <a:endParaRPr lang="en-US" dirty="0"/>
+          </a:p>
+        </p:txBody>
+      </p:sp>
+      <p:sp>
+        <p:nvSpPr>
+          <p:cNvPr id="4" name="Slide Number Placeholder 3"/>
+          <p:cNvSpPr>
+            <a:spLocks noGrp="1"/>
+          </p:cNvSpPr>
+          <p:nvPr>
+            <p:ph type="sldNum" sz="quarter" idx="10"/>
+          </p:nvPr>
+        </p:nvSpPr>
+        <p:spPr/>
+        <p:txBody>
+          <a:bodyPr/>
+          <a:lstStyle/>
+          <a:p>
+            <a:fld id="{52494DA5-F55E-4B27-9A4E-51866B25DDAB}" type="slidenum">
+              <a:rPr lang="en-US" smtClean="0"/>
+              <a:t>13</a:t>
+            </a:fld>
+            <a:endParaRPr lang="en-US"/>
+          </a:p>
+        </p:txBody>
+      </p:sp>
+    </p:spTree>
+  </p:cSld>
+  <p:clrMapOvr>
+    <a:masterClrMapping/>
+  </p:clrMapOvr>
+</p:notes>
+</file>
+
 <file path=ppt/slideLayouts/slideLayout1.xml><?xml version="1.0" encoding="utf-8"?>
 <p:sldLayout xmlns:a="http://schemas.openxmlformats.org/drawingml/2006/main" xmlns:r="http://schemas.openxmlformats.org/officeDocument/2006/relationships" xmlns:p="http://schemas.openxmlformats.org/presentationml/2006/main" type="title" preserve="1">
   <p:cSld name="Title Slide">
@@ -763,8 +1204,8 @@
         </p:nvSpPr>
         <p:spPr>
           <a:xfrm>
-            <a:off x="457200" y="1371600"/>
-            <a:ext cx="8229600" cy="4572000"/>
+            <a:off x="457200" y="1280160"/>
+            <a:ext cx="8229600" cy="5120640"/>
           </a:xfrm>
         </p:spPr>
         <p:txBody>
@@ -774,7 +1215,7 @@
               <a:defRPr sz="2800"/>
             </a:lvl1pPr>
             <a:lvl2pPr>
-              <a:buSzPct val="90000"/>
+              <a:buSzPct val="70000"/>
               <a:buFont typeface="Courier New" pitchFamily="49" charset="0"/>
               <a:buChar char="o"/>
               <a:defRPr sz="2400"/>
@@ -782,8 +1223,14 @@
             <a:lvl3pPr>
               <a:buFont typeface="Wingdings" pitchFamily="2" charset="2"/>
               <a:buChar char="§"/>
-              <a:defRPr sz="1800"/>
+              <a:defRPr sz="2000"/>
             </a:lvl3pPr>
+            <a:lvl4pPr>
+              <a:buSzPct val="50000"/>
+              <a:buFont typeface="Wingdings" pitchFamily="2" charset="2"/>
+              <a:buChar char="q"/>
+              <a:defRPr sz="1800" baseline="0"/>
+            </a:lvl4pPr>
           </a:lstStyle>
           <a:p>
             <a:pPr lvl="0"/>
@@ -804,6 +1251,13 @@
             <a:r>
               <a:rPr lang="en-US" dirty="0" smtClean="0"/>
               <a:t>Third level</a:t>
+            </a:r>
+          </a:p>
+          <a:p>
+            <a:pPr lvl="3"/>
+            <a:r>
+              <a:rPr lang="en-US" dirty="0" smtClean="0"/>
+              <a:t>Fourth level</a:t>
             </a:r>
           </a:p>
         </p:txBody>
@@ -3195,6 +3649,1082 @@
 </p:sld>
 </file>
 
+<file path=ppt/slides/slide10.xml><?xml version="1.0" encoding="utf-8"?>
+<p:sld xmlns:a="http://schemas.openxmlformats.org/drawingml/2006/main" xmlns:r="http://schemas.openxmlformats.org/officeDocument/2006/relationships" xmlns:p="http://schemas.openxmlformats.org/presentationml/2006/main">
+  <p:cSld>
+    <p:spTree>
+      <p:nvGrpSpPr>
+        <p:cNvPr id="1" name=""/>
+        <p:cNvGrpSpPr/>
+        <p:nvPr/>
+      </p:nvGrpSpPr>
+      <p:grpSpPr>
+        <a:xfrm>
+          <a:off x="0" y="0"/>
+          <a:ext cx="0" cy="0"/>
+          <a:chOff x="0" y="0"/>
+          <a:chExt cx="0" cy="0"/>
+        </a:xfrm>
+      </p:grpSpPr>
+      <p:sp>
+        <p:nvSpPr>
+          <p:cNvPr id="2" name="Title 1"/>
+          <p:cNvSpPr>
+            <a:spLocks noGrp="1"/>
+          </p:cNvSpPr>
+          <p:nvPr>
+            <p:ph type="title"/>
+          </p:nvPr>
+        </p:nvSpPr>
+        <p:spPr/>
+        <p:txBody>
+          <a:bodyPr/>
+          <a:lstStyle/>
+          <a:p>
+            <a:r>
+              <a:rPr lang="en-US" dirty="0" smtClean="0"/>
+              <a:t>Firmware</a:t>
+            </a:r>
+            <a:endParaRPr lang="en-US" dirty="0"/>
+          </a:p>
+        </p:txBody>
+      </p:sp>
+      <p:sp>
+        <p:nvSpPr>
+          <p:cNvPr id="3" name="Content Placeholder 2"/>
+          <p:cNvSpPr>
+            <a:spLocks noGrp="1"/>
+          </p:cNvSpPr>
+          <p:nvPr>
+            <p:ph idx="1"/>
+          </p:nvPr>
+        </p:nvSpPr>
+        <p:spPr>
+          <a:xfrm>
+            <a:off x="457200" y="1371600"/>
+            <a:ext cx="8229600" cy="4953000"/>
+          </a:xfrm>
+        </p:spPr>
+        <p:txBody>
+          <a:bodyPr>
+            <a:noAutofit/>
+          </a:bodyPr>
+          <a:lstStyle/>
+          <a:p>
+            <a:r>
+              <a:rPr lang="en-US" sz="2000" dirty="0" smtClean="0"/>
+              <a:t>IMAGE</a:t>
+            </a:r>
+            <a:endParaRPr lang="en-US" sz="2000" dirty="0"/>
+          </a:p>
+        </p:txBody>
+      </p:sp>
+    </p:spTree>
+  </p:cSld>
+  <p:clrMapOvr>
+    <a:masterClrMapping/>
+  </p:clrMapOvr>
+</p:sld>
+</file>
+
+<file path=ppt/slides/slide11.xml><?xml version="1.0" encoding="utf-8"?>
+<p:sld xmlns:a="http://schemas.openxmlformats.org/drawingml/2006/main" xmlns:r="http://schemas.openxmlformats.org/officeDocument/2006/relationships" xmlns:p="http://schemas.openxmlformats.org/presentationml/2006/main">
+  <p:cSld>
+    <p:spTree>
+      <p:nvGrpSpPr>
+        <p:cNvPr id="1" name=""/>
+        <p:cNvGrpSpPr/>
+        <p:nvPr/>
+      </p:nvGrpSpPr>
+      <p:grpSpPr>
+        <a:xfrm>
+          <a:off x="0" y="0"/>
+          <a:ext cx="0" cy="0"/>
+          <a:chOff x="0" y="0"/>
+          <a:chExt cx="0" cy="0"/>
+        </a:xfrm>
+      </p:grpSpPr>
+      <p:sp>
+        <p:nvSpPr>
+          <p:cNvPr id="2" name="Title 1"/>
+          <p:cNvSpPr>
+            <a:spLocks noGrp="1"/>
+          </p:cNvSpPr>
+          <p:nvPr>
+            <p:ph type="title"/>
+          </p:nvPr>
+        </p:nvSpPr>
+        <p:spPr/>
+        <p:txBody>
+          <a:bodyPr/>
+          <a:lstStyle/>
+          <a:p>
+            <a:r>
+              <a:rPr lang="en-US" dirty="0" smtClean="0"/>
+              <a:t>Firmware</a:t>
+            </a:r>
+            <a:endParaRPr lang="en-US" dirty="0"/>
+          </a:p>
+        </p:txBody>
+      </p:sp>
+      <p:sp>
+        <p:nvSpPr>
+          <p:cNvPr id="3" name="Content Placeholder 2"/>
+          <p:cNvSpPr>
+            <a:spLocks noGrp="1"/>
+          </p:cNvSpPr>
+          <p:nvPr>
+            <p:ph idx="1"/>
+          </p:nvPr>
+        </p:nvSpPr>
+        <p:spPr>
+          <a:xfrm>
+            <a:off x="457200" y="1371600"/>
+            <a:ext cx="8229600" cy="4953000"/>
+          </a:xfrm>
+        </p:spPr>
+        <p:txBody>
+          <a:bodyPr>
+            <a:noAutofit/>
+          </a:bodyPr>
+          <a:lstStyle/>
+          <a:p>
+            <a:r>
+              <a:rPr lang="en-US" sz="2000" dirty="0" smtClean="0"/>
+              <a:t>Tag</a:t>
+            </a:r>
+          </a:p>
+          <a:p>
+            <a:pPr lvl="1"/>
+            <a:r>
+              <a:rPr lang="en-US" sz="1800" dirty="0" smtClean="0"/>
+              <a:t>Mostly in low power state</a:t>
+            </a:r>
+          </a:p>
+          <a:p>
+            <a:pPr lvl="1"/>
+            <a:r>
+              <a:rPr lang="en-US" sz="1800" dirty="0" smtClean="0"/>
+              <a:t>Periodically wakes up to broadcast</a:t>
+            </a:r>
+          </a:p>
+          <a:p>
+            <a:r>
+              <a:rPr lang="en-US" sz="2000" dirty="0" smtClean="0"/>
+              <a:t>Detector</a:t>
+            </a:r>
+            <a:endParaRPr lang="en-US" sz="2000" dirty="0" smtClean="0"/>
+          </a:p>
+          <a:p>
+            <a:pPr lvl="1"/>
+            <a:r>
+              <a:rPr lang="en-US" sz="1800" dirty="0" smtClean="0"/>
+              <a:t>Listen for messages from tags and </a:t>
+            </a:r>
+            <a:r>
+              <a:rPr lang="en-US" sz="1800" dirty="0" smtClean="0"/>
+              <a:t>other detectors</a:t>
+            </a:r>
+            <a:endParaRPr lang="en-US" sz="1800" dirty="0" smtClean="0"/>
+          </a:p>
+          <a:p>
+            <a:pPr lvl="1"/>
+            <a:r>
+              <a:rPr lang="en-US" sz="1800" dirty="0" smtClean="0"/>
+              <a:t>Controlled </a:t>
+            </a:r>
+            <a:r>
+              <a:rPr lang="en-US" sz="1800" dirty="0" smtClean="0"/>
+              <a:t>flooding</a:t>
+            </a:r>
+            <a:endParaRPr lang="en-US" sz="1800" dirty="0" smtClean="0"/>
+          </a:p>
+          <a:p>
+            <a:pPr lvl="1"/>
+            <a:r>
+              <a:rPr lang="en-US" sz="1800" dirty="0" smtClean="0"/>
+              <a:t>Collision avoidance via </a:t>
+            </a:r>
+            <a:r>
+              <a:rPr lang="en-US" sz="1800" dirty="0" smtClean="0"/>
+              <a:t>time </a:t>
+            </a:r>
+            <a:r>
+              <a:rPr lang="en-US" sz="1800" dirty="0" smtClean="0"/>
+              <a:t>division</a:t>
+            </a:r>
+          </a:p>
+          <a:p>
+            <a:r>
+              <a:rPr lang="en-US" sz="2000" dirty="0" smtClean="0"/>
+              <a:t>Proxy</a:t>
+            </a:r>
+          </a:p>
+          <a:p>
+            <a:pPr lvl="1"/>
+            <a:r>
+              <a:rPr lang="en-US" sz="1800" dirty="0" smtClean="0"/>
+              <a:t>Listens for messages from detectors</a:t>
+            </a:r>
+          </a:p>
+          <a:p>
+            <a:pPr lvl="1"/>
+            <a:r>
+              <a:rPr lang="en-US" sz="1800" dirty="0" smtClean="0"/>
+              <a:t>Forwards messages to Controller</a:t>
+            </a:r>
+            <a:endParaRPr lang="en-US" sz="1800" dirty="0" smtClean="0"/>
+          </a:p>
+          <a:p>
+            <a:r>
+              <a:rPr lang="en-US" sz="2000" dirty="0" smtClean="0"/>
+              <a:t>Generally</a:t>
+            </a:r>
+            <a:endParaRPr lang="en-US" sz="2000" dirty="0" smtClean="0"/>
+          </a:p>
+          <a:p>
+            <a:pPr lvl="1"/>
+            <a:r>
+              <a:rPr lang="en-US" sz="1800" dirty="0" smtClean="0"/>
+              <a:t>All speak a common message format which includes</a:t>
+            </a:r>
+          </a:p>
+          <a:p>
+            <a:pPr lvl="2"/>
+            <a:r>
+              <a:rPr lang="en-US" sz="1400" dirty="0" smtClean="0"/>
+              <a:t>Battery Information</a:t>
+            </a:r>
+          </a:p>
+          <a:p>
+            <a:pPr lvl="2"/>
+            <a:r>
+              <a:rPr lang="en-US" sz="1400" dirty="0" smtClean="0"/>
+              <a:t>Infrastructure for a more sophisticated routing protocol</a:t>
+            </a:r>
+          </a:p>
+          <a:p>
+            <a:pPr lvl="2"/>
+            <a:r>
+              <a:rPr lang="en-US" sz="1400" dirty="0" smtClean="0"/>
+              <a:t>Fixed </a:t>
+            </a:r>
+            <a:r>
+              <a:rPr lang="en-US" sz="1400" dirty="0" smtClean="0"/>
+              <a:t>length</a:t>
+            </a:r>
+            <a:endParaRPr lang="en-US" sz="1400" dirty="0" smtClean="0"/>
+          </a:p>
+        </p:txBody>
+      </p:sp>
+    </p:spTree>
+  </p:cSld>
+  <p:clrMapOvr>
+    <a:masterClrMapping/>
+  </p:clrMapOvr>
+</p:sld>
+</file>
+
+<file path=ppt/slides/slide12.xml><?xml version="1.0" encoding="utf-8"?>
+<p:sld xmlns:a="http://schemas.openxmlformats.org/drawingml/2006/main" xmlns:r="http://schemas.openxmlformats.org/officeDocument/2006/relationships" xmlns:p="http://schemas.openxmlformats.org/presentationml/2006/main">
+  <p:cSld>
+    <p:spTree>
+      <p:nvGrpSpPr>
+        <p:cNvPr id="1" name=""/>
+        <p:cNvGrpSpPr/>
+        <p:nvPr/>
+      </p:nvGrpSpPr>
+      <p:grpSpPr>
+        <a:xfrm>
+          <a:off x="0" y="0"/>
+          <a:ext cx="0" cy="0"/>
+          <a:chOff x="0" y="0"/>
+          <a:chExt cx="0" cy="0"/>
+        </a:xfrm>
+      </p:grpSpPr>
+      <p:sp>
+        <p:nvSpPr>
+          <p:cNvPr id="5" name="Title 4"/>
+          <p:cNvSpPr>
+            <a:spLocks noGrp="1"/>
+          </p:cNvSpPr>
+          <p:nvPr>
+            <p:ph type="title"/>
+          </p:nvPr>
+        </p:nvSpPr>
+        <p:spPr>
+          <a:xfrm>
+            <a:off x="457200" y="0"/>
+            <a:ext cx="8229600" cy="914400"/>
+          </a:xfrm>
+          <a:noFill/>
+        </p:spPr>
+        <p:txBody>
+          <a:bodyPr lIns="91440" tIns="0" bIns="0">
+            <a:normAutofit/>
+          </a:bodyPr>
+          <a:lstStyle/>
+          <a:p>
+            <a:r>
+              <a:rPr lang="en-US" dirty="0" smtClean="0"/>
+              <a:t>Agenda</a:t>
+            </a:r>
+            <a:endParaRPr lang="en-US" dirty="0"/>
+          </a:p>
+        </p:txBody>
+      </p:sp>
+      <p:sp>
+        <p:nvSpPr>
+          <p:cNvPr id="6" name="Content Placeholder 5"/>
+          <p:cNvSpPr>
+            <a:spLocks noGrp="1"/>
+          </p:cNvSpPr>
+          <p:nvPr>
+            <p:ph idx="1"/>
+          </p:nvPr>
+        </p:nvSpPr>
+        <p:spPr>
+          <a:xfrm>
+            <a:off x="457200" y="1219200"/>
+            <a:ext cx="8229600" cy="5181600"/>
+          </a:xfrm>
+        </p:spPr>
+        <p:txBody>
+          <a:bodyPr/>
+          <a:lstStyle/>
+          <a:p>
+            <a:r>
+              <a:rPr lang="en-US" dirty="0" smtClean="0">
+                <a:solidFill>
+                  <a:schemeClr val="bg1">
+                    <a:lumMod val="65000"/>
+                  </a:schemeClr>
+                </a:solidFill>
+              </a:rPr>
+              <a:t>System Overview</a:t>
+            </a:r>
+          </a:p>
+          <a:p>
+            <a:r>
+              <a:rPr lang="en-US" dirty="0" smtClean="0">
+                <a:solidFill>
+                  <a:schemeClr val="bg1">
+                    <a:lumMod val="65000"/>
+                  </a:schemeClr>
+                </a:solidFill>
+              </a:rPr>
+              <a:t>Hardware</a:t>
+            </a:r>
+          </a:p>
+          <a:p>
+            <a:r>
+              <a:rPr lang="en-US" dirty="0" smtClean="0">
+                <a:solidFill>
+                  <a:schemeClr val="bg1">
+                    <a:lumMod val="65000"/>
+                  </a:schemeClr>
+                </a:solidFill>
+              </a:rPr>
+              <a:t>Firmware</a:t>
+            </a:r>
+          </a:p>
+          <a:p>
+            <a:r>
+              <a:rPr lang="en-US" dirty="0" smtClean="0"/>
+              <a:t>Software</a:t>
+            </a:r>
+          </a:p>
+          <a:p>
+            <a:r>
+              <a:rPr lang="en-US" dirty="0" smtClean="0">
+                <a:solidFill>
+                  <a:schemeClr val="bg1">
+                    <a:lumMod val="65000"/>
+                  </a:schemeClr>
+                </a:solidFill>
+              </a:rPr>
+              <a:t>Deployment</a:t>
+            </a:r>
+          </a:p>
+          <a:p>
+            <a:r>
+              <a:rPr lang="en-US" dirty="0" smtClean="0">
+                <a:solidFill>
+                  <a:schemeClr val="bg1">
+                    <a:lumMod val="65000"/>
+                  </a:schemeClr>
+                </a:solidFill>
+              </a:rPr>
+              <a:t>Results</a:t>
+            </a:r>
+          </a:p>
+          <a:p>
+            <a:r>
+              <a:rPr lang="en-US" dirty="0" smtClean="0">
+                <a:solidFill>
+                  <a:schemeClr val="bg1">
+                    <a:lumMod val="65000"/>
+                  </a:schemeClr>
+                </a:solidFill>
+              </a:rPr>
+              <a:t>Conclusions</a:t>
+            </a:r>
+          </a:p>
+          <a:p>
+            <a:pPr>
+              <a:buNone/>
+            </a:pPr>
+            <a:endParaRPr lang="en-US" dirty="0"/>
+          </a:p>
+        </p:txBody>
+      </p:sp>
+    </p:spTree>
+  </p:cSld>
+  <p:clrMapOvr>
+    <a:masterClrMapping/>
+  </p:clrMapOvr>
+  <p:timing>
+    <p:tnLst>
+      <p:par>
+        <p:cTn id="1" dur="indefinite" restart="never" nodeType="tmRoot"/>
+      </p:par>
+    </p:tnLst>
+  </p:timing>
+</p:sld>
+</file>
+
+<file path=ppt/slides/slide13.xml><?xml version="1.0" encoding="utf-8"?>
+<p:sld xmlns:a="http://schemas.openxmlformats.org/drawingml/2006/main" xmlns:r="http://schemas.openxmlformats.org/officeDocument/2006/relationships" xmlns:p="http://schemas.openxmlformats.org/presentationml/2006/main">
+  <p:cSld>
+    <p:spTree>
+      <p:nvGrpSpPr>
+        <p:cNvPr id="1" name=""/>
+        <p:cNvGrpSpPr/>
+        <p:nvPr/>
+      </p:nvGrpSpPr>
+      <p:grpSpPr>
+        <a:xfrm>
+          <a:off x="0" y="0"/>
+          <a:ext cx="0" cy="0"/>
+          <a:chOff x="0" y="0"/>
+          <a:chExt cx="0" cy="0"/>
+        </a:xfrm>
+      </p:grpSpPr>
+      <p:sp>
+        <p:nvSpPr>
+          <p:cNvPr id="2" name="Title 1"/>
+          <p:cNvSpPr>
+            <a:spLocks noGrp="1"/>
+          </p:cNvSpPr>
+          <p:nvPr>
+            <p:ph type="title"/>
+          </p:nvPr>
+        </p:nvSpPr>
+        <p:spPr/>
+        <p:txBody>
+          <a:bodyPr/>
+          <a:lstStyle/>
+          <a:p>
+            <a:r>
+              <a:rPr lang="en-US" dirty="0" smtClean="0"/>
+              <a:t>Software</a:t>
+            </a:r>
+            <a:endParaRPr lang="en-US" dirty="0"/>
+          </a:p>
+        </p:txBody>
+      </p:sp>
+      <p:sp>
+        <p:nvSpPr>
+          <p:cNvPr id="3" name="Content Placeholder 2"/>
+          <p:cNvSpPr>
+            <a:spLocks noGrp="1"/>
+          </p:cNvSpPr>
+          <p:nvPr>
+            <p:ph idx="1"/>
+          </p:nvPr>
+        </p:nvSpPr>
+        <p:spPr/>
+        <p:txBody>
+          <a:bodyPr/>
+          <a:lstStyle/>
+          <a:p>
+            <a:r>
+              <a:rPr lang="en-US" dirty="0" smtClean="0"/>
+              <a:t>Controller</a:t>
+            </a:r>
+          </a:p>
+          <a:p>
+            <a:pPr lvl="1"/>
+            <a:r>
+              <a:rPr lang="en-US" dirty="0" smtClean="0"/>
+              <a:t>Collects data from Proxy</a:t>
+            </a:r>
+          </a:p>
+          <a:p>
+            <a:pPr lvl="1"/>
+            <a:r>
+              <a:rPr lang="en-US" dirty="0" smtClean="0"/>
+              <a:t>Feed data to Location Engine</a:t>
+            </a:r>
+          </a:p>
+          <a:p>
+            <a:pPr lvl="1"/>
+            <a:r>
+              <a:rPr lang="en-US" dirty="0" smtClean="0"/>
+              <a:t>Two operating modes</a:t>
+            </a:r>
+          </a:p>
+          <a:p>
+            <a:pPr lvl="2"/>
+            <a:r>
+              <a:rPr lang="en-US" dirty="0" smtClean="0"/>
+              <a:t>Calibrating</a:t>
+            </a:r>
+          </a:p>
+          <a:p>
+            <a:pPr lvl="3"/>
+            <a:r>
+              <a:rPr lang="en-US" dirty="0" smtClean="0"/>
+              <a:t>Collects RF signature at calibration points</a:t>
+            </a:r>
+          </a:p>
+          <a:p>
+            <a:pPr lvl="3"/>
+            <a:r>
+              <a:rPr lang="en-US" dirty="0" smtClean="0"/>
+              <a:t>Stores calibration data in a local database</a:t>
+            </a:r>
+          </a:p>
+          <a:p>
+            <a:pPr lvl="2"/>
+            <a:r>
+              <a:rPr lang="en-US" dirty="0" smtClean="0"/>
+              <a:t>Locating</a:t>
+            </a:r>
+          </a:p>
+          <a:p>
+            <a:pPr lvl="3"/>
+            <a:r>
+              <a:rPr lang="en-US" dirty="0" smtClean="0"/>
+              <a:t>Passes calibration data to Location Engine</a:t>
+            </a:r>
+          </a:p>
+          <a:p>
+            <a:pPr lvl="3"/>
+            <a:r>
+              <a:rPr lang="en-US" dirty="0" smtClean="0"/>
+              <a:t>Collects and sorts data into packets</a:t>
+            </a:r>
+          </a:p>
+          <a:p>
+            <a:pPr lvl="3"/>
+            <a:r>
+              <a:rPr lang="en-US" dirty="0" smtClean="0"/>
+              <a:t>Feeds the packets to Location Engine</a:t>
+            </a:r>
+          </a:p>
+          <a:p>
+            <a:pPr lvl="3"/>
+            <a:r>
+              <a:rPr lang="en-US" dirty="0" smtClean="0"/>
+              <a:t>Stores results in MySQL Database</a:t>
+            </a:r>
+            <a:endParaRPr lang="en-US" dirty="0"/>
+          </a:p>
+        </p:txBody>
+      </p:sp>
+    </p:spTree>
+  </p:cSld>
+  <p:clrMapOvr>
+    <a:masterClrMapping/>
+  </p:clrMapOvr>
+  <p:timing>
+    <p:tnLst>
+      <p:par>
+        <p:cTn id="1" dur="indefinite" restart="never" nodeType="tmRoot"/>
+      </p:par>
+    </p:tnLst>
+  </p:timing>
+</p:sld>
+</file>
+
+<file path=ppt/slides/slide14.xml><?xml version="1.0" encoding="utf-8"?>
+<p:sld xmlns:a="http://schemas.openxmlformats.org/drawingml/2006/main" xmlns:r="http://schemas.openxmlformats.org/officeDocument/2006/relationships" xmlns:p="http://schemas.openxmlformats.org/presentationml/2006/main">
+  <p:cSld>
+    <p:spTree>
+      <p:nvGrpSpPr>
+        <p:cNvPr id="1" name=""/>
+        <p:cNvGrpSpPr/>
+        <p:nvPr/>
+      </p:nvGrpSpPr>
+      <p:grpSpPr>
+        <a:xfrm>
+          <a:off x="0" y="0"/>
+          <a:ext cx="0" cy="0"/>
+          <a:chOff x="0" y="0"/>
+          <a:chExt cx="0" cy="0"/>
+        </a:xfrm>
+      </p:grpSpPr>
+      <p:sp>
+        <p:nvSpPr>
+          <p:cNvPr id="2" name="Title 1"/>
+          <p:cNvSpPr>
+            <a:spLocks noGrp="1"/>
+          </p:cNvSpPr>
+          <p:nvPr>
+            <p:ph type="title"/>
+          </p:nvPr>
+        </p:nvSpPr>
+        <p:spPr/>
+        <p:txBody>
+          <a:bodyPr/>
+          <a:lstStyle/>
+          <a:p>
+            <a:r>
+              <a:rPr lang="en-US" dirty="0" smtClean="0"/>
+              <a:t>Software</a:t>
+            </a:r>
+            <a:endParaRPr lang="en-US" dirty="0"/>
+          </a:p>
+        </p:txBody>
+      </p:sp>
+      <p:sp>
+        <p:nvSpPr>
+          <p:cNvPr id="3" name="Content Placeholder 2"/>
+          <p:cNvSpPr>
+            <a:spLocks noGrp="1"/>
+          </p:cNvSpPr>
+          <p:nvPr>
+            <p:ph idx="1"/>
+          </p:nvPr>
+        </p:nvSpPr>
+        <p:spPr/>
+        <p:txBody>
+          <a:bodyPr/>
+          <a:lstStyle/>
+          <a:p>
+            <a:endParaRPr lang="en-US"/>
+          </a:p>
+        </p:txBody>
+      </p:sp>
+    </p:spTree>
+  </p:cSld>
+  <p:clrMapOvr>
+    <a:masterClrMapping/>
+  </p:clrMapOvr>
+  <p:timing>
+    <p:tnLst>
+      <p:par>
+        <p:cTn id="1" dur="indefinite" restart="never" nodeType="tmRoot"/>
+      </p:par>
+    </p:tnLst>
+  </p:timing>
+</p:sld>
+</file>
+
+<file path=ppt/slides/slide15.xml><?xml version="1.0" encoding="utf-8"?>
+<p:sld xmlns:a="http://schemas.openxmlformats.org/drawingml/2006/main" xmlns:r="http://schemas.openxmlformats.org/officeDocument/2006/relationships" xmlns:p="http://schemas.openxmlformats.org/presentationml/2006/main">
+  <p:cSld>
+    <p:spTree>
+      <p:nvGrpSpPr>
+        <p:cNvPr id="1" name=""/>
+        <p:cNvGrpSpPr/>
+        <p:nvPr/>
+      </p:nvGrpSpPr>
+      <p:grpSpPr>
+        <a:xfrm>
+          <a:off x="0" y="0"/>
+          <a:ext cx="0" cy="0"/>
+          <a:chOff x="0" y="0"/>
+          <a:chExt cx="0" cy="0"/>
+        </a:xfrm>
+      </p:grpSpPr>
+      <p:sp>
+        <p:nvSpPr>
+          <p:cNvPr id="2" name="Title 1"/>
+          <p:cNvSpPr>
+            <a:spLocks noGrp="1"/>
+          </p:cNvSpPr>
+          <p:nvPr>
+            <p:ph type="title"/>
+          </p:nvPr>
+        </p:nvSpPr>
+        <p:spPr/>
+        <p:txBody>
+          <a:bodyPr/>
+          <a:lstStyle/>
+          <a:p>
+            <a:r>
+              <a:rPr lang="en-US" dirty="0" smtClean="0"/>
+              <a:t>Software</a:t>
+            </a:r>
+            <a:endParaRPr lang="en-US" dirty="0"/>
+          </a:p>
+        </p:txBody>
+      </p:sp>
+      <p:sp>
+        <p:nvSpPr>
+          <p:cNvPr id="3" name="Content Placeholder 2"/>
+          <p:cNvSpPr>
+            <a:spLocks noGrp="1"/>
+          </p:cNvSpPr>
+          <p:nvPr>
+            <p:ph idx="1"/>
+          </p:nvPr>
+        </p:nvSpPr>
+        <p:spPr/>
+        <p:txBody>
+          <a:bodyPr/>
+          <a:lstStyle/>
+          <a:p>
+            <a:endParaRPr lang="en-US"/>
+          </a:p>
+        </p:txBody>
+      </p:sp>
+    </p:spTree>
+  </p:cSld>
+  <p:clrMapOvr>
+    <a:masterClrMapping/>
+  </p:clrMapOvr>
+</p:sld>
+</file>
+
+<file path=ppt/slides/slide16.xml><?xml version="1.0" encoding="utf-8"?>
+<p:sld xmlns:a="http://schemas.openxmlformats.org/drawingml/2006/main" xmlns:r="http://schemas.openxmlformats.org/officeDocument/2006/relationships" xmlns:p="http://schemas.openxmlformats.org/presentationml/2006/main">
+  <p:cSld>
+    <p:spTree>
+      <p:nvGrpSpPr>
+        <p:cNvPr id="1" name=""/>
+        <p:cNvGrpSpPr/>
+        <p:nvPr/>
+      </p:nvGrpSpPr>
+      <p:grpSpPr>
+        <a:xfrm>
+          <a:off x="0" y="0"/>
+          <a:ext cx="0" cy="0"/>
+          <a:chOff x="0" y="0"/>
+          <a:chExt cx="0" cy="0"/>
+        </a:xfrm>
+      </p:grpSpPr>
+      <p:sp>
+        <p:nvSpPr>
+          <p:cNvPr id="5" name="Title 4"/>
+          <p:cNvSpPr>
+            <a:spLocks noGrp="1"/>
+          </p:cNvSpPr>
+          <p:nvPr>
+            <p:ph type="title"/>
+          </p:nvPr>
+        </p:nvSpPr>
+        <p:spPr>
+          <a:xfrm>
+            <a:off x="457200" y="0"/>
+            <a:ext cx="8229600" cy="914400"/>
+          </a:xfrm>
+          <a:noFill/>
+        </p:spPr>
+        <p:txBody>
+          <a:bodyPr lIns="91440" tIns="0" bIns="0">
+            <a:normAutofit/>
+          </a:bodyPr>
+          <a:lstStyle/>
+          <a:p>
+            <a:r>
+              <a:rPr lang="en-US" dirty="0" smtClean="0"/>
+              <a:t>Agenda</a:t>
+            </a:r>
+            <a:endParaRPr lang="en-US" dirty="0"/>
+          </a:p>
+        </p:txBody>
+      </p:sp>
+      <p:sp>
+        <p:nvSpPr>
+          <p:cNvPr id="6" name="Content Placeholder 5"/>
+          <p:cNvSpPr>
+            <a:spLocks noGrp="1"/>
+          </p:cNvSpPr>
+          <p:nvPr>
+            <p:ph idx="1"/>
+          </p:nvPr>
+        </p:nvSpPr>
+        <p:spPr>
+          <a:xfrm>
+            <a:off x="457200" y="1219200"/>
+            <a:ext cx="8229600" cy="5181600"/>
+          </a:xfrm>
+        </p:spPr>
+        <p:txBody>
+          <a:bodyPr/>
+          <a:lstStyle/>
+          <a:p>
+            <a:r>
+              <a:rPr lang="en-US" dirty="0" smtClean="0">
+                <a:solidFill>
+                  <a:schemeClr val="bg1">
+                    <a:lumMod val="65000"/>
+                  </a:schemeClr>
+                </a:solidFill>
+              </a:rPr>
+              <a:t>System Overview</a:t>
+            </a:r>
+          </a:p>
+          <a:p>
+            <a:r>
+              <a:rPr lang="en-US" dirty="0" smtClean="0">
+                <a:solidFill>
+                  <a:schemeClr val="bg1">
+                    <a:lumMod val="65000"/>
+                  </a:schemeClr>
+                </a:solidFill>
+              </a:rPr>
+              <a:t>Hardware</a:t>
+            </a:r>
+          </a:p>
+          <a:p>
+            <a:r>
+              <a:rPr lang="en-US" dirty="0" smtClean="0">
+                <a:solidFill>
+                  <a:schemeClr val="bg1">
+                    <a:lumMod val="65000"/>
+                  </a:schemeClr>
+                </a:solidFill>
+              </a:rPr>
+              <a:t>Firmware</a:t>
+            </a:r>
+          </a:p>
+          <a:p>
+            <a:r>
+              <a:rPr lang="en-US" dirty="0" smtClean="0">
+                <a:solidFill>
+                  <a:schemeClr val="bg1">
+                    <a:lumMod val="65000"/>
+                  </a:schemeClr>
+                </a:solidFill>
+              </a:rPr>
+              <a:t>Software</a:t>
+            </a:r>
+          </a:p>
+          <a:p>
+            <a:r>
+              <a:rPr lang="en-US" dirty="0" smtClean="0"/>
+              <a:t>Deployment</a:t>
+            </a:r>
+          </a:p>
+          <a:p>
+            <a:r>
+              <a:rPr lang="en-US" dirty="0" smtClean="0">
+                <a:solidFill>
+                  <a:schemeClr val="bg1">
+                    <a:lumMod val="65000"/>
+                  </a:schemeClr>
+                </a:solidFill>
+              </a:rPr>
+              <a:t>Results</a:t>
+            </a:r>
+          </a:p>
+          <a:p>
+            <a:r>
+              <a:rPr lang="en-US" dirty="0" smtClean="0">
+                <a:solidFill>
+                  <a:schemeClr val="bg1">
+                    <a:lumMod val="65000"/>
+                  </a:schemeClr>
+                </a:solidFill>
+              </a:rPr>
+              <a:t>Conclusions</a:t>
+            </a:r>
+          </a:p>
+          <a:p>
+            <a:pPr>
+              <a:buNone/>
+            </a:pPr>
+            <a:endParaRPr lang="en-US" dirty="0"/>
+          </a:p>
+        </p:txBody>
+      </p:sp>
+    </p:spTree>
+  </p:cSld>
+  <p:clrMapOvr>
+    <a:masterClrMapping/>
+  </p:clrMapOvr>
+  <p:timing>
+    <p:tnLst>
+      <p:par>
+        <p:cTn id="1" dur="indefinite" restart="never" nodeType="tmRoot"/>
+      </p:par>
+    </p:tnLst>
+  </p:timing>
+</p:sld>
+</file>
+
+<file path=ppt/slides/slide17.xml><?xml version="1.0" encoding="utf-8"?>
+<p:sld xmlns:a="http://schemas.openxmlformats.org/drawingml/2006/main" xmlns:r="http://schemas.openxmlformats.org/officeDocument/2006/relationships" xmlns:p="http://schemas.openxmlformats.org/presentationml/2006/main">
+  <p:cSld>
+    <p:spTree>
+      <p:nvGrpSpPr>
+        <p:cNvPr id="1" name=""/>
+        <p:cNvGrpSpPr/>
+        <p:nvPr/>
+      </p:nvGrpSpPr>
+      <p:grpSpPr>
+        <a:xfrm>
+          <a:off x="0" y="0"/>
+          <a:ext cx="0" cy="0"/>
+          <a:chOff x="0" y="0"/>
+          <a:chExt cx="0" cy="0"/>
+        </a:xfrm>
+      </p:grpSpPr>
+      <p:sp>
+        <p:nvSpPr>
+          <p:cNvPr id="5" name="Title 4"/>
+          <p:cNvSpPr>
+            <a:spLocks noGrp="1"/>
+          </p:cNvSpPr>
+          <p:nvPr>
+            <p:ph type="title"/>
+          </p:nvPr>
+        </p:nvSpPr>
+        <p:spPr>
+          <a:xfrm>
+            <a:off x="457200" y="0"/>
+            <a:ext cx="8229600" cy="914400"/>
+          </a:xfrm>
+          <a:noFill/>
+        </p:spPr>
+        <p:txBody>
+          <a:bodyPr lIns="91440" tIns="0" bIns="0">
+            <a:normAutofit/>
+          </a:bodyPr>
+          <a:lstStyle/>
+          <a:p>
+            <a:r>
+              <a:rPr lang="en-US" dirty="0" smtClean="0"/>
+              <a:t>Agenda</a:t>
+            </a:r>
+            <a:endParaRPr lang="en-US" dirty="0"/>
+          </a:p>
+        </p:txBody>
+      </p:sp>
+      <p:sp>
+        <p:nvSpPr>
+          <p:cNvPr id="6" name="Content Placeholder 5"/>
+          <p:cNvSpPr>
+            <a:spLocks noGrp="1"/>
+          </p:cNvSpPr>
+          <p:nvPr>
+            <p:ph idx="1"/>
+          </p:nvPr>
+        </p:nvSpPr>
+        <p:spPr>
+          <a:xfrm>
+            <a:off x="457200" y="1219200"/>
+            <a:ext cx="8229600" cy="5181600"/>
+          </a:xfrm>
+        </p:spPr>
+        <p:txBody>
+          <a:bodyPr/>
+          <a:lstStyle/>
+          <a:p>
+            <a:r>
+              <a:rPr lang="en-US" dirty="0" smtClean="0">
+                <a:solidFill>
+                  <a:schemeClr val="bg1">
+                    <a:lumMod val="65000"/>
+                  </a:schemeClr>
+                </a:solidFill>
+              </a:rPr>
+              <a:t>System Overview</a:t>
+            </a:r>
+          </a:p>
+          <a:p>
+            <a:r>
+              <a:rPr lang="en-US" dirty="0" smtClean="0">
+                <a:solidFill>
+                  <a:schemeClr val="bg1">
+                    <a:lumMod val="65000"/>
+                  </a:schemeClr>
+                </a:solidFill>
+              </a:rPr>
+              <a:t>Hardware</a:t>
+            </a:r>
+          </a:p>
+          <a:p>
+            <a:r>
+              <a:rPr lang="en-US" dirty="0" smtClean="0">
+                <a:solidFill>
+                  <a:schemeClr val="bg1">
+                    <a:lumMod val="65000"/>
+                  </a:schemeClr>
+                </a:solidFill>
+              </a:rPr>
+              <a:t>Firmware</a:t>
+            </a:r>
+          </a:p>
+          <a:p>
+            <a:r>
+              <a:rPr lang="en-US" dirty="0" smtClean="0">
+                <a:solidFill>
+                  <a:schemeClr val="bg1">
+                    <a:lumMod val="65000"/>
+                  </a:schemeClr>
+                </a:solidFill>
+              </a:rPr>
+              <a:t>Software</a:t>
+            </a:r>
+          </a:p>
+          <a:p>
+            <a:r>
+              <a:rPr lang="en-US" dirty="0" smtClean="0">
+                <a:solidFill>
+                  <a:schemeClr val="bg1">
+                    <a:lumMod val="65000"/>
+                  </a:schemeClr>
+                </a:solidFill>
+              </a:rPr>
+              <a:t>Deployment</a:t>
+            </a:r>
+          </a:p>
+          <a:p>
+            <a:r>
+              <a:rPr lang="en-US" dirty="0" smtClean="0"/>
+              <a:t>Results</a:t>
+            </a:r>
+          </a:p>
+          <a:p>
+            <a:r>
+              <a:rPr lang="en-US" dirty="0" smtClean="0">
+                <a:solidFill>
+                  <a:schemeClr val="bg1">
+                    <a:lumMod val="65000"/>
+                  </a:schemeClr>
+                </a:solidFill>
+              </a:rPr>
+              <a:t>Conclusions</a:t>
+            </a:r>
+          </a:p>
+          <a:p>
+            <a:pPr>
+              <a:buNone/>
+            </a:pPr>
+            <a:endParaRPr lang="en-US" dirty="0"/>
+          </a:p>
+        </p:txBody>
+      </p:sp>
+    </p:spTree>
+  </p:cSld>
+  <p:clrMapOvr>
+    <a:masterClrMapping/>
+  </p:clrMapOvr>
+  <p:timing>
+    <p:tnLst>
+      <p:par>
+        <p:cTn id="1" dur="indefinite" restart="never" nodeType="tmRoot"/>
+      </p:par>
+    </p:tnLst>
+  </p:timing>
+</p:sld>
+</file>
+
 <file path=ppt/slides/slide2.xml><?xml version="1.0" encoding="utf-8"?>
 <p:sld xmlns:a="http://schemas.openxmlformats.org/drawingml/2006/main" xmlns:r="http://schemas.openxmlformats.org/officeDocument/2006/relationships" xmlns:p="http://schemas.openxmlformats.org/presentationml/2006/main">
   <p:cSld>
@@ -3662,7 +5192,7 @@
         <p:spPr/>
         <p:txBody>
           <a:bodyPr>
-            <a:normAutofit lnSpcReduction="10000"/>
+            <a:normAutofit/>
           </a:bodyPr>
           <a:lstStyle/>
           <a:p>
@@ -4208,6 +5738,309 @@
   <p:clrMapOvr>
     <a:masterClrMapping/>
   </p:clrMapOvr>
+</p:sld>
+</file>
+
+<file path=ppt/slides/slide8.xml><?xml version="1.0" encoding="utf-8"?>
+<p:sld xmlns:a="http://schemas.openxmlformats.org/drawingml/2006/main" xmlns:r="http://schemas.openxmlformats.org/officeDocument/2006/relationships" xmlns:p="http://schemas.openxmlformats.org/presentationml/2006/main">
+  <p:cSld>
+    <p:spTree>
+      <p:nvGrpSpPr>
+        <p:cNvPr id="1" name=""/>
+        <p:cNvGrpSpPr/>
+        <p:nvPr/>
+      </p:nvGrpSpPr>
+      <p:grpSpPr>
+        <a:xfrm>
+          <a:off x="0" y="0"/>
+          <a:ext cx="0" cy="0"/>
+          <a:chOff x="0" y="0"/>
+          <a:chExt cx="0" cy="0"/>
+        </a:xfrm>
+      </p:grpSpPr>
+      <p:sp>
+        <p:nvSpPr>
+          <p:cNvPr id="2" name="Title 1"/>
+          <p:cNvSpPr>
+            <a:spLocks noGrp="1"/>
+          </p:cNvSpPr>
+          <p:nvPr>
+            <p:ph type="title"/>
+          </p:nvPr>
+        </p:nvSpPr>
+        <p:spPr/>
+        <p:txBody>
+          <a:bodyPr/>
+          <a:lstStyle/>
+          <a:p>
+            <a:r>
+              <a:rPr lang="en-US" dirty="0" smtClean="0"/>
+              <a:t>Hardware</a:t>
+            </a:r>
+            <a:endParaRPr lang="en-US" dirty="0"/>
+          </a:p>
+        </p:txBody>
+      </p:sp>
+      <p:sp>
+        <p:nvSpPr>
+          <p:cNvPr id="3" name="Content Placeholder 2"/>
+          <p:cNvSpPr>
+            <a:spLocks noGrp="1"/>
+          </p:cNvSpPr>
+          <p:nvPr>
+            <p:ph idx="1"/>
+          </p:nvPr>
+        </p:nvSpPr>
+        <p:spPr/>
+        <p:txBody>
+          <a:bodyPr/>
+          <a:lstStyle/>
+          <a:p>
+            <a:r>
+              <a:rPr lang="en-US" dirty="0" smtClean="0"/>
+              <a:t>Proxy</a:t>
+            </a:r>
+          </a:p>
+          <a:p>
+            <a:pPr lvl="1"/>
+            <a:r>
+              <a:rPr lang="en-US" dirty="0" smtClean="0"/>
+              <a:t>RF12 transceiver</a:t>
+            </a:r>
+          </a:p>
+          <a:p>
+            <a:pPr lvl="1"/>
+            <a:r>
+              <a:rPr lang="en-US" dirty="0" smtClean="0"/>
+              <a:t>ATmega328p MCU</a:t>
+            </a:r>
+          </a:p>
+          <a:p>
+            <a:pPr lvl="1"/>
+            <a:r>
+              <a:rPr lang="en-US" dirty="0" smtClean="0"/>
+              <a:t>WiFly 802.11b/g </a:t>
+            </a:r>
+            <a:r>
+              <a:rPr lang="en-US" dirty="0" smtClean="0"/>
+              <a:t>transceiver</a:t>
+            </a:r>
+          </a:p>
+          <a:p>
+            <a:pPr lvl="1"/>
+            <a:r>
+              <a:rPr lang="en-US" dirty="0" smtClean="0"/>
+              <a:t>Breadboard prototype</a:t>
+            </a:r>
+          </a:p>
+          <a:p>
+            <a:pPr lvl="1"/>
+            <a:r>
+              <a:rPr lang="en-US" dirty="0" smtClean="0"/>
+              <a:t>Ceramic antenna</a:t>
+            </a:r>
+          </a:p>
+        </p:txBody>
+      </p:sp>
+      <p:pic>
+        <p:nvPicPr>
+          <p:cNvPr id="4098" name="Picture 2" descr="D:\Courses\2010-2011\Capstone\Docs\Images\wify_1.png"/>
+          <p:cNvPicPr>
+            <a:picLocks noChangeAspect="1" noChangeArrowheads="1"/>
+          </p:cNvPicPr>
+          <p:nvPr/>
+        </p:nvPicPr>
+        <p:blipFill>
+          <a:blip r:embed="rId2" cstate="print"/>
+          <a:srcRect/>
+          <a:stretch>
+            <a:fillRect/>
+          </a:stretch>
+        </p:blipFill>
+        <p:spPr bwMode="auto">
+          <a:xfrm>
+            <a:off x="5181600" y="1752600"/>
+            <a:ext cx="3124200" cy="2444784"/>
+          </a:xfrm>
+          <a:prstGeom prst="rect">
+            <a:avLst/>
+          </a:prstGeom>
+          <a:noFill/>
+        </p:spPr>
+      </p:pic>
+    </p:spTree>
+  </p:cSld>
+  <p:clrMapOvr>
+    <a:masterClrMapping/>
+  </p:clrMapOvr>
+</p:sld>
+</file>
+
+<file path=ppt/slides/slide9.xml><?xml version="1.0" encoding="utf-8"?>
+<p:sld xmlns:a="http://schemas.openxmlformats.org/drawingml/2006/main" xmlns:r="http://schemas.openxmlformats.org/officeDocument/2006/relationships" xmlns:p="http://schemas.openxmlformats.org/presentationml/2006/main">
+  <p:cSld>
+    <p:spTree>
+      <p:nvGrpSpPr>
+        <p:cNvPr id="1" name=""/>
+        <p:cNvGrpSpPr/>
+        <p:nvPr/>
+      </p:nvGrpSpPr>
+      <p:grpSpPr>
+        <a:xfrm>
+          <a:off x="0" y="0"/>
+          <a:ext cx="0" cy="0"/>
+          <a:chOff x="0" y="0"/>
+          <a:chExt cx="0" cy="0"/>
+        </a:xfrm>
+      </p:grpSpPr>
+      <p:sp>
+        <p:nvSpPr>
+          <p:cNvPr id="5" name="Title 4"/>
+          <p:cNvSpPr>
+            <a:spLocks noGrp="1"/>
+          </p:cNvSpPr>
+          <p:nvPr>
+            <p:ph type="title"/>
+          </p:nvPr>
+        </p:nvSpPr>
+        <p:spPr>
+          <a:xfrm>
+            <a:off x="457200" y="0"/>
+            <a:ext cx="8229600" cy="914400"/>
+          </a:xfrm>
+          <a:noFill/>
+        </p:spPr>
+        <p:txBody>
+          <a:bodyPr lIns="91440" tIns="0" bIns="0">
+            <a:normAutofit/>
+          </a:bodyPr>
+          <a:lstStyle/>
+          <a:p>
+            <a:r>
+              <a:rPr lang="en-US" dirty="0" smtClean="0"/>
+              <a:t>Agenda</a:t>
+            </a:r>
+            <a:endParaRPr lang="en-US" dirty="0"/>
+          </a:p>
+        </p:txBody>
+      </p:sp>
+      <p:sp>
+        <p:nvSpPr>
+          <p:cNvPr id="6" name="Content Placeholder 5"/>
+          <p:cNvSpPr>
+            <a:spLocks noGrp="1"/>
+          </p:cNvSpPr>
+          <p:nvPr>
+            <p:ph idx="1"/>
+          </p:nvPr>
+        </p:nvSpPr>
+        <p:spPr>
+          <a:xfrm>
+            <a:off x="457200" y="1219200"/>
+            <a:ext cx="8229600" cy="5181600"/>
+          </a:xfrm>
+        </p:spPr>
+        <p:txBody>
+          <a:bodyPr/>
+          <a:lstStyle/>
+          <a:p>
+            <a:r>
+              <a:rPr lang="en-US" dirty="0" smtClean="0">
+                <a:solidFill>
+                  <a:schemeClr val="bg1">
+                    <a:lumMod val="65000"/>
+                  </a:schemeClr>
+                </a:solidFill>
+              </a:rPr>
+              <a:t>System Overview</a:t>
+            </a:r>
+          </a:p>
+          <a:p>
+            <a:r>
+              <a:rPr lang="en-US" dirty="0" smtClean="0">
+                <a:solidFill>
+                  <a:schemeClr val="bg1">
+                    <a:lumMod val="65000"/>
+                  </a:schemeClr>
+                </a:solidFill>
+              </a:rPr>
+              <a:t>Hardware</a:t>
+            </a:r>
+          </a:p>
+          <a:p>
+            <a:r>
+              <a:rPr lang="en-US" dirty="0" smtClean="0"/>
+              <a:t>Firmware</a:t>
+            </a:r>
+          </a:p>
+          <a:p>
+            <a:r>
+              <a:rPr lang="en-US" dirty="0" smtClean="0">
+                <a:solidFill>
+                  <a:schemeClr val="bg1">
+                    <a:lumMod val="65000"/>
+                  </a:schemeClr>
+                </a:solidFill>
+              </a:rPr>
+              <a:t>Software</a:t>
+            </a:r>
+          </a:p>
+          <a:p>
+            <a:r>
+              <a:rPr lang="en-US" dirty="0" smtClean="0">
+                <a:solidFill>
+                  <a:schemeClr val="bg1">
+                    <a:lumMod val="65000"/>
+                  </a:schemeClr>
+                </a:solidFill>
+              </a:rPr>
+              <a:t>Deployment</a:t>
+            </a:r>
+          </a:p>
+          <a:p>
+            <a:r>
+              <a:rPr lang="en-US" dirty="0" smtClean="0">
+                <a:solidFill>
+                  <a:schemeClr val="bg1">
+                    <a:lumMod val="65000"/>
+                  </a:schemeClr>
+                </a:solidFill>
+              </a:rPr>
+              <a:t>Results</a:t>
+            </a:r>
+          </a:p>
+          <a:p>
+            <a:r>
+              <a:rPr lang="en-US" dirty="0" smtClean="0">
+                <a:solidFill>
+                  <a:schemeClr val="bg1">
+                    <a:lumMod val="65000"/>
+                  </a:schemeClr>
+                </a:solidFill>
+              </a:rPr>
+              <a:t>Conclusions</a:t>
+            </a:r>
+          </a:p>
+          <a:p>
+            <a:pPr>
+              <a:buNone/>
+            </a:pPr>
+            <a:endParaRPr lang="en-US" dirty="0"/>
+          </a:p>
+        </p:txBody>
+      </p:sp>
+    </p:spTree>
+  </p:cSld>
+  <p:clrMapOvr>
+    <a:masterClrMapping/>
+  </p:clrMapOvr>
+  <p:timing>
+    <p:tnLst>
+      <p:par>
+        <p:cTn id="1" dur="indefinite" restart="never" nodeType="tmRoot"/>
+      </p:par>
+    </p:tnLst>
+  </p:timing>
 </p:sld>
 </file>
 
@@ -4492,4 +6325,287 @@
   <a:objectDefaults/>
   <a:extraClrSchemeLst/>
 </a:theme>
+</file>
+
+<file path=ppt/theme/theme2.xml><?xml version="1.0" encoding="utf-8"?>
+<a:theme xmlns:a="http://schemas.openxmlformats.org/drawingml/2006/main" name="Office Theme">
+  <a:themeElements>
+    <a:clrScheme name="Office">
+      <a:dk1>
+        <a:sysClr val="windowText" lastClr="000000"/>
+      </a:dk1>
+      <a:lt1>
+        <a:sysClr val="window" lastClr="FFFFFF"/>
+      </a:lt1>
+      <a:dk2>
+        <a:srgbClr val="1F497D"/>
+      </a:dk2>
+      <a:lt2>
+        <a:srgbClr val="EEECE1"/>
+      </a:lt2>
+      <a:accent1>
+        <a:srgbClr val="4F81BD"/>
+      </a:accent1>
+      <a:accent2>
+        <a:srgbClr val="C0504D"/>
+      </a:accent2>
+      <a:accent3>
+        <a:srgbClr val="9BBB59"/>
+      </a:accent3>
+      <a:accent4>
+        <a:srgbClr val="8064A2"/>
+      </a:accent4>
+      <a:accent5>
+        <a:srgbClr val="4BACC6"/>
+      </a:accent5>
+      <a:accent6>
+        <a:srgbClr val="F79646"/>
+      </a:accent6>
+      <a:hlink>
+        <a:srgbClr val="0000FF"/>
+      </a:hlink>
+      <a:folHlink>
+        <a:srgbClr val="800080"/>
+      </a:folHlink>
+    </a:clrScheme>
+    <a:fontScheme name="Office">
+      <a:majorFont>
+        <a:latin typeface="Calibri"/>
+        <a:ea typeface=""/>
+        <a:cs typeface=""/>
+        <a:font script="Jpan" typeface="ＭＳ Ｐゴシック"/>
+        <a:font script="Hang" typeface="맑은 고딕"/>
+        <a:font script="Hans" typeface="宋体"/>
+        <a:font script="Hant" typeface="新細明體"/>
+        <a:font script="Arab" typeface="Times New Roman"/>
+        <a:font script="Hebr" typeface="Times New Roman"/>
+        <a:font script="Thai" typeface="Angsana New"/>
+        <a:font script="Ethi" typeface="Nyala"/>
+        <a:font script="Beng" typeface="Vrinda"/>
+        <a:font script="Gujr" typeface="Shruti"/>
+        <a:font script="Khmr" typeface="MoolBoran"/>
+        <a:font script="Knda" typeface="Tunga"/>
+        <a:font script="Guru" typeface="Raavi"/>
+        <a:font script="Cans" typeface="Euphemia"/>
+        <a:font script="Cher" typeface="Plantagenet Cherokee"/>
+        <a:font script="Yiii" typeface="Microsoft Yi Baiti"/>
+        <a:font script="Tibt" typeface="Microsoft Himalaya"/>
+        <a:font script="Thaa" typeface="MV Boli"/>
+        <a:font script="Deva" typeface="Mangal"/>
+        <a:font script="Telu" typeface="Gautami"/>
+        <a:font script="Taml" typeface="Latha"/>
+        <a:font script="Syrc" typeface="Estrangelo Edessa"/>
+        <a:font script="Orya" typeface="Kalinga"/>
+        <a:font script="Mlym" typeface="Kartika"/>
+        <a:font script="Laoo" typeface="DokChampa"/>
+        <a:font script="Sinh" typeface="Iskoola Pota"/>
+        <a:font script="Mong" typeface="Mongolian Baiti"/>
+        <a:font script="Viet" typeface="Times New Roman"/>
+        <a:font script="Uigh" typeface="Microsoft Uighur"/>
+      </a:majorFont>
+      <a:minorFont>
+        <a:latin typeface="Calibri"/>
+        <a:ea typeface=""/>
+        <a:cs typeface=""/>
+        <a:font script="Jpan" typeface="ＭＳ Ｐゴシック"/>
+        <a:font script="Hang" typeface="맑은 고딕"/>
+        <a:font script="Hans" typeface="宋体"/>
+        <a:font script="Hant" typeface="新細明體"/>
+        <a:font script="Arab" typeface="Arial"/>
+        <a:font script="Hebr" typeface="Arial"/>
+        <a:font script="Thai" typeface="Cordia New"/>
+        <a:font script="Ethi" typeface="Nyala"/>
+        <a:font script="Beng" typeface="Vrinda"/>
+        <a:font script="Gujr" typeface="Shruti"/>
+        <a:font script="Khmr" typeface="DaunPenh"/>
+        <a:font script="Knda" typeface="Tunga"/>
+        <a:font script="Guru" typeface="Raavi"/>
+        <a:font script="Cans" typeface="Euphemia"/>
+        <a:font script="Cher" typeface="Plantagenet Cherokee"/>
+        <a:font script="Yiii" typeface="Microsoft Yi Baiti"/>
+        <a:font script="Tibt" typeface="Microsoft Himalaya"/>
+        <a:font script="Thaa" typeface="MV Boli"/>
+        <a:font script="Deva" typeface="Mangal"/>
+        <a:font script="Telu" typeface="Gautami"/>
+        <a:font script="Taml" typeface="Latha"/>
+        <a:font script="Syrc" typeface="Estrangelo Edessa"/>
+        <a:font script="Orya" typeface="Kalinga"/>
+        <a:font script="Mlym" typeface="Kartika"/>
+        <a:font script="Laoo" typeface="DokChampa"/>
+        <a:font script="Sinh" typeface="Iskoola Pota"/>
+        <a:font script="Mong" typeface="Mongolian Baiti"/>
+        <a:font script="Viet" typeface="Arial"/>
+        <a:font script="Uigh" typeface="Microsoft Uighur"/>
+      </a:minorFont>
+    </a:fontScheme>
+    <a:fmtScheme name="Office">
+      <a:fillStyleLst>
+        <a:solidFill>
+          <a:schemeClr val="phClr"/>
+        </a:solidFill>
+        <a:gradFill rotWithShape="1">
+          <a:gsLst>
+            <a:gs pos="0">
+              <a:schemeClr val="phClr">
+                <a:tint val="50000"/>
+                <a:satMod val="300000"/>
+              </a:schemeClr>
+            </a:gs>
+            <a:gs pos="35000">
+              <a:schemeClr val="phClr">
+                <a:tint val="37000"/>
+                <a:satMod val="300000"/>
+              </a:schemeClr>
+            </a:gs>
+            <a:gs pos="100000">
+              <a:schemeClr val="phClr">
+                <a:tint val="15000"/>
+                <a:satMod val="350000"/>
+              </a:schemeClr>
+            </a:gs>
+          </a:gsLst>
+          <a:lin ang="16200000" scaled="1"/>
+        </a:gradFill>
+        <a:gradFill rotWithShape="1">
+          <a:gsLst>
+            <a:gs pos="0">
+              <a:schemeClr val="phClr">
+                <a:shade val="51000"/>
+                <a:satMod val="130000"/>
+              </a:schemeClr>
+            </a:gs>
+            <a:gs pos="80000">
+              <a:schemeClr val="phClr">
+                <a:shade val="93000"/>
+                <a:satMod val="130000"/>
+              </a:schemeClr>
+            </a:gs>
+            <a:gs pos="100000">
+              <a:schemeClr val="phClr">
+                <a:shade val="94000"/>
+                <a:satMod val="135000"/>
+              </a:schemeClr>
+            </a:gs>
+          </a:gsLst>
+          <a:lin ang="16200000" scaled="0"/>
+        </a:gradFill>
+      </a:fillStyleLst>
+      <a:lnStyleLst>
+        <a:ln w="9525" cap="flat" cmpd="sng" algn="ctr">
+          <a:solidFill>
+            <a:schemeClr val="phClr">
+              <a:shade val="95000"/>
+              <a:satMod val="105000"/>
+            </a:schemeClr>
+          </a:solidFill>
+          <a:prstDash val="solid"/>
+        </a:ln>
+        <a:ln w="25400" cap="flat" cmpd="sng" algn="ctr">
+          <a:solidFill>
+            <a:schemeClr val="phClr"/>
+          </a:solidFill>
+          <a:prstDash val="solid"/>
+        </a:ln>
+        <a:ln w="38100" cap="flat" cmpd="sng" algn="ctr">
+          <a:solidFill>
+            <a:schemeClr val="phClr"/>
+          </a:solidFill>
+          <a:prstDash val="solid"/>
+        </a:ln>
+      </a:lnStyleLst>
+      <a:effectStyleLst>
+        <a:effectStyle>
+          <a:effectLst>
+            <a:outerShdw blurRad="40000" dist="20000" dir="5400000" rotWithShape="0">
+              <a:srgbClr val="000000">
+                <a:alpha val="38000"/>
+              </a:srgbClr>
+            </a:outerShdw>
+          </a:effectLst>
+        </a:effectStyle>
+        <a:effectStyle>
+          <a:effectLst>
+            <a:outerShdw blurRad="40000" dist="23000" dir="5400000" rotWithShape="0">
+              <a:srgbClr val="000000">
+                <a:alpha val="35000"/>
+              </a:srgbClr>
+            </a:outerShdw>
+          </a:effectLst>
+        </a:effectStyle>
+        <a:effectStyle>
+          <a:effectLst>
+            <a:outerShdw blurRad="40000" dist="23000" dir="5400000" rotWithShape="0">
+              <a:srgbClr val="000000">
+                <a:alpha val="35000"/>
+              </a:srgbClr>
+            </a:outerShdw>
+          </a:effectLst>
+          <a:scene3d>
+            <a:camera prst="orthographicFront">
+              <a:rot lat="0" lon="0" rev="0"/>
+            </a:camera>
+            <a:lightRig rig="threePt" dir="t">
+              <a:rot lat="0" lon="0" rev="1200000"/>
+            </a:lightRig>
+          </a:scene3d>
+          <a:sp3d>
+            <a:bevelT w="63500" h="25400"/>
+          </a:sp3d>
+        </a:effectStyle>
+      </a:effectStyleLst>
+      <a:bgFillStyleLst>
+        <a:solidFill>
+          <a:schemeClr val="phClr"/>
+        </a:solidFill>
+        <a:gradFill rotWithShape="1">
+          <a:gsLst>
+            <a:gs pos="0">
+              <a:schemeClr val="phClr">
+                <a:tint val="40000"/>
+                <a:satMod val="350000"/>
+              </a:schemeClr>
+            </a:gs>
+            <a:gs pos="40000">
+              <a:schemeClr val="phClr">
+                <a:tint val="45000"/>
+                <a:shade val="99000"/>
+                <a:satMod val="350000"/>
+              </a:schemeClr>
+            </a:gs>
+            <a:gs pos="100000">
+              <a:schemeClr val="phClr">
+                <a:shade val="20000"/>
+                <a:satMod val="255000"/>
+              </a:schemeClr>
+            </a:gs>
+          </a:gsLst>
+          <a:path path="circle">
+            <a:fillToRect l="50000" t="-80000" r="50000" b="180000"/>
+          </a:path>
+        </a:gradFill>
+        <a:gradFill rotWithShape="1">
+          <a:gsLst>
+            <a:gs pos="0">
+              <a:schemeClr val="phClr">
+                <a:tint val="80000"/>
+                <a:satMod val="300000"/>
+              </a:schemeClr>
+            </a:gs>
+            <a:gs pos="100000">
+              <a:schemeClr val="phClr">
+                <a:shade val="30000"/>
+                <a:satMod val="200000"/>
+              </a:schemeClr>
+            </a:gs>
+          </a:gsLst>
+          <a:path path="circle">
+            <a:fillToRect l="50000" t="50000" r="50000" b="50000"/>
+          </a:path>
+        </a:gradFill>
+      </a:bgFillStyleLst>
+    </a:fmtScheme>
+  </a:themeElements>
+  <a:objectDefaults/>
+  <a:extraClrSchemeLst/>
+</a:theme>
 </file>
--- a/Docs/TIU_Tracking_Presentation_v1.pptx
+++ b/Docs/TIU_Tracking_Presentation_v1.pptx
@@ -5,26 +5,35 @@
     <p:sldMasterId id="2147483648" r:id="rId1"/>
   </p:sldMasterIdLst>
   <p:notesMasterIdLst>
-    <p:notesMasterId r:id="rId19"/>
+    <p:notesMasterId r:id="rId28"/>
   </p:notesMasterIdLst>
   <p:sldIdLst>
-    <p:sldId id="261" r:id="rId2"/>
-    <p:sldId id="263" r:id="rId3"/>
-    <p:sldId id="262" r:id="rId4"/>
-    <p:sldId id="265" r:id="rId5"/>
-    <p:sldId id="266" r:id="rId6"/>
-    <p:sldId id="267" r:id="rId7"/>
-    <p:sldId id="268" r:id="rId8"/>
-    <p:sldId id="269" r:id="rId9"/>
-    <p:sldId id="271" r:id="rId10"/>
-    <p:sldId id="272" r:id="rId11"/>
-    <p:sldId id="278" r:id="rId12"/>
-    <p:sldId id="273" r:id="rId13"/>
-    <p:sldId id="277" r:id="rId14"/>
-    <p:sldId id="279" r:id="rId15"/>
-    <p:sldId id="280" r:id="rId16"/>
-    <p:sldId id="274" r:id="rId17"/>
-    <p:sldId id="275" r:id="rId18"/>
+    <p:sldId id="289" r:id="rId2"/>
+    <p:sldId id="261" r:id="rId3"/>
+    <p:sldId id="263" r:id="rId4"/>
+    <p:sldId id="262" r:id="rId5"/>
+    <p:sldId id="265" r:id="rId6"/>
+    <p:sldId id="266" r:id="rId7"/>
+    <p:sldId id="267" r:id="rId8"/>
+    <p:sldId id="268" r:id="rId9"/>
+    <p:sldId id="269" r:id="rId10"/>
+    <p:sldId id="271" r:id="rId11"/>
+    <p:sldId id="272" r:id="rId12"/>
+    <p:sldId id="278" r:id="rId13"/>
+    <p:sldId id="273" r:id="rId14"/>
+    <p:sldId id="277" r:id="rId15"/>
+    <p:sldId id="279" r:id="rId16"/>
+    <p:sldId id="280" r:id="rId17"/>
+    <p:sldId id="274" r:id="rId18"/>
+    <p:sldId id="281" r:id="rId19"/>
+    <p:sldId id="288" r:id="rId20"/>
+    <p:sldId id="275" r:id="rId21"/>
+    <p:sldId id="282" r:id="rId22"/>
+    <p:sldId id="283" r:id="rId23"/>
+    <p:sldId id="284" r:id="rId24"/>
+    <p:sldId id="285" r:id="rId25"/>
+    <p:sldId id="286" r:id="rId26"/>
+    <p:sldId id="287" r:id="rId27"/>
   </p:sldIdLst>
   <p:sldSz cx="9144000" cy="6858000" type="screen4x3"/>
   <p:notesSz cx="6858000" cy="9144000"/>
@@ -540,7 +549,7 @@
           <a:p>
             <a:fld id="{52494DA5-F55E-4B27-9A4E-51866B25DDAB}" type="slidenum">
               <a:rPr lang="en-US" smtClean="0"/>
-              <a:t>13</a:t>
+              <a:t>14</a:t>
             </a:fld>
             <a:endParaRPr lang="en-US"/>
           </a:p>
@@ -3538,6 +3547,14 @@
 <file path=ppt/slides/slide1.xml><?xml version="1.0" encoding="utf-8"?>
 <p:sld xmlns:a="http://schemas.openxmlformats.org/drawingml/2006/main" xmlns:r="http://schemas.openxmlformats.org/officeDocument/2006/relationships" xmlns:p="http://schemas.openxmlformats.org/presentationml/2006/main">
   <p:cSld>
+    <p:bg>
+      <p:bgPr>
+        <a:solidFill>
+          <a:schemeClr val="bg1"/>
+        </a:solidFill>
+        <a:effectLst/>
+      </p:bgPr>
+    </p:bg>
     <p:spTree>
       <p:nvGrpSpPr>
         <p:cNvPr id="1" name=""/>
@@ -3554,98 +3571,272 @@
       </p:grpSpPr>
       <p:sp>
         <p:nvSpPr>
-          <p:cNvPr id="2" name="Title 1"/>
-          <p:cNvSpPr>
-            <a:spLocks noGrp="1"/>
-          </p:cNvSpPr>
-          <p:nvPr>
-            <p:ph type="title"/>
-          </p:nvPr>
-        </p:nvSpPr>
-        <p:spPr/>
-        <p:txBody>
-          <a:bodyPr/>
-          <a:lstStyle/>
-          <a:p>
-            <a:r>
-              <a:rPr lang="en-US" sz="4400" dirty="0" smtClean="0"/>
-              <a:t>Introduction</a:t>
-            </a:r>
-            <a:endParaRPr lang="en-US" dirty="0"/>
-          </a:p>
-        </p:txBody>
-      </p:sp>
-      <p:sp>
-        <p:nvSpPr>
-          <p:cNvPr id="3" name="Content Placeholder 2"/>
-          <p:cNvSpPr>
-            <a:spLocks noGrp="1"/>
-          </p:cNvSpPr>
-          <p:nvPr>
-            <p:ph idx="1"/>
-          </p:nvPr>
-        </p:nvSpPr>
-        <p:spPr/>
-        <p:txBody>
-          <a:bodyPr/>
-          <a:lstStyle/>
-          <a:p>
-            <a:r>
-              <a:rPr lang="en-US" dirty="0" smtClean="0"/>
-              <a:t>Problem statement</a:t>
-            </a:r>
-          </a:p>
-          <a:p>
-            <a:r>
-              <a:rPr lang="en-US" dirty="0" smtClean="0"/>
-              <a:t>Key requirements</a:t>
-            </a:r>
-          </a:p>
-          <a:p>
-            <a:pPr lvl="1">
-              <a:buFont typeface="Wingdings" pitchFamily="2" charset="2"/>
-              <a:buChar char="§"/>
-            </a:pPr>
-            <a:r>
-              <a:rPr lang="en-US" dirty="0" smtClean="0"/>
-              <a:t>Size</a:t>
-            </a:r>
-          </a:p>
-          <a:p>
-            <a:pPr lvl="1">
-              <a:buFont typeface="Wingdings" pitchFamily="2" charset="2"/>
-              <a:buChar char="§"/>
-            </a:pPr>
-            <a:r>
-              <a:rPr lang="en-US" dirty="0" smtClean="0"/>
-              <a:t>Power</a:t>
-            </a:r>
-          </a:p>
-          <a:p>
-            <a:pPr lvl="1">
-              <a:buFont typeface="Wingdings" pitchFamily="2" charset="2"/>
-              <a:buChar char="§"/>
-            </a:pPr>
-            <a:r>
-              <a:rPr lang="en-US" dirty="0" smtClean="0"/>
-              <a:t>Accuracy</a:t>
-            </a:r>
-            <a:endParaRPr lang="en-US" dirty="0"/>
-          </a:p>
-        </p:txBody>
-      </p:sp>
+          <p:cNvPr id="4" name="Title 3"/>
+          <p:cNvSpPr>
+            <a:spLocks noGrp="1"/>
+          </p:cNvSpPr>
+          <p:nvPr>
+            <p:ph type="ctrTitle"/>
+          </p:nvPr>
+        </p:nvSpPr>
+        <p:spPr>
+          <a:xfrm>
+            <a:off x="685800" y="1752600"/>
+            <a:ext cx="7772400" cy="1470025"/>
+          </a:xfrm>
+        </p:spPr>
+        <p:txBody>
+          <a:bodyPr/>
+          <a:lstStyle/>
+          <a:p>
+            <a:r>
+              <a:rPr lang="en-US" b="1" dirty="0" smtClean="0">
+                <a:solidFill>
+                  <a:schemeClr val="accent1"/>
+                </a:solidFill>
+              </a:rPr>
+              <a:t>TIU Tracking System</a:t>
+            </a:r>
+            <a:endParaRPr lang="en-US" b="1" dirty="0">
+              <a:solidFill>
+                <a:schemeClr val="accent1"/>
+              </a:solidFill>
+            </a:endParaRPr>
+          </a:p>
+        </p:txBody>
+      </p:sp>
+      <p:sp>
+        <p:nvSpPr>
+          <p:cNvPr id="5" name="Subtitle 4"/>
+          <p:cNvSpPr>
+            <a:spLocks noGrp="1"/>
+          </p:cNvSpPr>
+          <p:nvPr>
+            <p:ph type="subTitle" idx="1"/>
+          </p:nvPr>
+        </p:nvSpPr>
+        <p:spPr>
+          <a:xfrm>
+            <a:off x="2514600" y="3200400"/>
+            <a:ext cx="6400800" cy="2438400"/>
+          </a:xfrm>
+        </p:spPr>
+        <p:txBody>
+          <a:bodyPr>
+            <a:normAutofit fontScale="70000" lnSpcReduction="20000"/>
+          </a:bodyPr>
+          <a:lstStyle/>
+          <a:p>
+            <a:pPr algn="l"/>
+            <a:r>
+              <a:rPr lang="en-US" dirty="0" smtClean="0"/>
+              <a:t>Sponsor	Intel</a:t>
+            </a:r>
+          </a:p>
+          <a:p>
+            <a:pPr algn="l"/>
+            <a:r>
+              <a:rPr lang="en-US" dirty="0" smtClean="0"/>
+              <a:t>Advisor		Prof. Robert Daasch</a:t>
+            </a:r>
+          </a:p>
+          <a:p>
+            <a:pPr algn="l"/>
+            <a:r>
+              <a:rPr lang="en-US" dirty="0" smtClean="0"/>
+              <a:t>Team		Daniel Ferguson</a:t>
+            </a:r>
+          </a:p>
+          <a:p>
+            <a:pPr algn="l"/>
+            <a:r>
+              <a:rPr lang="en-US" dirty="0" smtClean="0"/>
+              <a:t>	</a:t>
+            </a:r>
+            <a:r>
+              <a:rPr lang="en-US" dirty="0" smtClean="0"/>
+              <a:t>	Man Hoang</a:t>
+            </a:r>
+          </a:p>
+          <a:p>
+            <a:pPr algn="l"/>
+            <a:r>
+              <a:rPr lang="en-US" dirty="0" smtClean="0"/>
+              <a:t>	</a:t>
+            </a:r>
+            <a:r>
+              <a:rPr lang="en-US" dirty="0" smtClean="0"/>
+              <a:t>	Lynh </a:t>
+            </a:r>
+            <a:r>
+              <a:rPr lang="en-US" dirty="0" smtClean="0"/>
+              <a:t>Pham</a:t>
+            </a:r>
+          </a:p>
+          <a:p>
+            <a:pPr algn="l"/>
+            <a:r>
+              <a:rPr lang="en-US" dirty="0" smtClean="0"/>
+              <a:t>		Tri Truong</a:t>
+            </a:r>
+          </a:p>
+          <a:p>
+            <a:pPr algn="l"/>
+            <a:r>
+              <a:rPr lang="en-US" dirty="0" smtClean="0"/>
+              <a:t>	</a:t>
+            </a:r>
+            <a:r>
+              <a:rPr lang="en-US" dirty="0" smtClean="0"/>
+              <a:t>	Dung Le</a:t>
+            </a:r>
+          </a:p>
+        </p:txBody>
+      </p:sp>
+      <p:sp>
+        <p:nvSpPr>
+          <p:cNvPr id="6" name="Rectangle 5"/>
+          <p:cNvSpPr/>
+          <p:nvPr/>
+        </p:nvSpPr>
+        <p:spPr>
+          <a:xfrm>
+            <a:off x="0" y="6309360"/>
+            <a:ext cx="9144000" cy="548640"/>
+          </a:xfrm>
+          <a:prstGeom prst="rect">
+            <a:avLst/>
+          </a:prstGeom>
+          <a:solidFill>
+            <a:schemeClr val="accent3">
+              <a:lumMod val="20000"/>
+              <a:lumOff val="80000"/>
+              <a:alpha val="70000"/>
+            </a:schemeClr>
+          </a:solidFill>
+          <a:ln>
+            <a:noFill/>
+          </a:ln>
+        </p:spPr>
+        <p:style>
+          <a:lnRef idx="2">
+            <a:schemeClr val="accent1">
+              <a:shade val="50000"/>
+            </a:schemeClr>
+          </a:lnRef>
+          <a:fillRef idx="1">
+            <a:schemeClr val="accent1"/>
+          </a:fillRef>
+          <a:effectRef idx="0">
+            <a:schemeClr val="accent1"/>
+          </a:effectRef>
+          <a:fontRef idx="minor">
+            <a:schemeClr val="lt1"/>
+          </a:fontRef>
+        </p:style>
+        <p:txBody>
+          <a:bodyPr lIns="19047" tIns="9523" rIns="19047" bIns="9523" rtlCol="0" anchor="ctr"/>
+          <a:lstStyle/>
+          <a:p>
+            <a:pPr algn="ctr"/>
+            <a:endParaRPr lang="en-US" dirty="0"/>
+          </a:p>
+        </p:txBody>
+      </p:sp>
+      <p:sp>
+        <p:nvSpPr>
+          <p:cNvPr id="7" name="TextBox 6"/>
+          <p:cNvSpPr txBox="1"/>
+          <p:nvPr/>
+        </p:nvSpPr>
+        <p:spPr>
+          <a:xfrm>
+            <a:off x="430893" y="6459234"/>
+            <a:ext cx="5347607" cy="246366"/>
+          </a:xfrm>
+          <a:prstGeom prst="rect">
+            <a:avLst/>
+          </a:prstGeom>
+          <a:noFill/>
+        </p:spPr>
+        <p:txBody>
+          <a:bodyPr wrap="square" lIns="15381" tIns="7691" rIns="15381" bIns="7691" rtlCol="0">
+            <a:spAutoFit/>
+          </a:bodyPr>
+          <a:lstStyle/>
+          <a:p>
+            <a:r>
+              <a:rPr lang="en-US" sz="1500" dirty="0" smtClean="0">
+                <a:solidFill>
+                  <a:schemeClr val="tx1">
+                    <a:lumMod val="75000"/>
+                    <a:lumOff val="25000"/>
+                  </a:schemeClr>
+                </a:solidFill>
+                <a:effectLst>
+                  <a:outerShdw dist="25400" dir="2700000" algn="tl" rotWithShape="0">
+                    <a:schemeClr val="bg1"/>
+                  </a:outerShdw>
+                </a:effectLst>
+              </a:rPr>
+              <a:t>Department of Electrical and Computer Engineering</a:t>
+            </a:r>
+            <a:endParaRPr lang="en-US" sz="1500" dirty="0">
+              <a:solidFill>
+                <a:schemeClr val="tx1">
+                  <a:lumMod val="75000"/>
+                  <a:lumOff val="25000"/>
+                </a:schemeClr>
+              </a:solidFill>
+              <a:effectLst>
+                <a:outerShdw dist="25400" dir="2700000" algn="tl" rotWithShape="0">
+                  <a:schemeClr val="bg1"/>
+                </a:outerShdw>
+              </a:effectLst>
+            </a:endParaRPr>
+          </a:p>
+        </p:txBody>
+      </p:sp>
+      <p:pic>
+        <p:nvPicPr>
+          <p:cNvPr id="8" name="Picture 7" descr="psu-mcecs_logo.jpg"/>
+          <p:cNvPicPr>
+            <a:picLocks noChangeAspect="1"/>
+          </p:cNvPicPr>
+          <p:nvPr/>
+        </p:nvPicPr>
+        <p:blipFill>
+          <a:blip r:embed="rId2" cstate="print">
+            <a:clrChange>
+              <a:clrFrom>
+                <a:srgbClr val="FFFFFE"/>
+              </a:clrFrom>
+              <a:clrTo>
+                <a:srgbClr val="FFFFFE">
+                  <a:alpha val="0"/>
+                </a:srgbClr>
+              </a:clrTo>
+            </a:clrChange>
+          </a:blip>
+          <a:stretch>
+            <a:fillRect/>
+          </a:stretch>
+        </p:blipFill>
+        <p:spPr>
+          <a:xfrm>
+            <a:off x="7429500" y="6324600"/>
+            <a:ext cx="1251857" cy="513457"/>
+          </a:xfrm>
+          <a:prstGeom prst="rect">
+            <a:avLst/>
+          </a:prstGeom>
+        </p:spPr>
+      </p:pic>
     </p:spTree>
   </p:cSld>
   <p:clrMapOvr>
     <a:masterClrMapping/>
   </p:clrMapOvr>
-  <p:timing>
-    <p:tnLst>
-      <p:par>
-        <p:cTn id="1" dur="indefinite" restart="never" nodeType="tmRoot"/>
-      </p:par>
-    </p:tnLst>
-  </p:timing>
 </p:sld>
 </file>
 
@@ -3668,54 +3859,137 @@
       </p:grpSpPr>
       <p:sp>
         <p:nvSpPr>
-          <p:cNvPr id="2" name="Title 1"/>
+          <p:cNvPr id="5" name="Title 4"/>
           <p:cNvSpPr>
             <a:spLocks noGrp="1"/>
           </p:cNvSpPr>
           <p:nvPr>
             <p:ph type="title"/>
-          </p:nvPr>
-        </p:nvSpPr>
-        <p:spPr/>
-        <p:txBody>
-          <a:bodyPr/>
-          <a:lstStyle/>
-          <a:p>
-            <a:r>
-              <a:rPr lang="en-US" dirty="0" smtClean="0"/>
-              <a:t>Firmware</a:t>
-            </a:r>
-            <a:endParaRPr lang="en-US" dirty="0"/>
-          </a:p>
-        </p:txBody>
-      </p:sp>
-      <p:sp>
-        <p:nvSpPr>
-          <p:cNvPr id="3" name="Content Placeholder 2"/>
-          <p:cNvSpPr>
-            <a:spLocks noGrp="1"/>
-          </p:cNvSpPr>
-          <p:nvPr>
-            <p:ph idx="1"/>
           </p:nvPr>
         </p:nvSpPr>
         <p:spPr>
           <a:xfrm>
-            <a:off x="457200" y="1371600"/>
-            <a:ext cx="8229600" cy="4953000"/>
+            <a:off x="457200" y="0"/>
+            <a:ext cx="8229600" cy="914400"/>
+          </a:xfrm>
+          <a:noFill/>
+        </p:spPr>
+        <p:txBody>
+          <a:bodyPr lIns="91440" tIns="0" bIns="0">
+            <a:normAutofit/>
+          </a:bodyPr>
+          <a:lstStyle/>
+          <a:p>
+            <a:r>
+              <a:rPr lang="en-US" dirty="0" smtClean="0"/>
+              <a:t>Agenda</a:t>
+            </a:r>
+            <a:endParaRPr lang="en-US" dirty="0"/>
+          </a:p>
+        </p:txBody>
+      </p:sp>
+      <p:sp>
+        <p:nvSpPr>
+          <p:cNvPr id="6" name="Content Placeholder 5"/>
+          <p:cNvSpPr>
+            <a:spLocks noGrp="1"/>
+          </p:cNvSpPr>
+          <p:nvPr>
+            <p:ph idx="1"/>
+          </p:nvPr>
+        </p:nvSpPr>
+        <p:spPr>
+          <a:xfrm>
+            <a:off x="457200" y="1219200"/>
+            <a:ext cx="8229600" cy="5181600"/>
           </a:xfrm>
         </p:spPr>
         <p:txBody>
-          <a:bodyPr>
-            <a:noAutofit/>
-          </a:bodyPr>
-          <a:lstStyle/>
-          <a:p>
-            <a:r>
-              <a:rPr lang="en-US" sz="2000" dirty="0" smtClean="0"/>
-              <a:t>IMAGE</a:t>
-            </a:r>
-            <a:endParaRPr lang="en-US" sz="2000" dirty="0"/>
+          <a:bodyPr/>
+          <a:lstStyle/>
+          <a:p>
+            <a:r>
+              <a:rPr lang="en-US" dirty="0" smtClean="0">
+                <a:solidFill>
+                  <a:schemeClr val="bg1">
+                    <a:lumMod val="65000"/>
+                  </a:schemeClr>
+                </a:solidFill>
+              </a:rPr>
+              <a:t>System Overview</a:t>
+            </a:r>
+          </a:p>
+          <a:p>
+            <a:r>
+              <a:rPr lang="en-US" dirty="0" smtClean="0">
+                <a:solidFill>
+                  <a:schemeClr val="bg1">
+                    <a:lumMod val="65000"/>
+                  </a:schemeClr>
+                </a:solidFill>
+              </a:rPr>
+              <a:t>Hardware</a:t>
+            </a:r>
+          </a:p>
+          <a:p>
+            <a:r>
+              <a:rPr lang="en-US" dirty="0" smtClean="0"/>
+              <a:t>Firmware</a:t>
+            </a:r>
+          </a:p>
+          <a:p>
+            <a:r>
+              <a:rPr lang="en-US" dirty="0" smtClean="0">
+                <a:solidFill>
+                  <a:schemeClr val="bg1">
+                    <a:lumMod val="65000"/>
+                  </a:schemeClr>
+                </a:solidFill>
+              </a:rPr>
+              <a:t>Software</a:t>
+            </a:r>
+          </a:p>
+          <a:p>
+            <a:r>
+              <a:rPr lang="en-US" dirty="0" smtClean="0">
+                <a:solidFill>
+                  <a:schemeClr val="bg1">
+                    <a:lumMod val="65000"/>
+                  </a:schemeClr>
+                </a:solidFill>
+              </a:rPr>
+              <a:t>Deployment</a:t>
+            </a:r>
+          </a:p>
+          <a:p>
+            <a:r>
+              <a:rPr lang="en-US" dirty="0" smtClean="0">
+                <a:solidFill>
+                  <a:schemeClr val="bg1">
+                    <a:lumMod val="65000"/>
+                  </a:schemeClr>
+                </a:solidFill>
+              </a:rPr>
+              <a:t>Results</a:t>
+            </a:r>
+          </a:p>
+          <a:p>
+            <a:r>
+              <a:rPr lang="en-US" dirty="0" smtClean="0">
+                <a:solidFill>
+                  <a:schemeClr val="bg1">
+                    <a:lumMod val="65000"/>
+                  </a:schemeClr>
+                </a:solidFill>
+              </a:rPr>
+              <a:t>Conclusions</a:t>
+            </a:r>
+          </a:p>
+          <a:p>
+            <a:pPr>
+              <a:buNone/>
+            </a:pPr>
+            <a:endParaRPr lang="en-US" dirty="0"/>
           </a:p>
         </p:txBody>
       </p:sp>
@@ -3724,6 +3998,13 @@
   <p:clrMapOvr>
     <a:masterClrMapping/>
   </p:clrMapOvr>
+  <p:timing>
+    <p:tnLst>
+      <p:par>
+        <p:cTn id="1" dur="indefinite" restart="never" nodeType="tmRoot"/>
+      </p:par>
+    </p:tnLst>
+  </p:timing>
 </p:sld>
 </file>
 
@@ -3791,129 +4072,9 @@
           <a:p>
             <a:r>
               <a:rPr lang="en-US" sz="2000" dirty="0" smtClean="0"/>
-              <a:t>Tag</a:t>
-            </a:r>
-          </a:p>
-          <a:p>
-            <a:pPr lvl="1"/>
-            <a:r>
-              <a:rPr lang="en-US" sz="1800" dirty="0" smtClean="0"/>
-              <a:t>Mostly in low power state</a:t>
-            </a:r>
-          </a:p>
-          <a:p>
-            <a:pPr lvl="1"/>
-            <a:r>
-              <a:rPr lang="en-US" sz="1800" dirty="0" smtClean="0"/>
-              <a:t>Periodically wakes up to broadcast</a:t>
-            </a:r>
-          </a:p>
-          <a:p>
-            <a:r>
-              <a:rPr lang="en-US" sz="2000" dirty="0" smtClean="0"/>
-              <a:t>Detector</a:t>
-            </a:r>
-            <a:endParaRPr lang="en-US" sz="2000" dirty="0" smtClean="0"/>
-          </a:p>
-          <a:p>
-            <a:pPr lvl="1"/>
-            <a:r>
-              <a:rPr lang="en-US" sz="1800" dirty="0" smtClean="0"/>
-              <a:t>Listen for messages from tags and </a:t>
-            </a:r>
-            <a:r>
-              <a:rPr lang="en-US" sz="1800" dirty="0" smtClean="0"/>
-              <a:t>other detectors</a:t>
-            </a:r>
-            <a:endParaRPr lang="en-US" sz="1800" dirty="0" smtClean="0"/>
-          </a:p>
-          <a:p>
-            <a:pPr lvl="1"/>
-            <a:r>
-              <a:rPr lang="en-US" sz="1800" dirty="0" smtClean="0"/>
-              <a:t>Controlled </a:t>
-            </a:r>
-            <a:r>
-              <a:rPr lang="en-US" sz="1800" dirty="0" smtClean="0"/>
-              <a:t>flooding</a:t>
-            </a:r>
-            <a:endParaRPr lang="en-US" sz="1800" dirty="0" smtClean="0"/>
-          </a:p>
-          <a:p>
-            <a:pPr lvl="1"/>
-            <a:r>
-              <a:rPr lang="en-US" sz="1800" dirty="0" smtClean="0"/>
-              <a:t>Collision avoidance via </a:t>
-            </a:r>
-            <a:r>
-              <a:rPr lang="en-US" sz="1800" dirty="0" smtClean="0"/>
-              <a:t>time </a:t>
-            </a:r>
-            <a:r>
-              <a:rPr lang="en-US" sz="1800" dirty="0" smtClean="0"/>
-              <a:t>division</a:t>
-            </a:r>
-          </a:p>
-          <a:p>
-            <a:r>
-              <a:rPr lang="en-US" sz="2000" dirty="0" smtClean="0"/>
-              <a:t>Proxy</a:t>
-            </a:r>
-          </a:p>
-          <a:p>
-            <a:pPr lvl="1"/>
-            <a:r>
-              <a:rPr lang="en-US" sz="1800" dirty="0" smtClean="0"/>
-              <a:t>Listens for messages from detectors</a:t>
-            </a:r>
-          </a:p>
-          <a:p>
-            <a:pPr lvl="1"/>
-            <a:r>
-              <a:rPr lang="en-US" sz="1800" dirty="0" smtClean="0"/>
-              <a:t>Forwards messages to Controller</a:t>
-            </a:r>
-            <a:endParaRPr lang="en-US" sz="1800" dirty="0" smtClean="0"/>
-          </a:p>
-          <a:p>
-            <a:r>
-              <a:rPr lang="en-US" sz="2000" dirty="0" smtClean="0"/>
-              <a:t>Generally</a:t>
-            </a:r>
-            <a:endParaRPr lang="en-US" sz="2000" dirty="0" smtClean="0"/>
-          </a:p>
-          <a:p>
-            <a:pPr lvl="1"/>
-            <a:r>
-              <a:rPr lang="en-US" sz="1800" dirty="0" smtClean="0"/>
-              <a:t>All speak a common message format which includes</a:t>
-            </a:r>
-          </a:p>
-          <a:p>
-            <a:pPr lvl="2"/>
-            <a:r>
-              <a:rPr lang="en-US" sz="1400" dirty="0" smtClean="0"/>
-              <a:t>Battery Information</a:t>
-            </a:r>
-          </a:p>
-          <a:p>
-            <a:pPr lvl="2"/>
-            <a:r>
-              <a:rPr lang="en-US" sz="1400" dirty="0" smtClean="0"/>
-              <a:t>Infrastructure for a more sophisticated routing protocol</a:t>
-            </a:r>
-          </a:p>
-          <a:p>
-            <a:pPr lvl="2"/>
-            <a:r>
-              <a:rPr lang="en-US" sz="1400" dirty="0" smtClean="0"/>
-              <a:t>Fixed </a:t>
-            </a:r>
-            <a:r>
-              <a:rPr lang="en-US" sz="1400" dirty="0" smtClean="0"/>
-              <a:t>length</a:t>
-            </a:r>
-            <a:endParaRPr lang="en-US" sz="1400" dirty="0" smtClean="0"/>
+              <a:t>IMAGE</a:t>
+            </a:r>
+            <a:endParaRPr lang="en-US" sz="2000" dirty="0"/>
           </a:p>
         </p:txBody>
       </p:sp>
@@ -3944,137 +4105,174 @@
       </p:grpSpPr>
       <p:sp>
         <p:nvSpPr>
-          <p:cNvPr id="5" name="Title 4"/>
+          <p:cNvPr id="2" name="Title 1"/>
           <p:cNvSpPr>
             <a:spLocks noGrp="1"/>
           </p:cNvSpPr>
           <p:nvPr>
             <p:ph type="title"/>
+          </p:nvPr>
+        </p:nvSpPr>
+        <p:spPr/>
+        <p:txBody>
+          <a:bodyPr/>
+          <a:lstStyle/>
+          <a:p>
+            <a:r>
+              <a:rPr lang="en-US" dirty="0" smtClean="0"/>
+              <a:t>Firmware</a:t>
+            </a:r>
+            <a:endParaRPr lang="en-US" dirty="0"/>
+          </a:p>
+        </p:txBody>
+      </p:sp>
+      <p:sp>
+        <p:nvSpPr>
+          <p:cNvPr id="3" name="Content Placeholder 2"/>
+          <p:cNvSpPr>
+            <a:spLocks noGrp="1"/>
+          </p:cNvSpPr>
+          <p:nvPr>
+            <p:ph idx="1"/>
           </p:nvPr>
         </p:nvSpPr>
         <p:spPr>
           <a:xfrm>
-            <a:off x="457200" y="0"/>
-            <a:ext cx="8229600" cy="914400"/>
-          </a:xfrm>
-          <a:noFill/>
-        </p:spPr>
-        <p:txBody>
-          <a:bodyPr lIns="91440" tIns="0" bIns="0">
-            <a:normAutofit/>
-          </a:bodyPr>
-          <a:lstStyle/>
-          <a:p>
-            <a:r>
-              <a:rPr lang="en-US" dirty="0" smtClean="0"/>
-              <a:t>Agenda</a:t>
-            </a:r>
-            <a:endParaRPr lang="en-US" dirty="0"/>
-          </a:p>
-        </p:txBody>
-      </p:sp>
-      <p:sp>
-        <p:nvSpPr>
-          <p:cNvPr id="6" name="Content Placeholder 5"/>
-          <p:cNvSpPr>
-            <a:spLocks noGrp="1"/>
-          </p:cNvSpPr>
-          <p:nvPr>
-            <p:ph idx="1"/>
-          </p:nvPr>
-        </p:nvSpPr>
-        <p:spPr>
-          <a:xfrm>
-            <a:off x="457200" y="1219200"/>
-            <a:ext cx="8229600" cy="5181600"/>
+            <a:off x="457200" y="1371600"/>
+            <a:ext cx="8229600" cy="4953000"/>
           </a:xfrm>
         </p:spPr>
         <p:txBody>
-          <a:bodyPr/>
-          <a:lstStyle/>
-          <a:p>
-            <a:r>
-              <a:rPr lang="en-US" dirty="0" smtClean="0">
-                <a:solidFill>
-                  <a:schemeClr val="bg1">
-                    <a:lumMod val="65000"/>
-                  </a:schemeClr>
-                </a:solidFill>
-              </a:rPr>
-              <a:t>System Overview</a:t>
-            </a:r>
-          </a:p>
-          <a:p>
-            <a:r>
-              <a:rPr lang="en-US" dirty="0" smtClean="0">
-                <a:solidFill>
-                  <a:schemeClr val="bg1">
-                    <a:lumMod val="65000"/>
-                  </a:schemeClr>
-                </a:solidFill>
-              </a:rPr>
-              <a:t>Hardware</a:t>
-            </a:r>
-          </a:p>
-          <a:p>
-            <a:r>
-              <a:rPr lang="en-US" dirty="0" smtClean="0">
-                <a:solidFill>
-                  <a:schemeClr val="bg1">
-                    <a:lumMod val="65000"/>
-                  </a:schemeClr>
-                </a:solidFill>
-              </a:rPr>
-              <a:t>Firmware</a:t>
-            </a:r>
-          </a:p>
-          <a:p>
-            <a:r>
-              <a:rPr lang="en-US" dirty="0" smtClean="0"/>
-              <a:t>Software</a:t>
-            </a:r>
-          </a:p>
-          <a:p>
-            <a:r>
-              <a:rPr lang="en-US" dirty="0" smtClean="0">
-                <a:solidFill>
-                  <a:schemeClr val="bg1">
-                    <a:lumMod val="65000"/>
-                  </a:schemeClr>
-                </a:solidFill>
-              </a:rPr>
-              <a:t>Deployment</a:t>
-            </a:r>
-          </a:p>
-          <a:p>
-            <a:r>
-              <a:rPr lang="en-US" dirty="0" smtClean="0">
-                <a:solidFill>
-                  <a:schemeClr val="bg1">
-                    <a:lumMod val="65000"/>
-                  </a:schemeClr>
-                </a:solidFill>
-              </a:rPr>
-              <a:t>Results</a:t>
-            </a:r>
-          </a:p>
-          <a:p>
-            <a:r>
-              <a:rPr lang="en-US" dirty="0" smtClean="0">
-                <a:solidFill>
-                  <a:schemeClr val="bg1">
-                    <a:lumMod val="65000"/>
-                  </a:schemeClr>
-                </a:solidFill>
-              </a:rPr>
-              <a:t>Conclusions</a:t>
-            </a:r>
-          </a:p>
-          <a:p>
-            <a:pPr>
-              <a:buNone/>
-            </a:pPr>
-            <a:endParaRPr lang="en-US" dirty="0"/>
+          <a:bodyPr>
+            <a:noAutofit/>
+          </a:bodyPr>
+          <a:lstStyle/>
+          <a:p>
+            <a:r>
+              <a:rPr lang="en-US" sz="2000" dirty="0" smtClean="0"/>
+              <a:t>Tag</a:t>
+            </a:r>
+          </a:p>
+          <a:p>
+            <a:pPr lvl="1"/>
+            <a:r>
+              <a:rPr lang="en-US" sz="1800" dirty="0" smtClean="0"/>
+              <a:t>Mostly in low power state</a:t>
+            </a:r>
+          </a:p>
+          <a:p>
+            <a:pPr lvl="1"/>
+            <a:r>
+              <a:rPr lang="en-US" sz="1800" dirty="0" smtClean="0"/>
+              <a:t>Periodically wakes up to broadcast</a:t>
+            </a:r>
+          </a:p>
+          <a:p>
+            <a:r>
+              <a:rPr lang="en-US" sz="2000" dirty="0" smtClean="0"/>
+              <a:t>Detector</a:t>
+            </a:r>
+            <a:endParaRPr lang="en-US" sz="2000" dirty="0" smtClean="0"/>
+          </a:p>
+          <a:p>
+            <a:pPr lvl="1"/>
+            <a:r>
+              <a:rPr lang="en-US" sz="1800" dirty="0" smtClean="0"/>
+              <a:t>Listen for messages from tags and </a:t>
+            </a:r>
+            <a:r>
+              <a:rPr lang="en-US" sz="1800" dirty="0" smtClean="0"/>
+              <a:t>other detectors</a:t>
+            </a:r>
+            <a:endParaRPr lang="en-US" sz="1800" dirty="0" smtClean="0"/>
+          </a:p>
+          <a:p>
+            <a:pPr lvl="1"/>
+            <a:r>
+              <a:rPr lang="en-US" sz="1800" dirty="0" smtClean="0"/>
+              <a:t>Controlled </a:t>
+            </a:r>
+            <a:r>
+              <a:rPr lang="en-US" sz="1800" dirty="0" smtClean="0"/>
+              <a:t>flooding</a:t>
+            </a:r>
+            <a:endParaRPr lang="en-US" sz="1800" dirty="0" smtClean="0"/>
+          </a:p>
+          <a:p>
+            <a:pPr lvl="1"/>
+            <a:r>
+              <a:rPr lang="en-US" sz="1800" dirty="0" smtClean="0"/>
+              <a:t>Collision avoidance via </a:t>
+            </a:r>
+            <a:r>
+              <a:rPr lang="en-US" sz="1800" dirty="0" smtClean="0"/>
+              <a:t>time </a:t>
+            </a:r>
+            <a:r>
+              <a:rPr lang="en-US" sz="1800" dirty="0" smtClean="0"/>
+              <a:t>division</a:t>
+            </a:r>
+          </a:p>
+          <a:p>
+            <a:r>
+              <a:rPr lang="en-US" sz="2000" dirty="0" smtClean="0"/>
+              <a:t>Proxy</a:t>
+            </a:r>
+          </a:p>
+          <a:p>
+            <a:pPr lvl="1"/>
+            <a:r>
+              <a:rPr lang="en-US" sz="1800" dirty="0" smtClean="0"/>
+              <a:t>Listens for messages from detectors</a:t>
+            </a:r>
+          </a:p>
+          <a:p>
+            <a:pPr lvl="1"/>
+            <a:r>
+              <a:rPr lang="en-US" sz="1800" dirty="0" smtClean="0"/>
+              <a:t>Forwards messages to Controller</a:t>
+            </a:r>
+            <a:endParaRPr lang="en-US" sz="1800" dirty="0" smtClean="0"/>
+          </a:p>
+          <a:p>
+            <a:r>
+              <a:rPr lang="en-US" sz="2000" dirty="0" smtClean="0"/>
+              <a:t>Generally</a:t>
+            </a:r>
+            <a:endParaRPr lang="en-US" sz="2000" dirty="0" smtClean="0"/>
+          </a:p>
+          <a:p>
+            <a:pPr lvl="1"/>
+            <a:r>
+              <a:rPr lang="en-US" sz="1800" dirty="0" smtClean="0"/>
+              <a:t>All speak a common message format which includes</a:t>
+            </a:r>
+          </a:p>
+          <a:p>
+            <a:pPr lvl="2"/>
+            <a:r>
+              <a:rPr lang="en-US" sz="1400" dirty="0" smtClean="0"/>
+              <a:t>Battery Information</a:t>
+            </a:r>
+          </a:p>
+          <a:p>
+            <a:pPr lvl="2"/>
+            <a:r>
+              <a:rPr lang="en-US" sz="1400" dirty="0" smtClean="0"/>
+              <a:t>Infrastructure for a more sophisticated routing protocol</a:t>
+            </a:r>
+          </a:p>
+          <a:p>
+            <a:pPr lvl="2"/>
+            <a:r>
+              <a:rPr lang="en-US" sz="1400" dirty="0" smtClean="0"/>
+              <a:t>Fixed </a:t>
+            </a:r>
+            <a:r>
+              <a:rPr lang="en-US" sz="1400" dirty="0" smtClean="0"/>
+              <a:t>length</a:t>
+            </a:r>
+            <a:endParaRPr lang="en-US" sz="1400" dirty="0" smtClean="0"/>
           </a:p>
         </p:txBody>
       </p:sp>
@@ -4083,13 +4281,6 @@
   <p:clrMapOvr>
     <a:masterClrMapping/>
   </p:clrMapOvr>
-  <p:timing>
-    <p:tnLst>
-      <p:par>
-        <p:cTn id="1" dur="indefinite" restart="never" nodeType="tmRoot"/>
-      </p:par>
-    </p:tnLst>
-  </p:timing>
 </p:sld>
 </file>
 
@@ -4112,7 +4303,7 @@
       </p:grpSpPr>
       <p:sp>
         <p:nvSpPr>
-          <p:cNvPr id="2" name="Title 1"/>
+          <p:cNvPr id="5" name="Title 4"/>
           <p:cNvSpPr>
             <a:spLocks noGrp="1"/>
           </p:cNvSpPr>
@@ -4120,115 +4311,128 @@
             <p:ph type="title"/>
           </p:nvPr>
         </p:nvSpPr>
-        <p:spPr/>
-        <p:txBody>
-          <a:bodyPr/>
-          <a:lstStyle/>
+        <p:spPr>
+          <a:xfrm>
+            <a:off x="457200" y="0"/>
+            <a:ext cx="8229600" cy="914400"/>
+          </a:xfrm>
+          <a:noFill/>
+        </p:spPr>
+        <p:txBody>
+          <a:bodyPr lIns="91440" tIns="0" bIns="0">
+            <a:normAutofit/>
+          </a:bodyPr>
+          <a:lstStyle/>
+          <a:p>
+            <a:r>
+              <a:rPr lang="en-US" dirty="0" smtClean="0"/>
+              <a:t>Agenda</a:t>
+            </a:r>
+            <a:endParaRPr lang="en-US" dirty="0"/>
+          </a:p>
+        </p:txBody>
+      </p:sp>
+      <p:sp>
+        <p:nvSpPr>
+          <p:cNvPr id="6" name="Content Placeholder 5"/>
+          <p:cNvSpPr>
+            <a:spLocks noGrp="1"/>
+          </p:cNvSpPr>
+          <p:nvPr>
+            <p:ph idx="1"/>
+          </p:nvPr>
+        </p:nvSpPr>
+        <p:spPr>
+          <a:xfrm>
+            <a:off x="457200" y="1219200"/>
+            <a:ext cx="8229600" cy="5181600"/>
+          </a:xfrm>
+        </p:spPr>
+        <p:txBody>
+          <a:bodyPr/>
+          <a:lstStyle/>
+          <a:p>
+            <a:r>
+              <a:rPr lang="en-US" dirty="0" smtClean="0">
+                <a:solidFill>
+                  <a:schemeClr val="bg1">
+                    <a:lumMod val="65000"/>
+                  </a:schemeClr>
+                </a:solidFill>
+              </a:rPr>
+              <a:t>System Overview</a:t>
+            </a:r>
+          </a:p>
+          <a:p>
+            <a:r>
+              <a:rPr lang="en-US" dirty="0" smtClean="0">
+                <a:solidFill>
+                  <a:schemeClr val="bg1">
+                    <a:lumMod val="65000"/>
+                  </a:schemeClr>
+                </a:solidFill>
+              </a:rPr>
+              <a:t>Hardware</a:t>
+            </a:r>
+          </a:p>
+          <a:p>
+            <a:r>
+              <a:rPr lang="en-US" dirty="0" smtClean="0">
+                <a:solidFill>
+                  <a:schemeClr val="bg1">
+                    <a:lumMod val="65000"/>
+                  </a:schemeClr>
+                </a:solidFill>
+              </a:rPr>
+              <a:t>Firmware</a:t>
+            </a:r>
+          </a:p>
           <a:p>
             <a:r>
               <a:rPr lang="en-US" dirty="0" smtClean="0"/>
               <a:t>Software</a:t>
             </a:r>
-            <a:endParaRPr lang="en-US" dirty="0"/>
-          </a:p>
-        </p:txBody>
-      </p:sp>
-      <p:sp>
-        <p:nvSpPr>
-          <p:cNvPr id="3" name="Content Placeholder 2"/>
-          <p:cNvSpPr>
-            <a:spLocks noGrp="1"/>
-          </p:cNvSpPr>
-          <p:nvPr>
-            <p:ph idx="1"/>
-          </p:nvPr>
-        </p:nvSpPr>
-        <p:spPr/>
-        <p:txBody>
-          <a:bodyPr/>
-          <a:lstStyle/>
-          <a:p>
-            <a:r>
-              <a:rPr lang="en-US" dirty="0" smtClean="0"/>
-              <a:t>Controller</a:t>
-            </a:r>
-          </a:p>
-          <a:p>
-            <a:pPr lvl="1"/>
-            <a:r>
-              <a:rPr lang="en-US" dirty="0" smtClean="0"/>
-              <a:t>Collects data from Proxy</a:t>
-            </a:r>
-          </a:p>
-          <a:p>
-            <a:pPr lvl="1"/>
-            <a:r>
-              <a:rPr lang="en-US" dirty="0" smtClean="0"/>
-              <a:t>Feed data to Location Engine</a:t>
-            </a:r>
-          </a:p>
-          <a:p>
-            <a:pPr lvl="1"/>
-            <a:r>
-              <a:rPr lang="en-US" dirty="0" smtClean="0"/>
-              <a:t>Two operating modes</a:t>
-            </a:r>
-          </a:p>
-          <a:p>
-            <a:pPr lvl="2"/>
-            <a:r>
-              <a:rPr lang="en-US" dirty="0" smtClean="0"/>
-              <a:t>Calibrating</a:t>
-            </a:r>
-          </a:p>
-          <a:p>
-            <a:pPr lvl="3"/>
-            <a:r>
-              <a:rPr lang="en-US" dirty="0" smtClean="0"/>
-              <a:t>Collects RF signature at calibration points</a:t>
-            </a:r>
-          </a:p>
-          <a:p>
-            <a:pPr lvl="3"/>
-            <a:r>
-              <a:rPr lang="en-US" dirty="0" smtClean="0"/>
-              <a:t>Stores calibration data in a local database</a:t>
-            </a:r>
-          </a:p>
-          <a:p>
-            <a:pPr lvl="2"/>
-            <a:r>
-              <a:rPr lang="en-US" dirty="0" smtClean="0"/>
-              <a:t>Locating</a:t>
-            </a:r>
-          </a:p>
-          <a:p>
-            <a:pPr lvl="3"/>
-            <a:r>
-              <a:rPr lang="en-US" dirty="0" smtClean="0"/>
-              <a:t>Passes calibration data to Location Engine</a:t>
-            </a:r>
-          </a:p>
-          <a:p>
-            <a:pPr lvl="3"/>
-            <a:r>
-              <a:rPr lang="en-US" dirty="0" smtClean="0"/>
-              <a:t>Collects and sorts data into packets</a:t>
-            </a:r>
-          </a:p>
-          <a:p>
-            <a:pPr lvl="3"/>
-            <a:r>
-              <a:rPr lang="en-US" dirty="0" smtClean="0"/>
-              <a:t>Feeds the packets to Location Engine</a:t>
-            </a:r>
-          </a:p>
-          <a:p>
-            <a:pPr lvl="3"/>
-            <a:r>
-              <a:rPr lang="en-US" dirty="0" smtClean="0"/>
-              <a:t>Stores results in MySQL Database</a:t>
-            </a:r>
+          </a:p>
+          <a:p>
+            <a:r>
+              <a:rPr lang="en-US" dirty="0" smtClean="0">
+                <a:solidFill>
+                  <a:schemeClr val="bg1">
+                    <a:lumMod val="65000"/>
+                  </a:schemeClr>
+                </a:solidFill>
+              </a:rPr>
+              <a:t>Deployment</a:t>
+            </a:r>
+          </a:p>
+          <a:p>
+            <a:r>
+              <a:rPr lang="en-US" dirty="0" smtClean="0">
+                <a:solidFill>
+                  <a:schemeClr val="bg1">
+                    <a:lumMod val="65000"/>
+                  </a:schemeClr>
+                </a:solidFill>
+              </a:rPr>
+              <a:t>Results</a:t>
+            </a:r>
+          </a:p>
+          <a:p>
+            <a:r>
+              <a:rPr lang="en-US" dirty="0" smtClean="0">
+                <a:solidFill>
+                  <a:schemeClr val="bg1">
+                    <a:lumMod val="65000"/>
+                  </a:schemeClr>
+                </a:solidFill>
+              </a:rPr>
+              <a:t>Conclusions</a:t>
+            </a:r>
+          </a:p>
+          <a:p>
+            <a:pPr>
+              <a:buNone/>
+            </a:pPr>
             <a:endParaRPr lang="en-US" dirty="0"/>
           </a:p>
         </p:txBody>
@@ -4303,7 +4507,88 @@
           <a:bodyPr/>
           <a:lstStyle/>
           <a:p>
-            <a:endParaRPr lang="en-US"/>
+            <a:r>
+              <a:rPr lang="en-US" dirty="0" smtClean="0"/>
+              <a:t>Controller</a:t>
+            </a:r>
+          </a:p>
+          <a:p>
+            <a:pPr lvl="1"/>
+            <a:r>
+              <a:rPr lang="en-US" dirty="0" smtClean="0"/>
+              <a:t>Collects data from Proxy</a:t>
+            </a:r>
+          </a:p>
+          <a:p>
+            <a:pPr lvl="1"/>
+            <a:r>
+              <a:rPr lang="en-US" dirty="0" smtClean="0"/>
+              <a:t>Feed data to Location Engine</a:t>
+            </a:r>
+          </a:p>
+          <a:p>
+            <a:pPr lvl="1"/>
+            <a:r>
+              <a:rPr lang="en-US" dirty="0" smtClean="0"/>
+              <a:t>Two operating modes</a:t>
+            </a:r>
+          </a:p>
+          <a:p>
+            <a:pPr lvl="2"/>
+            <a:r>
+              <a:rPr lang="en-US" dirty="0" smtClean="0"/>
+              <a:t>Calibrating</a:t>
+            </a:r>
+          </a:p>
+          <a:p>
+            <a:pPr lvl="3"/>
+            <a:r>
+              <a:rPr lang="en-US" dirty="0" smtClean="0"/>
+              <a:t>Collects RF signature at calibration points</a:t>
+            </a:r>
+          </a:p>
+          <a:p>
+            <a:pPr lvl="3"/>
+            <a:r>
+              <a:rPr lang="en-US" dirty="0" smtClean="0"/>
+              <a:t>Stores calibration data in a local database</a:t>
+            </a:r>
+          </a:p>
+          <a:p>
+            <a:pPr lvl="2"/>
+            <a:r>
+              <a:rPr lang="en-US" dirty="0" smtClean="0"/>
+              <a:t>Locating</a:t>
+            </a:r>
+          </a:p>
+          <a:p>
+            <a:pPr lvl="3"/>
+            <a:r>
+              <a:rPr lang="en-US" dirty="0" smtClean="0"/>
+              <a:t>Passes calibration data to Location Engine</a:t>
+            </a:r>
+          </a:p>
+          <a:p>
+            <a:pPr lvl="3"/>
+            <a:r>
+              <a:rPr lang="en-US" dirty="0" smtClean="0"/>
+              <a:t>Collects and sorts data into packets</a:t>
+            </a:r>
+          </a:p>
+          <a:p>
+            <a:pPr lvl="3"/>
+            <a:r>
+              <a:rPr lang="en-US" dirty="0" smtClean="0"/>
+              <a:t>Feeds the packets to Location Engine</a:t>
+            </a:r>
+          </a:p>
+          <a:p>
+            <a:pPr lvl="3"/>
+            <a:r>
+              <a:rPr lang="en-US" dirty="0" smtClean="0"/>
+              <a:t>Stores results in MySQL Database</a:t>
+            </a:r>
+            <a:endParaRPr lang="en-US" dirty="0"/>
           </a:p>
         </p:txBody>
       </p:sp>
@@ -4377,7 +4662,14 @@
           <a:bodyPr/>
           <a:lstStyle/>
           <a:p>
-            <a:endParaRPr lang="en-US"/>
+            <a:r>
+              <a:rPr lang="en-US" dirty="0" smtClean="0"/>
+              <a:t>Location Engine</a:t>
+            </a:r>
+          </a:p>
+          <a:p>
+            <a:pPr lvl="1"/>
+            <a:endParaRPr lang="en-US" dirty="0"/>
           </a:p>
         </p:txBody>
       </p:sp>
@@ -4386,6 +4678,13 @@
   <p:clrMapOvr>
     <a:masterClrMapping/>
   </p:clrMapOvr>
+  <p:timing>
+    <p:tnLst>
+      <p:par>
+        <p:cTn id="1" dur="indefinite" restart="never" nodeType="tmRoot"/>
+      </p:par>
+    </p:tnLst>
+  </p:timing>
 </p:sld>
 </file>
 
@@ -4408,7 +4707,7 @@
       </p:grpSpPr>
       <p:sp>
         <p:nvSpPr>
-          <p:cNvPr id="5" name="Title 4"/>
+          <p:cNvPr id="2" name="Title 1"/>
           <p:cNvSpPr>
             <a:spLocks noGrp="1"/>
           </p:cNvSpPr>
@@ -4416,30 +4715,22 @@
             <p:ph type="title"/>
           </p:nvPr>
         </p:nvSpPr>
-        <p:spPr>
-          <a:xfrm>
-            <a:off x="457200" y="0"/>
-            <a:ext cx="8229600" cy="914400"/>
-          </a:xfrm>
-          <a:noFill/>
-        </p:spPr>
-        <p:txBody>
-          <a:bodyPr lIns="91440" tIns="0" bIns="0">
-            <a:normAutofit/>
-          </a:bodyPr>
-          <a:lstStyle/>
-          <a:p>
-            <a:r>
-              <a:rPr lang="en-US" dirty="0" smtClean="0"/>
-              <a:t>Agenda</a:t>
-            </a:r>
-            <a:endParaRPr lang="en-US" dirty="0"/>
-          </a:p>
-        </p:txBody>
-      </p:sp>
-      <p:sp>
-        <p:nvSpPr>
-          <p:cNvPr id="6" name="Content Placeholder 5"/>
+        <p:spPr/>
+        <p:txBody>
+          <a:bodyPr/>
+          <a:lstStyle/>
+          <a:p>
+            <a:r>
+              <a:rPr lang="en-US" dirty="0" smtClean="0"/>
+              <a:t>Software</a:t>
+            </a:r>
+            <a:endParaRPr lang="en-US" dirty="0"/>
+          </a:p>
+        </p:txBody>
+      </p:sp>
+      <p:sp>
+        <p:nvSpPr>
+          <p:cNvPr id="3" name="Content Placeholder 2"/>
           <p:cNvSpPr>
             <a:spLocks noGrp="1"/>
           </p:cNvSpPr>
@@ -4447,97 +4738,92 @@
             <p:ph idx="1"/>
           </p:nvPr>
         </p:nvSpPr>
-        <p:spPr>
-          <a:xfrm>
-            <a:off x="457200" y="1219200"/>
-            <a:ext cx="8229600" cy="5181600"/>
-          </a:xfrm>
-        </p:spPr>
-        <p:txBody>
-          <a:bodyPr/>
-          <a:lstStyle/>
-          <a:p>
-            <a:r>
-              <a:rPr lang="en-US" dirty="0" smtClean="0">
-                <a:solidFill>
-                  <a:schemeClr val="bg1">
-                    <a:lumMod val="65000"/>
-                  </a:schemeClr>
-                </a:solidFill>
-              </a:rPr>
-              <a:t>System Overview</a:t>
-            </a:r>
-          </a:p>
-          <a:p>
-            <a:r>
-              <a:rPr lang="en-US" dirty="0" smtClean="0">
-                <a:solidFill>
-                  <a:schemeClr val="bg1">
-                    <a:lumMod val="65000"/>
-                  </a:schemeClr>
-                </a:solidFill>
-              </a:rPr>
-              <a:t>Hardware</a:t>
-            </a:r>
-          </a:p>
-          <a:p>
-            <a:r>
-              <a:rPr lang="en-US" dirty="0" smtClean="0">
-                <a:solidFill>
-                  <a:schemeClr val="bg1">
-                    <a:lumMod val="65000"/>
-                  </a:schemeClr>
-                </a:solidFill>
-              </a:rPr>
-              <a:t>Firmware</a:t>
-            </a:r>
-          </a:p>
-          <a:p>
-            <a:r>
-              <a:rPr lang="en-US" dirty="0" smtClean="0">
-                <a:solidFill>
-                  <a:schemeClr val="bg1">
-                    <a:lumMod val="65000"/>
-                  </a:schemeClr>
-                </a:solidFill>
-              </a:rPr>
-              <a:t>Software</a:t>
-            </a:r>
-          </a:p>
-          <a:p>
-            <a:r>
-              <a:rPr lang="en-US" dirty="0" smtClean="0"/>
-              <a:t>Deployment</a:t>
-            </a:r>
-          </a:p>
-          <a:p>
-            <a:r>
-              <a:rPr lang="en-US" dirty="0" smtClean="0">
-                <a:solidFill>
-                  <a:schemeClr val="bg1">
-                    <a:lumMod val="65000"/>
-                  </a:schemeClr>
-                </a:solidFill>
-              </a:rPr>
-              <a:t>Results</a:t>
-            </a:r>
-          </a:p>
-          <a:p>
-            <a:r>
-              <a:rPr lang="en-US" dirty="0" smtClean="0">
-                <a:solidFill>
-                  <a:schemeClr val="bg1">
-                    <a:lumMod val="65000"/>
-                  </a:schemeClr>
-                </a:solidFill>
-              </a:rPr>
-              <a:t>Conclusions</a:t>
-            </a:r>
-          </a:p>
-          <a:p>
-            <a:pPr>
-              <a:buNone/>
-            </a:pPr>
+        <p:spPr/>
+        <p:txBody>
+          <a:bodyPr/>
+          <a:lstStyle/>
+          <a:p>
+            <a:r>
+              <a:rPr lang="en-US" dirty="0" smtClean="0"/>
+              <a:t>Web App</a:t>
+            </a:r>
+          </a:p>
+          <a:p>
+            <a:pPr lvl="1"/>
+            <a:r>
+              <a:rPr lang="en-US" dirty="0" smtClean="0"/>
+              <a:t>Functionalities</a:t>
+            </a:r>
+          </a:p>
+          <a:p>
+            <a:pPr lvl="2"/>
+            <a:r>
+              <a:rPr lang="en-US" dirty="0" smtClean="0"/>
+              <a:t>Visualize tags’ and detectors’ locations</a:t>
+            </a:r>
+          </a:p>
+          <a:p>
+            <a:pPr lvl="2"/>
+            <a:r>
+              <a:rPr lang="en-US" dirty="0" smtClean="0"/>
+              <a:t>Add, modify, and remove tags and detectors</a:t>
+            </a:r>
+          </a:p>
+          <a:p>
+            <a:pPr lvl="2"/>
+            <a:r>
+              <a:rPr lang="en-US" dirty="0" smtClean="0"/>
+              <a:t>Configure the tracking area</a:t>
+            </a:r>
+          </a:p>
+          <a:p>
+            <a:pPr lvl="1"/>
+            <a:r>
+              <a:rPr lang="en-US" dirty="0" smtClean="0"/>
+              <a:t>Design Goals</a:t>
+            </a:r>
+          </a:p>
+          <a:p>
+            <a:pPr lvl="2"/>
+            <a:r>
+              <a:rPr lang="en-US" dirty="0" smtClean="0"/>
+              <a:t>Fast</a:t>
+            </a:r>
+          </a:p>
+          <a:p>
+            <a:pPr lvl="2"/>
+            <a:r>
+              <a:rPr lang="en-US" dirty="0" smtClean="0"/>
+              <a:t>Simple</a:t>
+            </a:r>
+          </a:p>
+          <a:p>
+            <a:pPr lvl="2"/>
+            <a:r>
+              <a:rPr lang="en-US" dirty="0" smtClean="0"/>
+              <a:t>Easy to use</a:t>
+            </a:r>
+          </a:p>
+          <a:p>
+            <a:pPr lvl="1"/>
+            <a:r>
+              <a:rPr lang="en-US" dirty="0" smtClean="0"/>
+              <a:t>Technologies</a:t>
+            </a:r>
+          </a:p>
+          <a:p>
+            <a:pPr lvl="2"/>
+            <a:r>
+              <a:rPr lang="en-US" dirty="0" smtClean="0"/>
+              <a:t>PHP</a:t>
+            </a:r>
+          </a:p>
+          <a:p>
+            <a:pPr lvl="2"/>
+            <a:r>
+              <a:rPr lang="en-US" dirty="0" smtClean="0"/>
+              <a:t>HTML5, CSS3, JavaScript</a:t>
+            </a:r>
             <a:endParaRPr lang="en-US" dirty="0"/>
           </a:p>
         </p:txBody>
@@ -4547,13 +4833,6 @@
   <p:clrMapOvr>
     <a:masterClrMapping/>
   </p:clrMapOvr>
-  <p:timing>
-    <p:tnLst>
-      <p:par>
-        <p:cTn id="1" dur="indefinite" restart="never" nodeType="tmRoot"/>
-      </p:par>
-    </p:tnLst>
-  </p:timing>
 </p:sld>
 </file>
 
@@ -4674,6 +4953,12 @@
           </a:p>
           <a:p>
             <a:r>
+              <a:rPr lang="en-US" dirty="0" smtClean="0"/>
+              <a:t>Deployment</a:t>
+            </a:r>
+          </a:p>
+          <a:p>
+            <a:r>
               <a:rPr lang="en-US" dirty="0" smtClean="0">
                 <a:solidFill>
                   <a:schemeClr val="bg1">
@@ -4681,12 +4966,6 @@
                   </a:schemeClr>
                 </a:solidFill>
               </a:rPr>
-              <a:t>Deployment</a:t>
-            </a:r>
-          </a:p>
-          <a:p>
-            <a:r>
-              <a:rPr lang="en-US" dirty="0" smtClean="0"/>
               <a:t>Results</a:t>
             </a:r>
           </a:p>
@@ -4722,6 +5001,227 @@
       </p:par>
     </p:tnLst>
   </p:timing>
+</p:sld>
+</file>
+
+<file path=ppt/slides/slide18.xml><?xml version="1.0" encoding="utf-8"?>
+<p:sld xmlns:a="http://schemas.openxmlformats.org/drawingml/2006/main" xmlns:r="http://schemas.openxmlformats.org/officeDocument/2006/relationships" xmlns:p="http://schemas.openxmlformats.org/presentationml/2006/main">
+  <p:cSld>
+    <p:spTree>
+      <p:nvGrpSpPr>
+        <p:cNvPr id="1" name=""/>
+        <p:cNvGrpSpPr/>
+        <p:nvPr/>
+      </p:nvGrpSpPr>
+      <p:grpSpPr>
+        <a:xfrm>
+          <a:off x="0" y="0"/>
+          <a:ext cx="0" cy="0"/>
+          <a:chOff x="0" y="0"/>
+          <a:chExt cx="0" cy="0"/>
+        </a:xfrm>
+      </p:grpSpPr>
+      <p:sp>
+        <p:nvSpPr>
+          <p:cNvPr id="2" name="Title 1"/>
+          <p:cNvSpPr>
+            <a:spLocks noGrp="1"/>
+          </p:cNvSpPr>
+          <p:nvPr>
+            <p:ph type="title"/>
+          </p:nvPr>
+        </p:nvSpPr>
+        <p:spPr/>
+        <p:txBody>
+          <a:bodyPr/>
+          <a:lstStyle/>
+          <a:p>
+            <a:r>
+              <a:rPr lang="en-US" dirty="0" smtClean="0"/>
+              <a:t>Deployment</a:t>
+            </a:r>
+            <a:endParaRPr lang="en-US" dirty="0"/>
+          </a:p>
+        </p:txBody>
+      </p:sp>
+      <p:sp>
+        <p:nvSpPr>
+          <p:cNvPr id="3" name="Content Placeholder 2"/>
+          <p:cNvSpPr>
+            <a:spLocks noGrp="1"/>
+          </p:cNvSpPr>
+          <p:nvPr>
+            <p:ph idx="1"/>
+          </p:nvPr>
+        </p:nvSpPr>
+        <p:spPr/>
+        <p:txBody>
+          <a:bodyPr>
+            <a:normAutofit/>
+          </a:bodyPr>
+          <a:lstStyle/>
+          <a:p>
+            <a:r>
+              <a:rPr lang="en-US" dirty="0" smtClean="0"/>
+              <a:t>Detector placement</a:t>
+            </a:r>
+          </a:p>
+          <a:p>
+            <a:r>
+              <a:rPr lang="en-US" dirty="0" smtClean="0"/>
+              <a:t>Calibration </a:t>
+            </a:r>
+            <a:r>
+              <a:rPr lang="en-US" dirty="0" smtClean="0"/>
+              <a:t>density</a:t>
+            </a:r>
+          </a:p>
+          <a:p>
+            <a:r>
+              <a:rPr lang="en-US" dirty="0" smtClean="0"/>
+              <a:t>Each </a:t>
+            </a:r>
+            <a:r>
+              <a:rPr lang="en-US" dirty="0" smtClean="0"/>
+              <a:t>tag has a unique </a:t>
+            </a:r>
+            <a:r>
+              <a:rPr lang="en-US" dirty="0" smtClean="0"/>
+              <a:t>ID with respect to other tags</a:t>
+            </a:r>
+          </a:p>
+          <a:p>
+            <a:r>
+              <a:rPr lang="en-US" dirty="0" smtClean="0"/>
+              <a:t>Each detector has a unique ID with respect to other detectors</a:t>
+            </a:r>
+          </a:p>
+          <a:p>
+            <a:r>
+              <a:rPr lang="en-US" dirty="0" smtClean="0"/>
+              <a:t>Proxy </a:t>
+            </a:r>
+            <a:r>
+              <a:rPr lang="en-US" dirty="0" smtClean="0"/>
+              <a:t>possible configurations </a:t>
+            </a:r>
+          </a:p>
+          <a:p>
+            <a:pPr lvl="1"/>
+            <a:r>
+              <a:rPr lang="en-US" dirty="0" smtClean="0"/>
+              <a:t>Proxy must have access to LAN</a:t>
+            </a:r>
+          </a:p>
+          <a:p>
+            <a:pPr lvl="1"/>
+            <a:r>
+              <a:rPr lang="en-US" dirty="0" smtClean="0"/>
+              <a:t>Proxy must create an Ad-Hoc Access point for Controller to connect to</a:t>
+            </a:r>
+          </a:p>
+          <a:p>
+            <a:endParaRPr lang="en-US" dirty="0"/>
+          </a:p>
+        </p:txBody>
+      </p:sp>
+    </p:spTree>
+  </p:cSld>
+  <p:clrMapOvr>
+    <a:masterClrMapping/>
+  </p:clrMapOvr>
+</p:sld>
+</file>
+
+<file path=ppt/slides/slide19.xml><?xml version="1.0" encoding="utf-8"?>
+<p:sld xmlns:a="http://schemas.openxmlformats.org/drawingml/2006/main" xmlns:r="http://schemas.openxmlformats.org/officeDocument/2006/relationships" xmlns:p="http://schemas.openxmlformats.org/presentationml/2006/main">
+  <p:cSld>
+    <p:spTree>
+      <p:nvGrpSpPr>
+        <p:cNvPr id="1" name=""/>
+        <p:cNvGrpSpPr/>
+        <p:nvPr/>
+      </p:nvGrpSpPr>
+      <p:grpSpPr>
+        <a:xfrm>
+          <a:off x="0" y="0"/>
+          <a:ext cx="0" cy="0"/>
+          <a:chOff x="0" y="0"/>
+          <a:chExt cx="0" cy="0"/>
+        </a:xfrm>
+      </p:grpSpPr>
+      <p:sp>
+        <p:nvSpPr>
+          <p:cNvPr id="2" name="Title 1"/>
+          <p:cNvSpPr>
+            <a:spLocks noGrp="1"/>
+          </p:cNvSpPr>
+          <p:nvPr>
+            <p:ph type="title"/>
+          </p:nvPr>
+        </p:nvSpPr>
+        <p:spPr/>
+        <p:txBody>
+          <a:bodyPr/>
+          <a:lstStyle/>
+          <a:p>
+            <a:r>
+              <a:rPr lang="en-US" dirty="0" smtClean="0"/>
+              <a:t>Deployment</a:t>
+            </a:r>
+            <a:endParaRPr lang="en-US" dirty="0"/>
+          </a:p>
+        </p:txBody>
+      </p:sp>
+      <p:sp>
+        <p:nvSpPr>
+          <p:cNvPr id="3" name="Content Placeholder 2"/>
+          <p:cNvSpPr>
+            <a:spLocks noGrp="1"/>
+          </p:cNvSpPr>
+          <p:nvPr>
+            <p:ph idx="1"/>
+          </p:nvPr>
+        </p:nvSpPr>
+        <p:spPr/>
+        <p:txBody>
+          <a:bodyPr/>
+          <a:lstStyle/>
+          <a:p>
+            <a:endParaRPr lang="en-US" dirty="0"/>
+          </a:p>
+        </p:txBody>
+      </p:sp>
+      <p:pic>
+        <p:nvPicPr>
+          <p:cNvPr id="36866" name="Picture 2" descr="D:\Courses\2010-2011\Capstone\Docs\Images\MapDetectableRangePresentation.png"/>
+          <p:cNvPicPr>
+            <a:picLocks noChangeAspect="1" noChangeArrowheads="1"/>
+          </p:cNvPicPr>
+          <p:nvPr/>
+        </p:nvPicPr>
+        <p:blipFill>
+          <a:blip r:embed="rId2" cstate="print"/>
+          <a:stretch>
+            <a:fillRect/>
+          </a:stretch>
+        </p:blipFill>
+        <p:spPr bwMode="auto">
+          <a:xfrm>
+            <a:off x="1828800" y="2057400"/>
+            <a:ext cx="5544324" cy="3743848"/>
+          </a:xfrm>
+          <a:prstGeom prst="rect">
+            <a:avLst/>
+          </a:prstGeom>
+          <a:noFill/>
+        </p:spPr>
+      </p:pic>
+    </p:spTree>
+  </p:cSld>
+  <p:clrMapOvr>
+    <a:masterClrMapping/>
+  </p:clrMapOvr>
 </p:sld>
 </file>
 
@@ -4744,6 +5244,120 @@
       </p:grpSpPr>
       <p:sp>
         <p:nvSpPr>
+          <p:cNvPr id="2" name="Title 1"/>
+          <p:cNvSpPr>
+            <a:spLocks noGrp="1"/>
+          </p:cNvSpPr>
+          <p:nvPr>
+            <p:ph type="title"/>
+          </p:nvPr>
+        </p:nvSpPr>
+        <p:spPr/>
+        <p:txBody>
+          <a:bodyPr/>
+          <a:lstStyle/>
+          <a:p>
+            <a:r>
+              <a:rPr lang="en-US" sz="4400" dirty="0" smtClean="0"/>
+              <a:t>Introduction</a:t>
+            </a:r>
+            <a:endParaRPr lang="en-US" dirty="0"/>
+          </a:p>
+        </p:txBody>
+      </p:sp>
+      <p:sp>
+        <p:nvSpPr>
+          <p:cNvPr id="3" name="Content Placeholder 2"/>
+          <p:cNvSpPr>
+            <a:spLocks noGrp="1"/>
+          </p:cNvSpPr>
+          <p:nvPr>
+            <p:ph idx="1"/>
+          </p:nvPr>
+        </p:nvSpPr>
+        <p:spPr/>
+        <p:txBody>
+          <a:bodyPr/>
+          <a:lstStyle/>
+          <a:p>
+            <a:r>
+              <a:rPr lang="en-US" dirty="0" smtClean="0"/>
+              <a:t>Problem statement</a:t>
+            </a:r>
+          </a:p>
+          <a:p>
+            <a:r>
+              <a:rPr lang="en-US" dirty="0" smtClean="0"/>
+              <a:t>Key requirements</a:t>
+            </a:r>
+          </a:p>
+          <a:p>
+            <a:pPr lvl="1">
+              <a:buFont typeface="Wingdings" pitchFamily="2" charset="2"/>
+              <a:buChar char="§"/>
+            </a:pPr>
+            <a:r>
+              <a:rPr lang="en-US" dirty="0" smtClean="0"/>
+              <a:t>Size</a:t>
+            </a:r>
+          </a:p>
+          <a:p>
+            <a:pPr lvl="1">
+              <a:buFont typeface="Wingdings" pitchFamily="2" charset="2"/>
+              <a:buChar char="§"/>
+            </a:pPr>
+            <a:r>
+              <a:rPr lang="en-US" dirty="0" smtClean="0"/>
+              <a:t>Power</a:t>
+            </a:r>
+          </a:p>
+          <a:p>
+            <a:pPr lvl="1">
+              <a:buFont typeface="Wingdings" pitchFamily="2" charset="2"/>
+              <a:buChar char="§"/>
+            </a:pPr>
+            <a:r>
+              <a:rPr lang="en-US" dirty="0" smtClean="0"/>
+              <a:t>Accuracy</a:t>
+            </a:r>
+            <a:endParaRPr lang="en-US" dirty="0"/>
+          </a:p>
+        </p:txBody>
+      </p:sp>
+    </p:spTree>
+  </p:cSld>
+  <p:clrMapOvr>
+    <a:masterClrMapping/>
+  </p:clrMapOvr>
+  <p:timing>
+    <p:tnLst>
+      <p:par>
+        <p:cTn id="1" dur="indefinite" restart="never" nodeType="tmRoot"/>
+      </p:par>
+    </p:tnLst>
+  </p:timing>
+</p:sld>
+</file>
+
+<file path=ppt/slides/slide20.xml><?xml version="1.0" encoding="utf-8"?>
+<p:sld xmlns:a="http://schemas.openxmlformats.org/drawingml/2006/main" xmlns:r="http://schemas.openxmlformats.org/officeDocument/2006/relationships" xmlns:p="http://schemas.openxmlformats.org/presentationml/2006/main">
+  <p:cSld>
+    <p:spTree>
+      <p:nvGrpSpPr>
+        <p:cNvPr id="1" name=""/>
+        <p:cNvGrpSpPr/>
+        <p:nvPr/>
+      </p:nvGrpSpPr>
+      <p:grpSpPr>
+        <a:xfrm>
+          <a:off x="0" y="0"/>
+          <a:ext cx="0" cy="0"/>
+          <a:chOff x="0" y="0"/>
+          <a:chExt cx="0" cy="0"/>
+        </a:xfrm>
+      </p:grpSpPr>
+      <p:sp>
+        <p:nvSpPr>
           <p:cNvPr id="5" name="Title 4"/>
           <p:cNvSpPr>
             <a:spLocks noGrp="1"/>
@@ -4794,7 +5408,13 @@
           <a:lstStyle/>
           <a:p>
             <a:r>
-              <a:rPr lang="en-US" dirty="0" smtClean="0"/>
+              <a:rPr lang="en-US" dirty="0" smtClean="0">
+                <a:solidFill>
+                  <a:schemeClr val="bg1">
+                    <a:lumMod val="65000"/>
+                  </a:schemeClr>
+                </a:solidFill>
+              </a:rPr>
               <a:t>System Overview</a:t>
             </a:r>
           </a:p>
@@ -4848,6 +5468,933 @@
           </a:p>
           <a:p>
             <a:r>
+              <a:rPr lang="en-US" dirty="0" smtClean="0"/>
+              <a:t>Results</a:t>
+            </a:r>
+          </a:p>
+          <a:p>
+            <a:r>
+              <a:rPr lang="en-US" dirty="0" smtClean="0">
+                <a:solidFill>
+                  <a:schemeClr val="bg1">
+                    <a:lumMod val="65000"/>
+                  </a:schemeClr>
+                </a:solidFill>
+              </a:rPr>
+              <a:t>Conclusions</a:t>
+            </a:r>
+          </a:p>
+          <a:p>
+            <a:pPr>
+              <a:buNone/>
+            </a:pPr>
+            <a:endParaRPr lang="en-US" dirty="0"/>
+          </a:p>
+        </p:txBody>
+      </p:sp>
+    </p:spTree>
+  </p:cSld>
+  <p:clrMapOvr>
+    <a:masterClrMapping/>
+  </p:clrMapOvr>
+  <p:timing>
+    <p:tnLst>
+      <p:par>
+        <p:cTn id="1" dur="indefinite" restart="never" nodeType="tmRoot"/>
+      </p:par>
+    </p:tnLst>
+  </p:timing>
+</p:sld>
+</file>
+
+<file path=ppt/slides/slide21.xml><?xml version="1.0" encoding="utf-8"?>
+<p:sld xmlns:a="http://schemas.openxmlformats.org/drawingml/2006/main" xmlns:r="http://schemas.openxmlformats.org/officeDocument/2006/relationships" xmlns:p="http://schemas.openxmlformats.org/presentationml/2006/main">
+  <p:cSld>
+    <p:spTree>
+      <p:nvGrpSpPr>
+        <p:cNvPr id="1" name=""/>
+        <p:cNvGrpSpPr/>
+        <p:nvPr/>
+      </p:nvGrpSpPr>
+      <p:grpSpPr>
+        <a:xfrm>
+          <a:off x="0" y="0"/>
+          <a:ext cx="0" cy="0"/>
+          <a:chOff x="0" y="0"/>
+          <a:chExt cx="0" cy="0"/>
+        </a:xfrm>
+      </p:grpSpPr>
+      <p:sp>
+        <p:nvSpPr>
+          <p:cNvPr id="2" name="Title 1"/>
+          <p:cNvSpPr>
+            <a:spLocks noGrp="1"/>
+          </p:cNvSpPr>
+          <p:nvPr>
+            <p:ph type="title"/>
+          </p:nvPr>
+        </p:nvSpPr>
+        <p:spPr/>
+        <p:txBody>
+          <a:bodyPr/>
+          <a:lstStyle/>
+          <a:p>
+            <a:r>
+              <a:rPr lang="en-US" dirty="0" smtClean="0"/>
+              <a:t>Results</a:t>
+            </a:r>
+            <a:endParaRPr lang="en-US" dirty="0"/>
+          </a:p>
+        </p:txBody>
+      </p:sp>
+      <p:sp>
+        <p:nvSpPr>
+          <p:cNvPr id="3" name="Content Placeholder 2"/>
+          <p:cNvSpPr>
+            <a:spLocks noGrp="1"/>
+          </p:cNvSpPr>
+          <p:nvPr>
+            <p:ph idx="1"/>
+          </p:nvPr>
+        </p:nvSpPr>
+        <p:spPr/>
+        <p:txBody>
+          <a:bodyPr/>
+          <a:lstStyle/>
+          <a:p>
+            <a:r>
+              <a:rPr lang="en-US" dirty="0" smtClean="0"/>
+              <a:t>Size: 1” x 1” x 1”</a:t>
+            </a:r>
+            <a:endParaRPr lang="en-US" dirty="0"/>
+          </a:p>
+        </p:txBody>
+      </p:sp>
+      <p:pic>
+        <p:nvPicPr>
+          <p:cNvPr id="7169" name="Picture 1" descr="D:\Courses\2010-2011\Capstone\Docs\Images\Tag.jpg"/>
+          <p:cNvPicPr>
+            <a:picLocks noChangeAspect="1" noChangeArrowheads="1"/>
+          </p:cNvPicPr>
+          <p:nvPr/>
+        </p:nvPicPr>
+        <p:blipFill>
+          <a:blip r:embed="rId2" cstate="print"/>
+          <a:srcRect/>
+          <a:stretch>
+            <a:fillRect/>
+          </a:stretch>
+        </p:blipFill>
+        <p:spPr bwMode="auto">
+          <a:xfrm>
+            <a:off x="2819400" y="2286000"/>
+            <a:ext cx="3309938" cy="2517775"/>
+          </a:xfrm>
+          <a:prstGeom prst="rect">
+            <a:avLst/>
+          </a:prstGeom>
+          <a:noFill/>
+        </p:spPr>
+      </p:pic>
+    </p:spTree>
+  </p:cSld>
+  <p:clrMapOvr>
+    <a:masterClrMapping/>
+  </p:clrMapOvr>
+</p:sld>
+</file>
+
+<file path=ppt/slides/slide22.xml><?xml version="1.0" encoding="utf-8"?>
+<p:sld xmlns:a="http://schemas.openxmlformats.org/drawingml/2006/main" xmlns:r="http://schemas.openxmlformats.org/officeDocument/2006/relationships" xmlns:p="http://schemas.openxmlformats.org/presentationml/2006/main">
+  <p:cSld>
+    <p:spTree>
+      <p:nvGrpSpPr>
+        <p:cNvPr id="1" name=""/>
+        <p:cNvGrpSpPr/>
+        <p:nvPr/>
+      </p:nvGrpSpPr>
+      <p:grpSpPr>
+        <a:xfrm>
+          <a:off x="0" y="0"/>
+          <a:ext cx="0" cy="0"/>
+          <a:chOff x="0" y="0"/>
+          <a:chExt cx="0" cy="0"/>
+        </a:xfrm>
+      </p:grpSpPr>
+      <p:sp>
+        <p:nvSpPr>
+          <p:cNvPr id="2" name="Title 1"/>
+          <p:cNvSpPr>
+            <a:spLocks noGrp="1"/>
+          </p:cNvSpPr>
+          <p:nvPr>
+            <p:ph type="title"/>
+          </p:nvPr>
+        </p:nvSpPr>
+        <p:spPr/>
+        <p:txBody>
+          <a:bodyPr/>
+          <a:lstStyle/>
+          <a:p>
+            <a:r>
+              <a:rPr lang="en-US" dirty="0" smtClean="0"/>
+              <a:t>Results</a:t>
+            </a:r>
+            <a:endParaRPr lang="en-US" dirty="0"/>
+          </a:p>
+        </p:txBody>
+      </p:sp>
+      <p:sp>
+        <p:nvSpPr>
+          <p:cNvPr id="3" name="Content Placeholder 2"/>
+          <p:cNvSpPr>
+            <a:spLocks noGrp="1"/>
+          </p:cNvSpPr>
+          <p:nvPr>
+            <p:ph idx="1"/>
+          </p:nvPr>
+        </p:nvSpPr>
+        <p:spPr/>
+        <p:txBody>
+          <a:bodyPr/>
+          <a:lstStyle/>
+          <a:p>
+            <a:r>
+              <a:rPr lang="en-US" dirty="0" smtClean="0"/>
+              <a:t>Power</a:t>
+            </a:r>
+          </a:p>
+          <a:p>
+            <a:pPr lvl="1"/>
+            <a:r>
+              <a:rPr lang="en-US" dirty="0" smtClean="0"/>
+              <a:t>240mAh coin cell battery</a:t>
+            </a:r>
+          </a:p>
+          <a:p>
+            <a:pPr lvl="1"/>
+            <a:r>
+              <a:rPr lang="en-US" dirty="0" smtClean="0"/>
+              <a:t>30mA </a:t>
+            </a:r>
+            <a:r>
+              <a:rPr lang="en-US" dirty="0" smtClean="0"/>
+              <a:t>transmit current</a:t>
+            </a:r>
+          </a:p>
+          <a:p>
+            <a:pPr lvl="1"/>
+            <a:r>
+              <a:rPr lang="en-US" dirty="0" smtClean="0"/>
+              <a:t>40µA </a:t>
+            </a:r>
+            <a:r>
+              <a:rPr lang="en-US" dirty="0" smtClean="0"/>
+              <a:t>sleep current</a:t>
+            </a:r>
+          </a:p>
+          <a:p>
+            <a:pPr lvl="1"/>
+            <a:r>
+              <a:rPr lang="en-US" dirty="0" smtClean="0"/>
+              <a:t>1sec broadcast interval</a:t>
+            </a:r>
+          </a:p>
+          <a:p>
+            <a:pPr lvl="1"/>
+            <a:r>
+              <a:rPr lang="en-US" dirty="0" smtClean="0"/>
+              <a:t>3ms transmit window</a:t>
+            </a:r>
+          </a:p>
+          <a:p>
+            <a:pPr lvl="1"/>
+            <a:r>
+              <a:rPr lang="en-US" dirty="0" smtClean="0"/>
+              <a:t>0.3% duty cycle</a:t>
+            </a:r>
+          </a:p>
+        </p:txBody>
+      </p:sp>
+      <p:sp>
+        <p:nvSpPr>
+          <p:cNvPr id="6146" name="Rectangle 2"/>
+          <p:cNvSpPr>
+            <a:spLocks noChangeArrowheads="1"/>
+          </p:cNvSpPr>
+          <p:nvPr/>
+        </p:nvSpPr>
+        <p:spPr bwMode="auto">
+          <a:xfrm>
+            <a:off x="0" y="0"/>
+            <a:ext cx="9144000" cy="0"/>
+          </a:xfrm>
+          <a:prstGeom prst="rect">
+            <a:avLst/>
+          </a:prstGeom>
+          <a:noFill/>
+          <a:ln w="9525">
+            <a:noFill/>
+            <a:miter lim="800000"/>
+            <a:headEnd/>
+            <a:tailEnd/>
+          </a:ln>
+          <a:effectLst/>
+        </p:spPr>
+        <p:txBody>
+          <a:bodyPr vert="horz" wrap="none" lIns="91440" tIns="45720" rIns="91440" bIns="45720" numCol="1" anchor="ctr" anchorCtr="0" compatLnSpc="1">
+            <a:prstTxWarp prst="textNoShape">
+              <a:avLst/>
+            </a:prstTxWarp>
+            <a:spAutoFit/>
+          </a:bodyPr>
+          <a:lstStyle/>
+          <a:p>
+            <a:endParaRPr lang="en-US"/>
+          </a:p>
+        </p:txBody>
+      </p:sp>
+      <p:sp>
+        <p:nvSpPr>
+          <p:cNvPr id="6148" name="Rectangle 4"/>
+          <p:cNvSpPr>
+            <a:spLocks noChangeArrowheads="1"/>
+          </p:cNvSpPr>
+          <p:nvPr/>
+        </p:nvSpPr>
+        <p:spPr bwMode="auto">
+          <a:xfrm>
+            <a:off x="0" y="0"/>
+            <a:ext cx="9144000" cy="0"/>
+          </a:xfrm>
+          <a:prstGeom prst="rect">
+            <a:avLst/>
+          </a:prstGeom>
+          <a:noFill/>
+          <a:ln w="9525">
+            <a:noFill/>
+            <a:miter lim="800000"/>
+            <a:headEnd/>
+            <a:tailEnd/>
+          </a:ln>
+          <a:effectLst/>
+        </p:spPr>
+        <p:txBody>
+          <a:bodyPr vert="horz" wrap="none" lIns="91440" tIns="45720" rIns="91440" bIns="45720" numCol="1" anchor="ctr" anchorCtr="0" compatLnSpc="1">
+            <a:prstTxWarp prst="textNoShape">
+              <a:avLst/>
+            </a:prstTxWarp>
+            <a:spAutoFit/>
+          </a:bodyPr>
+          <a:lstStyle/>
+          <a:p>
+            <a:endParaRPr lang="en-US"/>
+          </a:p>
+        </p:txBody>
+      </p:sp>
+      <p:grpSp>
+        <p:nvGrpSpPr>
+          <p:cNvPr id="15" name="Group 14"/>
+          <p:cNvGrpSpPr/>
+          <p:nvPr/>
+        </p:nvGrpSpPr>
+        <p:grpSpPr>
+          <a:xfrm>
+            <a:off x="1962150" y="4743450"/>
+            <a:ext cx="5200650" cy="1504950"/>
+            <a:chOff x="0" y="457200"/>
+            <a:chExt cx="5200650" cy="1504950"/>
+          </a:xfrm>
+        </p:grpSpPr>
+        <p:pic>
+          <p:nvPicPr>
+            <p:cNvPr id="6151" name="Picture 7"/>
+            <p:cNvPicPr>
+              <a:picLocks noChangeAspect="1" noChangeArrowheads="1"/>
+            </p:cNvPicPr>
+            <p:nvPr/>
+          </p:nvPicPr>
+          <p:blipFill>
+            <a:blip r:embed="rId2" cstate="print">
+              <a:clrChange>
+                <a:clrFrom>
+                  <a:srgbClr val="FFFFFF"/>
+                </a:clrFrom>
+                <a:clrTo>
+                  <a:srgbClr val="FFFFFF">
+                    <a:alpha val="0"/>
+                  </a:srgbClr>
+                </a:clrTo>
+              </a:clrChange>
+            </a:blip>
+            <a:srcRect/>
+            <a:stretch>
+              <a:fillRect/>
+            </a:stretch>
+          </p:blipFill>
+          <p:spPr bwMode="auto">
+            <a:xfrm>
+              <a:off x="0" y="457200"/>
+              <a:ext cx="5200650" cy="742950"/>
+            </a:xfrm>
+            <a:prstGeom prst="rect">
+              <a:avLst/>
+            </a:prstGeom>
+            <a:noFill/>
+          </p:spPr>
+        </p:pic>
+        <p:pic>
+          <p:nvPicPr>
+            <p:cNvPr id="6150" name="Picture 6"/>
+            <p:cNvPicPr>
+              <a:picLocks noChangeAspect="1" noChangeArrowheads="1"/>
+            </p:cNvPicPr>
+            <p:nvPr/>
+          </p:nvPicPr>
+          <p:blipFill>
+            <a:blip r:embed="rId3" cstate="print">
+              <a:clrChange>
+                <a:clrFrom>
+                  <a:srgbClr val="FFFFFF"/>
+                </a:clrFrom>
+                <a:clrTo>
+                  <a:srgbClr val="FFFFFF">
+                    <a:alpha val="0"/>
+                  </a:srgbClr>
+                </a:clrTo>
+              </a:clrChange>
+            </a:blip>
+            <a:srcRect/>
+            <a:stretch>
+              <a:fillRect/>
+            </a:stretch>
+          </p:blipFill>
+          <p:spPr bwMode="auto">
+            <a:xfrm>
+              <a:off x="933450" y="1200150"/>
+              <a:ext cx="1504950" cy="381000"/>
+            </a:xfrm>
+            <a:prstGeom prst="rect">
+              <a:avLst/>
+            </a:prstGeom>
+            <a:noFill/>
+          </p:spPr>
+        </p:pic>
+        <p:pic>
+          <p:nvPicPr>
+            <p:cNvPr id="6149" name="Picture 5"/>
+            <p:cNvPicPr>
+              <a:picLocks noChangeAspect="1" noChangeArrowheads="1"/>
+            </p:cNvPicPr>
+            <p:nvPr/>
+          </p:nvPicPr>
+          <p:blipFill>
+            <a:blip r:embed="rId4" cstate="print">
+              <a:clrChange>
+                <a:clrFrom>
+                  <a:srgbClr val="FFFFFF"/>
+                </a:clrFrom>
+                <a:clrTo>
+                  <a:srgbClr val="FFFFFF">
+                    <a:alpha val="0"/>
+                  </a:srgbClr>
+                </a:clrTo>
+              </a:clrChange>
+            </a:blip>
+            <a:srcRect/>
+            <a:stretch>
+              <a:fillRect/>
+            </a:stretch>
+          </p:blipFill>
+          <p:spPr bwMode="auto">
+            <a:xfrm>
+              <a:off x="933450" y="1581150"/>
+              <a:ext cx="1504950" cy="381000"/>
+            </a:xfrm>
+            <a:prstGeom prst="rect">
+              <a:avLst/>
+            </a:prstGeom>
+            <a:noFill/>
+          </p:spPr>
+        </p:pic>
+      </p:grpSp>
+      <p:sp>
+        <p:nvSpPr>
+          <p:cNvPr id="6152" name="Rectangle 8"/>
+          <p:cNvSpPr>
+            <a:spLocks noChangeArrowheads="1"/>
+          </p:cNvSpPr>
+          <p:nvPr/>
+        </p:nvSpPr>
+        <p:spPr bwMode="auto">
+          <a:xfrm>
+            <a:off x="0" y="0"/>
+            <a:ext cx="9144000" cy="457200"/>
+          </a:xfrm>
+          <a:prstGeom prst="rect">
+            <a:avLst/>
+          </a:prstGeom>
+          <a:noFill/>
+          <a:ln w="9525">
+            <a:noFill/>
+            <a:miter lim="800000"/>
+            <a:headEnd/>
+            <a:tailEnd/>
+          </a:ln>
+          <a:effectLst/>
+        </p:spPr>
+        <p:txBody>
+          <a:bodyPr vert="horz" wrap="none" lIns="91440" tIns="45720" rIns="91440" bIns="45720" numCol="1" anchor="ctr" anchorCtr="0" compatLnSpc="1">
+            <a:prstTxWarp prst="textNoShape">
+              <a:avLst/>
+            </a:prstTxWarp>
+            <a:spAutoFit/>
+          </a:bodyPr>
+          <a:lstStyle/>
+          <a:p>
+            <a:endParaRPr lang="en-US"/>
+          </a:p>
+        </p:txBody>
+      </p:sp>
+      <p:sp>
+        <p:nvSpPr>
+          <p:cNvPr id="6153" name="Rectangle 9"/>
+          <p:cNvSpPr>
+            <a:spLocks noChangeArrowheads="1"/>
+          </p:cNvSpPr>
+          <p:nvPr/>
+        </p:nvSpPr>
+        <p:spPr bwMode="auto">
+          <a:xfrm>
+            <a:off x="0" y="1200150"/>
+            <a:ext cx="9144000" cy="0"/>
+          </a:xfrm>
+          <a:prstGeom prst="rect">
+            <a:avLst/>
+          </a:prstGeom>
+          <a:noFill/>
+          <a:ln w="9525">
+            <a:noFill/>
+            <a:miter lim="800000"/>
+            <a:headEnd/>
+            <a:tailEnd/>
+          </a:ln>
+          <a:effectLst/>
+        </p:spPr>
+        <p:txBody>
+          <a:bodyPr vert="horz" wrap="none" lIns="91440" tIns="45720" rIns="91440" bIns="45720" numCol="1" anchor="ctr" anchorCtr="0" compatLnSpc="1">
+            <a:prstTxWarp prst="textNoShape">
+              <a:avLst/>
+            </a:prstTxWarp>
+            <a:spAutoFit/>
+          </a:bodyPr>
+          <a:lstStyle/>
+          <a:p>
+            <a:pPr marL="0" marR="0" lvl="0" indent="0" algn="l" defTabSz="914400" rtl="0" eaLnBrk="1" fontAlgn="base" latinLnBrk="0" hangingPunct="1">
+              <a:lnSpc>
+                <a:spcPct val="100000"/>
+              </a:lnSpc>
+              <a:spcBef>
+                <a:spcPct val="0"/>
+              </a:spcBef>
+              <a:spcAft>
+                <a:spcPct val="0"/>
+              </a:spcAft>
+              <a:buClrTx/>
+              <a:buSzTx/>
+              <a:buFontTx/>
+              <a:buNone/>
+              <a:tabLst/>
+            </a:pPr>
+            <a:endParaRPr kumimoji="0" lang="en-US" sz="1800" b="0" i="0" u="none" strike="noStrike" cap="none" normalizeH="0" baseline="0" smtClean="0">
+              <a:ln>
+                <a:noFill/>
+              </a:ln>
+              <a:solidFill>
+                <a:schemeClr val="tx1"/>
+              </a:solidFill>
+              <a:effectLst/>
+              <a:latin typeface="Arial" pitchFamily="34" charset="0"/>
+              <a:cs typeface="Arial" pitchFamily="34" charset="0"/>
+            </a:endParaRPr>
+          </a:p>
+        </p:txBody>
+      </p:sp>
+      <p:sp>
+        <p:nvSpPr>
+          <p:cNvPr id="6154" name="Rectangle 10"/>
+          <p:cNvSpPr>
+            <a:spLocks noChangeArrowheads="1"/>
+          </p:cNvSpPr>
+          <p:nvPr/>
+        </p:nvSpPr>
+        <p:spPr bwMode="auto">
+          <a:xfrm>
+            <a:off x="914400" y="1581150"/>
+            <a:ext cx="9144000" cy="0"/>
+          </a:xfrm>
+          <a:prstGeom prst="rect">
+            <a:avLst/>
+          </a:prstGeom>
+          <a:noFill/>
+          <a:ln w="9525">
+            <a:noFill/>
+            <a:miter lim="800000"/>
+            <a:headEnd/>
+            <a:tailEnd/>
+          </a:ln>
+          <a:effectLst/>
+        </p:spPr>
+        <p:txBody>
+          <a:bodyPr vert="horz" wrap="none" lIns="91440" tIns="45720" rIns="91440" bIns="45720" numCol="1" anchor="ctr" anchorCtr="0" compatLnSpc="1">
+            <a:prstTxWarp prst="textNoShape">
+              <a:avLst/>
+            </a:prstTxWarp>
+            <a:spAutoFit/>
+          </a:bodyPr>
+          <a:lstStyle/>
+          <a:p>
+            <a:pPr marL="0" marR="0" lvl="0" indent="0" algn="l" defTabSz="914400" rtl="0" eaLnBrk="1" fontAlgn="base" latinLnBrk="0" hangingPunct="1">
+              <a:lnSpc>
+                <a:spcPct val="100000"/>
+              </a:lnSpc>
+              <a:spcBef>
+                <a:spcPct val="0"/>
+              </a:spcBef>
+              <a:spcAft>
+                <a:spcPct val="0"/>
+              </a:spcAft>
+              <a:buClrTx/>
+              <a:buSzTx/>
+              <a:buFontTx/>
+              <a:buNone/>
+              <a:tabLst/>
+            </a:pPr>
+            <a:endParaRPr kumimoji="0" lang="en-US" sz="1800" b="0" i="0" u="none" strike="noStrike" cap="none" normalizeH="0" baseline="0" smtClean="0">
+              <a:ln>
+                <a:noFill/>
+              </a:ln>
+              <a:solidFill>
+                <a:schemeClr val="tx1"/>
+              </a:solidFill>
+              <a:effectLst/>
+              <a:latin typeface="Arial" pitchFamily="34" charset="0"/>
+              <a:cs typeface="Arial" pitchFamily="34" charset="0"/>
+            </a:endParaRPr>
+          </a:p>
+        </p:txBody>
+      </p:sp>
+      <p:sp>
+        <p:nvSpPr>
+          <p:cNvPr id="6155" name="Rectangle 11"/>
+          <p:cNvSpPr>
+            <a:spLocks noChangeArrowheads="1"/>
+          </p:cNvSpPr>
+          <p:nvPr/>
+        </p:nvSpPr>
+        <p:spPr bwMode="auto">
+          <a:xfrm>
+            <a:off x="914400" y="1962150"/>
+            <a:ext cx="9144000" cy="0"/>
+          </a:xfrm>
+          <a:prstGeom prst="rect">
+            <a:avLst/>
+          </a:prstGeom>
+          <a:noFill/>
+          <a:ln w="9525">
+            <a:noFill/>
+            <a:miter lim="800000"/>
+            <a:headEnd/>
+            <a:tailEnd/>
+          </a:ln>
+          <a:effectLst/>
+        </p:spPr>
+        <p:txBody>
+          <a:bodyPr vert="horz" wrap="none" lIns="91440" tIns="45720" rIns="91440" bIns="45720" numCol="1" anchor="ctr" anchorCtr="0" compatLnSpc="1">
+            <a:prstTxWarp prst="textNoShape">
+              <a:avLst/>
+            </a:prstTxWarp>
+            <a:spAutoFit/>
+          </a:bodyPr>
+          <a:lstStyle/>
+          <a:p>
+            <a:pPr marL="0" marR="0" lvl="0" indent="0" algn="l" defTabSz="914400" rtl="0" eaLnBrk="1" fontAlgn="base" latinLnBrk="0" hangingPunct="1">
+              <a:lnSpc>
+                <a:spcPct val="100000"/>
+              </a:lnSpc>
+              <a:spcBef>
+                <a:spcPct val="0"/>
+              </a:spcBef>
+              <a:spcAft>
+                <a:spcPct val="0"/>
+              </a:spcAft>
+              <a:buClrTx/>
+              <a:buSzTx/>
+              <a:buFontTx/>
+              <a:buNone/>
+              <a:tabLst/>
+            </a:pPr>
+            <a:endParaRPr kumimoji="0" lang="en-US" sz="1800" b="0" i="0" u="none" strike="noStrike" cap="none" normalizeH="0" baseline="0" smtClean="0">
+              <a:ln>
+                <a:noFill/>
+              </a:ln>
+              <a:solidFill>
+                <a:schemeClr val="tx1"/>
+              </a:solidFill>
+              <a:effectLst/>
+              <a:latin typeface="Arial" pitchFamily="34" charset="0"/>
+              <a:cs typeface="Arial" pitchFamily="34" charset="0"/>
+            </a:endParaRPr>
+          </a:p>
+        </p:txBody>
+      </p:sp>
+    </p:spTree>
+  </p:cSld>
+  <p:clrMapOvr>
+    <a:masterClrMapping/>
+  </p:clrMapOvr>
+</p:sld>
+</file>
+
+<file path=ppt/slides/slide23.xml><?xml version="1.0" encoding="utf-8"?>
+<p:sld xmlns:a="http://schemas.openxmlformats.org/drawingml/2006/main" xmlns:r="http://schemas.openxmlformats.org/officeDocument/2006/relationships" xmlns:p="http://schemas.openxmlformats.org/presentationml/2006/main">
+  <p:cSld>
+    <p:spTree>
+      <p:nvGrpSpPr>
+        <p:cNvPr id="1" name=""/>
+        <p:cNvGrpSpPr/>
+        <p:nvPr/>
+      </p:nvGrpSpPr>
+      <p:grpSpPr>
+        <a:xfrm>
+          <a:off x="0" y="0"/>
+          <a:ext cx="0" cy="0"/>
+          <a:chOff x="0" y="0"/>
+          <a:chExt cx="0" cy="0"/>
+        </a:xfrm>
+      </p:grpSpPr>
+      <p:sp>
+        <p:nvSpPr>
+          <p:cNvPr id="2" name="Title 1"/>
+          <p:cNvSpPr>
+            <a:spLocks noGrp="1"/>
+          </p:cNvSpPr>
+          <p:nvPr>
+            <p:ph type="title"/>
+          </p:nvPr>
+        </p:nvSpPr>
+        <p:spPr/>
+        <p:txBody>
+          <a:bodyPr/>
+          <a:lstStyle/>
+          <a:p>
+            <a:r>
+              <a:rPr lang="en-US" dirty="0" smtClean="0"/>
+              <a:t>Results</a:t>
+            </a:r>
+            <a:endParaRPr lang="en-US" dirty="0"/>
+          </a:p>
+        </p:txBody>
+      </p:sp>
+      <p:sp>
+        <p:nvSpPr>
+          <p:cNvPr id="3" name="Content Placeholder 2"/>
+          <p:cNvSpPr>
+            <a:spLocks noGrp="1"/>
+          </p:cNvSpPr>
+          <p:nvPr>
+            <p:ph idx="1"/>
+          </p:nvPr>
+        </p:nvSpPr>
+        <p:spPr/>
+        <p:txBody>
+          <a:bodyPr/>
+          <a:lstStyle/>
+          <a:p>
+            <a:r>
+              <a:rPr lang="en-US" dirty="0" smtClean="0"/>
+              <a:t>Accuracy</a:t>
+            </a:r>
+          </a:p>
+          <a:p>
+            <a:pPr lvl="1"/>
+            <a:r>
+              <a:rPr lang="en-US" dirty="0" smtClean="0"/>
+              <a:t>Average 2m</a:t>
+            </a:r>
+          </a:p>
+          <a:p>
+            <a:pPr lvl="1"/>
+            <a:r>
+              <a:rPr lang="en-US" dirty="0" smtClean="0"/>
+              <a:t>Less than 1m at calibration points</a:t>
+            </a:r>
+            <a:endParaRPr lang="en-US" dirty="0"/>
+          </a:p>
+        </p:txBody>
+      </p:sp>
+      <p:pic>
+        <p:nvPicPr>
+          <p:cNvPr id="5121" name="Picture 1" descr="D:\Courses\2010-2011\Capstone\Docs\Images\AccuracyPlot.png"/>
+          <p:cNvPicPr>
+            <a:picLocks noChangeAspect="1" noChangeArrowheads="1"/>
+          </p:cNvPicPr>
+          <p:nvPr/>
+        </p:nvPicPr>
+        <p:blipFill>
+          <a:blip r:embed="rId2" cstate="print"/>
+          <a:stretch>
+            <a:fillRect/>
+          </a:stretch>
+        </p:blipFill>
+        <p:spPr bwMode="auto">
+          <a:xfrm>
+            <a:off x="1143857" y="3101723"/>
+            <a:ext cx="6857143" cy="3070477"/>
+          </a:xfrm>
+          <a:prstGeom prst="rect">
+            <a:avLst/>
+          </a:prstGeom>
+          <a:noFill/>
+        </p:spPr>
+      </p:pic>
+    </p:spTree>
+  </p:cSld>
+  <p:clrMapOvr>
+    <a:masterClrMapping/>
+  </p:clrMapOvr>
+</p:sld>
+</file>
+
+<file path=ppt/slides/slide24.xml><?xml version="1.0" encoding="utf-8"?>
+<p:sld xmlns:a="http://schemas.openxmlformats.org/drawingml/2006/main" xmlns:r="http://schemas.openxmlformats.org/officeDocument/2006/relationships" xmlns:p="http://schemas.openxmlformats.org/presentationml/2006/main">
+  <p:cSld>
+    <p:spTree>
+      <p:nvGrpSpPr>
+        <p:cNvPr id="1" name=""/>
+        <p:cNvGrpSpPr/>
+        <p:nvPr/>
+      </p:nvGrpSpPr>
+      <p:grpSpPr>
+        <a:xfrm>
+          <a:off x="0" y="0"/>
+          <a:ext cx="0" cy="0"/>
+          <a:chOff x="0" y="0"/>
+          <a:chExt cx="0" cy="0"/>
+        </a:xfrm>
+      </p:grpSpPr>
+      <p:sp>
+        <p:nvSpPr>
+          <p:cNvPr id="5" name="Title 4"/>
+          <p:cNvSpPr>
+            <a:spLocks noGrp="1"/>
+          </p:cNvSpPr>
+          <p:nvPr>
+            <p:ph type="title"/>
+          </p:nvPr>
+        </p:nvSpPr>
+        <p:spPr>
+          <a:xfrm>
+            <a:off x="457200" y="0"/>
+            <a:ext cx="8229600" cy="914400"/>
+          </a:xfrm>
+          <a:noFill/>
+        </p:spPr>
+        <p:txBody>
+          <a:bodyPr lIns="91440" tIns="0" bIns="0">
+            <a:normAutofit/>
+          </a:bodyPr>
+          <a:lstStyle/>
+          <a:p>
+            <a:r>
+              <a:rPr lang="en-US" dirty="0" smtClean="0"/>
+              <a:t>Agenda</a:t>
+            </a:r>
+            <a:endParaRPr lang="en-US" dirty="0"/>
+          </a:p>
+        </p:txBody>
+      </p:sp>
+      <p:sp>
+        <p:nvSpPr>
+          <p:cNvPr id="6" name="Content Placeholder 5"/>
+          <p:cNvSpPr>
+            <a:spLocks noGrp="1"/>
+          </p:cNvSpPr>
+          <p:nvPr>
+            <p:ph idx="1"/>
+          </p:nvPr>
+        </p:nvSpPr>
+        <p:spPr>
+          <a:xfrm>
+            <a:off x="457200" y="1219200"/>
+            <a:ext cx="8229600" cy="5181600"/>
+          </a:xfrm>
+        </p:spPr>
+        <p:txBody>
+          <a:bodyPr/>
+          <a:lstStyle/>
+          <a:p>
+            <a:r>
+              <a:rPr lang="en-US" dirty="0" smtClean="0">
+                <a:solidFill>
+                  <a:schemeClr val="bg1">
+                    <a:lumMod val="65000"/>
+                  </a:schemeClr>
+                </a:solidFill>
+              </a:rPr>
+              <a:t>System Overview</a:t>
+            </a:r>
+          </a:p>
+          <a:p>
+            <a:r>
+              <a:rPr lang="en-US" dirty="0" smtClean="0">
+                <a:solidFill>
+                  <a:schemeClr val="bg1">
+                    <a:lumMod val="65000"/>
+                  </a:schemeClr>
+                </a:solidFill>
+              </a:rPr>
+              <a:t>Hardware</a:t>
+            </a:r>
+          </a:p>
+          <a:p>
+            <a:r>
+              <a:rPr lang="en-US" dirty="0" smtClean="0">
+                <a:solidFill>
+                  <a:schemeClr val="bg1">
+                    <a:lumMod val="65000"/>
+                  </a:schemeClr>
+                </a:solidFill>
+              </a:rPr>
+              <a:t>Firmware</a:t>
+            </a:r>
+          </a:p>
+          <a:p>
+            <a:r>
+              <a:rPr lang="en-US" dirty="0" smtClean="0">
+                <a:solidFill>
+                  <a:schemeClr val="bg1">
+                    <a:lumMod val="65000"/>
+                  </a:schemeClr>
+                </a:solidFill>
+              </a:rPr>
+              <a:t>Software</a:t>
+            </a:r>
+          </a:p>
+          <a:p>
+            <a:r>
+              <a:rPr lang="en-US" dirty="0" smtClean="0">
+                <a:solidFill>
+                  <a:schemeClr val="bg1">
+                    <a:lumMod val="65000"/>
+                  </a:schemeClr>
+                </a:solidFill>
+              </a:rPr>
+              <a:t>Deployment</a:t>
+            </a:r>
+          </a:p>
+          <a:p>
+            <a:r>
               <a:rPr lang="en-US" dirty="0" smtClean="0">
                 <a:solidFill>
                   <a:schemeClr val="bg1">
@@ -4860,13 +6407,7 @@
           </a:p>
           <a:p>
             <a:r>
-              <a:rPr lang="en-US" dirty="0" smtClean="0">
-                <a:solidFill>
-                  <a:schemeClr val="bg1">
-                    <a:lumMod val="65000"/>
-                  </a:schemeClr>
-                </a:solidFill>
-              </a:rPr>
+              <a:rPr lang="en-US" dirty="0" smtClean="0"/>
               <a:t>Conclusions</a:t>
             </a:r>
           </a:p>
@@ -4874,6 +6415,226 @@
             <a:pPr>
               <a:buNone/>
             </a:pPr>
+            <a:endParaRPr lang="en-US" dirty="0"/>
+          </a:p>
+        </p:txBody>
+      </p:sp>
+    </p:spTree>
+  </p:cSld>
+  <p:clrMapOvr>
+    <a:masterClrMapping/>
+  </p:clrMapOvr>
+  <p:timing>
+    <p:tnLst>
+      <p:par>
+        <p:cTn id="1" dur="indefinite" restart="never" nodeType="tmRoot"/>
+      </p:par>
+    </p:tnLst>
+  </p:timing>
+</p:sld>
+</file>
+
+<file path=ppt/slides/slide25.xml><?xml version="1.0" encoding="utf-8"?>
+<p:sld xmlns:a="http://schemas.openxmlformats.org/drawingml/2006/main" xmlns:r="http://schemas.openxmlformats.org/officeDocument/2006/relationships" xmlns:p="http://schemas.openxmlformats.org/presentationml/2006/main">
+  <p:cSld>
+    <p:spTree>
+      <p:nvGrpSpPr>
+        <p:cNvPr id="1" name=""/>
+        <p:cNvGrpSpPr/>
+        <p:nvPr/>
+      </p:nvGrpSpPr>
+      <p:grpSpPr>
+        <a:xfrm>
+          <a:off x="0" y="0"/>
+          <a:ext cx="0" cy="0"/>
+          <a:chOff x="0" y="0"/>
+          <a:chExt cx="0" cy="0"/>
+        </a:xfrm>
+      </p:grpSpPr>
+      <p:sp>
+        <p:nvSpPr>
+          <p:cNvPr id="2" name="Title 1"/>
+          <p:cNvSpPr>
+            <a:spLocks noGrp="1"/>
+          </p:cNvSpPr>
+          <p:nvPr>
+            <p:ph type="title"/>
+          </p:nvPr>
+        </p:nvSpPr>
+        <p:spPr/>
+        <p:txBody>
+          <a:bodyPr/>
+          <a:lstStyle/>
+          <a:p>
+            <a:r>
+              <a:rPr lang="en-US" dirty="0" smtClean="0"/>
+              <a:t>Conclusions</a:t>
+            </a:r>
+            <a:endParaRPr lang="en-US" dirty="0"/>
+          </a:p>
+        </p:txBody>
+      </p:sp>
+      <p:sp>
+        <p:nvSpPr>
+          <p:cNvPr id="3" name="Content Placeholder 2"/>
+          <p:cNvSpPr>
+            <a:spLocks noGrp="1"/>
+          </p:cNvSpPr>
+          <p:nvPr>
+            <p:ph idx="1"/>
+          </p:nvPr>
+        </p:nvSpPr>
+        <p:spPr/>
+        <p:txBody>
+          <a:bodyPr/>
+          <a:lstStyle/>
+          <a:p>
+            <a:r>
+              <a:rPr lang="en-US" dirty="0" smtClean="0"/>
+              <a:t>Antenna design</a:t>
+            </a:r>
+          </a:p>
+          <a:p>
+            <a:r>
+              <a:rPr lang="en-US" dirty="0" smtClean="0"/>
+              <a:t>More testing</a:t>
+            </a:r>
+          </a:p>
+          <a:p>
+            <a:pPr lvl="1"/>
+            <a:r>
+              <a:rPr lang="en-US" dirty="0" smtClean="0"/>
+              <a:t>Calibration </a:t>
+            </a:r>
+            <a:r>
+              <a:rPr lang="en-US" dirty="0" smtClean="0"/>
+              <a:t>density</a:t>
+            </a:r>
+          </a:p>
+          <a:p>
+            <a:pPr lvl="1"/>
+            <a:r>
+              <a:rPr lang="en-US" dirty="0" smtClean="0"/>
+              <a:t>Detector placement</a:t>
+            </a:r>
+          </a:p>
+          <a:p>
+            <a:r>
+              <a:rPr lang="en-US" dirty="0" smtClean="0"/>
+              <a:t>Improve testability</a:t>
+            </a:r>
+          </a:p>
+          <a:p>
+            <a:r>
+              <a:rPr lang="en-US" dirty="0" smtClean="0"/>
+              <a:t>Different algorithms</a:t>
+            </a:r>
+          </a:p>
+          <a:p>
+            <a:r>
+              <a:rPr lang="en-US" dirty="0" smtClean="0"/>
+              <a:t>Environment &amp; </a:t>
+            </a:r>
+            <a:r>
+              <a:rPr lang="en-US" dirty="0" smtClean="0"/>
+              <a:t>signal strength</a:t>
+            </a:r>
+            <a:endParaRPr lang="en-US" dirty="0" smtClean="0"/>
+          </a:p>
+          <a:p>
+            <a:endParaRPr lang="en-US" dirty="0"/>
+          </a:p>
+        </p:txBody>
+      </p:sp>
+    </p:spTree>
+  </p:cSld>
+  <p:clrMapOvr>
+    <a:masterClrMapping/>
+  </p:clrMapOvr>
+</p:sld>
+</file>
+
+<file path=ppt/slides/slide26.xml><?xml version="1.0" encoding="utf-8"?>
+<p:sld xmlns:a="http://schemas.openxmlformats.org/drawingml/2006/main" xmlns:r="http://schemas.openxmlformats.org/officeDocument/2006/relationships" xmlns:p="http://schemas.openxmlformats.org/presentationml/2006/main">
+  <p:cSld>
+    <p:spTree>
+      <p:nvGrpSpPr>
+        <p:cNvPr id="1" name=""/>
+        <p:cNvGrpSpPr/>
+        <p:nvPr/>
+      </p:nvGrpSpPr>
+      <p:grpSpPr>
+        <a:xfrm>
+          <a:off x="0" y="0"/>
+          <a:ext cx="0" cy="0"/>
+          <a:chOff x="0" y="0"/>
+          <a:chExt cx="0" cy="0"/>
+        </a:xfrm>
+      </p:grpSpPr>
+      <p:sp>
+        <p:nvSpPr>
+          <p:cNvPr id="2" name="Title 1"/>
+          <p:cNvSpPr>
+            <a:spLocks noGrp="1"/>
+          </p:cNvSpPr>
+          <p:nvPr>
+            <p:ph type="title"/>
+          </p:nvPr>
+        </p:nvSpPr>
+        <p:spPr/>
+        <p:txBody>
+          <a:bodyPr/>
+          <a:lstStyle/>
+          <a:p>
+            <a:r>
+              <a:rPr lang="en-US" dirty="0" smtClean="0"/>
+              <a:t>Acknowledgement</a:t>
+            </a:r>
+            <a:endParaRPr lang="en-US" dirty="0"/>
+          </a:p>
+        </p:txBody>
+      </p:sp>
+      <p:sp>
+        <p:nvSpPr>
+          <p:cNvPr id="3" name="Content Placeholder 2"/>
+          <p:cNvSpPr>
+            <a:spLocks noGrp="1"/>
+          </p:cNvSpPr>
+          <p:nvPr>
+            <p:ph idx="1"/>
+          </p:nvPr>
+        </p:nvSpPr>
+        <p:spPr/>
+        <p:txBody>
+          <a:bodyPr/>
+          <a:lstStyle/>
+          <a:p>
+            <a:r>
+              <a:rPr lang="en-US" dirty="0" smtClean="0"/>
+              <a:t>Professor Robert Daasch</a:t>
+            </a:r>
+          </a:p>
+          <a:p>
+            <a:r>
+              <a:rPr lang="en-US" dirty="0" smtClean="0"/>
+              <a:t>Alfonso </a:t>
+            </a:r>
+            <a:r>
+              <a:rPr lang="en-US" dirty="0" smtClean="0"/>
+              <a:t>Pereira &amp; </a:t>
+            </a:r>
+            <a:r>
+              <a:rPr lang="en-US" dirty="0" err="1" smtClean="0"/>
+              <a:t>Sameer</a:t>
+            </a:r>
+            <a:r>
+              <a:rPr lang="en-US" dirty="0" smtClean="0"/>
+              <a:t> </a:t>
+            </a:r>
+            <a:r>
+              <a:rPr lang="en-US" dirty="0" err="1" smtClean="0"/>
+              <a:t>Ruiwale</a:t>
+            </a:r>
             <a:endParaRPr lang="en-US" dirty="0"/>
           </a:p>
         </p:txBody>
@@ -4912,7 +6673,7 @@
       </p:grpSpPr>
       <p:sp>
         <p:nvSpPr>
-          <p:cNvPr id="2" name="Title 1"/>
+          <p:cNvPr id="5" name="Title 4"/>
           <p:cNvSpPr>
             <a:spLocks noGrp="1"/>
           </p:cNvSpPr>
@@ -4920,42 +6681,132 @@
             <p:ph type="title"/>
           </p:nvPr>
         </p:nvSpPr>
-        <p:spPr/>
-        <p:txBody>
-          <a:bodyPr/>
-          <a:lstStyle/>
-          <a:p>
-            <a:r>
-              <a:rPr lang="en-US" dirty="0" smtClean="0"/>
-              <a:t>System Overview</a:t>
-            </a:r>
-            <a:endParaRPr lang="en-US" dirty="0"/>
-          </a:p>
-        </p:txBody>
-      </p:sp>
-      <p:pic>
-        <p:nvPicPr>
-          <p:cNvPr id="4" name="Content Placeholder 3" descr="System.jpg"/>
-          <p:cNvPicPr>
-            <a:picLocks noGrp="1" noChangeAspect="1"/>
-          </p:cNvPicPr>
-          <p:nvPr>
-            <p:ph idx="1"/>
-          </p:nvPr>
-        </p:nvPicPr>
-        <p:blipFill>
-          <a:blip r:embed="rId2" cstate="print"/>
-          <a:stretch>
-            <a:fillRect/>
-          </a:stretch>
-        </p:blipFill>
         <p:spPr>
           <a:xfrm>
-            <a:off x="457200" y="2406406"/>
-            <a:ext cx="8229600" cy="3234226"/>
+            <a:off x="457200" y="0"/>
+            <a:ext cx="8229600" cy="914400"/>
+          </a:xfrm>
+          <a:noFill/>
+        </p:spPr>
+        <p:txBody>
+          <a:bodyPr lIns="91440" tIns="0" bIns="0">
+            <a:normAutofit/>
+          </a:bodyPr>
+          <a:lstStyle/>
+          <a:p>
+            <a:r>
+              <a:rPr lang="en-US" dirty="0" smtClean="0"/>
+              <a:t>Agenda</a:t>
+            </a:r>
+            <a:endParaRPr lang="en-US" dirty="0"/>
+          </a:p>
+        </p:txBody>
+      </p:sp>
+      <p:sp>
+        <p:nvSpPr>
+          <p:cNvPr id="6" name="Content Placeholder 5"/>
+          <p:cNvSpPr>
+            <a:spLocks noGrp="1"/>
+          </p:cNvSpPr>
+          <p:nvPr>
+            <p:ph idx="1"/>
+          </p:nvPr>
+        </p:nvSpPr>
+        <p:spPr>
+          <a:xfrm>
+            <a:off x="457200" y="1219200"/>
+            <a:ext cx="8229600" cy="5181600"/>
           </a:xfrm>
         </p:spPr>
-      </p:pic>
+        <p:txBody>
+          <a:bodyPr/>
+          <a:lstStyle/>
+          <a:p>
+            <a:r>
+              <a:rPr lang="en-US" dirty="0" smtClean="0"/>
+              <a:t>System Overview</a:t>
+            </a:r>
+          </a:p>
+          <a:p>
+            <a:r>
+              <a:rPr lang="en-US" dirty="0" smtClean="0">
+                <a:solidFill>
+                  <a:schemeClr val="bg1">
+                    <a:lumMod val="65000"/>
+                  </a:schemeClr>
+                </a:solidFill>
+              </a:rPr>
+              <a:t>Hardware</a:t>
+            </a:r>
+          </a:p>
+          <a:p>
+            <a:r>
+              <a:rPr lang="en-US" dirty="0" smtClean="0">
+                <a:solidFill>
+                  <a:schemeClr val="bg1">
+                    <a:lumMod val="65000"/>
+                  </a:schemeClr>
+                </a:solidFill>
+              </a:rPr>
+              <a:t>Firmware</a:t>
+            </a:r>
+          </a:p>
+          <a:p>
+            <a:r>
+              <a:rPr lang="en-US" dirty="0" smtClean="0">
+                <a:solidFill>
+                  <a:schemeClr val="bg1">
+                    <a:lumMod val="65000"/>
+                  </a:schemeClr>
+                </a:solidFill>
+              </a:rPr>
+              <a:t>Software</a:t>
+            </a:r>
+          </a:p>
+          <a:p>
+            <a:r>
+              <a:rPr lang="en-US" dirty="0" smtClean="0">
+                <a:solidFill>
+                  <a:schemeClr val="bg1">
+                    <a:lumMod val="65000"/>
+                  </a:schemeClr>
+                </a:solidFill>
+              </a:rPr>
+              <a:t>Deployment</a:t>
+            </a:r>
+          </a:p>
+          <a:p>
+            <a:r>
+              <a:rPr lang="en-US" dirty="0" smtClean="0">
+                <a:solidFill>
+                  <a:schemeClr val="bg1">
+                    <a:lumMod val="65000"/>
+                  </a:schemeClr>
+                </a:solidFill>
+              </a:rPr>
+              <a:t>Results</a:t>
+            </a:r>
+          </a:p>
+          <a:p>
+            <a:r>
+              <a:rPr lang="en-US" dirty="0" smtClean="0">
+                <a:solidFill>
+                  <a:schemeClr val="bg1">
+                    <a:lumMod val="65000"/>
+                  </a:schemeClr>
+                </a:solidFill>
+              </a:rPr>
+              <a:t>Conclusions</a:t>
+            </a:r>
+          </a:p>
+          <a:p>
+            <a:pPr>
+              <a:buNone/>
+            </a:pPr>
+            <a:endParaRPr lang="en-US" dirty="0"/>
+          </a:p>
+        </p:txBody>
+      </p:sp>
     </p:spTree>
   </p:cSld>
   <p:clrMapOvr>
@@ -4990,7 +6841,7 @@
       </p:grpSpPr>
       <p:sp>
         <p:nvSpPr>
-          <p:cNvPr id="5" name="Title 4"/>
+          <p:cNvPr id="2" name="Title 1"/>
           <p:cNvSpPr>
             <a:spLocks noGrp="1"/>
           </p:cNvSpPr>
@@ -4998,132 +6849,42 @@
             <p:ph type="title"/>
           </p:nvPr>
         </p:nvSpPr>
+        <p:spPr/>
+        <p:txBody>
+          <a:bodyPr/>
+          <a:lstStyle/>
+          <a:p>
+            <a:r>
+              <a:rPr lang="en-US" dirty="0" smtClean="0"/>
+              <a:t>System Overview</a:t>
+            </a:r>
+            <a:endParaRPr lang="en-US" dirty="0"/>
+          </a:p>
+        </p:txBody>
+      </p:sp>
+      <p:pic>
+        <p:nvPicPr>
+          <p:cNvPr id="4" name="Content Placeholder 3" descr="System.jpg"/>
+          <p:cNvPicPr>
+            <a:picLocks noGrp="1" noChangeAspect="1"/>
+          </p:cNvPicPr>
+          <p:nvPr>
+            <p:ph idx="1"/>
+          </p:nvPr>
+        </p:nvPicPr>
+        <p:blipFill>
+          <a:blip r:embed="rId2" cstate="print"/>
+          <a:stretch>
+            <a:fillRect/>
+          </a:stretch>
+        </p:blipFill>
         <p:spPr>
           <a:xfrm>
-            <a:off x="457200" y="0"/>
-            <a:ext cx="8229600" cy="914400"/>
-          </a:xfrm>
-          <a:noFill/>
-        </p:spPr>
-        <p:txBody>
-          <a:bodyPr lIns="91440" tIns="0" bIns="0">
-            <a:normAutofit/>
-          </a:bodyPr>
-          <a:lstStyle/>
-          <a:p>
-            <a:r>
-              <a:rPr lang="en-US" dirty="0" smtClean="0"/>
-              <a:t>Agenda</a:t>
-            </a:r>
-            <a:endParaRPr lang="en-US" dirty="0"/>
-          </a:p>
-        </p:txBody>
-      </p:sp>
-      <p:sp>
-        <p:nvSpPr>
-          <p:cNvPr id="6" name="Content Placeholder 5"/>
-          <p:cNvSpPr>
-            <a:spLocks noGrp="1"/>
-          </p:cNvSpPr>
-          <p:nvPr>
-            <p:ph idx="1"/>
-          </p:nvPr>
-        </p:nvSpPr>
-        <p:spPr>
-          <a:xfrm>
-            <a:off x="457200" y="1219200"/>
-            <a:ext cx="8229600" cy="5181600"/>
+            <a:off x="457200" y="2406406"/>
+            <a:ext cx="8229600" cy="3234226"/>
           </a:xfrm>
         </p:spPr>
-        <p:txBody>
-          <a:bodyPr/>
-          <a:lstStyle/>
-          <a:p>
-            <a:r>
-              <a:rPr lang="en-US" dirty="0" smtClean="0">
-                <a:solidFill>
-                  <a:schemeClr val="bg1">
-                    <a:lumMod val="65000"/>
-                  </a:schemeClr>
-                </a:solidFill>
-              </a:rPr>
-              <a:t>System Overview</a:t>
-            </a:r>
-          </a:p>
-          <a:p>
-            <a:r>
-              <a:rPr lang="en-US" dirty="0" smtClean="0"/>
-              <a:t>Hardware</a:t>
-            </a:r>
-          </a:p>
-          <a:p>
-            <a:r>
-              <a:rPr lang="en-US" dirty="0" smtClean="0">
-                <a:solidFill>
-                  <a:schemeClr val="bg1">
-                    <a:lumMod val="65000"/>
-                  </a:schemeClr>
-                </a:solidFill>
-              </a:rPr>
-              <a:t>Firmware</a:t>
-            </a:r>
-          </a:p>
-          <a:p>
-            <a:r>
-              <a:rPr lang="en-US" dirty="0" smtClean="0">
-                <a:solidFill>
-                  <a:schemeClr val="bg1">
-                    <a:lumMod val="65000"/>
-                  </a:schemeClr>
-                </a:solidFill>
-              </a:rPr>
-              <a:t>Software</a:t>
-            </a:r>
-          </a:p>
-          <a:p>
-            <a:r>
-              <a:rPr lang="en-US" dirty="0" smtClean="0">
-                <a:solidFill>
-                  <a:schemeClr val="bg1">
-                    <a:lumMod val="65000"/>
-                  </a:schemeClr>
-                </a:solidFill>
-              </a:rPr>
-              <a:t>Deployment</a:t>
-            </a:r>
-          </a:p>
-          <a:p>
-            <a:r>
-              <a:rPr lang="en-US" dirty="0" smtClean="0">
-                <a:solidFill>
-                  <a:schemeClr val="bg1">
-                    <a:lumMod val="65000"/>
-                  </a:schemeClr>
-                </a:solidFill>
-              </a:rPr>
-              <a:t>Results</a:t>
-            </a:r>
-          </a:p>
-          <a:p>
-            <a:r>
-              <a:rPr lang="en-US" dirty="0" smtClean="0">
-                <a:solidFill>
-                  <a:schemeClr val="bg1">
-                    <a:lumMod val="65000"/>
-                  </a:schemeClr>
-                </a:solidFill>
-              </a:rPr>
-              <a:t>Conclusions</a:t>
-            </a:r>
-          </a:p>
-          <a:p>
-            <a:pPr>
-              <a:buNone/>
-            </a:pPr>
-            <a:endParaRPr lang="en-US" dirty="0"/>
-          </a:p>
-        </p:txBody>
-      </p:sp>
+      </p:pic>
     </p:spTree>
   </p:cSld>
   <p:clrMapOvr>
@@ -5158,6 +6919,174 @@
       </p:grpSpPr>
       <p:sp>
         <p:nvSpPr>
+          <p:cNvPr id="5" name="Title 4"/>
+          <p:cNvSpPr>
+            <a:spLocks noGrp="1"/>
+          </p:cNvSpPr>
+          <p:nvPr>
+            <p:ph type="title"/>
+          </p:nvPr>
+        </p:nvSpPr>
+        <p:spPr>
+          <a:xfrm>
+            <a:off x="457200" y="0"/>
+            <a:ext cx="8229600" cy="914400"/>
+          </a:xfrm>
+          <a:noFill/>
+        </p:spPr>
+        <p:txBody>
+          <a:bodyPr lIns="91440" tIns="0" bIns="0">
+            <a:normAutofit/>
+          </a:bodyPr>
+          <a:lstStyle/>
+          <a:p>
+            <a:r>
+              <a:rPr lang="en-US" dirty="0" smtClean="0"/>
+              <a:t>Agenda</a:t>
+            </a:r>
+            <a:endParaRPr lang="en-US" dirty="0"/>
+          </a:p>
+        </p:txBody>
+      </p:sp>
+      <p:sp>
+        <p:nvSpPr>
+          <p:cNvPr id="6" name="Content Placeholder 5"/>
+          <p:cNvSpPr>
+            <a:spLocks noGrp="1"/>
+          </p:cNvSpPr>
+          <p:nvPr>
+            <p:ph idx="1"/>
+          </p:nvPr>
+        </p:nvSpPr>
+        <p:spPr>
+          <a:xfrm>
+            <a:off x="457200" y="1219200"/>
+            <a:ext cx="8229600" cy="5181600"/>
+          </a:xfrm>
+        </p:spPr>
+        <p:txBody>
+          <a:bodyPr/>
+          <a:lstStyle/>
+          <a:p>
+            <a:r>
+              <a:rPr lang="en-US" dirty="0" smtClean="0">
+                <a:solidFill>
+                  <a:schemeClr val="bg1">
+                    <a:lumMod val="65000"/>
+                  </a:schemeClr>
+                </a:solidFill>
+              </a:rPr>
+              <a:t>System Overview</a:t>
+            </a:r>
+          </a:p>
+          <a:p>
+            <a:r>
+              <a:rPr lang="en-US" dirty="0" smtClean="0"/>
+              <a:t>Hardware</a:t>
+            </a:r>
+          </a:p>
+          <a:p>
+            <a:r>
+              <a:rPr lang="en-US" dirty="0" smtClean="0">
+                <a:solidFill>
+                  <a:schemeClr val="bg1">
+                    <a:lumMod val="65000"/>
+                  </a:schemeClr>
+                </a:solidFill>
+              </a:rPr>
+              <a:t>Firmware</a:t>
+            </a:r>
+          </a:p>
+          <a:p>
+            <a:r>
+              <a:rPr lang="en-US" dirty="0" smtClean="0">
+                <a:solidFill>
+                  <a:schemeClr val="bg1">
+                    <a:lumMod val="65000"/>
+                  </a:schemeClr>
+                </a:solidFill>
+              </a:rPr>
+              <a:t>Software</a:t>
+            </a:r>
+          </a:p>
+          <a:p>
+            <a:r>
+              <a:rPr lang="en-US" dirty="0" smtClean="0">
+                <a:solidFill>
+                  <a:schemeClr val="bg1">
+                    <a:lumMod val="65000"/>
+                  </a:schemeClr>
+                </a:solidFill>
+              </a:rPr>
+              <a:t>Deployment</a:t>
+            </a:r>
+          </a:p>
+          <a:p>
+            <a:r>
+              <a:rPr lang="en-US" dirty="0" smtClean="0">
+                <a:solidFill>
+                  <a:schemeClr val="bg1">
+                    <a:lumMod val="65000"/>
+                  </a:schemeClr>
+                </a:solidFill>
+              </a:rPr>
+              <a:t>Results</a:t>
+            </a:r>
+          </a:p>
+          <a:p>
+            <a:r>
+              <a:rPr lang="en-US" dirty="0" smtClean="0">
+                <a:solidFill>
+                  <a:schemeClr val="bg1">
+                    <a:lumMod val="65000"/>
+                  </a:schemeClr>
+                </a:solidFill>
+              </a:rPr>
+              <a:t>Conclusions</a:t>
+            </a:r>
+          </a:p>
+          <a:p>
+            <a:pPr>
+              <a:buNone/>
+            </a:pPr>
+            <a:endParaRPr lang="en-US" dirty="0"/>
+          </a:p>
+        </p:txBody>
+      </p:sp>
+    </p:spTree>
+  </p:cSld>
+  <p:clrMapOvr>
+    <a:masterClrMapping/>
+  </p:clrMapOvr>
+  <p:timing>
+    <p:tnLst>
+      <p:par>
+        <p:cTn id="1" dur="indefinite" restart="never" nodeType="tmRoot"/>
+      </p:par>
+    </p:tnLst>
+  </p:timing>
+</p:sld>
+</file>
+
+<file path=ppt/slides/slide6.xml><?xml version="1.0" encoding="utf-8"?>
+<p:sld xmlns:a="http://schemas.openxmlformats.org/drawingml/2006/main" xmlns:r="http://schemas.openxmlformats.org/officeDocument/2006/relationships" xmlns:p="http://schemas.openxmlformats.org/presentationml/2006/main">
+  <p:cSld>
+    <p:spTree>
+      <p:nvGrpSpPr>
+        <p:cNvPr id="1" name=""/>
+        <p:cNvGrpSpPr/>
+        <p:nvPr/>
+      </p:nvGrpSpPr>
+      <p:grpSpPr>
+        <a:xfrm>
+          <a:off x="0" y="0"/>
+          <a:ext cx="0" cy="0"/>
+          <a:chOff x="0" y="0"/>
+          <a:chExt cx="0" cy="0"/>
+        </a:xfrm>
+      </p:grpSpPr>
+      <p:sp>
+        <p:nvSpPr>
           <p:cNvPr id="2" name="Title 1"/>
           <p:cNvSpPr>
             <a:spLocks noGrp="1"/>
@@ -5336,7 +7265,7 @@
 </p:sld>
 </file>
 
-<file path=ppt/slides/slide6.xml><?xml version="1.0" encoding="utf-8"?>
+<file path=ppt/slides/slide7.xml><?xml version="1.0" encoding="utf-8"?>
 <p:sld xmlns:a="http://schemas.openxmlformats.org/drawingml/2006/main" xmlns:r="http://schemas.openxmlformats.org/officeDocument/2006/relationships" xmlns:p="http://schemas.openxmlformats.org/presentationml/2006/main">
   <p:cSld>
     <p:spTree>
@@ -5530,7 +7459,7 @@
 </p:sld>
 </file>
 
-<file path=ppt/slides/slide7.xml><?xml version="1.0" encoding="utf-8"?>
+<file path=ppt/slides/slide8.xml><?xml version="1.0" encoding="utf-8"?>
 <p:sld xmlns:a="http://schemas.openxmlformats.org/drawingml/2006/main" xmlns:r="http://schemas.openxmlformats.org/officeDocument/2006/relationships" xmlns:p="http://schemas.openxmlformats.org/presentationml/2006/main">
   <p:cSld>
     <p:spTree>
@@ -5741,7 +7670,7 @@
 </p:sld>
 </file>
 
-<file path=ppt/slides/slide8.xml><?xml version="1.0" encoding="utf-8"?>
+<file path=ppt/slides/slide9.xml><?xml version="1.0" encoding="utf-8"?>
 <p:sld xmlns:a="http://schemas.openxmlformats.org/drawingml/2006/main" xmlns:r="http://schemas.openxmlformats.org/officeDocument/2006/relationships" xmlns:p="http://schemas.openxmlformats.org/presentationml/2006/main">
   <p:cSld>
     <p:spTree>
@@ -5873,174 +7802,6 @@
   <p:clrMapOvr>
     <a:masterClrMapping/>
   </p:clrMapOvr>
-</p:sld>
-</file>
-
-<file path=ppt/slides/slide9.xml><?xml version="1.0" encoding="utf-8"?>
-<p:sld xmlns:a="http://schemas.openxmlformats.org/drawingml/2006/main" xmlns:r="http://schemas.openxmlformats.org/officeDocument/2006/relationships" xmlns:p="http://schemas.openxmlformats.org/presentationml/2006/main">
-  <p:cSld>
-    <p:spTree>
-      <p:nvGrpSpPr>
-        <p:cNvPr id="1" name=""/>
-        <p:cNvGrpSpPr/>
-        <p:nvPr/>
-      </p:nvGrpSpPr>
-      <p:grpSpPr>
-        <a:xfrm>
-          <a:off x="0" y="0"/>
-          <a:ext cx="0" cy="0"/>
-          <a:chOff x="0" y="0"/>
-          <a:chExt cx="0" cy="0"/>
-        </a:xfrm>
-      </p:grpSpPr>
-      <p:sp>
-        <p:nvSpPr>
-          <p:cNvPr id="5" name="Title 4"/>
-          <p:cNvSpPr>
-            <a:spLocks noGrp="1"/>
-          </p:cNvSpPr>
-          <p:nvPr>
-            <p:ph type="title"/>
-          </p:nvPr>
-        </p:nvSpPr>
-        <p:spPr>
-          <a:xfrm>
-            <a:off x="457200" y="0"/>
-            <a:ext cx="8229600" cy="914400"/>
-          </a:xfrm>
-          <a:noFill/>
-        </p:spPr>
-        <p:txBody>
-          <a:bodyPr lIns="91440" tIns="0" bIns="0">
-            <a:normAutofit/>
-          </a:bodyPr>
-          <a:lstStyle/>
-          <a:p>
-            <a:r>
-              <a:rPr lang="en-US" dirty="0" smtClean="0"/>
-              <a:t>Agenda</a:t>
-            </a:r>
-            <a:endParaRPr lang="en-US" dirty="0"/>
-          </a:p>
-        </p:txBody>
-      </p:sp>
-      <p:sp>
-        <p:nvSpPr>
-          <p:cNvPr id="6" name="Content Placeholder 5"/>
-          <p:cNvSpPr>
-            <a:spLocks noGrp="1"/>
-          </p:cNvSpPr>
-          <p:nvPr>
-            <p:ph idx="1"/>
-          </p:nvPr>
-        </p:nvSpPr>
-        <p:spPr>
-          <a:xfrm>
-            <a:off x="457200" y="1219200"/>
-            <a:ext cx="8229600" cy="5181600"/>
-          </a:xfrm>
-        </p:spPr>
-        <p:txBody>
-          <a:bodyPr/>
-          <a:lstStyle/>
-          <a:p>
-            <a:r>
-              <a:rPr lang="en-US" dirty="0" smtClean="0">
-                <a:solidFill>
-                  <a:schemeClr val="bg1">
-                    <a:lumMod val="65000"/>
-                  </a:schemeClr>
-                </a:solidFill>
-              </a:rPr>
-              <a:t>System Overview</a:t>
-            </a:r>
-          </a:p>
-          <a:p>
-            <a:r>
-              <a:rPr lang="en-US" dirty="0" smtClean="0">
-                <a:solidFill>
-                  <a:schemeClr val="bg1">
-                    <a:lumMod val="65000"/>
-                  </a:schemeClr>
-                </a:solidFill>
-              </a:rPr>
-              <a:t>Hardware</a:t>
-            </a:r>
-          </a:p>
-          <a:p>
-            <a:r>
-              <a:rPr lang="en-US" dirty="0" smtClean="0"/>
-              <a:t>Firmware</a:t>
-            </a:r>
-          </a:p>
-          <a:p>
-            <a:r>
-              <a:rPr lang="en-US" dirty="0" smtClean="0">
-                <a:solidFill>
-                  <a:schemeClr val="bg1">
-                    <a:lumMod val="65000"/>
-                  </a:schemeClr>
-                </a:solidFill>
-              </a:rPr>
-              <a:t>Software</a:t>
-            </a:r>
-          </a:p>
-          <a:p>
-            <a:r>
-              <a:rPr lang="en-US" dirty="0" smtClean="0">
-                <a:solidFill>
-                  <a:schemeClr val="bg1">
-                    <a:lumMod val="65000"/>
-                  </a:schemeClr>
-                </a:solidFill>
-              </a:rPr>
-              <a:t>Deployment</a:t>
-            </a:r>
-          </a:p>
-          <a:p>
-            <a:r>
-              <a:rPr lang="en-US" dirty="0" smtClean="0">
-                <a:solidFill>
-                  <a:schemeClr val="bg1">
-                    <a:lumMod val="65000"/>
-                  </a:schemeClr>
-                </a:solidFill>
-              </a:rPr>
-              <a:t>Results</a:t>
-            </a:r>
-          </a:p>
-          <a:p>
-            <a:r>
-              <a:rPr lang="en-US" dirty="0" smtClean="0">
-                <a:solidFill>
-                  <a:schemeClr val="bg1">
-                    <a:lumMod val="65000"/>
-                  </a:schemeClr>
-                </a:solidFill>
-              </a:rPr>
-              <a:t>Conclusions</a:t>
-            </a:r>
-          </a:p>
-          <a:p>
-            <a:pPr>
-              <a:buNone/>
-            </a:pPr>
-            <a:endParaRPr lang="en-US" dirty="0"/>
-          </a:p>
-        </p:txBody>
-      </p:sp>
-    </p:spTree>
-  </p:cSld>
-  <p:clrMapOvr>
-    <a:masterClrMapping/>
-  </p:clrMapOvr>
-  <p:timing>
-    <p:tnLst>
-      <p:par>
-        <p:cTn id="1" dur="indefinite" restart="never" nodeType="tmRoot"/>
-      </p:par>
-    </p:tnLst>
-  </p:timing>
 </p:sld>
 </file>
 

--- a/Docs/TIU_Tracking_Presentation_v1.pptx
+++ b/Docs/TIU_Tracking_Presentation_v1.pptx
@@ -5,7 +5,7 @@
     <p:sldMasterId id="2147483648" r:id="rId1"/>
   </p:sldMasterIdLst>
   <p:notesMasterIdLst>
-    <p:notesMasterId r:id="rId28"/>
+    <p:notesMasterId r:id="rId29"/>
   </p:notesMasterIdLst>
   <p:sldIdLst>
     <p:sldId id="289" r:id="rId2"/>
@@ -34,6 +34,7 @@
     <p:sldId id="285" r:id="rId25"/>
     <p:sldId id="286" r:id="rId26"/>
     <p:sldId id="287" r:id="rId27"/>
+    <p:sldId id="290" r:id="rId28"/>
   </p:sldIdLst>
   <p:sldSz cx="9144000" cy="6858000" type="screen4x3"/>
   <p:notesSz cx="6858000" cy="9144000"/>
@@ -217,6 +218,7 @@
           <a:p>
             <a:fld id="{342AF894-3CA5-4BF5-999A-858F3B50E095}" type="datetimeFigureOut">
               <a:rPr lang="en-US" smtClean="0"/>
+              <a:pPr/>
               <a:t>5/30/2011</a:t>
             </a:fld>
             <a:endParaRPr lang="en-US"/>
@@ -378,6 +380,7 @@
           <a:p>
             <a:fld id="{52494DA5-F55E-4B27-9A4E-51866B25DDAB}" type="slidenum">
               <a:rPr lang="en-US" smtClean="0"/>
+              <a:pPr/>
               <a:t>‹#›</a:t>
             </a:fld>
             <a:endParaRPr lang="en-US"/>
@@ -549,7 +552,193 @@
           <a:p>
             <a:fld id="{52494DA5-F55E-4B27-9A4E-51866B25DDAB}" type="slidenum">
               <a:rPr lang="en-US" smtClean="0"/>
+              <a:pPr/>
               <a:t>14</a:t>
+            </a:fld>
+            <a:endParaRPr lang="en-US"/>
+          </a:p>
+        </p:txBody>
+      </p:sp>
+    </p:spTree>
+  </p:cSld>
+  <p:clrMapOvr>
+    <a:masterClrMapping/>
+  </p:clrMapOvr>
+</p:notes>
+</file>
+
+<file path=ppt/notesSlides/notesSlide2.xml><?xml version="1.0" encoding="utf-8"?>
+<p:notes xmlns:a="http://schemas.openxmlformats.org/drawingml/2006/main" xmlns:r="http://schemas.openxmlformats.org/officeDocument/2006/relationships" xmlns:p="http://schemas.openxmlformats.org/presentationml/2006/main">
+  <p:cSld>
+    <p:spTree>
+      <p:nvGrpSpPr>
+        <p:cNvPr id="1" name=""/>
+        <p:cNvGrpSpPr/>
+        <p:nvPr/>
+      </p:nvGrpSpPr>
+      <p:grpSpPr>
+        <a:xfrm>
+          <a:off x="0" y="0"/>
+          <a:ext cx="0" cy="0"/>
+          <a:chOff x="0" y="0"/>
+          <a:chExt cx="0" cy="0"/>
+        </a:xfrm>
+      </p:grpSpPr>
+      <p:sp>
+        <p:nvSpPr>
+          <p:cNvPr id="2" name="Slide Image Placeholder 1"/>
+          <p:cNvSpPr>
+            <a:spLocks noGrp="1" noRot="1" noChangeAspect="1"/>
+          </p:cNvSpPr>
+          <p:nvPr>
+            <p:ph type="sldImg"/>
+          </p:nvPr>
+        </p:nvSpPr>
+        <p:spPr/>
+      </p:sp>
+      <p:sp>
+        <p:nvSpPr>
+          <p:cNvPr id="3" name="Notes Placeholder 2"/>
+          <p:cNvSpPr>
+            <a:spLocks noGrp="1"/>
+          </p:cNvSpPr>
+          <p:nvPr>
+            <p:ph type="body" idx="1"/>
+          </p:nvPr>
+        </p:nvSpPr>
+        <p:spPr/>
+        <p:txBody>
+          <a:bodyPr>
+            <a:normAutofit/>
+          </a:bodyPr>
+          <a:lstStyle/>
+          <a:p>
+            <a:endParaRPr lang="en-US" dirty="0"/>
+          </a:p>
+        </p:txBody>
+      </p:sp>
+      <p:sp>
+        <p:nvSpPr>
+          <p:cNvPr id="4" name="Slide Number Placeholder 3"/>
+          <p:cNvSpPr>
+            <a:spLocks noGrp="1"/>
+          </p:cNvSpPr>
+          <p:nvPr>
+            <p:ph type="sldNum" sz="quarter" idx="10"/>
+          </p:nvPr>
+        </p:nvSpPr>
+        <p:spPr/>
+        <p:txBody>
+          <a:bodyPr/>
+          <a:lstStyle/>
+          <a:p>
+            <a:fld id="{52494DA5-F55E-4B27-9A4E-51866B25DDAB}" type="slidenum">
+              <a:rPr lang="en-US" smtClean="0"/>
+              <a:pPr/>
+              <a:t>22</a:t>
+            </a:fld>
+            <a:endParaRPr lang="en-US"/>
+          </a:p>
+        </p:txBody>
+      </p:sp>
+    </p:spTree>
+  </p:cSld>
+  <p:clrMapOvr>
+    <a:masterClrMapping/>
+  </p:clrMapOvr>
+</p:notes>
+</file>
+
+<file path=ppt/notesSlides/notesSlide3.xml><?xml version="1.0" encoding="utf-8"?>
+<p:notes xmlns:a="http://schemas.openxmlformats.org/drawingml/2006/main" xmlns:r="http://schemas.openxmlformats.org/officeDocument/2006/relationships" xmlns:p="http://schemas.openxmlformats.org/presentationml/2006/main">
+  <p:cSld>
+    <p:spTree>
+      <p:nvGrpSpPr>
+        <p:cNvPr id="1" name=""/>
+        <p:cNvGrpSpPr/>
+        <p:nvPr/>
+      </p:nvGrpSpPr>
+      <p:grpSpPr>
+        <a:xfrm>
+          <a:off x="0" y="0"/>
+          <a:ext cx="0" cy="0"/>
+          <a:chOff x="0" y="0"/>
+          <a:chExt cx="0" cy="0"/>
+        </a:xfrm>
+      </p:grpSpPr>
+      <p:sp>
+        <p:nvSpPr>
+          <p:cNvPr id="2" name="Slide Image Placeholder 1"/>
+          <p:cNvSpPr>
+            <a:spLocks noGrp="1" noRot="1" noChangeAspect="1"/>
+          </p:cNvSpPr>
+          <p:nvPr>
+            <p:ph type="sldImg"/>
+          </p:nvPr>
+        </p:nvSpPr>
+        <p:spPr/>
+      </p:sp>
+      <p:sp>
+        <p:nvSpPr>
+          <p:cNvPr id="3" name="Notes Placeholder 2"/>
+          <p:cNvSpPr>
+            <a:spLocks noGrp="1"/>
+          </p:cNvSpPr>
+          <p:nvPr>
+            <p:ph type="body" idx="1"/>
+          </p:nvPr>
+        </p:nvSpPr>
+        <p:spPr/>
+        <p:txBody>
+          <a:bodyPr>
+            <a:normAutofit/>
+          </a:bodyPr>
+          <a:lstStyle/>
+          <a:p>
+            <a:r>
+              <a:rPr lang="en-US" dirty="0" smtClean="0"/>
+              <a:t>For accuracy, we conducted another experiment in a 12m x 6m area with a 3m calibration grid,</a:t>
+            </a:r>
+            <a:r>
+              <a:rPr lang="en-US" baseline="0" dirty="0" smtClean="0"/>
+              <a:t> and we found out that the average accuracy is roughly 2m.</a:t>
+            </a:r>
+          </a:p>
+          <a:p>
+            <a:endParaRPr lang="en-US" dirty="0" smtClean="0"/>
+          </a:p>
+          <a:p>
+            <a:r>
+              <a:rPr lang="en-US" dirty="0" smtClean="0"/>
+              <a:t>The accuracy at calibration</a:t>
+            </a:r>
+            <a:r>
+              <a:rPr lang="en-US" baseline="0" dirty="0" smtClean="0"/>
+              <a:t> points is less than 1m for over 90% of the time. This indicates that if we calibrate the system at locations where the TIUs are usually placed, then probability of locating the TIUs accurately is very high.</a:t>
+            </a:r>
+            <a:endParaRPr lang="en-US" dirty="0"/>
+          </a:p>
+        </p:txBody>
+      </p:sp>
+      <p:sp>
+        <p:nvSpPr>
+          <p:cNvPr id="4" name="Slide Number Placeholder 3"/>
+          <p:cNvSpPr>
+            <a:spLocks noGrp="1"/>
+          </p:cNvSpPr>
+          <p:nvPr>
+            <p:ph type="sldNum" sz="quarter" idx="10"/>
+          </p:nvPr>
+        </p:nvSpPr>
+        <p:spPr/>
+        <p:txBody>
+          <a:bodyPr/>
+          <a:lstStyle/>
+          <a:p>
+            <a:fld id="{52494DA5-F55E-4B27-9A4E-51866B25DDAB}" type="slidenum">
+              <a:rPr lang="en-US" smtClean="0"/>
+              <a:pPr/>
+              <a:t>23</a:t>
             </a:fld>
             <a:endParaRPr lang="en-US"/>
           </a:p>
@@ -3581,7 +3770,7 @@
         </p:nvSpPr>
         <p:spPr>
           <a:xfrm>
-            <a:off x="685800" y="1752600"/>
+            <a:off x="685800" y="1066800"/>
             <a:ext cx="7772400" cy="1470025"/>
           </a:xfrm>
         </p:spPr>
@@ -3617,7 +3806,7 @@
         </p:nvSpPr>
         <p:spPr>
           <a:xfrm>
-            <a:off x="2514600" y="3200400"/>
+            <a:off x="2514600" y="2514600"/>
             <a:ext cx="6400800" cy="2438400"/>
           </a:xfrm>
         </p:spPr>
@@ -3651,26 +3840,14 @@
             <a:pPr algn="l"/>
             <a:r>
               <a:rPr lang="en-US" dirty="0" smtClean="0"/>
-              <a:t>	</a:t>
-            </a:r>
-            <a:r>
-              <a:rPr lang="en-US" dirty="0" smtClean="0"/>
-              <a:t>	Man Hoang</a:t>
+              <a:t>		Man Hoang</a:t>
             </a:r>
           </a:p>
           <a:p>
             <a:pPr algn="l"/>
             <a:r>
               <a:rPr lang="en-US" dirty="0" smtClean="0"/>
-              <a:t>	</a:t>
-            </a:r>
-            <a:r>
-              <a:rPr lang="en-US" dirty="0" smtClean="0"/>
-              <a:t>	Lynh </a:t>
-            </a:r>
-            <a:r>
-              <a:rPr lang="en-US" dirty="0" smtClean="0"/>
-              <a:t>Pham</a:t>
+              <a:t>		Lynh Pham</a:t>
             </a:r>
           </a:p>
           <a:p>
@@ -3684,11 +3861,7 @@
             <a:pPr algn="l"/>
             <a:r>
               <a:rPr lang="en-US" dirty="0" smtClean="0"/>
-              <a:t>	</a:t>
-            </a:r>
-            <a:r>
-              <a:rPr lang="en-US" dirty="0" smtClean="0"/>
-              <a:t>	Dung Le</a:t>
+              <a:t>		Dung Le</a:t>
             </a:r>
           </a:p>
         </p:txBody>
@@ -3832,6 +4005,30 @@
           </a:prstGeom>
         </p:spPr>
       </p:pic>
+      <p:pic>
+        <p:nvPicPr>
+          <p:cNvPr id="9" name="Picture 8" descr="colorbar.png"/>
+          <p:cNvPicPr>
+            <a:picLocks noChangeAspect="1"/>
+          </p:cNvPicPr>
+          <p:nvPr/>
+        </p:nvPicPr>
+        <p:blipFill>
+          <a:blip r:embed="rId3" cstate="print"/>
+          <a:stretch>
+            <a:fillRect/>
+          </a:stretch>
+        </p:blipFill>
+        <p:spPr>
+          <a:xfrm>
+            <a:off x="762000" y="2286000"/>
+            <a:ext cx="7620000" cy="57150"/>
+          </a:xfrm>
+          <a:prstGeom prst="rect">
+            <a:avLst/>
+          </a:prstGeom>
+        </p:spPr>
+      </p:pic>
     </p:spTree>
   </p:cSld>
   <p:clrMapOvr>
@@ -4172,45 +4369,26 @@
               <a:rPr lang="en-US" sz="2000" dirty="0" smtClean="0"/>
               <a:t>Detector</a:t>
             </a:r>
-            <a:endParaRPr lang="en-US" sz="2000" dirty="0" smtClean="0"/>
           </a:p>
           <a:p>
             <a:pPr lvl="1"/>
             <a:r>
               <a:rPr lang="en-US" sz="1800" dirty="0" smtClean="0"/>
-              <a:t>Listen for messages from tags and </a:t>
-            </a:r>
+              <a:t>Listen for messages from tags and other detectors</a:t>
+            </a:r>
+          </a:p>
+          <a:p>
+            <a:pPr lvl="1"/>
             <a:r>
               <a:rPr lang="en-US" sz="1800" dirty="0" smtClean="0"/>
-              <a:t>other detectors</a:t>
-            </a:r>
-            <a:endParaRPr lang="en-US" sz="1800" dirty="0" smtClean="0"/>
+              <a:t>Controlled flooding</a:t>
+            </a:r>
           </a:p>
           <a:p>
             <a:pPr lvl="1"/>
             <a:r>
               <a:rPr lang="en-US" sz="1800" dirty="0" smtClean="0"/>
-              <a:t>Controlled </a:t>
-            </a:r>
-            <a:r>
-              <a:rPr lang="en-US" sz="1800" dirty="0" smtClean="0"/>
-              <a:t>flooding</a:t>
-            </a:r>
-            <a:endParaRPr lang="en-US" sz="1800" dirty="0" smtClean="0"/>
-          </a:p>
-          <a:p>
-            <a:pPr lvl="1"/>
-            <a:r>
-              <a:rPr lang="en-US" sz="1800" dirty="0" smtClean="0"/>
-              <a:t>Collision avoidance via </a:t>
-            </a:r>
-            <a:r>
-              <a:rPr lang="en-US" sz="1800" dirty="0" smtClean="0"/>
-              <a:t>time </a:t>
-            </a:r>
-            <a:r>
-              <a:rPr lang="en-US" sz="1800" dirty="0" smtClean="0"/>
-              <a:t>division</a:t>
+              <a:t>Collision avoidance via time division</a:t>
             </a:r>
           </a:p>
           <a:p>
@@ -4232,14 +4410,12 @@
               <a:rPr lang="en-US" sz="1800" dirty="0" smtClean="0"/>
               <a:t>Forwards messages to Controller</a:t>
             </a:r>
-            <a:endParaRPr lang="en-US" sz="1800" dirty="0" smtClean="0"/>
           </a:p>
           <a:p>
             <a:r>
               <a:rPr lang="en-US" sz="2000" dirty="0" smtClean="0"/>
               <a:t>Generally</a:t>
             </a:r>
-            <a:endParaRPr lang="en-US" sz="2000" dirty="0" smtClean="0"/>
           </a:p>
           <a:p>
             <a:pPr lvl="1"/>
@@ -4266,13 +4442,8 @@
             <a:pPr lvl="2"/>
             <a:r>
               <a:rPr lang="en-US" sz="1400" dirty="0" smtClean="0"/>
-              <a:t>Fixed </a:t>
-            </a:r>
-            <a:r>
-              <a:rPr lang="en-US" sz="1400" dirty="0" smtClean="0"/>
-              <a:t>length</a:t>
-            </a:r>
-            <a:endParaRPr lang="en-US" sz="1400" dirty="0" smtClean="0"/>
+              <a:t>Fixed length</a:t>
+            </a:r>
           </a:p>
         </p:txBody>
       </p:sp>
@@ -4740,7 +4911,9 @@
         </p:nvSpPr>
         <p:spPr/>
         <p:txBody>
-          <a:bodyPr/>
+          <a:bodyPr>
+            <a:normAutofit lnSpcReduction="10000"/>
+          </a:bodyPr>
           <a:lstStyle/>
           <a:p>
             <a:r>
@@ -4822,7 +4995,18 @@
             <a:pPr lvl="2"/>
             <a:r>
               <a:rPr lang="en-US" dirty="0" smtClean="0"/>
-              <a:t>HTML5, CSS3, JavaScript</a:t>
+              <a:t>HTML5, CSS3, </a:t>
+            </a:r>
+            <a:r>
+              <a:rPr lang="en-US" dirty="0" smtClean="0"/>
+              <a:t>JavaScript</a:t>
+            </a:r>
+          </a:p>
+          <a:p>
+            <a:pPr lvl="1"/>
+            <a:r>
+              <a:rPr lang="en-US" dirty="0" smtClean="0"/>
+              <a:t>Why Web?</a:t>
             </a:r>
             <a:endParaRPr lang="en-US" dirty="0"/>
           </a:p>
@@ -5069,25 +5253,13 @@
           <a:p>
             <a:r>
               <a:rPr lang="en-US" dirty="0" smtClean="0"/>
-              <a:t>Calibration </a:t>
-            </a:r>
-            <a:r>
-              <a:rPr lang="en-US" dirty="0" smtClean="0"/>
-              <a:t>density</a:t>
-            </a:r>
-          </a:p>
-          <a:p>
-            <a:r>
-              <a:rPr lang="en-US" dirty="0" smtClean="0"/>
-              <a:t>Each </a:t>
-            </a:r>
-            <a:r>
-              <a:rPr lang="en-US" dirty="0" smtClean="0"/>
-              <a:t>tag has a unique </a:t>
-            </a:r>
-            <a:r>
-              <a:rPr lang="en-US" dirty="0" smtClean="0"/>
-              <a:t>ID with respect to other tags</a:t>
+              <a:t>Calibration density</a:t>
+            </a:r>
+          </a:p>
+          <a:p>
+            <a:r>
+              <a:rPr lang="en-US" dirty="0" smtClean="0"/>
+              <a:t>Each tag has a unique ID with respect to other tags</a:t>
             </a:r>
           </a:p>
           <a:p>
@@ -5099,11 +5271,7 @@
           <a:p>
             <a:r>
               <a:rPr lang="en-US" dirty="0" smtClean="0"/>
-              <a:t>Proxy </a:t>
-            </a:r>
-            <a:r>
-              <a:rPr lang="en-US" dirty="0" smtClean="0"/>
-              <a:t>possible configurations </a:t>
+              <a:t>Proxy possible configurations </a:t>
             </a:r>
           </a:p>
           <a:p>
@@ -5675,22 +5843,14 @@
             <a:pPr lvl="1"/>
             <a:r>
               <a:rPr lang="en-US" dirty="0" smtClean="0"/>
-              <a:t>30mA </a:t>
-            </a:r>
-            <a:r>
-              <a:rPr lang="en-US" dirty="0" smtClean="0"/>
-              <a:t>transmit current</a:t>
+              <a:t>30mA transmit current</a:t>
             </a:r>
           </a:p>
           <a:p>
             <a:pPr lvl="1"/>
             <a:r>
               <a:rPr lang="en-US" dirty="0" smtClean="0"/>
-              <a:t>40µA </a:t>
-            </a:r>
-            <a:r>
-              <a:rPr lang="en-US" dirty="0" smtClean="0"/>
-              <a:t>sleep current</a:t>
+              <a:t>40µA sleep current</a:t>
             </a:r>
           </a:p>
           <a:p>
@@ -5815,7 +5975,7 @@
             <p:nvPr/>
           </p:nvPicPr>
           <p:blipFill>
-            <a:blip r:embed="rId2" cstate="print">
+            <a:blip r:embed="rId3" cstate="print">
               <a:clrChange>
                 <a:clrFrom>
                   <a:srgbClr val="FFFFFF"/>
@@ -5852,7 +6012,7 @@
             <p:nvPr/>
           </p:nvPicPr>
           <p:blipFill>
-            <a:blip r:embed="rId3" cstate="print">
+            <a:blip r:embed="rId4" cstate="print">
               <a:clrChange>
                 <a:clrFrom>
                   <a:srgbClr val="FFFFFF"/>
@@ -5889,7 +6049,7 @@
             <p:nvPr/>
           </p:nvPicPr>
           <p:blipFill>
-            <a:blip r:embed="rId4" cstate="print">
+            <a:blip r:embed="rId5" cstate="print">
               <a:clrChange>
                 <a:clrFrom>
                   <a:srgbClr val="FFFFFF"/>
@@ -6242,7 +6402,7 @@
           <p:nvPr/>
         </p:nvPicPr>
         <p:blipFill>
-          <a:blip r:embed="rId2" cstate="print"/>
+          <a:blip r:embed="rId3" cstate="print"/>
           <a:stretch>
             <a:fillRect/>
           </a:stretch>
@@ -6504,11 +6664,7 @@
             <a:pPr lvl="1"/>
             <a:r>
               <a:rPr lang="en-US" dirty="0" smtClean="0"/>
-              <a:t>Calibration </a:t>
-            </a:r>
-            <a:r>
-              <a:rPr lang="en-US" dirty="0" smtClean="0"/>
-              <a:t>density</a:t>
+              <a:t>Calibration density</a:t>
             </a:r>
           </a:p>
           <a:p>
@@ -6533,13 +6689,8 @@
           <a:p>
             <a:r>
               <a:rPr lang="en-US" dirty="0" smtClean="0"/>
-              <a:t>Environment &amp; </a:t>
-            </a:r>
-            <a:r>
-              <a:rPr lang="en-US" dirty="0" smtClean="0"/>
-              <a:t>signal strength</a:t>
-            </a:r>
-            <a:endParaRPr lang="en-US" dirty="0" smtClean="0"/>
+              <a:t>Environment &amp; signal strength</a:t>
+            </a:r>
           </a:p>
           <a:p>
             <a:endParaRPr lang="en-US" dirty="0"/>
@@ -6617,11 +6768,7 @@
           <a:p>
             <a:r>
               <a:rPr lang="en-US" dirty="0" smtClean="0"/>
-              <a:t>Alfonso </a:t>
-            </a:r>
-            <a:r>
-              <a:rPr lang="en-US" dirty="0" smtClean="0"/>
-              <a:t>Pereira &amp; </a:t>
+              <a:t>Alfonso Pereira &amp; </a:t>
             </a:r>
             <a:r>
               <a:rPr lang="en-US" dirty="0" err="1" smtClean="0"/>
@@ -6636,6 +6783,80 @@
               <a:t>Ruiwale</a:t>
             </a:r>
             <a:endParaRPr lang="en-US" dirty="0"/>
+          </a:p>
+        </p:txBody>
+      </p:sp>
+    </p:spTree>
+  </p:cSld>
+  <p:clrMapOvr>
+    <a:masterClrMapping/>
+  </p:clrMapOvr>
+  <p:timing>
+    <p:tnLst>
+      <p:par>
+        <p:cTn id="1" dur="indefinite" restart="never" nodeType="tmRoot"/>
+      </p:par>
+    </p:tnLst>
+  </p:timing>
+</p:sld>
+</file>
+
+<file path=ppt/slides/slide27.xml><?xml version="1.0" encoding="utf-8"?>
+<p:sld xmlns:a="http://schemas.openxmlformats.org/drawingml/2006/main" xmlns:r="http://schemas.openxmlformats.org/officeDocument/2006/relationships" xmlns:p="http://schemas.openxmlformats.org/presentationml/2006/main">
+  <p:cSld>
+    <p:spTree>
+      <p:nvGrpSpPr>
+        <p:cNvPr id="1" name=""/>
+        <p:cNvGrpSpPr/>
+        <p:nvPr/>
+      </p:nvGrpSpPr>
+      <p:grpSpPr>
+        <a:xfrm>
+          <a:off x="0" y="0"/>
+          <a:ext cx="0" cy="0"/>
+          <a:chOff x="0" y="0"/>
+          <a:chExt cx="0" cy="0"/>
+        </a:xfrm>
+      </p:grpSpPr>
+      <p:sp>
+        <p:nvSpPr>
+          <p:cNvPr id="2" name="Title 1"/>
+          <p:cNvSpPr>
+            <a:spLocks noGrp="1"/>
+          </p:cNvSpPr>
+          <p:nvPr>
+            <p:ph type="title"/>
+          </p:nvPr>
+        </p:nvSpPr>
+        <p:spPr/>
+        <p:txBody>
+          <a:bodyPr/>
+          <a:lstStyle/>
+          <a:p>
+            <a:r>
+              <a:rPr lang="en-US" dirty="0" smtClean="0"/>
+              <a:t>Demo</a:t>
+            </a:r>
+            <a:endParaRPr lang="en-US" dirty="0"/>
+          </a:p>
+        </p:txBody>
+      </p:sp>
+      <p:sp>
+        <p:nvSpPr>
+          <p:cNvPr id="3" name="Content Placeholder 2"/>
+          <p:cNvSpPr>
+            <a:spLocks noGrp="1"/>
+          </p:cNvSpPr>
+          <p:nvPr>
+            <p:ph idx="1"/>
+          </p:nvPr>
+        </p:nvSpPr>
+        <p:spPr/>
+        <p:txBody>
+          <a:bodyPr/>
+          <a:lstStyle/>
+          <a:p>
+            <a:endParaRPr lang="en-US"/>
           </a:p>
         </p:txBody>
       </p:sp>
@@ -7217,29 +7438,7 @@
                   </a:schemeClr>
                 </a:solidFill>
               </a:rPr>
-              <a:t>WiFly </a:t>
-            </a:r>
-            <a:r>
-              <a:rPr lang="en-US" dirty="0" smtClean="0">
-                <a:solidFill>
-                  <a:schemeClr val="tx1">
-                    <a:lumMod val="50000"/>
-                    <a:lumOff val="50000"/>
-                  </a:schemeClr>
-                </a:solidFill>
-              </a:rPr>
-              <a:t>802.11b/g </a:t>
-            </a:r>
-            <a:r>
-              <a:rPr lang="en-US" dirty="0" smtClean="0">
-                <a:solidFill>
-                  <a:schemeClr val="tx1">
-                    <a:lumMod val="50000"/>
-                    <a:lumOff val="50000"/>
-                  </a:schemeClr>
-                </a:solidFill>
-              </a:rPr>
-              <a:t>transceiver</a:t>
+              <a:t>WiFly 802.11b/g transceiver</a:t>
             </a:r>
           </a:p>
           <a:p>
@@ -7324,7 +7523,51 @@
               <a:rPr lang="en-US" dirty="0" smtClean="0"/>
               <a:t>Tag</a:t>
             </a:r>
-            <a:endParaRPr lang="en-US" dirty="0"/>
+          </a:p>
+          <a:p>
+            <a:pPr lvl="1"/>
+            <a:r>
+              <a:rPr lang="en-US" dirty="0" smtClean="0"/>
+              <a:t>RF12 transceiver</a:t>
+            </a:r>
+          </a:p>
+          <a:p>
+            <a:pPr lvl="1"/>
+            <a:r>
+              <a:rPr lang="en-US" dirty="0" smtClean="0"/>
+              <a:t>ATmega328p MCU</a:t>
+            </a:r>
+          </a:p>
+          <a:p>
+            <a:pPr lvl="1"/>
+            <a:r>
+              <a:rPr lang="en-US" dirty="0" smtClean="0"/>
+              <a:t>Size</a:t>
+            </a:r>
+            <a:r>
+              <a:rPr lang="en-US" dirty="0" smtClean="0"/>
+              <a:t>: </a:t>
+            </a:r>
+            <a:r>
+              <a:rPr lang="en-US" dirty="0" smtClean="0"/>
+              <a:t>1” x 1” </a:t>
+            </a:r>
+            <a:r>
+              <a:rPr lang="en-US" dirty="0" smtClean="0"/>
+              <a:t>x 1</a:t>
+            </a:r>
+            <a:r>
+              <a:rPr lang="en-US" dirty="0" smtClean="0"/>
+              <a:t>”</a:t>
+            </a:r>
+          </a:p>
+          <a:p>
+            <a:pPr lvl="1"/>
+            <a:r>
+              <a:rPr lang="en-US" dirty="0" smtClean="0"/>
+              <a:t>240mAh coin cell battery</a:t>
+            </a:r>
+            <a:endParaRPr lang="en-US" dirty="0" smtClean="0"/>
           </a:p>
         </p:txBody>
       </p:sp>
@@ -7356,7 +7599,7 @@
         </p:blipFill>
         <p:spPr bwMode="auto">
           <a:xfrm>
-            <a:off x="533400" y="1905000"/>
+            <a:off x="2176463" y="3581400"/>
             <a:ext cx="3309937" cy="2517775"/>
           </a:xfrm>
           <a:prstGeom prst="rect">
@@ -7399,7 +7642,7 @@
         </p:nvSpPr>
         <p:spPr>
           <a:xfrm>
-            <a:off x="1828800" y="4191000"/>
+            <a:off x="3471863" y="5867400"/>
             <a:ext cx="1066800" cy="369332"/>
           </a:xfrm>
           <a:prstGeom prst="rect">
@@ -7748,11 +7991,7 @@
             <a:pPr lvl="1"/>
             <a:r>
               <a:rPr lang="en-US" dirty="0" smtClean="0"/>
-              <a:t>WiFly 802.11b/g </a:t>
-            </a:r>
-            <a:r>
-              <a:rPr lang="en-US" dirty="0" smtClean="0"/>
-              <a:t>transceiver</a:t>
+              <a:t>WiFly 802.11b/g transceiver</a:t>
             </a:r>
           </a:p>
           <a:p>

--- a/Docs/TIU_Tracking_Presentation_v1.pptx
+++ b/Docs/TIU_Tracking_Presentation_v1.pptx
@@ -1,11 +1,11 @@
 
 <file path=ppt/presentation.xml><?xml version="1.0" encoding="utf-8"?>
-<p:presentation xmlns:a="http://schemas.openxmlformats.org/drawingml/2006/main" xmlns:r="http://schemas.openxmlformats.org/officeDocument/2006/relationships" xmlns:p="http://schemas.openxmlformats.org/presentationml/2006/main" saveSubsetFonts="1">
+<p:presentation xmlns:a="http://schemas.openxmlformats.org/drawingml/2006/main" xmlns:r="http://schemas.openxmlformats.org/officeDocument/2006/relationships" xmlns:p="http://schemas.openxmlformats.org/presentationml/2006/main" showSpecialPlsOnTitleSld="0" saveSubsetFonts="1">
   <p:sldMasterIdLst>
     <p:sldMasterId id="2147483648" r:id="rId1"/>
   </p:sldMasterIdLst>
   <p:notesMasterIdLst>
-    <p:notesMasterId r:id="rId29"/>
+    <p:notesMasterId r:id="rId30"/>
   </p:notesMasterIdLst>
   <p:sldIdLst>
     <p:sldId id="289" r:id="rId2"/>
@@ -21,20 +21,21 @@
     <p:sldId id="272" r:id="rId12"/>
     <p:sldId id="278" r:id="rId13"/>
     <p:sldId id="273" r:id="rId14"/>
-    <p:sldId id="277" r:id="rId15"/>
-    <p:sldId id="279" r:id="rId16"/>
-    <p:sldId id="280" r:id="rId17"/>
-    <p:sldId id="274" r:id="rId18"/>
-    <p:sldId id="281" r:id="rId19"/>
-    <p:sldId id="288" r:id="rId20"/>
-    <p:sldId id="275" r:id="rId21"/>
-    <p:sldId id="282" r:id="rId22"/>
-    <p:sldId id="283" r:id="rId23"/>
-    <p:sldId id="284" r:id="rId24"/>
-    <p:sldId id="285" r:id="rId25"/>
-    <p:sldId id="286" r:id="rId26"/>
-    <p:sldId id="287" r:id="rId27"/>
-    <p:sldId id="290" r:id="rId28"/>
+    <p:sldId id="291" r:id="rId15"/>
+    <p:sldId id="277" r:id="rId16"/>
+    <p:sldId id="279" r:id="rId17"/>
+    <p:sldId id="280" r:id="rId18"/>
+    <p:sldId id="292" r:id="rId19"/>
+    <p:sldId id="274" r:id="rId20"/>
+    <p:sldId id="281" r:id="rId21"/>
+    <p:sldId id="288" r:id="rId22"/>
+    <p:sldId id="275" r:id="rId23"/>
+    <p:sldId id="282" r:id="rId24"/>
+    <p:sldId id="283" r:id="rId25"/>
+    <p:sldId id="284" r:id="rId26"/>
+    <p:sldId id="285" r:id="rId27"/>
+    <p:sldId id="286" r:id="rId28"/>
+    <p:sldId id="287" r:id="rId29"/>
   </p:sldIdLst>
   <p:sldSz cx="9144000" cy="6858000" type="screen4x3"/>
   <p:notesSz cx="6858000" cy="9144000"/>
@@ -553,7 +554,7 @@
             <a:fld id="{52494DA5-F55E-4B27-9A4E-51866B25DDAB}" type="slidenum">
               <a:rPr lang="en-US" smtClean="0"/>
               <a:pPr/>
-              <a:t>14</a:t>
+              <a:t>15</a:t>
             </a:fld>
             <a:endParaRPr lang="en-US"/>
           </a:p>
@@ -613,6 +614,44 @@
           </a:bodyPr>
           <a:lstStyle/>
           <a:p>
+            <a:r>
+              <a:rPr lang="en-US" dirty="0" smtClean="0"/>
+              <a:t>So, why</a:t>
+            </a:r>
+            <a:r>
+              <a:rPr lang="en-US" baseline="0" dirty="0" smtClean="0"/>
+              <a:t> a Web app but not a traditional window application?</a:t>
+            </a:r>
+          </a:p>
+          <a:p>
+            <a:endParaRPr lang="en-US" baseline="0" dirty="0" smtClean="0"/>
+          </a:p>
+          <a:p>
+            <a:r>
+              <a:rPr lang="en-US" baseline="0" dirty="0" smtClean="0"/>
+              <a:t>Well, unlike a traditional window application, which requires different versions for different platforms, a web app can have </a:t>
+            </a:r>
+            <a:r>
+              <a:rPr lang="en-US" baseline="0" dirty="0" smtClean="0"/>
+              <a:t>only </a:t>
+            </a:r>
+            <a:r>
+              <a:rPr lang="en-US" baseline="0" dirty="0" smtClean="0"/>
+              <a:t>one version, and it can run virtually everywhere, from a mobile phone to a desktop.</a:t>
+            </a:r>
+          </a:p>
+          <a:p>
+            <a:endParaRPr lang="en-US" baseline="0" dirty="0" smtClean="0"/>
+          </a:p>
+          <a:p>
+            <a:r>
+              <a:rPr lang="en-US" dirty="0" smtClean="0"/>
+              <a:t>Also, it doesn’t require any additional user installation,</a:t>
+            </a:r>
+            <a:r>
+              <a:rPr lang="en-US" baseline="0" dirty="0" smtClean="0"/>
+              <a:t> so it’s always there, always ready for users to access.</a:t>
+            </a:r>
             <a:endParaRPr lang="en-US" dirty="0"/>
           </a:p>
         </p:txBody>
@@ -635,7 +674,7 @@
             <a:fld id="{52494DA5-F55E-4B27-9A4E-51866B25DDAB}" type="slidenum">
               <a:rPr lang="en-US" smtClean="0"/>
               <a:pPr/>
-              <a:t>22</a:t>
+              <a:t>17</a:t>
             </a:fld>
             <a:endParaRPr lang="en-US"/>
           </a:p>
@@ -695,27 +734,6 @@
           </a:bodyPr>
           <a:lstStyle/>
           <a:p>
-            <a:r>
-              <a:rPr lang="en-US" dirty="0" smtClean="0"/>
-              <a:t>For accuracy, we conducted another experiment in a 12m x 6m area with a 3m calibration grid,</a:t>
-            </a:r>
-            <a:r>
-              <a:rPr lang="en-US" baseline="0" dirty="0" smtClean="0"/>
-              <a:t> and we found out that the average accuracy is roughly 2m.</a:t>
-            </a:r>
-          </a:p>
-          <a:p>
-            <a:endParaRPr lang="en-US" dirty="0" smtClean="0"/>
-          </a:p>
-          <a:p>
-            <a:r>
-              <a:rPr lang="en-US" dirty="0" smtClean="0"/>
-              <a:t>The accuracy at calibration</a:t>
-            </a:r>
-            <a:r>
-              <a:rPr lang="en-US" baseline="0" dirty="0" smtClean="0"/>
-              <a:t> points is less than 1m for over 90% of the time. This indicates that if we calibrate the system at locations where the TIUs are usually placed, then probability of locating the TIUs accurately is very high.</a:t>
-            </a:r>
             <a:endParaRPr lang="en-US" dirty="0"/>
           </a:p>
         </p:txBody>
@@ -738,7 +756,110 @@
             <a:fld id="{52494DA5-F55E-4B27-9A4E-51866B25DDAB}" type="slidenum">
               <a:rPr lang="en-US" smtClean="0"/>
               <a:pPr/>
-              <a:t>23</a:t>
+              <a:t>24</a:t>
+            </a:fld>
+            <a:endParaRPr lang="en-US"/>
+          </a:p>
+        </p:txBody>
+      </p:sp>
+    </p:spTree>
+  </p:cSld>
+  <p:clrMapOvr>
+    <a:masterClrMapping/>
+  </p:clrMapOvr>
+</p:notes>
+</file>
+
+<file path=ppt/notesSlides/notesSlide4.xml><?xml version="1.0" encoding="utf-8"?>
+<p:notes xmlns:a="http://schemas.openxmlformats.org/drawingml/2006/main" xmlns:r="http://schemas.openxmlformats.org/officeDocument/2006/relationships" xmlns:p="http://schemas.openxmlformats.org/presentationml/2006/main">
+  <p:cSld>
+    <p:spTree>
+      <p:nvGrpSpPr>
+        <p:cNvPr id="1" name=""/>
+        <p:cNvGrpSpPr/>
+        <p:nvPr/>
+      </p:nvGrpSpPr>
+      <p:grpSpPr>
+        <a:xfrm>
+          <a:off x="0" y="0"/>
+          <a:ext cx="0" cy="0"/>
+          <a:chOff x="0" y="0"/>
+          <a:chExt cx="0" cy="0"/>
+        </a:xfrm>
+      </p:grpSpPr>
+      <p:sp>
+        <p:nvSpPr>
+          <p:cNvPr id="2" name="Slide Image Placeholder 1"/>
+          <p:cNvSpPr>
+            <a:spLocks noGrp="1" noRot="1" noChangeAspect="1"/>
+          </p:cNvSpPr>
+          <p:nvPr>
+            <p:ph type="sldImg"/>
+          </p:nvPr>
+        </p:nvSpPr>
+        <p:spPr/>
+      </p:sp>
+      <p:sp>
+        <p:nvSpPr>
+          <p:cNvPr id="3" name="Notes Placeholder 2"/>
+          <p:cNvSpPr>
+            <a:spLocks noGrp="1"/>
+          </p:cNvSpPr>
+          <p:nvPr>
+            <p:ph type="body" idx="1"/>
+          </p:nvPr>
+        </p:nvSpPr>
+        <p:spPr/>
+        <p:txBody>
+          <a:bodyPr>
+            <a:normAutofit/>
+          </a:bodyPr>
+          <a:lstStyle/>
+          <a:p>
+            <a:r>
+              <a:rPr lang="en-US" dirty="0" smtClean="0"/>
+              <a:t>For accuracy, we conducted another experiment in a 12m x 6m area with a 3m calibration grid,</a:t>
+            </a:r>
+            <a:r>
+              <a:rPr lang="en-US" baseline="0" dirty="0" smtClean="0"/>
+              <a:t> and we found out that the average accuracy is roughly 2m.</a:t>
+            </a:r>
+          </a:p>
+          <a:p>
+            <a:endParaRPr lang="en-US" dirty="0" smtClean="0"/>
+          </a:p>
+          <a:p>
+            <a:r>
+              <a:rPr lang="en-US" dirty="0" smtClean="0"/>
+              <a:t>The accuracy at calibration</a:t>
+            </a:r>
+            <a:r>
+              <a:rPr lang="en-US" baseline="0" dirty="0" smtClean="0"/>
+              <a:t> points is less than 1m for over 90% of the time. This indicates that if we calibrate the system at locations where the TIUs are usually placed, then probability of locating the TIUs accurately is very high.</a:t>
+            </a:r>
+            <a:endParaRPr lang="en-US" dirty="0"/>
+          </a:p>
+        </p:txBody>
+      </p:sp>
+      <p:sp>
+        <p:nvSpPr>
+          <p:cNvPr id="4" name="Slide Number Placeholder 3"/>
+          <p:cNvSpPr>
+            <a:spLocks noGrp="1"/>
+          </p:cNvSpPr>
+          <p:nvPr>
+            <p:ph type="sldNum" sz="quarter" idx="10"/>
+          </p:nvPr>
+        </p:nvSpPr>
+        <p:spPr/>
+        <p:txBody>
+          <a:bodyPr/>
+          <a:lstStyle/>
+          <a:p>
+            <a:fld id="{52494DA5-F55E-4B27-9A4E-51866B25DDAB}" type="slidenum">
+              <a:rPr lang="en-US" smtClean="0"/>
+              <a:pPr/>
+              <a:t>25</a:t>
             </a:fld>
             <a:endParaRPr lang="en-US"/>
           </a:p>
@@ -931,9 +1052,8 @@
           <a:bodyPr/>
           <a:lstStyle/>
           <a:p>
-            <a:fld id="{CFC2CE3F-1D0C-4868-9201-9CC45E6C1390}" type="datetimeFigureOut">
+            <a:fld id="{13B28FB6-6C40-4E5B-B68F-A6DCCF626BF9}" type="datetime1">
               <a:rPr lang="en-US" smtClean="0"/>
-              <a:pPr/>
               <a:t>5/30/2011</a:t>
             </a:fld>
             <a:endParaRPr lang="en-US" dirty="0"/>
@@ -1098,9 +1218,8 @@
           <a:bodyPr/>
           <a:lstStyle/>
           <a:p>
-            <a:fld id="{CFC2CE3F-1D0C-4868-9201-9CC45E6C1390}" type="datetimeFigureOut">
+            <a:fld id="{4F7B8872-DDBE-49CA-AC62-98F3E35207AB}" type="datetime1">
               <a:rPr lang="en-US" smtClean="0"/>
-              <a:pPr/>
               <a:t>5/30/2011</a:t>
             </a:fld>
             <a:endParaRPr lang="en-US" dirty="0"/>
@@ -1275,9 +1394,8 @@
           <a:bodyPr/>
           <a:lstStyle/>
           <a:p>
-            <a:fld id="{CFC2CE3F-1D0C-4868-9201-9CC45E6C1390}" type="datetimeFigureOut">
+            <a:fld id="{52504D97-0F26-4A6B-868C-25B209D617FA}" type="datetime1">
               <a:rPr lang="en-US" smtClean="0"/>
-              <a:pPr/>
               <a:t>5/30/2011</a:t>
             </a:fld>
             <a:endParaRPr lang="en-US" dirty="0"/>
@@ -1475,9 +1593,8 @@
           <a:bodyPr/>
           <a:lstStyle/>
           <a:p>
-            <a:fld id="{CFC2CE3F-1D0C-4868-9201-9CC45E6C1390}" type="datetimeFigureOut">
+            <a:fld id="{D085DC50-35D8-4293-94D9-D835C484D7A2}" type="datetime1">
               <a:rPr lang="en-US" smtClean="0"/>
-              <a:pPr/>
               <a:t>5/30/2011</a:t>
             </a:fld>
             <a:endParaRPr lang="en-US" dirty="0"/>
@@ -1718,9 +1835,8 @@
           <a:bodyPr/>
           <a:lstStyle/>
           <a:p>
-            <a:fld id="{CFC2CE3F-1D0C-4868-9201-9CC45E6C1390}" type="datetimeFigureOut">
+            <a:fld id="{EEA761B6-1E4C-4527-8D86-6FD441BB1BD5}" type="datetime1">
               <a:rPr lang="en-US" smtClean="0"/>
-              <a:pPr/>
               <a:t>5/30/2011</a:t>
             </a:fld>
             <a:endParaRPr lang="en-US" dirty="0"/>
@@ -2003,9 +2119,8 @@
           <a:bodyPr/>
           <a:lstStyle/>
           <a:p>
-            <a:fld id="{CFC2CE3F-1D0C-4868-9201-9CC45E6C1390}" type="datetimeFigureOut">
+            <a:fld id="{D86DDD38-8D6A-49DC-9069-9C1743FAE277}" type="datetime1">
               <a:rPr lang="en-US" smtClean="0"/>
-              <a:pPr/>
               <a:t>5/30/2011</a:t>
             </a:fld>
             <a:endParaRPr lang="en-US" dirty="0"/>
@@ -2422,9 +2537,8 @@
           <a:bodyPr/>
           <a:lstStyle/>
           <a:p>
-            <a:fld id="{CFC2CE3F-1D0C-4868-9201-9CC45E6C1390}" type="datetimeFigureOut">
+            <a:fld id="{74A3B84C-20C5-4AA9-ACFD-2070A78A13CB}" type="datetime1">
               <a:rPr lang="en-US" smtClean="0"/>
-              <a:pPr/>
               <a:t>5/30/2011</a:t>
             </a:fld>
             <a:endParaRPr lang="en-US" dirty="0"/>
@@ -2537,9 +2651,8 @@
           <a:bodyPr/>
           <a:lstStyle/>
           <a:p>
-            <a:fld id="{CFC2CE3F-1D0C-4868-9201-9CC45E6C1390}" type="datetimeFigureOut">
+            <a:fld id="{02DB4639-7C56-4008-83E7-4A7BE8B2174A}" type="datetime1">
               <a:rPr lang="en-US" smtClean="0"/>
-              <a:pPr/>
               <a:t>5/30/2011</a:t>
             </a:fld>
             <a:endParaRPr lang="en-US" dirty="0"/>
@@ -2629,9 +2742,8 @@
           <a:bodyPr/>
           <a:lstStyle/>
           <a:p>
-            <a:fld id="{CFC2CE3F-1D0C-4868-9201-9CC45E6C1390}" type="datetimeFigureOut">
+            <a:fld id="{006EAB04-8EAA-4AE1-BBF3-FBED0AE6727C}" type="datetime1">
               <a:rPr lang="en-US" smtClean="0"/>
-              <a:pPr/>
               <a:t>5/30/2011</a:t>
             </a:fld>
             <a:endParaRPr lang="en-US" dirty="0"/>
@@ -2903,9 +3015,8 @@
           <a:bodyPr/>
           <a:lstStyle/>
           <a:p>
-            <a:fld id="{CFC2CE3F-1D0C-4868-9201-9CC45E6C1390}" type="datetimeFigureOut">
+            <a:fld id="{993B734A-CB8E-4F6B-9B39-0C8258B94388}" type="datetime1">
               <a:rPr lang="en-US" smtClean="0"/>
-              <a:pPr/>
               <a:t>5/30/2011</a:t>
             </a:fld>
             <a:endParaRPr lang="en-US" dirty="0"/>
@@ -3157,9 +3268,8 @@
           <a:bodyPr/>
           <a:lstStyle/>
           <a:p>
-            <a:fld id="{CFC2CE3F-1D0C-4868-9201-9CC45E6C1390}" type="datetimeFigureOut">
+            <a:fld id="{D4556FE2-3B15-4FCA-99DE-212197623C12}" type="datetime1">
               <a:rPr lang="en-US" smtClean="0"/>
-              <a:pPr/>
               <a:t>5/30/2011</a:t>
             </a:fld>
             <a:endParaRPr lang="en-US" dirty="0"/>
@@ -3376,9 +3486,8 @@
             </a:lvl1pPr>
           </a:lstStyle>
           <a:p>
-            <a:fld id="{CFC2CE3F-1D0C-4868-9201-9CC45E6C1390}" type="datetimeFigureOut">
+            <a:fld id="{2B555028-ABB8-481B-99A8-9A0B0578BBC2}" type="datetime1">
               <a:rPr lang="en-US" smtClean="0"/>
-              <a:pPr/>
               <a:t>5/30/2011</a:t>
             </a:fld>
             <a:endParaRPr lang="en-US" dirty="0"/>
@@ -3480,6 +3589,7 @@
     <p:sldLayoutId id="2147483658" r:id="rId10"/>
     <p:sldLayoutId id="2147483659" r:id="rId11"/>
   </p:sldLayoutIdLst>
+  <p:hf hdr="0" ftr="0" dt="0"/>
   <p:txStyles>
     <p:titleStyle>
       <a:lvl1pPr algn="ctr" defTabSz="914254" rtl="0" eaLnBrk="1" latinLnBrk="0" hangingPunct="1">
@@ -3818,193 +3928,103 @@
           <a:p>
             <a:pPr algn="l"/>
             <a:r>
-              <a:rPr lang="en-US" dirty="0" smtClean="0"/>
-              <a:t>Sponsor	Intel</a:t>
-            </a:r>
-          </a:p>
-          <a:p>
-            <a:pPr algn="l"/>
-            <a:r>
-              <a:rPr lang="en-US" dirty="0" smtClean="0"/>
-              <a:t>Advisor		Prof. Robert Daasch</a:t>
-            </a:r>
-          </a:p>
-          <a:p>
-            <a:pPr algn="l"/>
-            <a:r>
-              <a:rPr lang="en-US" dirty="0" smtClean="0"/>
-              <a:t>Team		Daniel Ferguson</a:t>
-            </a:r>
-          </a:p>
-          <a:p>
-            <a:pPr algn="l"/>
-            <a:r>
-              <a:rPr lang="en-US" dirty="0" smtClean="0"/>
-              <a:t>		Man Hoang</a:t>
-            </a:r>
-          </a:p>
-          <a:p>
-            <a:pPr algn="l"/>
-            <a:r>
-              <a:rPr lang="en-US" dirty="0" smtClean="0"/>
-              <a:t>		Lynh Pham</a:t>
-            </a:r>
-          </a:p>
-          <a:p>
-            <a:pPr algn="l"/>
-            <a:r>
-              <a:rPr lang="en-US" dirty="0" smtClean="0"/>
-              <a:t>		Tri Truong</a:t>
-            </a:r>
-          </a:p>
-          <a:p>
-            <a:pPr algn="l"/>
-            <a:r>
-              <a:rPr lang="en-US" dirty="0" smtClean="0"/>
-              <a:t>		Dung Le</a:t>
-            </a:r>
-          </a:p>
-        </p:txBody>
-      </p:sp>
-      <p:sp>
-        <p:nvSpPr>
-          <p:cNvPr id="6" name="Rectangle 5"/>
-          <p:cNvSpPr/>
-          <p:nvPr/>
-        </p:nvSpPr>
-        <p:spPr>
-          <a:xfrm>
-            <a:off x="0" y="6309360"/>
-            <a:ext cx="9144000" cy="548640"/>
-          </a:xfrm>
-          <a:prstGeom prst="rect">
-            <a:avLst/>
-          </a:prstGeom>
-          <a:solidFill>
-            <a:schemeClr val="accent3">
-              <a:lumMod val="20000"/>
-              <a:lumOff val="80000"/>
-              <a:alpha val="70000"/>
-            </a:schemeClr>
-          </a:solidFill>
-          <a:ln>
-            <a:noFill/>
-          </a:ln>
-        </p:spPr>
-        <p:style>
-          <a:lnRef idx="2">
-            <a:schemeClr val="accent1">
-              <a:shade val="50000"/>
-            </a:schemeClr>
-          </a:lnRef>
-          <a:fillRef idx="1">
-            <a:schemeClr val="accent1"/>
-          </a:fillRef>
-          <a:effectRef idx="0">
-            <a:schemeClr val="accent1"/>
-          </a:effectRef>
-          <a:fontRef idx="minor">
-            <a:schemeClr val="lt1"/>
-          </a:fontRef>
-        </p:style>
-        <p:txBody>
-          <a:bodyPr lIns="19047" tIns="9523" rIns="19047" bIns="9523" rtlCol="0" anchor="ctr"/>
-          <a:lstStyle/>
-          <a:p>
-            <a:pPr algn="ctr"/>
-            <a:endParaRPr lang="en-US" dirty="0"/>
-          </a:p>
-        </p:txBody>
-      </p:sp>
-      <p:sp>
-        <p:nvSpPr>
-          <p:cNvPr id="7" name="TextBox 6"/>
-          <p:cNvSpPr txBox="1"/>
-          <p:nvPr/>
-        </p:nvSpPr>
-        <p:spPr>
-          <a:xfrm>
-            <a:off x="430893" y="6459234"/>
-            <a:ext cx="5347607" cy="246366"/>
-          </a:xfrm>
-          <a:prstGeom prst="rect">
-            <a:avLst/>
-          </a:prstGeom>
-          <a:noFill/>
-        </p:spPr>
-        <p:txBody>
-          <a:bodyPr wrap="square" lIns="15381" tIns="7691" rIns="15381" bIns="7691" rtlCol="0">
-            <a:spAutoFit/>
-          </a:bodyPr>
-          <a:lstStyle/>
-          <a:p>
-            <a:r>
-              <a:rPr lang="en-US" sz="1500" dirty="0" smtClean="0">
+              <a:rPr lang="en-US" dirty="0" smtClean="0">
                 <a:solidFill>
                   <a:schemeClr val="tx1">
-                    <a:lumMod val="75000"/>
-                    <a:lumOff val="25000"/>
+                    <a:lumMod val="65000"/>
+                    <a:lumOff val="35000"/>
                   </a:schemeClr>
                 </a:solidFill>
-                <a:effectLst>
-                  <a:outerShdw dist="25400" dir="2700000" algn="tl" rotWithShape="0">
-                    <a:schemeClr val="bg1"/>
-                  </a:outerShdw>
-                </a:effectLst>
               </a:rPr>
-              <a:t>Department of Electrical and Computer Engineering</a:t>
-            </a:r>
-            <a:endParaRPr lang="en-US" sz="1500" dirty="0">
-              <a:solidFill>
-                <a:schemeClr val="tx1">
-                  <a:lumMod val="75000"/>
-                  <a:lumOff val="25000"/>
-                </a:schemeClr>
-              </a:solidFill>
-              <a:effectLst>
-                <a:outerShdw dist="25400" dir="2700000" algn="tl" rotWithShape="0">
-                  <a:schemeClr val="bg1"/>
-                </a:outerShdw>
-              </a:effectLst>
-            </a:endParaRPr>
-          </a:p>
-        </p:txBody>
-      </p:sp>
-      <p:pic>
-        <p:nvPicPr>
-          <p:cNvPr id="8" name="Picture 7" descr="psu-mcecs_logo.jpg"/>
-          <p:cNvPicPr>
-            <a:picLocks noChangeAspect="1"/>
-          </p:cNvPicPr>
-          <p:nvPr/>
-        </p:nvPicPr>
-        <p:blipFill>
-          <a:blip r:embed="rId2" cstate="print">
-            <a:clrChange>
-              <a:clrFrom>
-                <a:srgbClr val="FFFFFE"/>
-              </a:clrFrom>
-              <a:clrTo>
-                <a:srgbClr val="FFFFFE">
-                  <a:alpha val="0"/>
-                </a:srgbClr>
-              </a:clrTo>
-            </a:clrChange>
-          </a:blip>
-          <a:stretch>
-            <a:fillRect/>
-          </a:stretch>
-        </p:blipFill>
-        <p:spPr>
-          <a:xfrm>
-            <a:off x="7429500" y="6324600"/>
-            <a:ext cx="1251857" cy="513457"/>
-          </a:xfrm>
-          <a:prstGeom prst="rect">
-            <a:avLst/>
-          </a:prstGeom>
-        </p:spPr>
-      </p:pic>
+              <a:t>Sponsor	Intel</a:t>
+            </a:r>
+          </a:p>
+          <a:p>
+            <a:pPr algn="l"/>
+            <a:r>
+              <a:rPr lang="en-US" dirty="0" smtClean="0">
+                <a:solidFill>
+                  <a:schemeClr val="tx1">
+                    <a:lumMod val="65000"/>
+                    <a:lumOff val="35000"/>
+                  </a:schemeClr>
+                </a:solidFill>
+              </a:rPr>
+              <a:t>Advisor		Prof. Robert Daasch</a:t>
+            </a:r>
+          </a:p>
+          <a:p>
+            <a:pPr algn="l"/>
+            <a:r>
+              <a:rPr lang="en-US" dirty="0" smtClean="0">
+                <a:solidFill>
+                  <a:schemeClr val="tx1">
+                    <a:lumMod val="65000"/>
+                    <a:lumOff val="35000"/>
+                  </a:schemeClr>
+                </a:solidFill>
+              </a:rPr>
+              <a:t>Team		Daniel Ferguson</a:t>
+            </a:r>
+          </a:p>
+          <a:p>
+            <a:pPr algn="l"/>
+            <a:r>
+              <a:rPr lang="en-US" dirty="0" smtClean="0">
+                <a:solidFill>
+                  <a:schemeClr val="tx1">
+                    <a:lumMod val="65000"/>
+                    <a:lumOff val="35000"/>
+                  </a:schemeClr>
+                </a:solidFill>
+              </a:rPr>
+              <a:t>		Man Hoang</a:t>
+            </a:r>
+          </a:p>
+          <a:p>
+            <a:pPr algn="l"/>
+            <a:r>
+              <a:rPr lang="en-US" dirty="0" smtClean="0">
+                <a:solidFill>
+                  <a:schemeClr val="tx1">
+                    <a:lumMod val="65000"/>
+                    <a:lumOff val="35000"/>
+                  </a:schemeClr>
+                </a:solidFill>
+              </a:rPr>
+              <a:t>		Lynh Pham</a:t>
+            </a:r>
+          </a:p>
+          <a:p>
+            <a:pPr algn="l"/>
+            <a:r>
+              <a:rPr lang="en-US" dirty="0" smtClean="0">
+                <a:solidFill>
+                  <a:schemeClr val="tx1">
+                    <a:lumMod val="65000"/>
+                    <a:lumOff val="35000"/>
+                  </a:schemeClr>
+                </a:solidFill>
+              </a:rPr>
+              <a:t>		Tri Truong</a:t>
+            </a:r>
+          </a:p>
+          <a:p>
+            <a:pPr algn="l"/>
+            <a:r>
+              <a:rPr lang="en-US" dirty="0" smtClean="0">
+                <a:solidFill>
+                  <a:schemeClr val="tx1">
+                    <a:lumMod val="65000"/>
+                    <a:lumOff val="35000"/>
+                  </a:schemeClr>
+                </a:solidFill>
+              </a:rPr>
+              <a:t>		Dung Le</a:t>
+            </a:r>
+          </a:p>
+        </p:txBody>
+      </p:sp>
       <p:pic>
         <p:nvPicPr>
           <p:cNvPr id="9" name="Picture 8" descr="colorbar.png"/>
@@ -4014,7 +4034,7 @@
           <p:nvPr/>
         </p:nvPicPr>
         <p:blipFill>
-          <a:blip r:embed="rId3" cstate="print"/>
+          <a:blip r:embed="rId2" cstate="print"/>
           <a:stretch>
             <a:fillRect/>
           </a:stretch>
@@ -4034,6 +4054,13 @@
   <p:clrMapOvr>
     <a:masterClrMapping/>
   </p:clrMapOvr>
+  <p:timing>
+    <p:tnLst>
+      <p:par>
+        <p:cTn id="1" dur="indefinite" restart="never" nodeType="tmRoot"/>
+      </p:par>
+    </p:tnLst>
+  </p:timing>
 </p:sld>
 </file>
 
@@ -4186,6 +4213,30 @@
             <a:pPr>
               <a:buNone/>
             </a:pPr>
+            <a:endParaRPr lang="en-US" dirty="0"/>
+          </a:p>
+        </p:txBody>
+      </p:sp>
+      <p:sp>
+        <p:nvSpPr>
+          <p:cNvPr id="4" name="Slide Number Placeholder 3"/>
+          <p:cNvSpPr>
+            <a:spLocks noGrp="1"/>
+          </p:cNvSpPr>
+          <p:nvPr>
+            <p:ph type="sldNum" sz="quarter" idx="12"/>
+          </p:nvPr>
+        </p:nvSpPr>
+        <p:spPr/>
+        <p:txBody>
+          <a:bodyPr/>
+          <a:lstStyle/>
+          <a:p>
+            <a:fld id="{23A0C73A-8263-44E0-85DF-600D742C7FF4}" type="slidenum">
+              <a:rPr lang="en-US" smtClean="0"/>
+              <a:pPr/>
+              <a:t>10</a:t>
+            </a:fld>
             <a:endParaRPr lang="en-US" dirty="0"/>
           </a:p>
         </p:txBody>
@@ -4268,18 +4319,798 @@
           <a:lstStyle/>
           <a:p>
             <a:r>
-              <a:rPr lang="en-US" sz="2000" dirty="0" smtClean="0"/>
-              <a:t>IMAGE</a:t>
-            </a:r>
-            <a:endParaRPr lang="en-US" sz="2000" dirty="0"/>
-          </a:p>
-        </p:txBody>
-      </p:sp>
+              <a:rPr lang="en-US" dirty="0" smtClean="0"/>
+              <a:t>Tag broadcasts</a:t>
+            </a:r>
+          </a:p>
+          <a:p>
+            <a:r>
+              <a:rPr lang="en-US" dirty="0" smtClean="0"/>
+              <a:t>Detectors relay</a:t>
+            </a:r>
+          </a:p>
+          <a:p>
+            <a:r>
+              <a:rPr lang="en-US" dirty="0" smtClean="0"/>
+              <a:t>Proxy forwards to Controller</a:t>
+            </a:r>
+          </a:p>
+          <a:p>
+            <a:endParaRPr lang="en-US" dirty="0"/>
+          </a:p>
+        </p:txBody>
+      </p:sp>
+      <p:sp>
+        <p:nvSpPr>
+          <p:cNvPr id="5" name="Slide Number Placeholder 4"/>
+          <p:cNvSpPr>
+            <a:spLocks noGrp="1"/>
+          </p:cNvSpPr>
+          <p:nvPr>
+            <p:ph type="sldNum" sz="quarter" idx="12"/>
+          </p:nvPr>
+        </p:nvSpPr>
+        <p:spPr/>
+        <p:txBody>
+          <a:bodyPr/>
+          <a:lstStyle/>
+          <a:p>
+            <a:fld id="{23A0C73A-8263-44E0-85DF-600D742C7FF4}" type="slidenum">
+              <a:rPr lang="en-US" smtClean="0"/>
+              <a:pPr/>
+              <a:t>11</a:t>
+            </a:fld>
+            <a:endParaRPr lang="en-US" dirty="0"/>
+          </a:p>
+        </p:txBody>
+      </p:sp>
+      <p:grpSp>
+        <p:nvGrpSpPr>
+          <p:cNvPr id="27" name="Group 26"/>
+          <p:cNvGrpSpPr/>
+          <p:nvPr/>
+        </p:nvGrpSpPr>
+        <p:grpSpPr>
+          <a:xfrm>
+            <a:off x="2103487" y="3200400"/>
+            <a:ext cx="4022626" cy="3128367"/>
+            <a:chOff x="4541887" y="2083713"/>
+            <a:chExt cx="4022626" cy="3128367"/>
+          </a:xfrm>
+        </p:grpSpPr>
+        <p:pic>
+          <p:nvPicPr>
+            <p:cNvPr id="6" name="Picture 5" descr="1209193.png"/>
+            <p:cNvPicPr>
+              <a:picLocks noChangeAspect="1"/>
+            </p:cNvPicPr>
+            <p:nvPr/>
+          </p:nvPicPr>
+          <p:blipFill>
+            <a:blip r:embed="rId2" cstate="print"/>
+            <a:stretch>
+              <a:fillRect/>
+            </a:stretch>
+          </p:blipFill>
+          <p:spPr>
+            <a:xfrm>
+              <a:off x="7970887" y="4678680"/>
+              <a:ext cx="411113" cy="411113"/>
+            </a:xfrm>
+            <a:prstGeom prst="rect">
+              <a:avLst/>
+            </a:prstGeom>
+          </p:spPr>
+        </p:pic>
+        <p:pic>
+          <p:nvPicPr>
+            <p:cNvPr id="7" name="Picture 6" descr="1209193.png"/>
+            <p:cNvPicPr>
+              <a:picLocks noChangeAspect="1"/>
+            </p:cNvPicPr>
+            <p:nvPr/>
+          </p:nvPicPr>
+          <p:blipFill>
+            <a:blip r:embed="rId2" cstate="print"/>
+            <a:stretch>
+              <a:fillRect/>
+            </a:stretch>
+          </p:blipFill>
+          <p:spPr>
+            <a:xfrm>
+              <a:off x="5944366" y="4487672"/>
+              <a:ext cx="411113" cy="411113"/>
+            </a:xfrm>
+            <a:prstGeom prst="rect">
+              <a:avLst/>
+            </a:prstGeom>
+          </p:spPr>
+        </p:pic>
+        <p:sp>
+          <p:nvSpPr>
+            <p:cNvPr id="8" name="TextBox 7"/>
+            <p:cNvSpPr txBox="1"/>
+            <p:nvPr/>
+          </p:nvSpPr>
+          <p:spPr>
+            <a:xfrm>
+              <a:off x="5761087" y="4904303"/>
+              <a:ext cx="1206080" cy="307777"/>
+            </a:xfrm>
+            <a:prstGeom prst="rect">
+              <a:avLst/>
+            </a:prstGeom>
+            <a:noFill/>
+          </p:spPr>
+          <p:txBody>
+            <a:bodyPr wrap="square" lIns="0" tIns="0" rIns="0" bIns="0" rtlCol="0">
+              <a:spAutoFit/>
+            </a:bodyPr>
+            <a:lstStyle/>
+            <a:p>
+              <a:r>
+                <a:rPr lang="en-US" sz="2000" dirty="0" smtClean="0">
+                  <a:solidFill>
+                    <a:schemeClr val="tx2">
+                      <a:lumMod val="60000"/>
+                      <a:lumOff val="40000"/>
+                    </a:schemeClr>
+                  </a:solidFill>
+                  <a:ea typeface="Ebrima" pitchFamily="2" charset="0"/>
+                  <a:cs typeface="Ebrima" pitchFamily="2" charset="0"/>
+                </a:rPr>
+                <a:t>Detector</a:t>
+              </a:r>
+              <a:endParaRPr lang="en-US" sz="2000" dirty="0">
+                <a:solidFill>
+                  <a:schemeClr val="tx2">
+                    <a:lumMod val="60000"/>
+                    <a:lumOff val="40000"/>
+                  </a:schemeClr>
+                </a:solidFill>
+                <a:ea typeface="Ebrima" pitchFamily="2" charset="0"/>
+                <a:cs typeface="Ebrima" pitchFamily="2" charset="0"/>
+              </a:endParaRPr>
+            </a:p>
+          </p:txBody>
+        </p:sp>
+        <p:pic>
+          <p:nvPicPr>
+            <p:cNvPr id="9" name="Picture 8" descr="1209193.png"/>
+            <p:cNvPicPr>
+              <a:picLocks noChangeAspect="1"/>
+            </p:cNvPicPr>
+            <p:nvPr/>
+          </p:nvPicPr>
+          <p:blipFill>
+            <a:blip r:embed="rId2" cstate="print"/>
+            <a:stretch>
+              <a:fillRect/>
+            </a:stretch>
+          </p:blipFill>
+          <p:spPr>
+            <a:xfrm>
+              <a:off x="8153400" y="2590800"/>
+              <a:ext cx="411113" cy="411113"/>
+            </a:xfrm>
+            <a:prstGeom prst="rect">
+              <a:avLst/>
+            </a:prstGeom>
+          </p:spPr>
+        </p:pic>
+        <p:pic>
+          <p:nvPicPr>
+            <p:cNvPr id="10" name="Picture 9" descr="1209193.png"/>
+            <p:cNvPicPr>
+              <a:picLocks noChangeAspect="1"/>
+            </p:cNvPicPr>
+            <p:nvPr/>
+          </p:nvPicPr>
+          <p:blipFill>
+            <a:blip r:embed="rId2" cstate="print"/>
+            <a:stretch>
+              <a:fillRect/>
+            </a:stretch>
+          </p:blipFill>
+          <p:spPr>
+            <a:xfrm>
+              <a:off x="6172200" y="2743200"/>
+              <a:ext cx="411113" cy="411113"/>
+            </a:xfrm>
+            <a:prstGeom prst="rect">
+              <a:avLst/>
+            </a:prstGeom>
+          </p:spPr>
+        </p:pic>
+        <p:grpSp>
+          <p:nvGrpSpPr>
+            <p:cNvPr id="11" name="Group 76"/>
+            <p:cNvGrpSpPr/>
+            <p:nvPr/>
+          </p:nvGrpSpPr>
+          <p:grpSpPr>
+            <a:xfrm>
+              <a:off x="6599287" y="3179130"/>
+              <a:ext cx="1217384" cy="1414119"/>
+              <a:chOff x="7216377" y="1831980"/>
+              <a:chExt cx="1217384" cy="1414119"/>
+            </a:xfrm>
+          </p:grpSpPr>
+          <p:pic>
+            <p:nvPicPr>
+              <p:cNvPr id="12" name="Picture 7" descr="15342234.png"/>
+              <p:cNvPicPr>
+                <a:picLocks noChangeAspect="1"/>
+              </p:cNvPicPr>
+              <p:nvPr/>
+            </p:nvPicPr>
+            <p:blipFill>
+              <a:blip r:embed="rId3" cstate="print"/>
+              <a:stretch>
+                <a:fillRect/>
+              </a:stretch>
+            </p:blipFill>
+            <p:spPr>
+              <a:xfrm>
+                <a:off x="7592098" y="2317662"/>
+                <a:ext cx="448687" cy="448686"/>
+              </a:xfrm>
+              <a:prstGeom prst="rect">
+                <a:avLst/>
+              </a:prstGeom>
+            </p:spPr>
+          </p:pic>
+          <p:sp>
+            <p:nvSpPr>
+              <p:cNvPr id="13" name="TextBox 8"/>
+              <p:cNvSpPr txBox="1"/>
+              <p:nvPr/>
+            </p:nvSpPr>
+            <p:spPr>
+              <a:xfrm>
+                <a:off x="7696200" y="2691450"/>
+                <a:ext cx="601791" cy="307777"/>
+              </a:xfrm>
+              <a:prstGeom prst="rect">
+                <a:avLst/>
+              </a:prstGeom>
+              <a:noFill/>
+            </p:spPr>
+            <p:txBody>
+              <a:bodyPr wrap="square" lIns="0" tIns="0" rIns="0" bIns="0" rtlCol="0">
+                <a:spAutoFit/>
+              </a:bodyPr>
+              <a:lstStyle/>
+              <a:p>
+                <a:r>
+                  <a:rPr lang="en-US" sz="2000" dirty="0" smtClean="0">
+                    <a:solidFill>
+                      <a:schemeClr val="tx2">
+                        <a:lumMod val="60000"/>
+                        <a:lumOff val="40000"/>
+                      </a:schemeClr>
+                    </a:solidFill>
+                    <a:ea typeface="Ebrima" pitchFamily="2" charset="0"/>
+                    <a:cs typeface="Ebrima" pitchFamily="2" charset="0"/>
+                  </a:rPr>
+                  <a:t>Tag</a:t>
+                </a:r>
+                <a:endParaRPr lang="en-US" sz="2000" dirty="0">
+                  <a:solidFill>
+                    <a:schemeClr val="tx2">
+                      <a:lumMod val="60000"/>
+                      <a:lumOff val="40000"/>
+                    </a:schemeClr>
+                  </a:solidFill>
+                  <a:ea typeface="Ebrima" pitchFamily="2" charset="0"/>
+                  <a:cs typeface="Ebrima" pitchFamily="2" charset="0"/>
+                </a:endParaRPr>
+              </a:p>
+            </p:txBody>
+          </p:sp>
+          <p:pic>
+            <p:nvPicPr>
+              <p:cNvPr id="14" name="Picture 2" descr="C:\Users\WOODY\Desktop\Image\123GoTV-transmitter-icon.jpg"/>
+              <p:cNvPicPr>
+                <a:picLocks noChangeAspect="1" noChangeArrowheads="1"/>
+              </p:cNvPicPr>
+              <p:nvPr/>
+            </p:nvPicPr>
+            <p:blipFill>
+              <a:blip r:embed="rId4" cstate="print">
+                <a:clrChange>
+                  <a:clrFrom>
+                    <a:srgbClr val="FFFFFF"/>
+                  </a:clrFrom>
+                  <a:clrTo>
+                    <a:srgbClr val="FFFFFF">
+                      <a:alpha val="0"/>
+                    </a:srgbClr>
+                  </a:clrTo>
+                </a:clrChange>
+              </a:blip>
+              <a:srcRect/>
+              <a:stretch>
+                <a:fillRect/>
+              </a:stretch>
+            </p:blipFill>
+            <p:spPr bwMode="auto">
+              <a:xfrm rot="13489628">
+                <a:off x="7292652" y="1955807"/>
+                <a:ext cx="426240" cy="328011"/>
+              </a:xfrm>
+              <a:prstGeom prst="rect">
+                <a:avLst/>
+              </a:prstGeom>
+              <a:noFill/>
+            </p:spPr>
+          </p:pic>
+          <p:pic>
+            <p:nvPicPr>
+              <p:cNvPr id="15" name="Picture 2" descr="C:\Users\WOODY\Desktop\Image\123GoTV-transmitter-icon.jpg"/>
+              <p:cNvPicPr>
+                <a:picLocks noChangeAspect="1" noChangeArrowheads="1"/>
+              </p:cNvPicPr>
+              <p:nvPr/>
+            </p:nvPicPr>
+            <p:blipFill>
+              <a:blip r:embed="rId4" cstate="print">
+                <a:clrChange>
+                  <a:clrFrom>
+                    <a:srgbClr val="FFFFFF"/>
+                  </a:clrFrom>
+                  <a:clrTo>
+                    <a:srgbClr val="FFFFFF">
+                      <a:alpha val="0"/>
+                    </a:srgbClr>
+                  </a:clrTo>
+                </a:clrChange>
+              </a:blip>
+              <a:srcRect/>
+              <a:stretch>
+                <a:fillRect/>
+              </a:stretch>
+            </p:blipFill>
+            <p:spPr bwMode="auto">
+              <a:xfrm rot="8102877">
+                <a:off x="7216377" y="2870283"/>
+                <a:ext cx="426240" cy="328011"/>
+              </a:xfrm>
+              <a:prstGeom prst="rect">
+                <a:avLst/>
+              </a:prstGeom>
+              <a:noFill/>
+            </p:spPr>
+          </p:pic>
+          <p:pic>
+            <p:nvPicPr>
+              <p:cNvPr id="16" name="Picture 2" descr="C:\Users\WOODY\Desktop\Image\123GoTV-transmitter-icon.jpg"/>
+              <p:cNvPicPr>
+                <a:picLocks noChangeAspect="1" noChangeArrowheads="1"/>
+              </p:cNvPicPr>
+              <p:nvPr/>
+            </p:nvPicPr>
+            <p:blipFill>
+              <a:blip r:embed="rId4" cstate="print">
+                <a:clrChange>
+                  <a:clrFrom>
+                    <a:srgbClr val="FFFFFF"/>
+                  </a:clrFrom>
+                  <a:clrTo>
+                    <a:srgbClr val="FFFFFF">
+                      <a:alpha val="0"/>
+                    </a:srgbClr>
+                  </a:clrTo>
+                </a:clrChange>
+              </a:blip>
+              <a:srcRect/>
+              <a:stretch>
+                <a:fillRect/>
+              </a:stretch>
+            </p:blipFill>
+            <p:spPr bwMode="auto">
+              <a:xfrm rot="18731356">
+                <a:off x="8056636" y="1881095"/>
+                <a:ext cx="426240" cy="328010"/>
+              </a:xfrm>
+              <a:prstGeom prst="rect">
+                <a:avLst/>
+              </a:prstGeom>
+              <a:noFill/>
+            </p:spPr>
+          </p:pic>
+          <p:pic>
+            <p:nvPicPr>
+              <p:cNvPr id="17" name="Picture 2" descr="C:\Users\WOODY\Desktop\Image\123GoTV-transmitter-icon.jpg"/>
+              <p:cNvPicPr>
+                <a:picLocks noChangeAspect="1" noChangeArrowheads="1"/>
+              </p:cNvPicPr>
+              <p:nvPr/>
+            </p:nvPicPr>
+            <p:blipFill>
+              <a:blip r:embed="rId4" cstate="print">
+                <a:clrChange>
+                  <a:clrFrom>
+                    <a:srgbClr val="FFFFFF"/>
+                  </a:clrFrom>
+                  <a:clrTo>
+                    <a:srgbClr val="FFFFFF">
+                      <a:alpha val="0"/>
+                    </a:srgbClr>
+                  </a:clrTo>
+                </a:clrChange>
+              </a:blip>
+              <a:srcRect/>
+              <a:stretch>
+                <a:fillRect/>
+              </a:stretch>
+            </p:blipFill>
+            <p:spPr bwMode="auto">
+              <a:xfrm rot="2871920">
+                <a:off x="7976279" y="2868975"/>
+                <a:ext cx="426239" cy="328010"/>
+              </a:xfrm>
+              <a:prstGeom prst="rect">
+                <a:avLst/>
+              </a:prstGeom>
+              <a:noFill/>
+            </p:spPr>
+          </p:pic>
+        </p:grpSp>
+        <p:cxnSp>
+          <p:nvCxnSpPr>
+            <p:cNvPr id="18" name="Straight Arrow Connector 17"/>
+            <p:cNvCxnSpPr>
+              <a:stCxn id="10" idx="3"/>
+              <a:endCxn id="9" idx="1"/>
+            </p:cNvCxnSpPr>
+            <p:nvPr/>
+          </p:nvCxnSpPr>
+          <p:spPr>
+            <a:xfrm flipV="1">
+              <a:off x="6583313" y="2796357"/>
+              <a:ext cx="1570087" cy="152400"/>
+            </a:xfrm>
+            <a:prstGeom prst="straightConnector1">
+              <a:avLst/>
+            </a:prstGeom>
+            <a:ln w="38100">
+              <a:solidFill>
+                <a:schemeClr val="tx2">
+                  <a:lumMod val="20000"/>
+                  <a:lumOff val="80000"/>
+                </a:schemeClr>
+              </a:solidFill>
+              <a:prstDash val="sysDash"/>
+              <a:headEnd type="triangle" w="med" len="med"/>
+              <a:tailEnd type="none" w="med" len="med"/>
+            </a:ln>
+          </p:spPr>
+          <p:style>
+            <a:lnRef idx="1">
+              <a:schemeClr val="accent1"/>
+            </a:lnRef>
+            <a:fillRef idx="0">
+              <a:schemeClr val="accent1"/>
+            </a:fillRef>
+            <a:effectRef idx="0">
+              <a:schemeClr val="accent1"/>
+            </a:effectRef>
+            <a:fontRef idx="minor">
+              <a:schemeClr val="tx1"/>
+            </a:fontRef>
+          </p:style>
+        </p:cxnSp>
+        <p:cxnSp>
+          <p:nvCxnSpPr>
+            <p:cNvPr id="19" name="Straight Arrow Connector 18"/>
+            <p:cNvCxnSpPr>
+              <a:stCxn id="6" idx="0"/>
+              <a:endCxn id="9" idx="2"/>
+            </p:cNvCxnSpPr>
+            <p:nvPr/>
+          </p:nvCxnSpPr>
+          <p:spPr>
+            <a:xfrm rot="5400000" flipH="1" flipV="1">
+              <a:off x="7429317" y="3749041"/>
+              <a:ext cx="1676767" cy="182513"/>
+            </a:xfrm>
+            <a:prstGeom prst="straightConnector1">
+              <a:avLst/>
+            </a:prstGeom>
+            <a:ln w="38100">
+              <a:solidFill>
+                <a:schemeClr val="tx2">
+                  <a:lumMod val="20000"/>
+                  <a:lumOff val="80000"/>
+                </a:schemeClr>
+              </a:solidFill>
+              <a:prstDash val="sysDash"/>
+              <a:headEnd type="triangle" w="med" len="med"/>
+              <a:tailEnd type="none" w="med" len="med"/>
+            </a:ln>
+          </p:spPr>
+          <p:style>
+            <a:lnRef idx="1">
+              <a:schemeClr val="accent1"/>
+            </a:lnRef>
+            <a:fillRef idx="0">
+              <a:schemeClr val="accent1"/>
+            </a:fillRef>
+            <a:effectRef idx="0">
+              <a:schemeClr val="accent1"/>
+            </a:effectRef>
+            <a:fontRef idx="minor">
+              <a:schemeClr val="tx1"/>
+            </a:fontRef>
+          </p:style>
+        </p:cxnSp>
+        <p:cxnSp>
+          <p:nvCxnSpPr>
+            <p:cNvPr id="20" name="Straight Arrow Connector 19"/>
+            <p:cNvCxnSpPr>
+              <a:stCxn id="7" idx="0"/>
+              <a:endCxn id="10" idx="2"/>
+            </p:cNvCxnSpPr>
+            <p:nvPr/>
+          </p:nvCxnSpPr>
+          <p:spPr>
+            <a:xfrm rot="5400000" flipH="1" flipV="1">
+              <a:off x="5597161" y="3707076"/>
+              <a:ext cx="1333359" cy="227834"/>
+            </a:xfrm>
+            <a:prstGeom prst="straightConnector1">
+              <a:avLst/>
+            </a:prstGeom>
+            <a:ln w="38100">
+              <a:solidFill>
+                <a:schemeClr val="tx2">
+                  <a:lumMod val="20000"/>
+                  <a:lumOff val="80000"/>
+                </a:schemeClr>
+              </a:solidFill>
+              <a:prstDash val="sysDash"/>
+              <a:headEnd type="triangle" w="med" len="med"/>
+              <a:tailEnd type="none" w="med" len="med"/>
+            </a:ln>
+          </p:spPr>
+          <p:style>
+            <a:lnRef idx="1">
+              <a:schemeClr val="accent1"/>
+            </a:lnRef>
+            <a:fillRef idx="0">
+              <a:schemeClr val="accent1"/>
+            </a:fillRef>
+            <a:effectRef idx="0">
+              <a:schemeClr val="accent1"/>
+            </a:effectRef>
+            <a:fontRef idx="minor">
+              <a:schemeClr val="tx1"/>
+            </a:fontRef>
+          </p:style>
+        </p:cxnSp>
+        <p:cxnSp>
+          <p:nvCxnSpPr>
+            <p:cNvPr id="21" name="Straight Arrow Connector 20"/>
+            <p:cNvCxnSpPr>
+              <a:stCxn id="7" idx="3"/>
+              <a:endCxn id="6" idx="1"/>
+            </p:cNvCxnSpPr>
+            <p:nvPr/>
+          </p:nvCxnSpPr>
+          <p:spPr>
+            <a:xfrm>
+              <a:off x="6355479" y="4693229"/>
+              <a:ext cx="1615408" cy="191008"/>
+            </a:xfrm>
+            <a:prstGeom prst="straightConnector1">
+              <a:avLst/>
+            </a:prstGeom>
+            <a:ln w="38100">
+              <a:solidFill>
+                <a:schemeClr val="tx2">
+                  <a:lumMod val="20000"/>
+                  <a:lumOff val="80000"/>
+                </a:schemeClr>
+              </a:solidFill>
+              <a:prstDash val="sysDash"/>
+              <a:headEnd type="triangle" w="med" len="med"/>
+              <a:tailEnd type="none" w="med" len="med"/>
+            </a:ln>
+          </p:spPr>
+          <p:style>
+            <a:lnRef idx="1">
+              <a:schemeClr val="accent1"/>
+            </a:lnRef>
+            <a:fillRef idx="0">
+              <a:schemeClr val="accent1"/>
+            </a:fillRef>
+            <a:effectRef idx="0">
+              <a:schemeClr val="accent1"/>
+            </a:effectRef>
+            <a:fontRef idx="minor">
+              <a:schemeClr val="tx1"/>
+            </a:fontRef>
+          </p:style>
+        </p:cxnSp>
+        <p:cxnSp>
+          <p:nvCxnSpPr>
+            <p:cNvPr id="22" name="Straight Arrow Connector 21"/>
+            <p:cNvCxnSpPr/>
+            <p:nvPr/>
+          </p:nvCxnSpPr>
+          <p:spPr>
+            <a:xfrm>
+              <a:off x="5303888" y="4648200"/>
+              <a:ext cx="533401" cy="3"/>
+            </a:xfrm>
+            <a:prstGeom prst="straightConnector1">
+              <a:avLst/>
+            </a:prstGeom>
+            <a:ln w="38100">
+              <a:solidFill>
+                <a:schemeClr val="tx2">
+                  <a:lumMod val="20000"/>
+                  <a:lumOff val="80000"/>
+                </a:schemeClr>
+              </a:solidFill>
+              <a:prstDash val="sysDash"/>
+              <a:headEnd type="triangle" w="med" len="med"/>
+              <a:tailEnd type="none" w="med" len="med"/>
+            </a:ln>
+          </p:spPr>
+          <p:style>
+            <a:lnRef idx="1">
+              <a:schemeClr val="accent1"/>
+            </a:lnRef>
+            <a:fillRef idx="0">
+              <a:schemeClr val="accent1"/>
+            </a:fillRef>
+            <a:effectRef idx="0">
+              <a:schemeClr val="accent1"/>
+            </a:effectRef>
+            <a:fontRef idx="minor">
+              <a:schemeClr val="tx1"/>
+            </a:fontRef>
+          </p:style>
+        </p:cxnSp>
+        <p:sp>
+          <p:nvSpPr>
+            <p:cNvPr id="23" name="TextBox 22"/>
+            <p:cNvSpPr txBox="1"/>
+            <p:nvPr/>
+          </p:nvSpPr>
+          <p:spPr>
+            <a:xfrm>
+              <a:off x="6142087" y="2083713"/>
+              <a:ext cx="1675168" cy="430887"/>
+            </a:xfrm>
+            <a:prstGeom prst="rect">
+              <a:avLst/>
+            </a:prstGeom>
+            <a:noFill/>
+          </p:spPr>
+          <p:txBody>
+            <a:bodyPr wrap="square" lIns="0" tIns="0" rIns="0" bIns="0" rtlCol="0">
+              <a:spAutoFit/>
+            </a:bodyPr>
+            <a:lstStyle/>
+            <a:p>
+              <a:r>
+                <a:rPr lang="en-US" sz="2800" b="1" dirty="0" smtClean="0">
+                  <a:solidFill>
+                    <a:schemeClr val="accent2"/>
+                  </a:solidFill>
+                  <a:ea typeface="Ebrima" pitchFamily="2" charset="0"/>
+                  <a:cs typeface="Ebrima" pitchFamily="2" charset="0"/>
+                </a:rPr>
+                <a:t>Front-end</a:t>
+              </a:r>
+              <a:endParaRPr lang="en-US" sz="2800" b="1" dirty="0">
+                <a:solidFill>
+                  <a:schemeClr val="accent2"/>
+                </a:solidFill>
+                <a:ea typeface="Ebrima" pitchFamily="2" charset="0"/>
+                <a:cs typeface="Ebrima" pitchFamily="2" charset="0"/>
+              </a:endParaRPr>
+            </a:p>
+          </p:txBody>
+        </p:sp>
+        <p:grpSp>
+          <p:nvGrpSpPr>
+            <p:cNvPr id="24" name="Group 70"/>
+            <p:cNvGrpSpPr/>
+            <p:nvPr/>
+          </p:nvGrpSpPr>
+          <p:grpSpPr>
+            <a:xfrm>
+              <a:off x="4541887" y="4221480"/>
+              <a:ext cx="948714" cy="958127"/>
+              <a:chOff x="7138060" y="3632577"/>
+              <a:chExt cx="948714" cy="958127"/>
+            </a:xfrm>
+          </p:grpSpPr>
+          <p:pic>
+            <p:nvPicPr>
+              <p:cNvPr id="25" name="Picture 24" descr="wifi_router.png"/>
+              <p:cNvPicPr>
+                <a:picLocks noChangeAspect="1"/>
+              </p:cNvPicPr>
+              <p:nvPr/>
+            </p:nvPicPr>
+            <p:blipFill>
+              <a:blip r:embed="rId5" cstate="print"/>
+              <a:stretch>
+                <a:fillRect/>
+              </a:stretch>
+            </p:blipFill>
+            <p:spPr>
+              <a:xfrm>
+                <a:off x="7138060" y="3632577"/>
+                <a:ext cx="732070" cy="732070"/>
+              </a:xfrm>
+              <a:prstGeom prst="rect">
+                <a:avLst/>
+              </a:prstGeom>
+              <a:solidFill>
+                <a:schemeClr val="bg1"/>
+              </a:solidFill>
+            </p:spPr>
+          </p:pic>
+          <p:sp>
+            <p:nvSpPr>
+              <p:cNvPr id="26" name="TextBox 25"/>
+              <p:cNvSpPr txBox="1"/>
+              <p:nvPr/>
+            </p:nvSpPr>
+            <p:spPr>
+              <a:xfrm>
+                <a:off x="7162800" y="4282927"/>
+                <a:ext cx="923974" cy="307777"/>
+              </a:xfrm>
+              <a:prstGeom prst="rect">
+                <a:avLst/>
+              </a:prstGeom>
+              <a:solidFill>
+                <a:schemeClr val="bg1"/>
+              </a:solidFill>
+            </p:spPr>
+            <p:txBody>
+              <a:bodyPr wrap="square" lIns="0" tIns="0" rIns="0" bIns="0" rtlCol="0">
+                <a:spAutoFit/>
+              </a:bodyPr>
+              <a:lstStyle/>
+              <a:p>
+                <a:r>
+                  <a:rPr lang="en-US" sz="2000" dirty="0" smtClean="0">
+                    <a:solidFill>
+                      <a:schemeClr val="tx2">
+                        <a:lumMod val="60000"/>
+                        <a:lumOff val="40000"/>
+                      </a:schemeClr>
+                    </a:solidFill>
+                    <a:ea typeface="Ebrima" pitchFamily="2" charset="0"/>
+                    <a:cs typeface="Ebrima" pitchFamily="2" charset="0"/>
+                  </a:rPr>
+                  <a:t>Proxy</a:t>
+                </a:r>
+              </a:p>
+            </p:txBody>
+          </p:sp>
+        </p:grpSp>
+      </p:grpSp>
     </p:spTree>
   </p:cSld>
   <p:clrMapOvr>
     <a:masterClrMapping/>
   </p:clrMapOvr>
+  <p:timing>
+    <p:tnLst>
+      <p:par>
+        <p:cTn id="1" dur="indefinite" restart="never" nodeType="tmRoot"/>
+      </p:par>
+    </p:tnLst>
+  </p:timing>
 </p:sld>
 </file>
 
@@ -4447,11 +5278,42 @@
           </a:p>
         </p:txBody>
       </p:sp>
+      <p:sp>
+        <p:nvSpPr>
+          <p:cNvPr id="4" name="Slide Number Placeholder 3"/>
+          <p:cNvSpPr>
+            <a:spLocks noGrp="1"/>
+          </p:cNvSpPr>
+          <p:nvPr>
+            <p:ph type="sldNum" sz="quarter" idx="12"/>
+          </p:nvPr>
+        </p:nvSpPr>
+        <p:spPr/>
+        <p:txBody>
+          <a:bodyPr/>
+          <a:lstStyle/>
+          <a:p>
+            <a:fld id="{23A0C73A-8263-44E0-85DF-600D742C7FF4}" type="slidenum">
+              <a:rPr lang="en-US" smtClean="0"/>
+              <a:pPr/>
+              <a:t>12</a:t>
+            </a:fld>
+            <a:endParaRPr lang="en-US" dirty="0"/>
+          </a:p>
+        </p:txBody>
+      </p:sp>
     </p:spTree>
   </p:cSld>
   <p:clrMapOvr>
     <a:masterClrMapping/>
   </p:clrMapOvr>
+  <p:timing>
+    <p:tnLst>
+      <p:par>
+        <p:cTn id="1" dur="indefinite" restart="never" nodeType="tmRoot"/>
+      </p:par>
+    </p:tnLst>
+  </p:timing>
 </p:sld>
 </file>
 
@@ -4604,6 +5466,30 @@
             <a:pPr>
               <a:buNone/>
             </a:pPr>
+            <a:endParaRPr lang="en-US" dirty="0"/>
+          </a:p>
+        </p:txBody>
+      </p:sp>
+      <p:sp>
+        <p:nvSpPr>
+          <p:cNvPr id="4" name="Slide Number Placeholder 3"/>
+          <p:cNvSpPr>
+            <a:spLocks noGrp="1"/>
+          </p:cNvSpPr>
+          <p:nvPr>
+            <p:ph type="sldNum" sz="quarter" idx="12"/>
+          </p:nvPr>
+        </p:nvSpPr>
+        <p:spPr/>
+        <p:txBody>
+          <a:bodyPr/>
+          <a:lstStyle/>
+          <a:p>
+            <a:fld id="{23A0C73A-8263-44E0-85DF-600D742C7FF4}" type="slidenum">
+              <a:rPr lang="en-US" smtClean="0"/>
+              <a:pPr/>
+              <a:t>13</a:t>
+            </a:fld>
             <a:endParaRPr lang="en-US" dirty="0"/>
           </a:p>
         </p:txBody>
@@ -4678,91 +5564,590 @@
           <a:bodyPr/>
           <a:lstStyle/>
           <a:p>
-            <a:r>
-              <a:rPr lang="en-US" dirty="0" smtClean="0"/>
-              <a:t>Controller</a:t>
-            </a:r>
-          </a:p>
-          <a:p>
-            <a:pPr lvl="1"/>
-            <a:r>
-              <a:rPr lang="en-US" dirty="0" smtClean="0"/>
-              <a:t>Collects data from Proxy</a:t>
-            </a:r>
-          </a:p>
-          <a:p>
-            <a:pPr lvl="1"/>
-            <a:r>
-              <a:rPr lang="en-US" dirty="0" smtClean="0"/>
-              <a:t>Feed data to Location Engine</a:t>
-            </a:r>
-          </a:p>
-          <a:p>
-            <a:pPr lvl="1"/>
-            <a:r>
-              <a:rPr lang="en-US" dirty="0" smtClean="0"/>
-              <a:t>Two operating modes</a:t>
-            </a:r>
-          </a:p>
-          <a:p>
-            <a:pPr lvl="2"/>
-            <a:r>
-              <a:rPr lang="en-US" dirty="0" smtClean="0"/>
-              <a:t>Calibrating</a:t>
-            </a:r>
-          </a:p>
-          <a:p>
-            <a:pPr lvl="3"/>
-            <a:r>
-              <a:rPr lang="en-US" dirty="0" smtClean="0"/>
-              <a:t>Collects RF signature at calibration points</a:t>
-            </a:r>
-          </a:p>
-          <a:p>
-            <a:pPr lvl="3"/>
-            <a:r>
-              <a:rPr lang="en-US" dirty="0" smtClean="0"/>
-              <a:t>Stores calibration data in a local database</a:t>
-            </a:r>
-          </a:p>
-          <a:p>
-            <a:pPr lvl="2"/>
-            <a:r>
-              <a:rPr lang="en-US" dirty="0" smtClean="0"/>
-              <a:t>Locating</a:t>
-            </a:r>
-          </a:p>
-          <a:p>
-            <a:pPr lvl="3"/>
-            <a:r>
-              <a:rPr lang="en-US" dirty="0" smtClean="0"/>
-              <a:t>Passes calibration data to Location Engine</a:t>
-            </a:r>
-          </a:p>
-          <a:p>
-            <a:pPr lvl="3"/>
-            <a:r>
-              <a:rPr lang="en-US" dirty="0" smtClean="0"/>
-              <a:t>Collects and sorts data into packets</a:t>
-            </a:r>
-          </a:p>
-          <a:p>
-            <a:pPr lvl="3"/>
-            <a:r>
-              <a:rPr lang="en-US" dirty="0" smtClean="0"/>
-              <a:t>Feeds the packets to Location Engine</a:t>
-            </a:r>
-          </a:p>
-          <a:p>
-            <a:pPr lvl="3"/>
-            <a:r>
-              <a:rPr lang="en-US" dirty="0" smtClean="0"/>
-              <a:t>Stores results in MySQL Database</a:t>
-            </a:r>
             <a:endParaRPr lang="en-US" dirty="0"/>
           </a:p>
         </p:txBody>
       </p:sp>
+      <p:sp>
+        <p:nvSpPr>
+          <p:cNvPr id="4" name="Slide Number Placeholder 3"/>
+          <p:cNvSpPr>
+            <a:spLocks noGrp="1"/>
+          </p:cNvSpPr>
+          <p:nvPr>
+            <p:ph type="sldNum" sz="quarter" idx="12"/>
+          </p:nvPr>
+        </p:nvSpPr>
+        <p:spPr/>
+        <p:txBody>
+          <a:bodyPr/>
+          <a:lstStyle/>
+          <a:p>
+            <a:fld id="{23A0C73A-8263-44E0-85DF-600D742C7FF4}" type="slidenum">
+              <a:rPr lang="en-US" smtClean="0"/>
+              <a:pPr/>
+              <a:t>14</a:t>
+            </a:fld>
+            <a:endParaRPr lang="en-US" dirty="0"/>
+          </a:p>
+        </p:txBody>
+      </p:sp>
+      <p:grpSp>
+        <p:nvGrpSpPr>
+          <p:cNvPr id="5" name="Group 4"/>
+          <p:cNvGrpSpPr/>
+          <p:nvPr/>
+        </p:nvGrpSpPr>
+        <p:grpSpPr>
+          <a:xfrm>
+            <a:off x="946739" y="2362200"/>
+            <a:ext cx="7206661" cy="2698245"/>
+            <a:chOff x="582604" y="2568485"/>
+            <a:chExt cx="7206661" cy="2698245"/>
+          </a:xfrm>
+        </p:grpSpPr>
+        <p:pic>
+          <p:nvPicPr>
+            <p:cNvPr id="6" name="Picture 5" descr="1914499.png"/>
+            <p:cNvPicPr>
+              <a:picLocks noChangeAspect="1"/>
+            </p:cNvPicPr>
+            <p:nvPr/>
+          </p:nvPicPr>
+          <p:blipFill>
+            <a:blip r:embed="rId2" cstate="print"/>
+            <a:stretch>
+              <a:fillRect/>
+            </a:stretch>
+          </p:blipFill>
+          <p:spPr>
+            <a:xfrm>
+              <a:off x="4572001" y="3276600"/>
+              <a:ext cx="1154476" cy="1197131"/>
+            </a:xfrm>
+            <a:prstGeom prst="rect">
+              <a:avLst/>
+            </a:prstGeom>
+          </p:spPr>
+        </p:pic>
+        <p:sp>
+          <p:nvSpPr>
+            <p:cNvPr id="7" name="TextBox 6"/>
+            <p:cNvSpPr txBox="1"/>
+            <p:nvPr/>
+          </p:nvSpPr>
+          <p:spPr>
+            <a:xfrm>
+              <a:off x="4207865" y="4343400"/>
+              <a:ext cx="1921865" cy="923330"/>
+            </a:xfrm>
+            <a:prstGeom prst="rect">
+              <a:avLst/>
+            </a:prstGeom>
+            <a:noFill/>
+          </p:spPr>
+          <p:txBody>
+            <a:bodyPr wrap="square" lIns="0" tIns="0" rIns="0" bIns="0" rtlCol="0">
+              <a:spAutoFit/>
+            </a:bodyPr>
+            <a:lstStyle/>
+            <a:p>
+              <a:pPr algn="ctr"/>
+              <a:r>
+                <a:rPr lang="en-US" sz="2000" dirty="0" smtClean="0">
+                  <a:solidFill>
+                    <a:schemeClr val="tx2">
+                      <a:lumMod val="60000"/>
+                      <a:lumOff val="40000"/>
+                    </a:schemeClr>
+                  </a:solidFill>
+                  <a:ea typeface="Ebrima" pitchFamily="2" charset="0"/>
+                  <a:cs typeface="Ebrima" pitchFamily="2" charset="0"/>
+                </a:rPr>
+                <a:t>Controller</a:t>
+              </a:r>
+            </a:p>
+            <a:p>
+              <a:pPr algn="ctr"/>
+              <a:r>
+                <a:rPr lang="en-US" sz="2000" dirty="0" smtClean="0">
+                  <a:solidFill>
+                    <a:schemeClr val="tx2">
+                      <a:lumMod val="60000"/>
+                      <a:lumOff val="40000"/>
+                    </a:schemeClr>
+                  </a:solidFill>
+                  <a:ea typeface="Ebrima" pitchFamily="2" charset="0"/>
+                  <a:cs typeface="Ebrima" pitchFamily="2" charset="0"/>
+                </a:rPr>
+                <a:t>+</a:t>
+              </a:r>
+            </a:p>
+            <a:p>
+              <a:pPr algn="ctr"/>
+              <a:r>
+                <a:rPr lang="en-US" sz="2000" dirty="0" smtClean="0">
+                  <a:solidFill>
+                    <a:schemeClr val="tx2">
+                      <a:lumMod val="60000"/>
+                      <a:lumOff val="40000"/>
+                    </a:schemeClr>
+                  </a:solidFill>
+                  <a:ea typeface="Ebrima" pitchFamily="2" charset="0"/>
+                  <a:cs typeface="Ebrima" pitchFamily="2" charset="0"/>
+                </a:rPr>
+                <a:t>Location Engine(s)</a:t>
+              </a:r>
+              <a:endParaRPr lang="en-US" sz="2000" dirty="0">
+                <a:solidFill>
+                  <a:schemeClr val="tx2">
+                    <a:lumMod val="60000"/>
+                    <a:lumOff val="40000"/>
+                  </a:schemeClr>
+                </a:solidFill>
+                <a:ea typeface="Ebrima" pitchFamily="2" charset="0"/>
+                <a:cs typeface="Ebrima" pitchFamily="2" charset="0"/>
+              </a:endParaRPr>
+            </a:p>
+          </p:txBody>
+        </p:sp>
+        <p:pic>
+          <p:nvPicPr>
+            <p:cNvPr id="8" name="Picture 7" descr="1914499.png"/>
+            <p:cNvPicPr>
+              <a:picLocks noChangeAspect="1"/>
+            </p:cNvPicPr>
+            <p:nvPr/>
+          </p:nvPicPr>
+          <p:blipFill>
+            <a:blip r:embed="rId2" cstate="print"/>
+            <a:stretch>
+              <a:fillRect/>
+            </a:stretch>
+          </p:blipFill>
+          <p:spPr>
+            <a:xfrm>
+              <a:off x="609600" y="3273378"/>
+              <a:ext cx="1154476" cy="1197130"/>
+            </a:xfrm>
+            <a:prstGeom prst="rect">
+              <a:avLst/>
+            </a:prstGeom>
+          </p:spPr>
+        </p:pic>
+        <p:sp>
+          <p:nvSpPr>
+            <p:cNvPr id="9" name="TextBox 8"/>
+            <p:cNvSpPr txBox="1"/>
+            <p:nvPr/>
+          </p:nvSpPr>
+          <p:spPr>
+            <a:xfrm>
+              <a:off x="582604" y="4394308"/>
+              <a:ext cx="957250" cy="307777"/>
+            </a:xfrm>
+            <a:prstGeom prst="rect">
+              <a:avLst/>
+            </a:prstGeom>
+            <a:noFill/>
+          </p:spPr>
+          <p:txBody>
+            <a:bodyPr wrap="none" lIns="0" tIns="0" rIns="0" bIns="0" rtlCol="0">
+              <a:spAutoFit/>
+            </a:bodyPr>
+            <a:lstStyle/>
+            <a:p>
+              <a:r>
+                <a:rPr lang="en-US" sz="2000" dirty="0" smtClean="0">
+                  <a:solidFill>
+                    <a:schemeClr val="tx2">
+                      <a:lumMod val="60000"/>
+                      <a:lumOff val="40000"/>
+                    </a:schemeClr>
+                  </a:solidFill>
+                  <a:ea typeface="Ebrima" pitchFamily="2" charset="0"/>
+                  <a:cs typeface="Ebrima" pitchFamily="2" charset="0"/>
+                </a:rPr>
+                <a:t>Web App</a:t>
+              </a:r>
+              <a:endParaRPr lang="en-US" sz="2000" dirty="0">
+                <a:solidFill>
+                  <a:schemeClr val="tx2">
+                    <a:lumMod val="60000"/>
+                    <a:lumOff val="40000"/>
+                  </a:schemeClr>
+                </a:solidFill>
+                <a:ea typeface="Ebrima" pitchFamily="2" charset="0"/>
+                <a:cs typeface="Ebrima" pitchFamily="2" charset="0"/>
+              </a:endParaRPr>
+            </a:p>
+          </p:txBody>
+        </p:sp>
+        <p:sp>
+          <p:nvSpPr>
+            <p:cNvPr id="13" name="TextBox 12"/>
+            <p:cNvSpPr txBox="1"/>
+            <p:nvPr/>
+          </p:nvSpPr>
+          <p:spPr>
+            <a:xfrm>
+              <a:off x="3248875" y="2568485"/>
+              <a:ext cx="2542325" cy="631915"/>
+            </a:xfrm>
+            <a:prstGeom prst="rect">
+              <a:avLst/>
+            </a:prstGeom>
+            <a:noFill/>
+          </p:spPr>
+          <p:txBody>
+            <a:bodyPr wrap="square" lIns="0" tIns="0" rIns="0" bIns="0" rtlCol="0">
+              <a:spAutoFit/>
+            </a:bodyPr>
+            <a:lstStyle/>
+            <a:p>
+              <a:r>
+                <a:rPr lang="en-US" sz="3200" b="1" dirty="0" smtClean="0">
+                  <a:solidFill>
+                    <a:schemeClr val="accent2"/>
+                  </a:solidFill>
+                  <a:ea typeface="Ebrima" pitchFamily="2" charset="0"/>
+                  <a:cs typeface="Ebrima" pitchFamily="2" charset="0"/>
+                </a:rPr>
+                <a:t>Back-end</a:t>
+              </a:r>
+              <a:endParaRPr lang="en-US" sz="3200" b="1" dirty="0">
+                <a:solidFill>
+                  <a:schemeClr val="accent2"/>
+                </a:solidFill>
+                <a:ea typeface="Ebrima" pitchFamily="2" charset="0"/>
+                <a:cs typeface="Ebrima" pitchFamily="2" charset="0"/>
+              </a:endParaRPr>
+            </a:p>
+          </p:txBody>
+        </p:sp>
+        <p:pic>
+          <p:nvPicPr>
+            <p:cNvPr id="14" name="Picture 13" descr="wifi_router.png"/>
+            <p:cNvPicPr>
+              <a:picLocks noChangeAspect="1"/>
+            </p:cNvPicPr>
+            <p:nvPr/>
+          </p:nvPicPr>
+          <p:blipFill>
+            <a:blip r:embed="rId3" cstate="print">
+              <a:clrChange>
+                <a:clrFrom>
+                  <a:srgbClr val="000000">
+                    <a:alpha val="0"/>
+                  </a:srgbClr>
+                </a:clrFrom>
+                <a:clrTo>
+                  <a:srgbClr val="000000">
+                    <a:alpha val="0"/>
+                  </a:srgbClr>
+                </a:clrTo>
+              </a:clrChange>
+            </a:blip>
+            <a:stretch>
+              <a:fillRect/>
+            </a:stretch>
+          </p:blipFill>
+          <p:spPr>
+            <a:xfrm>
+              <a:off x="6705600" y="3330485"/>
+              <a:ext cx="1083665" cy="1083666"/>
+            </a:xfrm>
+            <a:prstGeom prst="rect">
+              <a:avLst/>
+            </a:prstGeom>
+            <a:solidFill>
+              <a:schemeClr val="bg1"/>
+            </a:solidFill>
+          </p:spPr>
+        </p:pic>
+        <p:sp>
+          <p:nvSpPr>
+            <p:cNvPr id="15" name="TextBox 14"/>
+            <p:cNvSpPr txBox="1"/>
+            <p:nvPr/>
+          </p:nvSpPr>
+          <p:spPr>
+            <a:xfrm>
+              <a:off x="6854051" y="4318108"/>
+              <a:ext cx="842149" cy="307777"/>
+            </a:xfrm>
+            <a:prstGeom prst="rect">
+              <a:avLst/>
+            </a:prstGeom>
+            <a:noFill/>
+          </p:spPr>
+          <p:txBody>
+            <a:bodyPr wrap="square" lIns="0" tIns="0" rIns="0" bIns="0" rtlCol="0">
+              <a:spAutoFit/>
+            </a:bodyPr>
+            <a:lstStyle/>
+            <a:p>
+              <a:r>
+                <a:rPr lang="en-US" sz="2000" dirty="0" smtClean="0">
+                  <a:solidFill>
+                    <a:schemeClr val="tx2">
+                      <a:lumMod val="60000"/>
+                      <a:lumOff val="40000"/>
+                    </a:schemeClr>
+                  </a:solidFill>
+                  <a:ea typeface="Ebrima" pitchFamily="2" charset="0"/>
+                  <a:cs typeface="Ebrima" pitchFamily="2" charset="0"/>
+                </a:rPr>
+                <a:t>Proxy</a:t>
+              </a:r>
+            </a:p>
+          </p:txBody>
+        </p:sp>
+        <p:grpSp>
+          <p:nvGrpSpPr>
+            <p:cNvPr id="16" name="Group 114"/>
+            <p:cNvGrpSpPr/>
+            <p:nvPr/>
+          </p:nvGrpSpPr>
+          <p:grpSpPr>
+            <a:xfrm>
+              <a:off x="2627172" y="3472939"/>
+              <a:ext cx="801828" cy="801827"/>
+              <a:chOff x="19964400" y="10727668"/>
+              <a:chExt cx="939800" cy="939800"/>
+            </a:xfrm>
+          </p:grpSpPr>
+          <p:pic>
+            <p:nvPicPr>
+              <p:cNvPr id="19" name="Picture 2" descr="D:\PSU\ECE 412\Winter 2011\Poster\PNG Icon\Server.png"/>
+              <p:cNvPicPr>
+                <a:picLocks noChangeAspect="1" noChangeArrowheads="1"/>
+              </p:cNvPicPr>
+              <p:nvPr/>
+            </p:nvPicPr>
+            <p:blipFill>
+              <a:blip r:embed="rId4" cstate="print"/>
+              <a:srcRect/>
+              <a:stretch>
+                <a:fillRect/>
+              </a:stretch>
+            </p:blipFill>
+            <p:spPr bwMode="auto">
+              <a:xfrm>
+                <a:off x="19964400" y="10727668"/>
+                <a:ext cx="939800" cy="939800"/>
+              </a:xfrm>
+              <a:prstGeom prst="rect">
+                <a:avLst/>
+              </a:prstGeom>
+              <a:noFill/>
+            </p:spPr>
+          </p:pic>
+          <p:pic>
+            <p:nvPicPr>
+              <p:cNvPr id="20" name="Picture 4" descr="C:\Users\WOODY\Desktop\Image\Free-Database-Add-icon.png"/>
+              <p:cNvPicPr>
+                <a:picLocks noChangeAspect="1" noChangeArrowheads="1"/>
+              </p:cNvPicPr>
+              <p:nvPr/>
+            </p:nvPicPr>
+            <p:blipFill>
+              <a:blip r:embed="rId5" cstate="print"/>
+              <a:srcRect/>
+              <a:stretch>
+                <a:fillRect/>
+              </a:stretch>
+            </p:blipFill>
+            <p:spPr bwMode="auto">
+              <a:xfrm>
+                <a:off x="20307300" y="11125200"/>
+                <a:ext cx="533400" cy="533400"/>
+              </a:xfrm>
+              <a:prstGeom prst="rect">
+                <a:avLst/>
+              </a:prstGeom>
+              <a:noFill/>
+            </p:spPr>
+          </p:pic>
+        </p:grpSp>
+        <p:sp>
+          <p:nvSpPr>
+            <p:cNvPr id="17" name="TextBox 16"/>
+            <p:cNvSpPr txBox="1"/>
+            <p:nvPr/>
+          </p:nvSpPr>
+          <p:spPr>
+            <a:xfrm>
+              <a:off x="2209800" y="4318108"/>
+              <a:ext cx="1810517" cy="307777"/>
+            </a:xfrm>
+            <a:prstGeom prst="rect">
+              <a:avLst/>
+            </a:prstGeom>
+            <a:noFill/>
+          </p:spPr>
+          <p:txBody>
+            <a:bodyPr wrap="square" lIns="0" tIns="0" rIns="0" bIns="0" rtlCol="0">
+              <a:spAutoFit/>
+            </a:bodyPr>
+            <a:lstStyle/>
+            <a:p>
+              <a:r>
+                <a:rPr lang="en-US" sz="2000" dirty="0" smtClean="0">
+                  <a:solidFill>
+                    <a:schemeClr val="tx2">
+                      <a:lumMod val="60000"/>
+                      <a:lumOff val="40000"/>
+                    </a:schemeClr>
+                  </a:solidFill>
+                  <a:ea typeface="Ebrima" pitchFamily="2" charset="0"/>
+                  <a:cs typeface="Ebrima" pitchFamily="2" charset="0"/>
+                </a:rPr>
+                <a:t>MySQL Database</a:t>
+              </a:r>
+              <a:endParaRPr lang="en-US" sz="2000" dirty="0">
+                <a:solidFill>
+                  <a:schemeClr val="tx2">
+                    <a:lumMod val="60000"/>
+                    <a:lumOff val="40000"/>
+                  </a:schemeClr>
+                </a:solidFill>
+                <a:ea typeface="Ebrima" pitchFamily="2" charset="0"/>
+                <a:cs typeface="Ebrima" pitchFamily="2" charset="0"/>
+              </a:endParaRPr>
+            </a:p>
+          </p:txBody>
+        </p:sp>
+      </p:grpSp>
+      <p:cxnSp>
+        <p:nvCxnSpPr>
+          <p:cNvPr id="22" name="Straight Arrow Connector 21"/>
+          <p:cNvCxnSpPr>
+            <a:stCxn id="6" idx="3"/>
+            <a:endCxn id="14" idx="1"/>
+          </p:cNvCxnSpPr>
+          <p:nvPr/>
+        </p:nvCxnSpPr>
+        <p:spPr>
+          <a:xfrm flipV="1">
+            <a:off x="6090612" y="3666033"/>
+            <a:ext cx="979123" cy="2848"/>
+          </a:xfrm>
+          <a:prstGeom prst="straightConnector1">
+            <a:avLst/>
+          </a:prstGeom>
+          <a:ln w="57150">
+            <a:solidFill>
+              <a:schemeClr val="accent1">
+                <a:lumMod val="40000"/>
+                <a:lumOff val="60000"/>
+              </a:schemeClr>
+            </a:solidFill>
+            <a:headEnd type="triangle" w="med" len="med"/>
+            <a:tailEnd type="none" w="med" len="med"/>
+          </a:ln>
+        </p:spPr>
+        <p:style>
+          <a:lnRef idx="1">
+            <a:schemeClr val="accent1"/>
+          </a:lnRef>
+          <a:fillRef idx="0">
+            <a:schemeClr val="accent1"/>
+          </a:fillRef>
+          <a:effectRef idx="0">
+            <a:schemeClr val="accent1"/>
+          </a:effectRef>
+          <a:fontRef idx="minor">
+            <a:schemeClr val="tx1"/>
+          </a:fontRef>
+        </p:style>
+      </p:cxnSp>
+      <p:cxnSp>
+        <p:nvCxnSpPr>
+          <p:cNvPr id="26" name="Straight Arrow Connector 25"/>
+          <p:cNvCxnSpPr>
+            <a:stCxn id="8" idx="3"/>
+            <a:endCxn id="19" idx="1"/>
+          </p:cNvCxnSpPr>
+          <p:nvPr/>
+        </p:nvCxnSpPr>
+        <p:spPr>
+          <a:xfrm>
+            <a:off x="2128211" y="3665658"/>
+            <a:ext cx="863096" cy="1910"/>
+          </a:xfrm>
+          <a:prstGeom prst="straightConnector1">
+            <a:avLst/>
+          </a:prstGeom>
+          <a:ln w="57150">
+            <a:solidFill>
+              <a:schemeClr val="accent1">
+                <a:lumMod val="40000"/>
+                <a:lumOff val="60000"/>
+              </a:schemeClr>
+            </a:solidFill>
+            <a:headEnd type="triangle" w="med" len="med"/>
+            <a:tailEnd type="triangle" w="med" len="med"/>
+          </a:ln>
+        </p:spPr>
+        <p:style>
+          <a:lnRef idx="1">
+            <a:schemeClr val="accent1"/>
+          </a:lnRef>
+          <a:fillRef idx="0">
+            <a:schemeClr val="accent1"/>
+          </a:fillRef>
+          <a:effectRef idx="0">
+            <a:schemeClr val="accent1"/>
+          </a:effectRef>
+          <a:fontRef idx="minor">
+            <a:schemeClr val="tx1"/>
+          </a:fontRef>
+        </p:style>
+      </p:cxnSp>
+      <p:cxnSp>
+        <p:nvCxnSpPr>
+          <p:cNvPr id="29" name="Straight Arrow Connector 28"/>
+          <p:cNvCxnSpPr>
+            <a:stCxn id="19" idx="3"/>
+            <a:endCxn id="6" idx="1"/>
+          </p:cNvCxnSpPr>
+          <p:nvPr/>
+        </p:nvCxnSpPr>
+        <p:spPr>
+          <a:xfrm>
+            <a:off x="3793135" y="3667568"/>
+            <a:ext cx="1143001" cy="1313"/>
+          </a:xfrm>
+          <a:prstGeom prst="straightConnector1">
+            <a:avLst/>
+          </a:prstGeom>
+          <a:ln w="57150">
+            <a:solidFill>
+              <a:schemeClr val="accent1">
+                <a:lumMod val="40000"/>
+                <a:lumOff val="60000"/>
+              </a:schemeClr>
+            </a:solidFill>
+            <a:headEnd type="triangle" w="med" len="med"/>
+            <a:tailEnd type="triangle" w="med" len="med"/>
+          </a:ln>
+        </p:spPr>
+        <p:style>
+          <a:lnRef idx="1">
+            <a:schemeClr val="accent1"/>
+          </a:lnRef>
+          <a:fillRef idx="0">
+            <a:schemeClr val="accent1"/>
+          </a:fillRef>
+          <a:effectRef idx="0">
+            <a:schemeClr val="accent1"/>
+          </a:effectRef>
+          <a:fontRef idx="minor">
+            <a:schemeClr val="tx1"/>
+          </a:fontRef>
+        </p:style>
+      </p:cxnSp>
     </p:spTree>
   </p:cSld>
   <p:clrMapOvr>
@@ -4835,11 +6220,117 @@
           <a:p>
             <a:r>
               <a:rPr lang="en-US" dirty="0" smtClean="0"/>
-              <a:t>Location Engine</a:t>
+              <a:t>Controller</a:t>
             </a:r>
           </a:p>
           <a:p>
             <a:pPr lvl="1"/>
+            <a:r>
+              <a:rPr lang="en-US" dirty="0" smtClean="0"/>
+              <a:t>Collects data from Proxy</a:t>
+            </a:r>
+          </a:p>
+          <a:p>
+            <a:pPr lvl="1"/>
+            <a:r>
+              <a:rPr lang="en-US" dirty="0" smtClean="0"/>
+              <a:t>Feed data to Location Engine</a:t>
+            </a:r>
+          </a:p>
+          <a:p>
+            <a:pPr lvl="1"/>
+            <a:r>
+              <a:rPr lang="en-US" dirty="0" smtClean="0"/>
+              <a:t>Two operating modes</a:t>
+            </a:r>
+          </a:p>
+          <a:p>
+            <a:pPr lvl="2"/>
+            <a:r>
+              <a:rPr lang="en-US" dirty="0" smtClean="0"/>
+              <a:t>Calibrating</a:t>
+            </a:r>
+          </a:p>
+          <a:p>
+            <a:pPr lvl="3"/>
+            <a:r>
+              <a:rPr lang="en-US" dirty="0" smtClean="0"/>
+              <a:t>Collects RF </a:t>
+            </a:r>
+            <a:r>
+              <a:rPr lang="en-US" dirty="0" smtClean="0"/>
+              <a:t>signatures </a:t>
+            </a:r>
+            <a:r>
+              <a:rPr lang="en-US" dirty="0" smtClean="0"/>
+              <a:t>at calibration points</a:t>
+            </a:r>
+          </a:p>
+          <a:p>
+            <a:pPr lvl="3"/>
+            <a:r>
+              <a:rPr lang="en-US" dirty="0" smtClean="0"/>
+              <a:t>Stores calibration data in a local database</a:t>
+            </a:r>
+          </a:p>
+          <a:p>
+            <a:pPr lvl="2"/>
+            <a:r>
+              <a:rPr lang="en-US" dirty="0" smtClean="0"/>
+              <a:t>Locating</a:t>
+            </a:r>
+          </a:p>
+          <a:p>
+            <a:pPr lvl="3"/>
+            <a:r>
+              <a:rPr lang="en-US" dirty="0" smtClean="0"/>
+              <a:t>Passes calibration data to Location Engine</a:t>
+            </a:r>
+          </a:p>
+          <a:p>
+            <a:pPr lvl="3"/>
+            <a:r>
+              <a:rPr lang="en-US" dirty="0" smtClean="0"/>
+              <a:t>Collects and sorts data into packets</a:t>
+            </a:r>
+          </a:p>
+          <a:p>
+            <a:pPr lvl="3"/>
+            <a:r>
+              <a:rPr lang="en-US" dirty="0" smtClean="0"/>
+              <a:t>Feeds the packets to Location Engine</a:t>
+            </a:r>
+          </a:p>
+          <a:p>
+            <a:pPr lvl="3"/>
+            <a:r>
+              <a:rPr lang="en-US" dirty="0" smtClean="0"/>
+              <a:t>Stores results in MySQL Database</a:t>
+            </a:r>
+            <a:endParaRPr lang="en-US" dirty="0"/>
+          </a:p>
+        </p:txBody>
+      </p:sp>
+      <p:sp>
+        <p:nvSpPr>
+          <p:cNvPr id="4" name="Slide Number Placeholder 3"/>
+          <p:cNvSpPr>
+            <a:spLocks noGrp="1"/>
+          </p:cNvSpPr>
+          <p:nvPr>
+            <p:ph type="sldNum" sz="quarter" idx="12"/>
+          </p:nvPr>
+        </p:nvSpPr>
+        <p:spPr/>
+        <p:txBody>
+          <a:bodyPr/>
+          <a:lstStyle/>
+          <a:p>
+            <a:fld id="{23A0C73A-8263-44E0-85DF-600D742C7FF4}" type="slidenum">
+              <a:rPr lang="en-US" smtClean="0"/>
+              <a:pPr/>
+              <a:t>15</a:t>
+            </a:fld>
             <a:endParaRPr lang="en-US" dirty="0"/>
           </a:p>
         </p:txBody>
@@ -4911,103 +6402,676 @@
         </p:nvSpPr>
         <p:spPr/>
         <p:txBody>
-          <a:bodyPr>
-            <a:normAutofit lnSpcReduction="10000"/>
+          <a:bodyPr numCol="2" spcCol="182880">
+            <a:normAutofit fontScale="92500"/>
           </a:bodyPr>
           <a:lstStyle/>
           <a:p>
-            <a:r>
-              <a:rPr lang="en-US" dirty="0" smtClean="0"/>
-              <a:t>Web App</a:t>
+            <a:pPr>
+              <a:buNone/>
+            </a:pPr>
+            <a:r>
+              <a:rPr lang="en-US" dirty="0" smtClean="0"/>
+              <a:t>Location </a:t>
+            </a:r>
+            <a:r>
+              <a:rPr lang="en-US" dirty="0" smtClean="0"/>
+              <a:t>Engine</a:t>
+            </a:r>
+          </a:p>
+          <a:p>
+            <a:endParaRPr lang="en-US" dirty="0" smtClean="0"/>
+          </a:p>
+          <a:p>
+            <a:endParaRPr lang="en-US" dirty="0" smtClean="0"/>
+          </a:p>
+          <a:p>
+            <a:endParaRPr lang="en-US" dirty="0" smtClean="0"/>
+          </a:p>
+          <a:p>
+            <a:endParaRPr lang="en-US" dirty="0" smtClean="0"/>
+          </a:p>
+          <a:p>
+            <a:endParaRPr lang="en-US" dirty="0" smtClean="0"/>
+          </a:p>
+          <a:p>
+            <a:r>
+              <a:rPr lang="en-US" dirty="0" smtClean="0"/>
+              <a:t>Theory</a:t>
             </a:r>
           </a:p>
           <a:p>
             <a:pPr lvl="1"/>
             <a:r>
               <a:rPr lang="en-US" dirty="0" smtClean="0"/>
-              <a:t>Functionalities</a:t>
-            </a:r>
-          </a:p>
-          <a:p>
-            <a:pPr lvl="2"/>
-            <a:r>
-              <a:rPr lang="en-US" dirty="0" smtClean="0"/>
-              <a:t>Visualize tags’ and detectors’ locations</a:t>
-            </a:r>
-          </a:p>
-          <a:p>
-            <a:pPr lvl="2"/>
-            <a:r>
-              <a:rPr lang="en-US" dirty="0" smtClean="0"/>
-              <a:t>Add, modify, and remove tags and detectors</a:t>
-            </a:r>
-          </a:p>
-          <a:p>
-            <a:pPr lvl="2"/>
-            <a:r>
-              <a:rPr lang="en-US" dirty="0" smtClean="0"/>
-              <a:t>Configure the tracking area</a:t>
+              <a:t>Each location has a unique &amp; consistent RSSI pattern</a:t>
             </a:r>
           </a:p>
           <a:p>
             <a:pPr lvl="1"/>
             <a:r>
               <a:rPr lang="en-US" dirty="0" smtClean="0"/>
-              <a:t>Design Goals</a:t>
-            </a:r>
-          </a:p>
-          <a:p>
-            <a:pPr lvl="2"/>
-            <a:r>
-              <a:rPr lang="en-US" dirty="0" smtClean="0"/>
-              <a:t>Fast</a:t>
-            </a:r>
-          </a:p>
-          <a:p>
-            <a:pPr lvl="2"/>
-            <a:r>
-              <a:rPr lang="en-US" dirty="0" smtClean="0"/>
-              <a:t>Simple</a:t>
-            </a:r>
-          </a:p>
-          <a:p>
-            <a:pPr lvl="2"/>
-            <a:r>
-              <a:rPr lang="en-US" dirty="0" smtClean="0"/>
-              <a:t>Easy to use</a:t>
+              <a:t>Euclidean distance</a:t>
+            </a:r>
+          </a:p>
+          <a:p>
+            <a:endParaRPr lang="en-US" dirty="0" smtClean="0"/>
+          </a:p>
+          <a:p>
+            <a:endParaRPr lang="en-US" dirty="0" smtClean="0"/>
+          </a:p>
+          <a:p>
+            <a:endParaRPr lang="en-US" dirty="0" smtClean="0"/>
+          </a:p>
+          <a:p>
+            <a:endParaRPr lang="en-US" dirty="0" smtClean="0"/>
+          </a:p>
+          <a:p>
+            <a:endParaRPr lang="en-US" dirty="0" smtClean="0"/>
+          </a:p>
+          <a:p>
+            <a:endParaRPr lang="en-US" dirty="0" smtClean="0"/>
+          </a:p>
+          <a:p>
+            <a:endParaRPr lang="en-US" dirty="0" smtClean="0"/>
+          </a:p>
+          <a:p>
+            <a:r>
+              <a:rPr lang="en-US" dirty="0" smtClean="0"/>
+              <a:t>Reduce aliasing by</a:t>
             </a:r>
           </a:p>
           <a:p>
             <a:pPr lvl="1"/>
             <a:r>
               <a:rPr lang="en-US" dirty="0" smtClean="0"/>
-              <a:t>Technologies</a:t>
-            </a:r>
-          </a:p>
-          <a:p>
-            <a:pPr lvl="2"/>
-            <a:r>
-              <a:rPr lang="en-US" dirty="0" smtClean="0"/>
-              <a:t>PHP</a:t>
-            </a:r>
-          </a:p>
-          <a:p>
-            <a:pPr lvl="2"/>
-            <a:r>
-              <a:rPr lang="en-US" dirty="0" smtClean="0"/>
-              <a:t>HTML5, CSS3, </a:t>
-            </a:r>
-            <a:r>
-              <a:rPr lang="en-US" dirty="0" smtClean="0"/>
-              <a:t>JavaScript</a:t>
+              <a:t>Referencing the nearest detector</a:t>
             </a:r>
           </a:p>
           <a:p>
             <a:pPr lvl="1"/>
             <a:r>
               <a:rPr lang="en-US" dirty="0" smtClean="0"/>
-              <a:t>Why Web?</a:t>
-            </a:r>
+              <a:t>Interpolating between two closest locations</a:t>
+            </a:r>
+            <a:endParaRPr lang="en-US" dirty="0" smtClean="0"/>
+          </a:p>
+        </p:txBody>
+      </p:sp>
+      <p:grpSp>
+        <p:nvGrpSpPr>
+          <p:cNvPr id="22" name="Group 21"/>
+          <p:cNvGrpSpPr/>
+          <p:nvPr/>
+        </p:nvGrpSpPr>
+        <p:grpSpPr>
+          <a:xfrm>
+            <a:off x="472440" y="1828800"/>
+            <a:ext cx="8138160" cy="2011680"/>
+            <a:chOff x="640080" y="2011680"/>
+            <a:chExt cx="8138160" cy="2011680"/>
+          </a:xfrm>
+        </p:grpSpPr>
+        <p:sp>
+          <p:nvSpPr>
+            <p:cNvPr id="4" name="Rectangle 3"/>
+            <p:cNvSpPr/>
+            <p:nvPr/>
+          </p:nvSpPr>
+          <p:spPr>
+            <a:xfrm>
+              <a:off x="3779520" y="2011680"/>
+              <a:ext cx="1828800" cy="914400"/>
+            </a:xfrm>
+            <a:prstGeom prst="rect">
+              <a:avLst/>
+            </a:prstGeom>
+            <a:ln>
+              <a:noFill/>
+            </a:ln>
+            <a:effectLst>
+              <a:outerShdw blurRad="50800" dist="38100" dir="2700000" algn="tl" rotWithShape="0">
+                <a:prstClr val="black">
+                  <a:alpha val="40000"/>
+                </a:prstClr>
+              </a:outerShdw>
+            </a:effectLst>
+          </p:spPr>
+          <p:style>
+            <a:lnRef idx="2">
+              <a:schemeClr val="accent1">
+                <a:shade val="50000"/>
+              </a:schemeClr>
+            </a:lnRef>
+            <a:fillRef idx="1">
+              <a:schemeClr val="accent1"/>
+            </a:fillRef>
+            <a:effectRef idx="0">
+              <a:schemeClr val="accent1"/>
+            </a:effectRef>
+            <a:fontRef idx="minor">
+              <a:schemeClr val="lt1"/>
+            </a:fontRef>
+          </p:style>
+          <p:txBody>
+            <a:bodyPr rtlCol="0" anchor="ctr"/>
+            <a:lstStyle/>
+            <a:p>
+              <a:pPr algn="ctr"/>
+              <a:r>
+                <a:rPr lang="en-US" dirty="0" smtClean="0"/>
+                <a:t>Fingerprint Matching Algorithm</a:t>
+              </a:r>
+              <a:endParaRPr lang="en-US" dirty="0"/>
+            </a:p>
+          </p:txBody>
+        </p:sp>
+        <p:sp>
+          <p:nvSpPr>
+            <p:cNvPr id="5" name="Rectangle 4"/>
+            <p:cNvSpPr/>
+            <p:nvPr/>
+          </p:nvSpPr>
+          <p:spPr>
+            <a:xfrm>
+              <a:off x="2225040" y="2103120"/>
+              <a:ext cx="1188720" cy="731520"/>
+            </a:xfrm>
+            <a:prstGeom prst="rect">
+              <a:avLst/>
+            </a:prstGeom>
+            <a:ln>
+              <a:noFill/>
+            </a:ln>
+            <a:effectLst>
+              <a:outerShdw blurRad="50800" dist="38100" dir="2700000" algn="tl" rotWithShape="0">
+                <a:prstClr val="black">
+                  <a:alpha val="40000"/>
+                </a:prstClr>
+              </a:outerShdw>
+            </a:effectLst>
+          </p:spPr>
+          <p:style>
+            <a:lnRef idx="2">
+              <a:schemeClr val="accent1">
+                <a:shade val="50000"/>
+              </a:schemeClr>
+            </a:lnRef>
+            <a:fillRef idx="1">
+              <a:schemeClr val="accent1"/>
+            </a:fillRef>
+            <a:effectRef idx="0">
+              <a:schemeClr val="accent1"/>
+            </a:effectRef>
+            <a:fontRef idx="minor">
+              <a:schemeClr val="lt1"/>
+            </a:fontRef>
+          </p:style>
+          <p:txBody>
+            <a:bodyPr rtlCol="0" anchor="ctr"/>
+            <a:lstStyle/>
+            <a:p>
+              <a:pPr algn="ctr"/>
+              <a:r>
+                <a:rPr lang="en-US" dirty="0" smtClean="0"/>
+                <a:t>Input Filter</a:t>
+              </a:r>
+              <a:endParaRPr lang="en-US" dirty="0"/>
+            </a:p>
+          </p:txBody>
+        </p:sp>
+        <p:sp>
+          <p:nvSpPr>
+            <p:cNvPr id="6" name="Rectangle 5"/>
+            <p:cNvSpPr/>
+            <p:nvPr/>
+          </p:nvSpPr>
+          <p:spPr>
+            <a:xfrm>
+              <a:off x="5974080" y="2103120"/>
+              <a:ext cx="1188720" cy="731520"/>
+            </a:xfrm>
+            <a:prstGeom prst="rect">
+              <a:avLst/>
+            </a:prstGeom>
+            <a:ln>
+              <a:noFill/>
+            </a:ln>
+            <a:effectLst>
+              <a:outerShdw blurRad="50800" dist="38100" dir="2700000" algn="tl" rotWithShape="0">
+                <a:prstClr val="black">
+                  <a:alpha val="40000"/>
+                </a:prstClr>
+              </a:outerShdw>
+            </a:effectLst>
+          </p:spPr>
+          <p:style>
+            <a:lnRef idx="2">
+              <a:schemeClr val="accent1">
+                <a:shade val="50000"/>
+              </a:schemeClr>
+            </a:lnRef>
+            <a:fillRef idx="1">
+              <a:schemeClr val="accent1"/>
+            </a:fillRef>
+            <a:effectRef idx="0">
+              <a:schemeClr val="accent1"/>
+            </a:effectRef>
+            <a:fontRef idx="minor">
+              <a:schemeClr val="lt1"/>
+            </a:fontRef>
+          </p:style>
+          <p:txBody>
+            <a:bodyPr rtlCol="0" anchor="ctr"/>
+            <a:lstStyle/>
+            <a:p>
+              <a:pPr algn="ctr"/>
+              <a:r>
+                <a:rPr lang="en-US" dirty="0" smtClean="0"/>
+                <a:t>Output Filter</a:t>
+              </a:r>
+              <a:endParaRPr lang="en-US" dirty="0"/>
+            </a:p>
+          </p:txBody>
+        </p:sp>
+        <p:sp>
+          <p:nvSpPr>
+            <p:cNvPr id="7" name="Rectangle 6"/>
+            <p:cNvSpPr/>
+            <p:nvPr/>
+          </p:nvSpPr>
+          <p:spPr>
+            <a:xfrm>
+              <a:off x="3962400" y="3291840"/>
+              <a:ext cx="1463040" cy="731520"/>
+            </a:xfrm>
+            <a:prstGeom prst="rect">
+              <a:avLst/>
+            </a:prstGeom>
+            <a:ln>
+              <a:noFill/>
+            </a:ln>
+            <a:effectLst>
+              <a:outerShdw blurRad="50800" dist="38100" dir="2700000" algn="tl" rotWithShape="0">
+                <a:prstClr val="black">
+                  <a:alpha val="40000"/>
+                </a:prstClr>
+              </a:outerShdw>
+            </a:effectLst>
+          </p:spPr>
+          <p:style>
+            <a:lnRef idx="2">
+              <a:schemeClr val="accent1">
+                <a:shade val="50000"/>
+              </a:schemeClr>
+            </a:lnRef>
+            <a:fillRef idx="1">
+              <a:schemeClr val="accent1"/>
+            </a:fillRef>
+            <a:effectRef idx="0">
+              <a:schemeClr val="accent1"/>
+            </a:effectRef>
+            <a:fontRef idx="minor">
+              <a:schemeClr val="lt1"/>
+            </a:fontRef>
+          </p:style>
+          <p:txBody>
+            <a:bodyPr rtlCol="0" anchor="ctr"/>
+            <a:lstStyle/>
+            <a:p>
+              <a:pPr algn="ctr"/>
+              <a:r>
+                <a:rPr lang="en-US" dirty="0" smtClean="0"/>
+                <a:t>Calibration Data</a:t>
+              </a:r>
+              <a:endParaRPr lang="en-US" dirty="0"/>
+            </a:p>
+          </p:txBody>
+        </p:sp>
+        <p:cxnSp>
+          <p:nvCxnSpPr>
+            <p:cNvPr id="9" name="Straight Arrow Connector 8"/>
+            <p:cNvCxnSpPr>
+              <a:stCxn id="5" idx="3"/>
+              <a:endCxn id="4" idx="1"/>
+            </p:cNvCxnSpPr>
+            <p:nvPr/>
+          </p:nvCxnSpPr>
+          <p:spPr>
+            <a:xfrm>
+              <a:off x="3413760" y="2468880"/>
+              <a:ext cx="365760" cy="1588"/>
+            </a:xfrm>
+            <a:prstGeom prst="straightConnector1">
+              <a:avLst/>
+            </a:prstGeom>
+            <a:ln w="12700">
+              <a:solidFill>
+                <a:schemeClr val="tx1">
+                  <a:lumMod val="50000"/>
+                  <a:lumOff val="50000"/>
+                </a:schemeClr>
+              </a:solidFill>
+              <a:headEnd type="none" w="med" len="med"/>
+              <a:tailEnd type="triangle" w="med" len="med"/>
+            </a:ln>
+          </p:spPr>
+          <p:style>
+            <a:lnRef idx="1">
+              <a:schemeClr val="accent1"/>
+            </a:lnRef>
+            <a:fillRef idx="0">
+              <a:schemeClr val="accent1"/>
+            </a:fillRef>
+            <a:effectRef idx="0">
+              <a:schemeClr val="accent1"/>
+            </a:effectRef>
+            <a:fontRef idx="minor">
+              <a:schemeClr val="tx1"/>
+            </a:fontRef>
+          </p:style>
+        </p:cxnSp>
+        <p:cxnSp>
+          <p:nvCxnSpPr>
+            <p:cNvPr id="11" name="Straight Arrow Connector 10"/>
+            <p:cNvCxnSpPr>
+              <a:stCxn id="4" idx="3"/>
+              <a:endCxn id="6" idx="1"/>
+            </p:cNvCxnSpPr>
+            <p:nvPr/>
+          </p:nvCxnSpPr>
+          <p:spPr>
+            <a:xfrm>
+              <a:off x="5608320" y="2468880"/>
+              <a:ext cx="365760" cy="1588"/>
+            </a:xfrm>
+            <a:prstGeom prst="straightConnector1">
+              <a:avLst/>
+            </a:prstGeom>
+            <a:ln w="12700">
+              <a:solidFill>
+                <a:schemeClr val="tx1">
+                  <a:lumMod val="50000"/>
+                  <a:lumOff val="50000"/>
+                </a:schemeClr>
+              </a:solidFill>
+              <a:headEnd type="none" w="med" len="med"/>
+              <a:tailEnd type="triangle" w="med" len="med"/>
+            </a:ln>
+          </p:spPr>
+          <p:style>
+            <a:lnRef idx="1">
+              <a:schemeClr val="accent1"/>
+            </a:lnRef>
+            <a:fillRef idx="0">
+              <a:schemeClr val="accent1"/>
+            </a:fillRef>
+            <a:effectRef idx="0">
+              <a:schemeClr val="accent1"/>
+            </a:effectRef>
+            <a:fontRef idx="minor">
+              <a:schemeClr val="tx1"/>
+            </a:fontRef>
+          </p:style>
+        </p:cxnSp>
+        <p:cxnSp>
+          <p:nvCxnSpPr>
+            <p:cNvPr id="13" name="Straight Arrow Connector 12"/>
+            <p:cNvCxnSpPr>
+              <a:stCxn id="7" idx="0"/>
+              <a:endCxn id="4" idx="2"/>
+            </p:cNvCxnSpPr>
+            <p:nvPr/>
+          </p:nvCxnSpPr>
+          <p:spPr>
+            <a:xfrm rot="5400000" flipH="1" flipV="1">
+              <a:off x="4511040" y="3108960"/>
+              <a:ext cx="365760" cy="1588"/>
+            </a:xfrm>
+            <a:prstGeom prst="straightConnector1">
+              <a:avLst/>
+            </a:prstGeom>
+            <a:ln w="12700">
+              <a:solidFill>
+                <a:schemeClr val="tx1">
+                  <a:lumMod val="50000"/>
+                  <a:lumOff val="50000"/>
+                </a:schemeClr>
+              </a:solidFill>
+              <a:headEnd type="none" w="med" len="med"/>
+              <a:tailEnd type="triangle" w="med" len="med"/>
+            </a:ln>
+          </p:spPr>
+          <p:style>
+            <a:lnRef idx="1">
+              <a:schemeClr val="accent1"/>
+            </a:lnRef>
+            <a:fillRef idx="0">
+              <a:schemeClr val="accent1"/>
+            </a:fillRef>
+            <a:effectRef idx="0">
+              <a:schemeClr val="accent1"/>
+            </a:effectRef>
+            <a:fontRef idx="minor">
+              <a:schemeClr val="tx1"/>
+            </a:fontRef>
+          </p:style>
+        </p:cxnSp>
+        <p:sp>
+          <p:nvSpPr>
+            <p:cNvPr id="14" name="Rectangle 13"/>
+            <p:cNvSpPr/>
+            <p:nvPr/>
+          </p:nvSpPr>
+          <p:spPr>
+            <a:xfrm>
+              <a:off x="640080" y="2103120"/>
+              <a:ext cx="1188720" cy="731520"/>
+            </a:xfrm>
+            <a:prstGeom prst="rect">
+              <a:avLst/>
+            </a:prstGeom>
+            <a:ln>
+              <a:noFill/>
+            </a:ln>
+            <a:effectLst>
+              <a:outerShdw blurRad="50800" dist="38100" dir="2700000" algn="tl" rotWithShape="0">
+                <a:prstClr val="black">
+                  <a:alpha val="40000"/>
+                </a:prstClr>
+              </a:outerShdw>
+            </a:effectLst>
+          </p:spPr>
+          <p:style>
+            <a:lnRef idx="2">
+              <a:schemeClr val="accent1">
+                <a:shade val="50000"/>
+              </a:schemeClr>
+            </a:lnRef>
+            <a:fillRef idx="1">
+              <a:schemeClr val="accent1"/>
+            </a:fillRef>
+            <a:effectRef idx="0">
+              <a:schemeClr val="accent1"/>
+            </a:effectRef>
+            <a:fontRef idx="minor">
+              <a:schemeClr val="lt1"/>
+            </a:fontRef>
+          </p:style>
+          <p:txBody>
+            <a:bodyPr rtlCol="0" anchor="ctr"/>
+            <a:lstStyle/>
+            <a:p>
+              <a:pPr algn="ctr"/>
+              <a:r>
+                <a:rPr lang="en-US" dirty="0" smtClean="0"/>
+                <a:t>RSSI Data</a:t>
+              </a:r>
+              <a:endParaRPr lang="en-US" dirty="0"/>
+            </a:p>
+          </p:txBody>
+        </p:sp>
+        <p:cxnSp>
+          <p:nvCxnSpPr>
+            <p:cNvPr id="18" name="Straight Arrow Connector 17"/>
+            <p:cNvCxnSpPr>
+              <a:stCxn id="14" idx="3"/>
+              <a:endCxn id="5" idx="1"/>
+            </p:cNvCxnSpPr>
+            <p:nvPr/>
+          </p:nvCxnSpPr>
+          <p:spPr>
+            <a:xfrm>
+              <a:off x="1828800" y="2468880"/>
+              <a:ext cx="396240" cy="1588"/>
+            </a:xfrm>
+            <a:prstGeom prst="straightConnector1">
+              <a:avLst/>
+            </a:prstGeom>
+            <a:ln w="12700">
+              <a:solidFill>
+                <a:schemeClr val="tx1">
+                  <a:lumMod val="50000"/>
+                  <a:lumOff val="50000"/>
+                </a:schemeClr>
+              </a:solidFill>
+              <a:headEnd type="none" w="med" len="med"/>
+              <a:tailEnd type="triangle" w="med" len="med"/>
+            </a:ln>
+          </p:spPr>
+          <p:style>
+            <a:lnRef idx="1">
+              <a:schemeClr val="accent1"/>
+            </a:lnRef>
+            <a:fillRef idx="0">
+              <a:schemeClr val="accent1"/>
+            </a:fillRef>
+            <a:effectRef idx="0">
+              <a:schemeClr val="accent1"/>
+            </a:effectRef>
+            <a:fontRef idx="minor">
+              <a:schemeClr val="tx1"/>
+            </a:fontRef>
+          </p:style>
+        </p:cxnSp>
+        <p:sp>
+          <p:nvSpPr>
+            <p:cNvPr id="19" name="Rectangle 18"/>
+            <p:cNvSpPr/>
+            <p:nvPr/>
+          </p:nvSpPr>
+          <p:spPr>
+            <a:xfrm>
+              <a:off x="7589520" y="2103120"/>
+              <a:ext cx="1188720" cy="731520"/>
+            </a:xfrm>
+            <a:prstGeom prst="rect">
+              <a:avLst/>
+            </a:prstGeom>
+            <a:ln>
+              <a:noFill/>
+            </a:ln>
+            <a:effectLst>
+              <a:outerShdw blurRad="50800" dist="38100" dir="2700000" algn="tl" rotWithShape="0">
+                <a:prstClr val="black">
+                  <a:alpha val="40000"/>
+                </a:prstClr>
+              </a:outerShdw>
+            </a:effectLst>
+          </p:spPr>
+          <p:style>
+            <a:lnRef idx="2">
+              <a:schemeClr val="accent1">
+                <a:shade val="50000"/>
+              </a:schemeClr>
+            </a:lnRef>
+            <a:fillRef idx="1">
+              <a:schemeClr val="accent1"/>
+            </a:fillRef>
+            <a:effectRef idx="0">
+              <a:schemeClr val="accent1"/>
+            </a:effectRef>
+            <a:fontRef idx="minor">
+              <a:schemeClr val="lt1"/>
+            </a:fontRef>
+          </p:style>
+          <p:txBody>
+            <a:bodyPr rtlCol="0" anchor="ctr"/>
+            <a:lstStyle/>
+            <a:p>
+              <a:pPr algn="ctr"/>
+              <a:r>
+                <a:rPr lang="en-US" dirty="0" smtClean="0"/>
+                <a:t>Tag’s Location</a:t>
+              </a:r>
+              <a:endParaRPr lang="en-US" dirty="0"/>
+            </a:p>
+          </p:txBody>
+        </p:sp>
+        <p:cxnSp>
+          <p:nvCxnSpPr>
+            <p:cNvPr id="21" name="Straight Arrow Connector 20"/>
+            <p:cNvCxnSpPr>
+              <a:stCxn id="6" idx="3"/>
+              <a:endCxn id="19" idx="1"/>
+            </p:cNvCxnSpPr>
+            <p:nvPr/>
+          </p:nvCxnSpPr>
+          <p:spPr>
+            <a:xfrm>
+              <a:off x="7162800" y="2468880"/>
+              <a:ext cx="426720" cy="1588"/>
+            </a:xfrm>
+            <a:prstGeom prst="straightConnector1">
+              <a:avLst/>
+            </a:prstGeom>
+            <a:ln w="12700">
+              <a:solidFill>
+                <a:schemeClr val="tx1">
+                  <a:lumMod val="50000"/>
+                  <a:lumOff val="50000"/>
+                </a:schemeClr>
+              </a:solidFill>
+              <a:headEnd type="none" w="med" len="med"/>
+              <a:tailEnd type="triangle" w="med" len="med"/>
+            </a:ln>
+          </p:spPr>
+          <p:style>
+            <a:lnRef idx="1">
+              <a:schemeClr val="accent1"/>
+            </a:lnRef>
+            <a:fillRef idx="0">
+              <a:schemeClr val="accent1"/>
+            </a:fillRef>
+            <a:effectRef idx="0">
+              <a:schemeClr val="accent1"/>
+            </a:effectRef>
+            <a:fontRef idx="minor">
+              <a:schemeClr val="tx1"/>
+            </a:fontRef>
+          </p:style>
+        </p:cxnSp>
+      </p:grpSp>
+      <p:sp>
+        <p:nvSpPr>
+          <p:cNvPr id="24" name="Slide Number Placeholder 23"/>
+          <p:cNvSpPr>
+            <a:spLocks noGrp="1"/>
+          </p:cNvSpPr>
+          <p:nvPr>
+            <p:ph type="sldNum" sz="quarter" idx="12"/>
+          </p:nvPr>
+        </p:nvSpPr>
+        <p:spPr/>
+        <p:txBody>
+          <a:bodyPr/>
+          <a:lstStyle/>
+          <a:p>
+            <a:fld id="{23A0C73A-8263-44E0-85DF-600D742C7FF4}" type="slidenum">
+              <a:rPr lang="en-US" smtClean="0"/>
+              <a:pPr/>
+              <a:t>16</a:t>
+            </a:fld>
             <a:endParaRPr lang="en-US" dirty="0"/>
           </a:p>
         </p:txBody>
@@ -5017,6 +7081,13 @@
   <p:clrMapOvr>
     <a:masterClrMapping/>
   </p:clrMapOvr>
+  <p:timing>
+    <p:tnLst>
+      <p:par>
+        <p:cTn id="1" dur="indefinite" restart="never" nodeType="tmRoot"/>
+      </p:par>
+    </p:tnLst>
+  </p:timing>
 </p:sld>
 </file>
 
@@ -5039,7 +7110,7 @@
       </p:grpSpPr>
       <p:sp>
         <p:nvSpPr>
-          <p:cNvPr id="5" name="Title 4"/>
+          <p:cNvPr id="2" name="Title 1"/>
           <p:cNvSpPr>
             <a:spLocks noGrp="1"/>
           </p:cNvSpPr>
@@ -5047,128 +7118,186 @@
             <p:ph type="title"/>
           </p:nvPr>
         </p:nvSpPr>
+        <p:spPr/>
+        <p:txBody>
+          <a:bodyPr/>
+          <a:lstStyle/>
+          <a:p>
+            <a:r>
+              <a:rPr lang="en-US" dirty="0" smtClean="0"/>
+              <a:t>Software</a:t>
+            </a:r>
+            <a:endParaRPr lang="en-US" dirty="0"/>
+          </a:p>
+        </p:txBody>
+      </p:sp>
+      <p:sp>
+        <p:nvSpPr>
+          <p:cNvPr id="3" name="Content Placeholder 2"/>
+          <p:cNvSpPr>
+            <a:spLocks noGrp="1"/>
+          </p:cNvSpPr>
+          <p:nvPr>
+            <p:ph idx="1"/>
+          </p:nvPr>
+        </p:nvSpPr>
+        <p:spPr/>
+        <p:txBody>
+          <a:bodyPr>
+            <a:normAutofit lnSpcReduction="10000"/>
+          </a:bodyPr>
+          <a:lstStyle/>
+          <a:p>
+            <a:r>
+              <a:rPr lang="en-US" dirty="0" smtClean="0"/>
+              <a:t>Web App</a:t>
+            </a:r>
+          </a:p>
+          <a:p>
+            <a:pPr lvl="1"/>
+            <a:r>
+              <a:rPr lang="en-US" dirty="0" smtClean="0"/>
+              <a:t>Functionalities</a:t>
+            </a:r>
+          </a:p>
+          <a:p>
+            <a:pPr lvl="2"/>
+            <a:r>
+              <a:rPr lang="en-US" dirty="0" smtClean="0"/>
+              <a:t>Visualize tags’ and detectors’ locations</a:t>
+            </a:r>
+          </a:p>
+          <a:p>
+            <a:pPr lvl="2"/>
+            <a:r>
+              <a:rPr lang="en-US" dirty="0" smtClean="0"/>
+              <a:t>Add, modify, and remove tags and detectors</a:t>
+            </a:r>
+          </a:p>
+          <a:p>
+            <a:pPr lvl="2"/>
+            <a:r>
+              <a:rPr lang="en-US" dirty="0" smtClean="0"/>
+              <a:t>Configure the tracking area</a:t>
+            </a:r>
+          </a:p>
+          <a:p>
+            <a:pPr lvl="1"/>
+            <a:r>
+              <a:rPr lang="en-US" dirty="0" smtClean="0"/>
+              <a:t>Design Goals</a:t>
+            </a:r>
+          </a:p>
+          <a:p>
+            <a:pPr lvl="2"/>
+            <a:r>
+              <a:rPr lang="en-US" dirty="0" smtClean="0"/>
+              <a:t>Fast</a:t>
+            </a:r>
+          </a:p>
+          <a:p>
+            <a:pPr lvl="2"/>
+            <a:r>
+              <a:rPr lang="en-US" dirty="0" smtClean="0"/>
+              <a:t>Simple</a:t>
+            </a:r>
+          </a:p>
+          <a:p>
+            <a:pPr lvl="2"/>
+            <a:r>
+              <a:rPr lang="en-US" dirty="0" smtClean="0"/>
+              <a:t>Easy to use</a:t>
+            </a:r>
+          </a:p>
+          <a:p>
+            <a:pPr lvl="1"/>
+            <a:r>
+              <a:rPr lang="en-US" dirty="0" smtClean="0"/>
+              <a:t>Technologies</a:t>
+            </a:r>
+          </a:p>
+          <a:p>
+            <a:pPr lvl="2"/>
+            <a:r>
+              <a:rPr lang="en-US" dirty="0" smtClean="0"/>
+              <a:t>PHP</a:t>
+            </a:r>
+          </a:p>
+          <a:p>
+            <a:pPr lvl="2"/>
+            <a:r>
+              <a:rPr lang="en-US" dirty="0" smtClean="0"/>
+              <a:t>HTML5, CSS3, </a:t>
+            </a:r>
+            <a:r>
+              <a:rPr lang="en-US" dirty="0" smtClean="0"/>
+              <a:t>JavaScript</a:t>
+            </a:r>
+          </a:p>
+          <a:p>
+            <a:pPr lvl="1"/>
+            <a:r>
+              <a:rPr lang="en-US" dirty="0" smtClean="0"/>
+              <a:t>Why Web?</a:t>
+            </a:r>
+            <a:endParaRPr lang="en-US" dirty="0"/>
+          </a:p>
+        </p:txBody>
+      </p:sp>
+      <p:pic>
+        <p:nvPicPr>
+          <p:cNvPr id="4" name="Picture 3" descr="Web App.png"/>
+          <p:cNvPicPr>
+            <a:picLocks noChangeAspect="1"/>
+          </p:cNvPicPr>
+          <p:nvPr/>
+        </p:nvPicPr>
+        <p:blipFill>
+          <a:blip r:embed="rId3" cstate="print"/>
+          <a:stretch>
+            <a:fillRect/>
+          </a:stretch>
+        </p:blipFill>
         <p:spPr>
-          <a:xfrm>
-            <a:off x="457200" y="0"/>
-            <a:ext cx="8229600" cy="914400"/>
+          <a:xfrm rot="21165603">
+            <a:off x="4384961" y="2985657"/>
+            <a:ext cx="4300932" cy="2418094"/>
           </a:xfrm>
-          <a:noFill/>
+          <a:prstGeom prst="rect">
+            <a:avLst/>
+          </a:prstGeom>
+          <a:ln>
+            <a:noFill/>
+          </a:ln>
+          <a:effectLst>
+            <a:outerShdw blurRad="50800" dist="38100" dir="8100000" algn="tr" rotWithShape="0">
+              <a:prstClr val="black">
+                <a:alpha val="40000"/>
+              </a:prstClr>
+            </a:outerShdw>
+          </a:effectLst>
         </p:spPr>
-        <p:txBody>
-          <a:bodyPr lIns="91440" tIns="0" bIns="0">
-            <a:normAutofit/>
-          </a:bodyPr>
-          <a:lstStyle/>
-          <a:p>
-            <a:r>
-              <a:rPr lang="en-US" dirty="0" smtClean="0"/>
-              <a:t>Agenda</a:t>
-            </a:r>
-            <a:endParaRPr lang="en-US" dirty="0"/>
-          </a:p>
-        </p:txBody>
-      </p:sp>
-      <p:sp>
-        <p:nvSpPr>
-          <p:cNvPr id="6" name="Content Placeholder 5"/>
-          <p:cNvSpPr>
-            <a:spLocks noGrp="1"/>
-          </p:cNvSpPr>
-          <p:nvPr>
-            <p:ph idx="1"/>
-          </p:nvPr>
-        </p:nvSpPr>
-        <p:spPr>
-          <a:xfrm>
-            <a:off x="457200" y="1219200"/>
-            <a:ext cx="8229600" cy="5181600"/>
-          </a:xfrm>
-        </p:spPr>
+      </p:pic>
+      <p:sp>
+        <p:nvSpPr>
+          <p:cNvPr id="5" name="Slide Number Placeholder 4"/>
+          <p:cNvSpPr>
+            <a:spLocks noGrp="1"/>
+          </p:cNvSpPr>
+          <p:nvPr>
+            <p:ph type="sldNum" sz="quarter" idx="12"/>
+          </p:nvPr>
+        </p:nvSpPr>
+        <p:spPr/>
         <p:txBody>
           <a:bodyPr/>
           <a:lstStyle/>
           <a:p>
-            <a:r>
-              <a:rPr lang="en-US" dirty="0" smtClean="0">
-                <a:solidFill>
-                  <a:schemeClr val="bg1">
-                    <a:lumMod val="65000"/>
-                  </a:schemeClr>
-                </a:solidFill>
-              </a:rPr>
-              <a:t>System Overview</a:t>
-            </a:r>
-          </a:p>
-          <a:p>
-            <a:r>
-              <a:rPr lang="en-US" dirty="0" smtClean="0">
-                <a:solidFill>
-                  <a:schemeClr val="bg1">
-                    <a:lumMod val="65000"/>
-                  </a:schemeClr>
-                </a:solidFill>
-              </a:rPr>
-              <a:t>Hardware</a:t>
-            </a:r>
-          </a:p>
-          <a:p>
-            <a:r>
-              <a:rPr lang="en-US" dirty="0" smtClean="0">
-                <a:solidFill>
-                  <a:schemeClr val="bg1">
-                    <a:lumMod val="65000"/>
-                  </a:schemeClr>
-                </a:solidFill>
-              </a:rPr>
-              <a:t>Firmware</a:t>
-            </a:r>
-          </a:p>
-          <a:p>
-            <a:r>
-              <a:rPr lang="en-US" dirty="0" smtClean="0">
-                <a:solidFill>
-                  <a:schemeClr val="bg1">
-                    <a:lumMod val="65000"/>
-                  </a:schemeClr>
-                </a:solidFill>
-              </a:rPr>
-              <a:t>Software</a:t>
-            </a:r>
-          </a:p>
-          <a:p>
-            <a:r>
-              <a:rPr lang="en-US" dirty="0" smtClean="0"/>
-              <a:t>Deployment</a:t>
-            </a:r>
-          </a:p>
-          <a:p>
-            <a:r>
-              <a:rPr lang="en-US" dirty="0" smtClean="0">
-                <a:solidFill>
-                  <a:schemeClr val="bg1">
-                    <a:lumMod val="65000"/>
-                  </a:schemeClr>
-                </a:solidFill>
-              </a:rPr>
-              <a:t>Results</a:t>
-            </a:r>
-          </a:p>
-          <a:p>
-            <a:r>
-              <a:rPr lang="en-US" dirty="0" smtClean="0">
-                <a:solidFill>
-                  <a:schemeClr val="bg1">
-                    <a:lumMod val="65000"/>
-                  </a:schemeClr>
-                </a:solidFill>
-              </a:rPr>
-              <a:t>Conclusions</a:t>
-            </a:r>
-          </a:p>
-          <a:p>
-            <a:pPr>
-              <a:buNone/>
-            </a:pPr>
+            <a:fld id="{23A0C73A-8263-44E0-85DF-600D742C7FF4}" type="slidenum">
+              <a:rPr lang="en-US" smtClean="0"/>
+              <a:pPr/>
+              <a:t>17</a:t>
+            </a:fld>
             <a:endParaRPr lang="en-US" dirty="0"/>
           </a:p>
         </p:txBody>
@@ -5222,7 +7351,7 @@
           <a:p>
             <a:r>
               <a:rPr lang="en-US" dirty="0" smtClean="0"/>
-              <a:t>Deployment</a:t>
+              <a:t>Software</a:t>
             </a:r>
             <a:endParaRPr lang="en-US" dirty="0"/>
           </a:p>
@@ -5240,55 +7369,37 @@
         </p:nvSpPr>
         <p:spPr/>
         <p:txBody>
-          <a:bodyPr>
-            <a:normAutofit/>
-          </a:bodyPr>
-          <a:lstStyle/>
-          <a:p>
-            <a:r>
-              <a:rPr lang="en-US" dirty="0" smtClean="0"/>
-              <a:t>Detector placement</a:t>
-            </a:r>
-          </a:p>
-          <a:p>
-            <a:r>
-              <a:rPr lang="en-US" dirty="0" smtClean="0"/>
-              <a:t>Calibration density</a:t>
-            </a:r>
-          </a:p>
-          <a:p>
-            <a:r>
-              <a:rPr lang="en-US" dirty="0" smtClean="0"/>
-              <a:t>Each tag has a unique ID with respect to other tags</a:t>
-            </a:r>
-          </a:p>
-          <a:p>
-            <a:r>
-              <a:rPr lang="en-US" dirty="0" smtClean="0"/>
-              <a:t>Each detector has a unique ID with respect to other detectors</a:t>
-            </a:r>
-          </a:p>
-          <a:p>
-            <a:r>
-              <a:rPr lang="en-US" dirty="0" smtClean="0"/>
-              <a:t>Proxy possible configurations </a:t>
-            </a:r>
-          </a:p>
-          <a:p>
-            <a:pPr lvl="1"/>
-            <a:r>
-              <a:rPr lang="en-US" dirty="0" smtClean="0"/>
-              <a:t>Proxy must have access to LAN</a:t>
-            </a:r>
-          </a:p>
-          <a:p>
-            <a:pPr lvl="1"/>
-            <a:r>
-              <a:rPr lang="en-US" dirty="0" smtClean="0"/>
-              <a:t>Proxy must create an Ad-Hoc Access point for Controller to connect to</a:t>
-            </a:r>
-          </a:p>
-          <a:p>
+          <a:bodyPr/>
+          <a:lstStyle/>
+          <a:p>
+            <a:r>
+              <a:rPr lang="en-US" dirty="0" smtClean="0"/>
+              <a:t>Key points</a:t>
+            </a:r>
+            <a:endParaRPr lang="en-US" dirty="0"/>
+          </a:p>
+        </p:txBody>
+      </p:sp>
+      <p:sp>
+        <p:nvSpPr>
+          <p:cNvPr id="4" name="Slide Number Placeholder 3"/>
+          <p:cNvSpPr>
+            <a:spLocks noGrp="1"/>
+          </p:cNvSpPr>
+          <p:nvPr>
+            <p:ph type="sldNum" sz="quarter" idx="12"/>
+          </p:nvPr>
+        </p:nvSpPr>
+        <p:spPr/>
+        <p:txBody>
+          <a:bodyPr/>
+          <a:lstStyle/>
+          <a:p>
+            <a:fld id="{23A0C73A-8263-44E0-85DF-600D742C7FF4}" type="slidenum">
+              <a:rPr lang="en-US" smtClean="0"/>
+              <a:pPr/>
+              <a:t>18</a:t>
+            </a:fld>
             <a:endParaRPr lang="en-US" dirty="0"/>
           </a:p>
         </p:txBody>
@@ -5320,7 +7431,7 @@
       </p:grpSpPr>
       <p:sp>
         <p:nvSpPr>
-          <p:cNvPr id="2" name="Title 1"/>
+          <p:cNvPr id="5" name="Title 4"/>
           <p:cNvSpPr>
             <a:spLocks noGrp="1"/>
           </p:cNvSpPr>
@@ -5328,68 +7439,168 @@
             <p:ph type="title"/>
           </p:nvPr>
         </p:nvSpPr>
-        <p:spPr/>
-        <p:txBody>
-          <a:bodyPr/>
-          <a:lstStyle/>
-          <a:p>
-            <a:r>
-              <a:rPr lang="en-US" dirty="0" smtClean="0"/>
-              <a:t>Deployment</a:t>
-            </a:r>
-            <a:endParaRPr lang="en-US" dirty="0"/>
-          </a:p>
-        </p:txBody>
-      </p:sp>
-      <p:sp>
-        <p:nvSpPr>
-          <p:cNvPr id="3" name="Content Placeholder 2"/>
-          <p:cNvSpPr>
-            <a:spLocks noGrp="1"/>
-          </p:cNvSpPr>
-          <p:nvPr>
-            <p:ph idx="1"/>
-          </p:nvPr>
-        </p:nvSpPr>
-        <p:spPr/>
-        <p:txBody>
-          <a:bodyPr/>
-          <a:lstStyle/>
-          <a:p>
-            <a:endParaRPr lang="en-US" dirty="0"/>
-          </a:p>
-        </p:txBody>
-      </p:sp>
-      <p:pic>
-        <p:nvPicPr>
-          <p:cNvPr id="36866" name="Picture 2" descr="D:\Courses\2010-2011\Capstone\Docs\Images\MapDetectableRangePresentation.png"/>
-          <p:cNvPicPr>
-            <a:picLocks noChangeAspect="1" noChangeArrowheads="1"/>
-          </p:cNvPicPr>
-          <p:nvPr/>
-        </p:nvPicPr>
-        <p:blipFill>
-          <a:blip r:embed="rId2" cstate="print"/>
-          <a:stretch>
-            <a:fillRect/>
-          </a:stretch>
-        </p:blipFill>
-        <p:spPr bwMode="auto">
+        <p:spPr>
           <a:xfrm>
-            <a:off x="1828800" y="2057400"/>
-            <a:ext cx="5544324" cy="3743848"/>
+            <a:off x="457200" y="0"/>
+            <a:ext cx="8229600" cy="914400"/>
           </a:xfrm>
-          <a:prstGeom prst="rect">
-            <a:avLst/>
-          </a:prstGeom>
           <a:noFill/>
         </p:spPr>
-      </p:pic>
+        <p:txBody>
+          <a:bodyPr lIns="91440" tIns="0" bIns="0">
+            <a:normAutofit/>
+          </a:bodyPr>
+          <a:lstStyle/>
+          <a:p>
+            <a:r>
+              <a:rPr lang="en-US" dirty="0" smtClean="0"/>
+              <a:t>Agenda</a:t>
+            </a:r>
+            <a:endParaRPr lang="en-US" dirty="0"/>
+          </a:p>
+        </p:txBody>
+      </p:sp>
+      <p:sp>
+        <p:nvSpPr>
+          <p:cNvPr id="6" name="Content Placeholder 5"/>
+          <p:cNvSpPr>
+            <a:spLocks noGrp="1"/>
+          </p:cNvSpPr>
+          <p:nvPr>
+            <p:ph idx="1"/>
+          </p:nvPr>
+        </p:nvSpPr>
+        <p:spPr>
+          <a:xfrm>
+            <a:off x="457200" y="1219200"/>
+            <a:ext cx="8229600" cy="5181600"/>
+          </a:xfrm>
+        </p:spPr>
+        <p:txBody>
+          <a:bodyPr/>
+          <a:lstStyle/>
+          <a:p>
+            <a:r>
+              <a:rPr lang="en-US" dirty="0" smtClean="0">
+                <a:solidFill>
+                  <a:schemeClr val="bg1">
+                    <a:lumMod val="65000"/>
+                  </a:schemeClr>
+                </a:solidFill>
+              </a:rPr>
+              <a:t>System Overview</a:t>
+            </a:r>
+          </a:p>
+          <a:p>
+            <a:r>
+              <a:rPr lang="en-US" dirty="0" smtClean="0">
+                <a:solidFill>
+                  <a:schemeClr val="bg1">
+                    <a:lumMod val="65000"/>
+                  </a:schemeClr>
+                </a:solidFill>
+              </a:rPr>
+              <a:t>Hardware</a:t>
+            </a:r>
+          </a:p>
+          <a:p>
+            <a:r>
+              <a:rPr lang="en-US" dirty="0" smtClean="0">
+                <a:solidFill>
+                  <a:schemeClr val="bg1">
+                    <a:lumMod val="65000"/>
+                  </a:schemeClr>
+                </a:solidFill>
+              </a:rPr>
+              <a:t>Firmware</a:t>
+            </a:r>
+          </a:p>
+          <a:p>
+            <a:r>
+              <a:rPr lang="en-US" dirty="0" smtClean="0">
+                <a:solidFill>
+                  <a:schemeClr val="bg1">
+                    <a:lumMod val="65000"/>
+                  </a:schemeClr>
+                </a:solidFill>
+              </a:rPr>
+              <a:t>Software</a:t>
+            </a:r>
+          </a:p>
+          <a:p>
+            <a:r>
+              <a:rPr lang="en-US" dirty="0" smtClean="0"/>
+              <a:t>Deployment</a:t>
+            </a:r>
+          </a:p>
+          <a:p>
+            <a:r>
+              <a:rPr lang="en-US" dirty="0" smtClean="0">
+                <a:solidFill>
+                  <a:schemeClr val="bg1">
+                    <a:lumMod val="65000"/>
+                  </a:schemeClr>
+                </a:solidFill>
+              </a:rPr>
+              <a:t>Results</a:t>
+            </a:r>
+          </a:p>
+          <a:p>
+            <a:r>
+              <a:rPr lang="en-US" dirty="0" smtClean="0">
+                <a:solidFill>
+                  <a:schemeClr val="bg1">
+                    <a:lumMod val="65000"/>
+                  </a:schemeClr>
+                </a:solidFill>
+              </a:rPr>
+              <a:t>Conclusions</a:t>
+            </a:r>
+          </a:p>
+          <a:p>
+            <a:pPr>
+              <a:buNone/>
+            </a:pPr>
+            <a:endParaRPr lang="en-US" dirty="0"/>
+          </a:p>
+        </p:txBody>
+      </p:sp>
+      <p:sp>
+        <p:nvSpPr>
+          <p:cNvPr id="4" name="Slide Number Placeholder 3"/>
+          <p:cNvSpPr>
+            <a:spLocks noGrp="1"/>
+          </p:cNvSpPr>
+          <p:nvPr>
+            <p:ph type="sldNum" sz="quarter" idx="12"/>
+          </p:nvPr>
+        </p:nvSpPr>
+        <p:spPr/>
+        <p:txBody>
+          <a:bodyPr/>
+          <a:lstStyle/>
+          <a:p>
+            <a:fld id="{23A0C73A-8263-44E0-85DF-600D742C7FF4}" type="slidenum">
+              <a:rPr lang="en-US" smtClean="0"/>
+              <a:pPr/>
+              <a:t>19</a:t>
+            </a:fld>
+            <a:endParaRPr lang="en-US" dirty="0"/>
+          </a:p>
+        </p:txBody>
+      </p:sp>
     </p:spTree>
   </p:cSld>
   <p:clrMapOvr>
     <a:masterClrMapping/>
   </p:clrMapOvr>
+  <p:timing>
+    <p:tnLst>
+      <p:par>
+        <p:cTn id="1" dur="indefinite" restart="never" nodeType="tmRoot"/>
+      </p:par>
+    </p:tnLst>
+  </p:timing>
 </p:sld>
 </file>
 
@@ -5488,6 +7699,30 @@
               <a:rPr lang="en-US" dirty="0" smtClean="0"/>
               <a:t>Accuracy</a:t>
             </a:r>
+            <a:endParaRPr lang="en-US" dirty="0"/>
+          </a:p>
+        </p:txBody>
+      </p:sp>
+      <p:sp>
+        <p:nvSpPr>
+          <p:cNvPr id="4" name="Slide Number Placeholder 3"/>
+          <p:cNvSpPr>
+            <a:spLocks noGrp="1"/>
+          </p:cNvSpPr>
+          <p:nvPr>
+            <p:ph type="sldNum" sz="quarter" idx="12"/>
+          </p:nvPr>
+        </p:nvSpPr>
+        <p:spPr/>
+        <p:txBody>
+          <a:bodyPr/>
+          <a:lstStyle/>
+          <a:p>
+            <a:fld id="{23A0C73A-8263-44E0-85DF-600D742C7FF4}" type="slidenum">
+              <a:rPr lang="en-US" smtClean="0"/>
+              <a:pPr/>
+              <a:t>2</a:t>
+            </a:fld>
             <a:endParaRPr lang="en-US" dirty="0"/>
           </a:p>
         </p:txBody>
@@ -5526,7 +7761,7 @@
       </p:grpSpPr>
       <p:sp>
         <p:nvSpPr>
-          <p:cNvPr id="5" name="Title 4"/>
+          <p:cNvPr id="2" name="Title 1"/>
           <p:cNvSpPr>
             <a:spLocks noGrp="1"/>
           </p:cNvSpPr>
@@ -5534,128 +7769,104 @@
             <p:ph type="title"/>
           </p:nvPr>
         </p:nvSpPr>
-        <p:spPr>
-          <a:xfrm>
-            <a:off x="457200" y="0"/>
-            <a:ext cx="8229600" cy="914400"/>
-          </a:xfrm>
-          <a:noFill/>
-        </p:spPr>
-        <p:txBody>
-          <a:bodyPr lIns="91440" tIns="0" bIns="0">
+        <p:spPr/>
+        <p:txBody>
+          <a:bodyPr/>
+          <a:lstStyle/>
+          <a:p>
+            <a:r>
+              <a:rPr lang="en-US" dirty="0" smtClean="0"/>
+              <a:t>Deployment</a:t>
+            </a:r>
+            <a:endParaRPr lang="en-US" dirty="0"/>
+          </a:p>
+        </p:txBody>
+      </p:sp>
+      <p:sp>
+        <p:nvSpPr>
+          <p:cNvPr id="3" name="Content Placeholder 2"/>
+          <p:cNvSpPr>
+            <a:spLocks noGrp="1"/>
+          </p:cNvSpPr>
+          <p:nvPr>
+            <p:ph idx="1"/>
+          </p:nvPr>
+        </p:nvSpPr>
+        <p:spPr/>
+        <p:txBody>
+          <a:bodyPr>
             <a:normAutofit/>
           </a:bodyPr>
           <a:lstStyle/>
           <a:p>
             <a:r>
               <a:rPr lang="en-US" dirty="0" smtClean="0"/>
-              <a:t>Agenda</a:t>
-            </a:r>
+              <a:t>Detector placement</a:t>
+            </a:r>
+          </a:p>
+          <a:p>
+            <a:r>
+              <a:rPr lang="en-US" dirty="0" smtClean="0"/>
+              <a:t>Calibration density</a:t>
+            </a:r>
+          </a:p>
+          <a:p>
+            <a:r>
+              <a:rPr lang="en-US" dirty="0" smtClean="0"/>
+              <a:t>Each tag has a unique ID with respect to other tags</a:t>
+            </a:r>
+          </a:p>
+          <a:p>
+            <a:r>
+              <a:rPr lang="en-US" dirty="0" smtClean="0"/>
+              <a:t>Each detector has a unique ID with respect to other detectors</a:t>
+            </a:r>
+          </a:p>
+          <a:p>
+            <a:r>
+              <a:rPr lang="en-US" dirty="0" smtClean="0"/>
+              <a:t>Proxy possible configurations </a:t>
+            </a:r>
+          </a:p>
+          <a:p>
+            <a:pPr lvl="1"/>
+            <a:r>
+              <a:rPr lang="en-US" dirty="0" smtClean="0"/>
+              <a:t>Proxy must have access to LAN</a:t>
+            </a:r>
+          </a:p>
+          <a:p>
+            <a:pPr lvl="1"/>
+            <a:r>
+              <a:rPr lang="en-US" dirty="0" smtClean="0"/>
+              <a:t>Proxy must create an Ad-Hoc Access point for Controller to connect to</a:t>
+            </a:r>
+          </a:p>
+          <a:p>
             <a:endParaRPr lang="en-US" dirty="0"/>
           </a:p>
         </p:txBody>
       </p:sp>
       <p:sp>
         <p:nvSpPr>
-          <p:cNvPr id="6" name="Content Placeholder 5"/>
-          <p:cNvSpPr>
-            <a:spLocks noGrp="1"/>
-          </p:cNvSpPr>
-          <p:nvPr>
-            <p:ph idx="1"/>
-          </p:nvPr>
-        </p:nvSpPr>
-        <p:spPr>
-          <a:xfrm>
-            <a:off x="457200" y="1219200"/>
-            <a:ext cx="8229600" cy="5181600"/>
-          </a:xfrm>
-        </p:spPr>
+          <p:cNvPr id="4" name="Slide Number Placeholder 3"/>
+          <p:cNvSpPr>
+            <a:spLocks noGrp="1"/>
+          </p:cNvSpPr>
+          <p:nvPr>
+            <p:ph type="sldNum" sz="quarter" idx="12"/>
+          </p:nvPr>
+        </p:nvSpPr>
+        <p:spPr/>
         <p:txBody>
           <a:bodyPr/>
           <a:lstStyle/>
           <a:p>
-            <a:r>
-              <a:rPr lang="en-US" dirty="0" smtClean="0">
-                <a:solidFill>
-                  <a:schemeClr val="bg1">
-                    <a:lumMod val="65000"/>
-                  </a:schemeClr>
-                </a:solidFill>
-              </a:rPr>
-              <a:t>System Overview</a:t>
-            </a:r>
-          </a:p>
-          <a:p>
-            <a:r>
-              <a:rPr lang="en-US" dirty="0" smtClean="0">
-                <a:solidFill>
-                  <a:schemeClr val="bg1">
-                    <a:lumMod val="65000"/>
-                  </a:schemeClr>
-                </a:solidFill>
-              </a:rPr>
-              <a:t>Hardware</a:t>
-            </a:r>
-          </a:p>
-          <a:p>
-            <a:r>
-              <a:rPr lang="en-US" dirty="0" smtClean="0">
-                <a:solidFill>
-                  <a:schemeClr val="bg1">
-                    <a:lumMod val="65000"/>
-                  </a:schemeClr>
-                </a:solidFill>
-              </a:rPr>
-              <a:t>Firmware</a:t>
-            </a:r>
-          </a:p>
-          <a:p>
-            <a:r>
-              <a:rPr lang="en-US" dirty="0" smtClean="0">
-                <a:solidFill>
-                  <a:schemeClr val="bg1">
-                    <a:lumMod val="65000"/>
-                  </a:schemeClr>
-                </a:solidFill>
-              </a:rPr>
-              <a:t>Software</a:t>
-            </a:r>
-          </a:p>
-          <a:p>
-            <a:r>
-              <a:rPr lang="en-US" dirty="0" smtClean="0">
-                <a:solidFill>
-                  <a:schemeClr val="bg1">
-                    <a:lumMod val="65000"/>
-                  </a:schemeClr>
-                </a:solidFill>
-              </a:rPr>
-              <a:t>Deployment</a:t>
-            </a:r>
-          </a:p>
-          <a:p>
-            <a:r>
-              <a:rPr lang="en-US" dirty="0" smtClean="0"/>
-              <a:t>Results</a:t>
-            </a:r>
-          </a:p>
-          <a:p>
-            <a:r>
-              <a:rPr lang="en-US" dirty="0" smtClean="0">
-                <a:solidFill>
-                  <a:schemeClr val="bg1">
-                    <a:lumMod val="65000"/>
-                  </a:schemeClr>
-                </a:solidFill>
-              </a:rPr>
-              <a:t>Conclusions</a:t>
-            </a:r>
-          </a:p>
-          <a:p>
-            <a:pPr>
-              <a:buNone/>
-            </a:pPr>
+            <a:fld id="{23A0C73A-8263-44E0-85DF-600D742C7FF4}" type="slidenum">
+              <a:rPr lang="en-US" smtClean="0"/>
+              <a:pPr/>
+              <a:t>20</a:t>
+            </a:fld>
             <a:endParaRPr lang="en-US" dirty="0"/>
           </a:p>
         </p:txBody>
@@ -5709,6 +7920,321 @@
           <a:p>
             <a:r>
               <a:rPr lang="en-US" dirty="0" smtClean="0"/>
+              <a:t>Deployment</a:t>
+            </a:r>
+            <a:endParaRPr lang="en-US" dirty="0"/>
+          </a:p>
+        </p:txBody>
+      </p:sp>
+      <p:sp>
+        <p:nvSpPr>
+          <p:cNvPr id="3" name="Content Placeholder 2"/>
+          <p:cNvSpPr>
+            <a:spLocks noGrp="1"/>
+          </p:cNvSpPr>
+          <p:nvPr>
+            <p:ph idx="1"/>
+          </p:nvPr>
+        </p:nvSpPr>
+        <p:spPr/>
+        <p:txBody>
+          <a:bodyPr/>
+          <a:lstStyle/>
+          <a:p>
+            <a:endParaRPr lang="en-US" dirty="0"/>
+          </a:p>
+        </p:txBody>
+      </p:sp>
+      <p:pic>
+        <p:nvPicPr>
+          <p:cNvPr id="36866" name="Picture 2" descr="D:\Courses\2010-2011\Capstone\Docs\Images\MapDetectableRangePresentation.png"/>
+          <p:cNvPicPr>
+            <a:picLocks noChangeAspect="1" noChangeArrowheads="1"/>
+          </p:cNvPicPr>
+          <p:nvPr/>
+        </p:nvPicPr>
+        <p:blipFill>
+          <a:blip r:embed="rId2" cstate="print"/>
+          <a:stretch>
+            <a:fillRect/>
+          </a:stretch>
+        </p:blipFill>
+        <p:spPr bwMode="auto">
+          <a:xfrm>
+            <a:off x="1828800" y="2057400"/>
+            <a:ext cx="5544324" cy="3743848"/>
+          </a:xfrm>
+          <a:prstGeom prst="rect">
+            <a:avLst/>
+          </a:prstGeom>
+          <a:noFill/>
+        </p:spPr>
+      </p:pic>
+      <p:sp>
+        <p:nvSpPr>
+          <p:cNvPr id="5" name="Slide Number Placeholder 4"/>
+          <p:cNvSpPr>
+            <a:spLocks noGrp="1"/>
+          </p:cNvSpPr>
+          <p:nvPr>
+            <p:ph type="sldNum" sz="quarter" idx="12"/>
+          </p:nvPr>
+        </p:nvSpPr>
+        <p:spPr/>
+        <p:txBody>
+          <a:bodyPr/>
+          <a:lstStyle/>
+          <a:p>
+            <a:fld id="{23A0C73A-8263-44E0-85DF-600D742C7FF4}" type="slidenum">
+              <a:rPr lang="en-US" smtClean="0"/>
+              <a:pPr/>
+              <a:t>21</a:t>
+            </a:fld>
+            <a:endParaRPr lang="en-US" dirty="0"/>
+          </a:p>
+        </p:txBody>
+      </p:sp>
+    </p:spTree>
+  </p:cSld>
+  <p:clrMapOvr>
+    <a:masterClrMapping/>
+  </p:clrMapOvr>
+  <p:timing>
+    <p:tnLst>
+      <p:par>
+        <p:cTn id="1" dur="indefinite" restart="never" nodeType="tmRoot"/>
+      </p:par>
+    </p:tnLst>
+  </p:timing>
+</p:sld>
+</file>
+
+<file path=ppt/slides/slide22.xml><?xml version="1.0" encoding="utf-8"?>
+<p:sld xmlns:a="http://schemas.openxmlformats.org/drawingml/2006/main" xmlns:r="http://schemas.openxmlformats.org/officeDocument/2006/relationships" xmlns:p="http://schemas.openxmlformats.org/presentationml/2006/main">
+  <p:cSld>
+    <p:spTree>
+      <p:nvGrpSpPr>
+        <p:cNvPr id="1" name=""/>
+        <p:cNvGrpSpPr/>
+        <p:nvPr/>
+      </p:nvGrpSpPr>
+      <p:grpSpPr>
+        <a:xfrm>
+          <a:off x="0" y="0"/>
+          <a:ext cx="0" cy="0"/>
+          <a:chOff x="0" y="0"/>
+          <a:chExt cx="0" cy="0"/>
+        </a:xfrm>
+      </p:grpSpPr>
+      <p:sp>
+        <p:nvSpPr>
+          <p:cNvPr id="5" name="Title 4"/>
+          <p:cNvSpPr>
+            <a:spLocks noGrp="1"/>
+          </p:cNvSpPr>
+          <p:nvPr>
+            <p:ph type="title"/>
+          </p:nvPr>
+        </p:nvSpPr>
+        <p:spPr>
+          <a:xfrm>
+            <a:off x="457200" y="0"/>
+            <a:ext cx="8229600" cy="914400"/>
+          </a:xfrm>
+          <a:noFill/>
+        </p:spPr>
+        <p:txBody>
+          <a:bodyPr lIns="91440" tIns="0" bIns="0">
+            <a:normAutofit/>
+          </a:bodyPr>
+          <a:lstStyle/>
+          <a:p>
+            <a:r>
+              <a:rPr lang="en-US" dirty="0" smtClean="0"/>
+              <a:t>Agenda</a:t>
+            </a:r>
+            <a:endParaRPr lang="en-US" dirty="0"/>
+          </a:p>
+        </p:txBody>
+      </p:sp>
+      <p:sp>
+        <p:nvSpPr>
+          <p:cNvPr id="6" name="Content Placeholder 5"/>
+          <p:cNvSpPr>
+            <a:spLocks noGrp="1"/>
+          </p:cNvSpPr>
+          <p:nvPr>
+            <p:ph idx="1"/>
+          </p:nvPr>
+        </p:nvSpPr>
+        <p:spPr>
+          <a:xfrm>
+            <a:off x="457200" y="1219200"/>
+            <a:ext cx="8229600" cy="5181600"/>
+          </a:xfrm>
+        </p:spPr>
+        <p:txBody>
+          <a:bodyPr/>
+          <a:lstStyle/>
+          <a:p>
+            <a:r>
+              <a:rPr lang="en-US" dirty="0" smtClean="0">
+                <a:solidFill>
+                  <a:schemeClr val="bg1">
+                    <a:lumMod val="65000"/>
+                  </a:schemeClr>
+                </a:solidFill>
+              </a:rPr>
+              <a:t>System Overview</a:t>
+            </a:r>
+          </a:p>
+          <a:p>
+            <a:r>
+              <a:rPr lang="en-US" dirty="0" smtClean="0">
+                <a:solidFill>
+                  <a:schemeClr val="bg1">
+                    <a:lumMod val="65000"/>
+                  </a:schemeClr>
+                </a:solidFill>
+              </a:rPr>
+              <a:t>Hardware</a:t>
+            </a:r>
+          </a:p>
+          <a:p>
+            <a:r>
+              <a:rPr lang="en-US" dirty="0" smtClean="0">
+                <a:solidFill>
+                  <a:schemeClr val="bg1">
+                    <a:lumMod val="65000"/>
+                  </a:schemeClr>
+                </a:solidFill>
+              </a:rPr>
+              <a:t>Firmware</a:t>
+            </a:r>
+          </a:p>
+          <a:p>
+            <a:r>
+              <a:rPr lang="en-US" dirty="0" smtClean="0">
+                <a:solidFill>
+                  <a:schemeClr val="bg1">
+                    <a:lumMod val="65000"/>
+                  </a:schemeClr>
+                </a:solidFill>
+              </a:rPr>
+              <a:t>Software</a:t>
+            </a:r>
+          </a:p>
+          <a:p>
+            <a:r>
+              <a:rPr lang="en-US" dirty="0" smtClean="0">
+                <a:solidFill>
+                  <a:schemeClr val="bg1">
+                    <a:lumMod val="65000"/>
+                  </a:schemeClr>
+                </a:solidFill>
+              </a:rPr>
+              <a:t>Deployment</a:t>
+            </a:r>
+          </a:p>
+          <a:p>
+            <a:r>
+              <a:rPr lang="en-US" dirty="0" smtClean="0"/>
+              <a:t>Results</a:t>
+            </a:r>
+          </a:p>
+          <a:p>
+            <a:r>
+              <a:rPr lang="en-US" dirty="0" smtClean="0">
+                <a:solidFill>
+                  <a:schemeClr val="bg1">
+                    <a:lumMod val="65000"/>
+                  </a:schemeClr>
+                </a:solidFill>
+              </a:rPr>
+              <a:t>Conclusions</a:t>
+            </a:r>
+          </a:p>
+          <a:p>
+            <a:pPr>
+              <a:buNone/>
+            </a:pPr>
+            <a:endParaRPr lang="en-US" dirty="0"/>
+          </a:p>
+        </p:txBody>
+      </p:sp>
+      <p:sp>
+        <p:nvSpPr>
+          <p:cNvPr id="4" name="Slide Number Placeholder 3"/>
+          <p:cNvSpPr>
+            <a:spLocks noGrp="1"/>
+          </p:cNvSpPr>
+          <p:nvPr>
+            <p:ph type="sldNum" sz="quarter" idx="12"/>
+          </p:nvPr>
+        </p:nvSpPr>
+        <p:spPr/>
+        <p:txBody>
+          <a:bodyPr/>
+          <a:lstStyle/>
+          <a:p>
+            <a:fld id="{23A0C73A-8263-44E0-85DF-600D742C7FF4}" type="slidenum">
+              <a:rPr lang="en-US" smtClean="0"/>
+              <a:pPr/>
+              <a:t>22</a:t>
+            </a:fld>
+            <a:endParaRPr lang="en-US" dirty="0"/>
+          </a:p>
+        </p:txBody>
+      </p:sp>
+    </p:spTree>
+  </p:cSld>
+  <p:clrMapOvr>
+    <a:masterClrMapping/>
+  </p:clrMapOvr>
+  <p:timing>
+    <p:tnLst>
+      <p:par>
+        <p:cTn id="1" dur="indefinite" restart="never" nodeType="tmRoot"/>
+      </p:par>
+    </p:tnLst>
+  </p:timing>
+</p:sld>
+</file>
+
+<file path=ppt/slides/slide23.xml><?xml version="1.0" encoding="utf-8"?>
+<p:sld xmlns:a="http://schemas.openxmlformats.org/drawingml/2006/main" xmlns:r="http://schemas.openxmlformats.org/officeDocument/2006/relationships" xmlns:p="http://schemas.openxmlformats.org/presentationml/2006/main">
+  <p:cSld>
+    <p:spTree>
+      <p:nvGrpSpPr>
+        <p:cNvPr id="1" name=""/>
+        <p:cNvGrpSpPr/>
+        <p:nvPr/>
+      </p:nvGrpSpPr>
+      <p:grpSpPr>
+        <a:xfrm>
+          <a:off x="0" y="0"/>
+          <a:ext cx="0" cy="0"/>
+          <a:chOff x="0" y="0"/>
+          <a:chExt cx="0" cy="0"/>
+        </a:xfrm>
+      </p:grpSpPr>
+      <p:sp>
+        <p:nvSpPr>
+          <p:cNvPr id="2" name="Title 1"/>
+          <p:cNvSpPr>
+            <a:spLocks noGrp="1"/>
+          </p:cNvSpPr>
+          <p:nvPr>
+            <p:ph type="title"/>
+          </p:nvPr>
+        </p:nvSpPr>
+        <p:spPr/>
+        <p:txBody>
+          <a:bodyPr/>
+          <a:lstStyle/>
+          <a:p>
+            <a:r>
+              <a:rPr lang="en-US" dirty="0" smtClean="0"/>
               <a:t>Results</a:t>
             </a:r>
             <a:endParaRPr lang="en-US" dirty="0"/>
@@ -5764,15 +8290,46 @@
           <a:noFill/>
         </p:spPr>
       </p:pic>
+      <p:sp>
+        <p:nvSpPr>
+          <p:cNvPr id="5" name="Slide Number Placeholder 4"/>
+          <p:cNvSpPr>
+            <a:spLocks noGrp="1"/>
+          </p:cNvSpPr>
+          <p:nvPr>
+            <p:ph type="sldNum" sz="quarter" idx="12"/>
+          </p:nvPr>
+        </p:nvSpPr>
+        <p:spPr/>
+        <p:txBody>
+          <a:bodyPr/>
+          <a:lstStyle/>
+          <a:p>
+            <a:fld id="{23A0C73A-8263-44E0-85DF-600D742C7FF4}" type="slidenum">
+              <a:rPr lang="en-US" smtClean="0"/>
+              <a:pPr/>
+              <a:t>23</a:t>
+            </a:fld>
+            <a:endParaRPr lang="en-US" dirty="0"/>
+          </a:p>
+        </p:txBody>
+      </p:sp>
     </p:spTree>
   </p:cSld>
   <p:clrMapOvr>
     <a:masterClrMapping/>
   </p:clrMapOvr>
+  <p:timing>
+    <p:tnLst>
+      <p:par>
+        <p:cTn id="1" dur="indefinite" restart="never" nodeType="tmRoot"/>
+      </p:par>
+    </p:tnLst>
+  </p:timing>
 </p:sld>
 </file>
 
-<file path=ppt/slides/slide22.xml><?xml version="1.0" encoding="utf-8"?>
+<file path=ppt/slides/slide24.xml><?xml version="1.0" encoding="utf-8"?>
 <p:sld xmlns:a="http://schemas.openxmlformats.org/drawingml/2006/main" xmlns:r="http://schemas.openxmlformats.org/officeDocument/2006/relationships" xmlns:p="http://schemas.openxmlformats.org/presentationml/2006/main">
   <p:cSld>
     <p:spTree>
@@ -6308,39 +8865,14 @@
           </a:p>
         </p:txBody>
       </p:sp>
-    </p:spTree>
-  </p:cSld>
-  <p:clrMapOvr>
-    <a:masterClrMapping/>
-  </p:clrMapOvr>
-</p:sld>
-</file>
-
-<file path=ppt/slides/slide23.xml><?xml version="1.0" encoding="utf-8"?>
-<p:sld xmlns:a="http://schemas.openxmlformats.org/drawingml/2006/main" xmlns:r="http://schemas.openxmlformats.org/officeDocument/2006/relationships" xmlns:p="http://schemas.openxmlformats.org/presentationml/2006/main">
-  <p:cSld>
-    <p:spTree>
-      <p:nvGrpSpPr>
-        <p:cNvPr id="1" name=""/>
-        <p:cNvGrpSpPr/>
-        <p:nvPr/>
-      </p:nvGrpSpPr>
-      <p:grpSpPr>
-        <a:xfrm>
-          <a:off x="0" y="0"/>
-          <a:ext cx="0" cy="0"/>
-          <a:chOff x="0" y="0"/>
-          <a:chExt cx="0" cy="0"/>
-        </a:xfrm>
-      </p:grpSpPr>
-      <p:sp>
-        <p:nvSpPr>
-          <p:cNvPr id="2" name="Title 1"/>
-          <p:cNvSpPr>
-            <a:spLocks noGrp="1"/>
-          </p:cNvSpPr>
-          <p:nvPr>
-            <p:ph type="title"/>
+      <p:sp>
+        <p:nvSpPr>
+          <p:cNvPr id="14" name="Slide Number Placeholder 13"/>
+          <p:cNvSpPr>
+            <a:spLocks noGrp="1"/>
+          </p:cNvSpPr>
+          <p:nvPr>
+            <p:ph type="sldNum" sz="quarter" idx="12"/>
           </p:nvPr>
         </p:nvSpPr>
         <p:spPr/>
@@ -6348,233 +8880,11 @@
           <a:bodyPr/>
           <a:lstStyle/>
           <a:p>
-            <a:r>
-              <a:rPr lang="en-US" dirty="0" smtClean="0"/>
-              <a:t>Results</a:t>
-            </a:r>
-            <a:endParaRPr lang="en-US" dirty="0"/>
-          </a:p>
-        </p:txBody>
-      </p:sp>
-      <p:sp>
-        <p:nvSpPr>
-          <p:cNvPr id="3" name="Content Placeholder 2"/>
-          <p:cNvSpPr>
-            <a:spLocks noGrp="1"/>
-          </p:cNvSpPr>
-          <p:nvPr>
-            <p:ph idx="1"/>
-          </p:nvPr>
-        </p:nvSpPr>
-        <p:spPr/>
-        <p:txBody>
-          <a:bodyPr/>
-          <a:lstStyle/>
-          <a:p>
-            <a:r>
-              <a:rPr lang="en-US" dirty="0" smtClean="0"/>
-              <a:t>Accuracy</a:t>
-            </a:r>
-          </a:p>
-          <a:p>
-            <a:pPr lvl="1"/>
-            <a:r>
-              <a:rPr lang="en-US" dirty="0" smtClean="0"/>
-              <a:t>Average 2m</a:t>
-            </a:r>
-          </a:p>
-          <a:p>
-            <a:pPr lvl="1"/>
-            <a:r>
-              <a:rPr lang="en-US" dirty="0" smtClean="0"/>
-              <a:t>Less than 1m at calibration points</a:t>
-            </a:r>
-            <a:endParaRPr lang="en-US" dirty="0"/>
-          </a:p>
-        </p:txBody>
-      </p:sp>
-      <p:pic>
-        <p:nvPicPr>
-          <p:cNvPr id="5121" name="Picture 1" descr="D:\Courses\2010-2011\Capstone\Docs\Images\AccuracyPlot.png"/>
-          <p:cNvPicPr>
-            <a:picLocks noChangeAspect="1" noChangeArrowheads="1"/>
-          </p:cNvPicPr>
-          <p:nvPr/>
-        </p:nvPicPr>
-        <p:blipFill>
-          <a:blip r:embed="rId3" cstate="print"/>
-          <a:stretch>
-            <a:fillRect/>
-          </a:stretch>
-        </p:blipFill>
-        <p:spPr bwMode="auto">
-          <a:xfrm>
-            <a:off x="1143857" y="3101723"/>
-            <a:ext cx="6857143" cy="3070477"/>
-          </a:xfrm>
-          <a:prstGeom prst="rect">
-            <a:avLst/>
-          </a:prstGeom>
-          <a:noFill/>
-        </p:spPr>
-      </p:pic>
-    </p:spTree>
-  </p:cSld>
-  <p:clrMapOvr>
-    <a:masterClrMapping/>
-  </p:clrMapOvr>
-</p:sld>
-</file>
-
-<file path=ppt/slides/slide24.xml><?xml version="1.0" encoding="utf-8"?>
-<p:sld xmlns:a="http://schemas.openxmlformats.org/drawingml/2006/main" xmlns:r="http://schemas.openxmlformats.org/officeDocument/2006/relationships" xmlns:p="http://schemas.openxmlformats.org/presentationml/2006/main">
-  <p:cSld>
-    <p:spTree>
-      <p:nvGrpSpPr>
-        <p:cNvPr id="1" name=""/>
-        <p:cNvGrpSpPr/>
-        <p:nvPr/>
-      </p:nvGrpSpPr>
-      <p:grpSpPr>
-        <a:xfrm>
-          <a:off x="0" y="0"/>
-          <a:ext cx="0" cy="0"/>
-          <a:chOff x="0" y="0"/>
-          <a:chExt cx="0" cy="0"/>
-        </a:xfrm>
-      </p:grpSpPr>
-      <p:sp>
-        <p:nvSpPr>
-          <p:cNvPr id="5" name="Title 4"/>
-          <p:cNvSpPr>
-            <a:spLocks noGrp="1"/>
-          </p:cNvSpPr>
-          <p:nvPr>
-            <p:ph type="title"/>
-          </p:nvPr>
-        </p:nvSpPr>
-        <p:spPr>
-          <a:xfrm>
-            <a:off x="457200" y="0"/>
-            <a:ext cx="8229600" cy="914400"/>
-          </a:xfrm>
-          <a:noFill/>
-        </p:spPr>
-        <p:txBody>
-          <a:bodyPr lIns="91440" tIns="0" bIns="0">
-            <a:normAutofit/>
-          </a:bodyPr>
-          <a:lstStyle/>
-          <a:p>
-            <a:r>
-              <a:rPr lang="en-US" dirty="0" smtClean="0"/>
-              <a:t>Agenda</a:t>
-            </a:r>
-            <a:endParaRPr lang="en-US" dirty="0"/>
-          </a:p>
-        </p:txBody>
-      </p:sp>
-      <p:sp>
-        <p:nvSpPr>
-          <p:cNvPr id="6" name="Content Placeholder 5"/>
-          <p:cNvSpPr>
-            <a:spLocks noGrp="1"/>
-          </p:cNvSpPr>
-          <p:nvPr>
-            <p:ph idx="1"/>
-          </p:nvPr>
-        </p:nvSpPr>
-        <p:spPr>
-          <a:xfrm>
-            <a:off x="457200" y="1219200"/>
-            <a:ext cx="8229600" cy="5181600"/>
-          </a:xfrm>
-        </p:spPr>
-        <p:txBody>
-          <a:bodyPr/>
-          <a:lstStyle/>
-          <a:p>
-            <a:r>
-              <a:rPr lang="en-US" dirty="0" smtClean="0">
-                <a:solidFill>
-                  <a:schemeClr val="bg1">
-                    <a:lumMod val="65000"/>
-                  </a:schemeClr>
-                </a:solidFill>
-              </a:rPr>
-              <a:t>System Overview</a:t>
-            </a:r>
-          </a:p>
-          <a:p>
-            <a:r>
-              <a:rPr lang="en-US" dirty="0" smtClean="0">
-                <a:solidFill>
-                  <a:schemeClr val="bg1">
-                    <a:lumMod val="65000"/>
-                  </a:schemeClr>
-                </a:solidFill>
-              </a:rPr>
-              <a:t>Hardware</a:t>
-            </a:r>
-          </a:p>
-          <a:p>
-            <a:r>
-              <a:rPr lang="en-US" dirty="0" smtClean="0">
-                <a:solidFill>
-                  <a:schemeClr val="bg1">
-                    <a:lumMod val="65000"/>
-                  </a:schemeClr>
-                </a:solidFill>
-              </a:rPr>
-              <a:t>Firmware</a:t>
-            </a:r>
-          </a:p>
-          <a:p>
-            <a:r>
-              <a:rPr lang="en-US" dirty="0" smtClean="0">
-                <a:solidFill>
-                  <a:schemeClr val="bg1">
-                    <a:lumMod val="65000"/>
-                  </a:schemeClr>
-                </a:solidFill>
-              </a:rPr>
-              <a:t>Software</a:t>
-            </a:r>
-          </a:p>
-          <a:p>
-            <a:r>
-              <a:rPr lang="en-US" dirty="0" smtClean="0">
-                <a:solidFill>
-                  <a:schemeClr val="bg1">
-                    <a:lumMod val="65000"/>
-                  </a:schemeClr>
-                </a:solidFill>
-              </a:rPr>
-              <a:t>Deployment</a:t>
-            </a:r>
-          </a:p>
-          <a:p>
-            <a:r>
-              <a:rPr lang="en-US" dirty="0" smtClean="0">
-                <a:solidFill>
-                  <a:schemeClr val="bg1">
-                    <a:lumMod val="65000"/>
-                  </a:schemeClr>
-                </a:solidFill>
-              </a:rPr>
-              <a:t>Results</a:t>
-            </a:r>
-          </a:p>
-          <a:p>
-            <a:r>
-              <a:rPr lang="en-US" dirty="0" smtClean="0"/>
-              <a:t>Conclusions</a:t>
-            </a:r>
-          </a:p>
-          <a:p>
-            <a:pPr>
-              <a:buNone/>
-            </a:pPr>
+            <a:fld id="{23A0C73A-8263-44E0-85DF-600D742C7FF4}" type="slidenum">
+              <a:rPr lang="en-US" smtClean="0"/>
+              <a:pPr/>
+              <a:t>24</a:t>
+            </a:fld>
             <a:endParaRPr lang="en-US" dirty="0"/>
           </a:p>
         </p:txBody>
@@ -6628,7 +8938,7 @@
           <a:p>
             <a:r>
               <a:rPr lang="en-US" dirty="0" smtClean="0"/>
-              <a:t>Conclusions</a:t>
+              <a:t>Results</a:t>
             </a:r>
             <a:endParaRPr lang="en-US" dirty="0"/>
           </a:p>
@@ -6651,48 +8961,71 @@
           <a:p>
             <a:r>
               <a:rPr lang="en-US" dirty="0" smtClean="0"/>
-              <a:t>Antenna design</a:t>
-            </a:r>
-          </a:p>
-          <a:p>
-            <a:r>
-              <a:rPr lang="en-US" dirty="0" smtClean="0"/>
-              <a:t>More testing</a:t>
+              <a:t>Accuracy</a:t>
             </a:r>
           </a:p>
           <a:p>
             <a:pPr lvl="1"/>
             <a:r>
               <a:rPr lang="en-US" dirty="0" smtClean="0"/>
-              <a:t>Calibration density</a:t>
+              <a:t>Average 2m</a:t>
             </a:r>
           </a:p>
           <a:p>
             <a:pPr lvl="1"/>
             <a:r>
               <a:rPr lang="en-US" dirty="0" smtClean="0"/>
-              <a:t>Detector placement</a:t>
-            </a:r>
-          </a:p>
-          <a:p>
-            <a:r>
-              <a:rPr lang="en-US" dirty="0" smtClean="0"/>
-              <a:t>Improve testability</a:t>
-            </a:r>
-          </a:p>
-          <a:p>
-            <a:r>
-              <a:rPr lang="en-US" dirty="0" smtClean="0"/>
-              <a:t>Different algorithms</a:t>
-            </a:r>
-          </a:p>
-          <a:p>
-            <a:r>
-              <a:rPr lang="en-US" dirty="0" smtClean="0"/>
-              <a:t>Environment &amp; signal strength</a:t>
-            </a:r>
-          </a:p>
-          <a:p>
+              <a:t>Less than 1m at calibration points</a:t>
+            </a:r>
+            <a:endParaRPr lang="en-US" dirty="0"/>
+          </a:p>
+        </p:txBody>
+      </p:sp>
+      <p:pic>
+        <p:nvPicPr>
+          <p:cNvPr id="5121" name="Picture 1" descr="D:\Courses\2010-2011\Capstone\Docs\Images\AccuracyPlot.png"/>
+          <p:cNvPicPr>
+            <a:picLocks noChangeAspect="1" noChangeArrowheads="1"/>
+          </p:cNvPicPr>
+          <p:nvPr/>
+        </p:nvPicPr>
+        <p:blipFill>
+          <a:blip r:embed="rId3" cstate="print"/>
+          <a:stretch>
+            <a:fillRect/>
+          </a:stretch>
+        </p:blipFill>
+        <p:spPr bwMode="auto">
+          <a:xfrm>
+            <a:off x="1143857" y="3101723"/>
+            <a:ext cx="6857143" cy="3070477"/>
+          </a:xfrm>
+          <a:prstGeom prst="rect">
+            <a:avLst/>
+          </a:prstGeom>
+          <a:noFill/>
+        </p:spPr>
+      </p:pic>
+      <p:sp>
+        <p:nvSpPr>
+          <p:cNvPr id="5" name="Slide Number Placeholder 4"/>
+          <p:cNvSpPr>
+            <a:spLocks noGrp="1"/>
+          </p:cNvSpPr>
+          <p:nvPr>
+            <p:ph type="sldNum" sz="quarter" idx="12"/>
+          </p:nvPr>
+        </p:nvSpPr>
+        <p:spPr/>
+        <p:txBody>
+          <a:bodyPr/>
+          <a:lstStyle/>
+          <a:p>
+            <a:fld id="{23A0C73A-8263-44E0-85DF-600D742C7FF4}" type="slidenum">
+              <a:rPr lang="en-US" smtClean="0"/>
+              <a:pPr/>
+              <a:t>25</a:t>
+            </a:fld>
             <a:endParaRPr lang="en-US" dirty="0"/>
           </a:p>
         </p:txBody>
@@ -6702,6 +9035,13 @@
   <p:clrMapOvr>
     <a:masterClrMapping/>
   </p:clrMapOvr>
+  <p:timing>
+    <p:tnLst>
+      <p:par>
+        <p:cTn id="1" dur="indefinite" restart="never" nodeType="tmRoot"/>
+      </p:par>
+    </p:tnLst>
+  </p:timing>
 </p:sld>
 </file>
 
@@ -6724,7 +9064,7 @@
       </p:grpSpPr>
       <p:sp>
         <p:nvSpPr>
-          <p:cNvPr id="2" name="Title 1"/>
+          <p:cNvPr id="5" name="Title 4"/>
           <p:cNvSpPr>
             <a:spLocks noGrp="1"/>
           </p:cNvSpPr>
@@ -6732,56 +9072,152 @@
             <p:ph type="title"/>
           </p:nvPr>
         </p:nvSpPr>
+        <p:spPr>
+          <a:xfrm>
+            <a:off x="457200" y="0"/>
+            <a:ext cx="8229600" cy="914400"/>
+          </a:xfrm>
+          <a:noFill/>
+        </p:spPr>
+        <p:txBody>
+          <a:bodyPr lIns="91440" tIns="0" bIns="0">
+            <a:normAutofit/>
+          </a:bodyPr>
+          <a:lstStyle/>
+          <a:p>
+            <a:r>
+              <a:rPr lang="en-US" dirty="0" smtClean="0"/>
+              <a:t>Agenda</a:t>
+            </a:r>
+            <a:endParaRPr lang="en-US" dirty="0"/>
+          </a:p>
+        </p:txBody>
+      </p:sp>
+      <p:sp>
+        <p:nvSpPr>
+          <p:cNvPr id="6" name="Content Placeholder 5"/>
+          <p:cNvSpPr>
+            <a:spLocks noGrp="1"/>
+          </p:cNvSpPr>
+          <p:nvPr>
+            <p:ph idx="1"/>
+          </p:nvPr>
+        </p:nvSpPr>
+        <p:spPr>
+          <a:xfrm>
+            <a:off x="457200" y="1219200"/>
+            <a:ext cx="8229600" cy="5181600"/>
+          </a:xfrm>
+        </p:spPr>
+        <p:txBody>
+          <a:bodyPr/>
+          <a:lstStyle/>
+          <a:p>
+            <a:r>
+              <a:rPr lang="en-US" dirty="0" smtClean="0">
+                <a:solidFill>
+                  <a:schemeClr val="bg1">
+                    <a:lumMod val="65000"/>
+                  </a:schemeClr>
+                </a:solidFill>
+              </a:rPr>
+              <a:t>System Overview</a:t>
+            </a:r>
+          </a:p>
+          <a:p>
+            <a:r>
+              <a:rPr lang="en-US" dirty="0" smtClean="0">
+                <a:solidFill>
+                  <a:schemeClr val="bg1">
+                    <a:lumMod val="65000"/>
+                  </a:schemeClr>
+                </a:solidFill>
+              </a:rPr>
+              <a:t>Hardware</a:t>
+            </a:r>
+          </a:p>
+          <a:p>
+            <a:r>
+              <a:rPr lang="en-US" dirty="0" smtClean="0">
+                <a:solidFill>
+                  <a:schemeClr val="bg1">
+                    <a:lumMod val="65000"/>
+                  </a:schemeClr>
+                </a:solidFill>
+              </a:rPr>
+              <a:t>Firmware</a:t>
+            </a:r>
+          </a:p>
+          <a:p>
+            <a:r>
+              <a:rPr lang="en-US" dirty="0" smtClean="0">
+                <a:solidFill>
+                  <a:schemeClr val="bg1">
+                    <a:lumMod val="65000"/>
+                  </a:schemeClr>
+                </a:solidFill>
+              </a:rPr>
+              <a:t>Software</a:t>
+            </a:r>
+          </a:p>
+          <a:p>
+            <a:r>
+              <a:rPr lang="en-US" dirty="0" smtClean="0">
+                <a:solidFill>
+                  <a:schemeClr val="bg1">
+                    <a:lumMod val="65000"/>
+                  </a:schemeClr>
+                </a:solidFill>
+              </a:rPr>
+              <a:t>Deployment</a:t>
+            </a:r>
+          </a:p>
+          <a:p>
+            <a:r>
+              <a:rPr lang="en-US" dirty="0" smtClean="0">
+                <a:solidFill>
+                  <a:schemeClr val="bg1">
+                    <a:lumMod val="65000"/>
+                  </a:schemeClr>
+                </a:solidFill>
+              </a:rPr>
+              <a:t>Results</a:t>
+            </a:r>
+          </a:p>
+          <a:p>
+            <a:r>
+              <a:rPr lang="en-US" dirty="0" smtClean="0"/>
+              <a:t>Conclusions</a:t>
+            </a:r>
+          </a:p>
+          <a:p>
+            <a:pPr>
+              <a:buNone/>
+            </a:pPr>
+            <a:endParaRPr lang="en-US" dirty="0"/>
+          </a:p>
+        </p:txBody>
+      </p:sp>
+      <p:sp>
+        <p:nvSpPr>
+          <p:cNvPr id="4" name="Slide Number Placeholder 3"/>
+          <p:cNvSpPr>
+            <a:spLocks noGrp="1"/>
+          </p:cNvSpPr>
+          <p:nvPr>
+            <p:ph type="sldNum" sz="quarter" idx="12"/>
+          </p:nvPr>
+        </p:nvSpPr>
         <p:spPr/>
         <p:txBody>
           <a:bodyPr/>
           <a:lstStyle/>
           <a:p>
-            <a:r>
-              <a:rPr lang="en-US" dirty="0" smtClean="0"/>
-              <a:t>Acknowledgement</a:t>
-            </a:r>
-            <a:endParaRPr lang="en-US" dirty="0"/>
-          </a:p>
-        </p:txBody>
-      </p:sp>
-      <p:sp>
-        <p:nvSpPr>
-          <p:cNvPr id="3" name="Content Placeholder 2"/>
-          <p:cNvSpPr>
-            <a:spLocks noGrp="1"/>
-          </p:cNvSpPr>
-          <p:nvPr>
-            <p:ph idx="1"/>
-          </p:nvPr>
-        </p:nvSpPr>
-        <p:spPr/>
-        <p:txBody>
-          <a:bodyPr/>
-          <a:lstStyle/>
-          <a:p>
-            <a:r>
-              <a:rPr lang="en-US" dirty="0" smtClean="0"/>
-              <a:t>Professor Robert Daasch</a:t>
-            </a:r>
-          </a:p>
-          <a:p>
-            <a:r>
-              <a:rPr lang="en-US" dirty="0" smtClean="0"/>
-              <a:t>Alfonso Pereira &amp; </a:t>
-            </a:r>
-            <a:r>
-              <a:rPr lang="en-US" dirty="0" err="1" smtClean="0"/>
-              <a:t>Sameer</a:t>
-            </a:r>
-            <a:r>
-              <a:rPr lang="en-US" dirty="0" smtClean="0"/>
-              <a:t> </a:t>
-            </a:r>
-            <a:r>
-              <a:rPr lang="en-US" dirty="0" err="1" smtClean="0"/>
-              <a:t>Ruiwale</a:t>
-            </a:r>
+            <a:fld id="{23A0C73A-8263-44E0-85DF-600D742C7FF4}" type="slidenum">
+              <a:rPr lang="en-US" smtClean="0"/>
+              <a:pPr/>
+              <a:t>26</a:t>
+            </a:fld>
             <a:endParaRPr lang="en-US" dirty="0"/>
           </a:p>
         </p:txBody>
@@ -6835,7 +9271,7 @@
           <a:p>
             <a:r>
               <a:rPr lang="en-US" dirty="0" smtClean="0"/>
-              <a:t>Demo</a:t>
+              <a:t>Conclusions</a:t>
             </a:r>
             <a:endParaRPr lang="en-US" dirty="0"/>
           </a:p>
@@ -6856,7 +9292,195 @@
           <a:bodyPr/>
           <a:lstStyle/>
           <a:p>
-            <a:endParaRPr lang="en-US"/>
+            <a:r>
+              <a:rPr lang="en-US" dirty="0" smtClean="0"/>
+              <a:t>Antenna design</a:t>
+            </a:r>
+          </a:p>
+          <a:p>
+            <a:r>
+              <a:rPr lang="en-US" dirty="0" smtClean="0"/>
+              <a:t>More testing</a:t>
+            </a:r>
+          </a:p>
+          <a:p>
+            <a:pPr lvl="1"/>
+            <a:r>
+              <a:rPr lang="en-US" dirty="0" smtClean="0"/>
+              <a:t>Calibration density</a:t>
+            </a:r>
+          </a:p>
+          <a:p>
+            <a:pPr lvl="1"/>
+            <a:r>
+              <a:rPr lang="en-US" dirty="0" smtClean="0"/>
+              <a:t>Detector placement</a:t>
+            </a:r>
+          </a:p>
+          <a:p>
+            <a:r>
+              <a:rPr lang="en-US" dirty="0" smtClean="0"/>
+              <a:t>Improve testability</a:t>
+            </a:r>
+          </a:p>
+          <a:p>
+            <a:r>
+              <a:rPr lang="en-US" dirty="0" smtClean="0"/>
+              <a:t>Different algorithms</a:t>
+            </a:r>
+          </a:p>
+          <a:p>
+            <a:r>
+              <a:rPr lang="en-US" dirty="0" smtClean="0"/>
+              <a:t>Environment &amp; signal strength</a:t>
+            </a:r>
+          </a:p>
+          <a:p>
+            <a:endParaRPr lang="en-US" dirty="0"/>
+          </a:p>
+        </p:txBody>
+      </p:sp>
+      <p:sp>
+        <p:nvSpPr>
+          <p:cNvPr id="4" name="Slide Number Placeholder 3"/>
+          <p:cNvSpPr>
+            <a:spLocks noGrp="1"/>
+          </p:cNvSpPr>
+          <p:nvPr>
+            <p:ph type="sldNum" sz="quarter" idx="12"/>
+          </p:nvPr>
+        </p:nvSpPr>
+        <p:spPr/>
+        <p:txBody>
+          <a:bodyPr/>
+          <a:lstStyle/>
+          <a:p>
+            <a:fld id="{23A0C73A-8263-44E0-85DF-600D742C7FF4}" type="slidenum">
+              <a:rPr lang="en-US" smtClean="0"/>
+              <a:pPr/>
+              <a:t>27</a:t>
+            </a:fld>
+            <a:endParaRPr lang="en-US" dirty="0"/>
+          </a:p>
+        </p:txBody>
+      </p:sp>
+    </p:spTree>
+  </p:cSld>
+  <p:clrMapOvr>
+    <a:masterClrMapping/>
+  </p:clrMapOvr>
+  <p:timing>
+    <p:tnLst>
+      <p:par>
+        <p:cTn id="1" dur="indefinite" restart="never" nodeType="tmRoot"/>
+      </p:par>
+    </p:tnLst>
+  </p:timing>
+</p:sld>
+</file>
+
+<file path=ppt/slides/slide28.xml><?xml version="1.0" encoding="utf-8"?>
+<p:sld xmlns:a="http://schemas.openxmlformats.org/drawingml/2006/main" xmlns:r="http://schemas.openxmlformats.org/officeDocument/2006/relationships" xmlns:p="http://schemas.openxmlformats.org/presentationml/2006/main">
+  <p:cSld>
+    <p:spTree>
+      <p:nvGrpSpPr>
+        <p:cNvPr id="1" name=""/>
+        <p:cNvGrpSpPr/>
+        <p:nvPr/>
+      </p:nvGrpSpPr>
+      <p:grpSpPr>
+        <a:xfrm>
+          <a:off x="0" y="0"/>
+          <a:ext cx="0" cy="0"/>
+          <a:chOff x="0" y="0"/>
+          <a:chExt cx="0" cy="0"/>
+        </a:xfrm>
+      </p:grpSpPr>
+      <p:sp>
+        <p:nvSpPr>
+          <p:cNvPr id="2" name="Title 1"/>
+          <p:cNvSpPr>
+            <a:spLocks noGrp="1"/>
+          </p:cNvSpPr>
+          <p:nvPr>
+            <p:ph type="title"/>
+          </p:nvPr>
+        </p:nvSpPr>
+        <p:spPr/>
+        <p:txBody>
+          <a:bodyPr/>
+          <a:lstStyle/>
+          <a:p>
+            <a:r>
+              <a:rPr lang="en-US" dirty="0" smtClean="0"/>
+              <a:t>Acknowledgement</a:t>
+            </a:r>
+            <a:endParaRPr lang="en-US" dirty="0"/>
+          </a:p>
+        </p:txBody>
+      </p:sp>
+      <p:sp>
+        <p:nvSpPr>
+          <p:cNvPr id="3" name="Content Placeholder 2"/>
+          <p:cNvSpPr>
+            <a:spLocks noGrp="1"/>
+          </p:cNvSpPr>
+          <p:nvPr>
+            <p:ph idx="1"/>
+          </p:nvPr>
+        </p:nvSpPr>
+        <p:spPr/>
+        <p:txBody>
+          <a:bodyPr/>
+          <a:lstStyle/>
+          <a:p>
+            <a:r>
+              <a:rPr lang="en-US" dirty="0" smtClean="0"/>
+              <a:t>Professor Robert Daasch</a:t>
+            </a:r>
+          </a:p>
+          <a:p>
+            <a:r>
+              <a:rPr lang="en-US" dirty="0" smtClean="0"/>
+              <a:t>Alfonso Pereira &amp; </a:t>
+            </a:r>
+            <a:r>
+              <a:rPr lang="en-US" dirty="0" err="1" smtClean="0"/>
+              <a:t>Sameer</a:t>
+            </a:r>
+            <a:r>
+              <a:rPr lang="en-US" dirty="0" smtClean="0"/>
+              <a:t> </a:t>
+            </a:r>
+            <a:r>
+              <a:rPr lang="en-US" dirty="0" err="1" smtClean="0"/>
+              <a:t>Ruiwale</a:t>
+            </a:r>
+            <a:endParaRPr lang="en-US" dirty="0"/>
+          </a:p>
+        </p:txBody>
+      </p:sp>
+      <p:sp>
+        <p:nvSpPr>
+          <p:cNvPr id="4" name="Slide Number Placeholder 3"/>
+          <p:cNvSpPr>
+            <a:spLocks noGrp="1"/>
+          </p:cNvSpPr>
+          <p:nvPr>
+            <p:ph type="sldNum" sz="quarter" idx="12"/>
+          </p:nvPr>
+        </p:nvSpPr>
+        <p:spPr/>
+        <p:txBody>
+          <a:bodyPr/>
+          <a:lstStyle/>
+          <a:p>
+            <a:fld id="{23A0C73A-8263-44E0-85DF-600D742C7FF4}" type="slidenum">
+              <a:rPr lang="en-US" smtClean="0"/>
+              <a:pPr/>
+              <a:t>28</a:t>
+            </a:fld>
+            <a:endParaRPr lang="en-US" dirty="0"/>
           </a:p>
         </p:txBody>
       </p:sp>
@@ -7028,6 +9652,30 @@
           </a:p>
         </p:txBody>
       </p:sp>
+      <p:sp>
+        <p:nvSpPr>
+          <p:cNvPr id="4" name="Slide Number Placeholder 3"/>
+          <p:cNvSpPr>
+            <a:spLocks noGrp="1"/>
+          </p:cNvSpPr>
+          <p:nvPr>
+            <p:ph type="sldNum" sz="quarter" idx="12"/>
+          </p:nvPr>
+        </p:nvSpPr>
+        <p:spPr/>
+        <p:txBody>
+          <a:bodyPr/>
+          <a:lstStyle/>
+          <a:p>
+            <a:fld id="{23A0C73A-8263-44E0-85DF-600D742C7FF4}" type="slidenum">
+              <a:rPr lang="en-US" smtClean="0"/>
+              <a:pPr/>
+              <a:t>3</a:t>
+            </a:fld>
+            <a:endParaRPr lang="en-US" dirty="0"/>
+          </a:p>
+        </p:txBody>
+      </p:sp>
     </p:spTree>
   </p:cSld>
   <p:clrMapOvr>
@@ -7083,15 +9731,56 @@
           </a:p>
         </p:txBody>
       </p:sp>
+      <p:sp>
+        <p:nvSpPr>
+          <p:cNvPr id="5" name="Slide Number Placeholder 4"/>
+          <p:cNvSpPr>
+            <a:spLocks noGrp="1"/>
+          </p:cNvSpPr>
+          <p:nvPr>
+            <p:ph type="sldNum" sz="quarter" idx="12"/>
+          </p:nvPr>
+        </p:nvSpPr>
+        <p:spPr/>
+        <p:txBody>
+          <a:bodyPr/>
+          <a:lstStyle/>
+          <a:p>
+            <a:fld id="{23A0C73A-8263-44E0-85DF-600D742C7FF4}" type="slidenum">
+              <a:rPr lang="en-US" smtClean="0"/>
+              <a:pPr/>
+              <a:t>4</a:t>
+            </a:fld>
+            <a:endParaRPr lang="en-US" dirty="0"/>
+          </a:p>
+        </p:txBody>
+      </p:sp>
+      <p:sp>
+        <p:nvSpPr>
+          <p:cNvPr id="6" name="Content Placeholder 5"/>
+          <p:cNvSpPr>
+            <a:spLocks noGrp="1"/>
+          </p:cNvSpPr>
+          <p:nvPr>
+            <p:ph idx="1"/>
+          </p:nvPr>
+        </p:nvSpPr>
+        <p:spPr/>
+        <p:txBody>
+          <a:bodyPr/>
+          <a:lstStyle/>
+          <a:p>
+            <a:endParaRPr lang="en-US" dirty="0"/>
+          </a:p>
+        </p:txBody>
+      </p:sp>
       <p:pic>
         <p:nvPicPr>
-          <p:cNvPr id="4" name="Content Placeholder 3" descr="System.jpg"/>
+          <p:cNvPr id="59" name="Picture 58" descr="1209193.png"/>
           <p:cNvPicPr>
-            <a:picLocks noGrp="1" noChangeAspect="1"/>
+            <a:picLocks noChangeAspect="1"/>
           </p:cNvPicPr>
-          <p:nvPr>
-            <p:ph idx="1"/>
-          </p:nvPr>
+          <p:nvPr/>
         </p:nvPicPr>
         <p:blipFill>
           <a:blip r:embed="rId2" cstate="print"/>
@@ -7101,11 +9790,1670 @@
         </p:blipFill>
         <p:spPr>
           <a:xfrm>
-            <a:off x="457200" y="2406406"/>
-            <a:ext cx="8229600" cy="3234226"/>
+            <a:off x="7970887" y="4678680"/>
+            <a:ext cx="411113" cy="411113"/>
           </a:xfrm>
+          <a:prstGeom prst="rect">
+            <a:avLst/>
+          </a:prstGeom>
         </p:spPr>
       </p:pic>
+      <p:grpSp>
+        <p:nvGrpSpPr>
+          <p:cNvPr id="60" name="Group 68"/>
+          <p:cNvGrpSpPr/>
+          <p:nvPr/>
+        </p:nvGrpSpPr>
+        <p:grpSpPr>
+          <a:xfrm>
+            <a:off x="1951087" y="4069080"/>
+            <a:ext cx="1259234" cy="1951795"/>
+            <a:chOff x="2398366" y="4145473"/>
+            <a:chExt cx="1259234" cy="1951795"/>
+          </a:xfrm>
+        </p:grpSpPr>
+        <p:pic>
+          <p:nvPicPr>
+            <p:cNvPr id="107" name="Picture 106" descr="1914499.png"/>
+            <p:cNvPicPr>
+              <a:picLocks noChangeAspect="1"/>
+            </p:cNvPicPr>
+            <p:nvPr/>
+          </p:nvPicPr>
+          <p:blipFill>
+            <a:blip r:embed="rId3" cstate="print"/>
+            <a:stretch>
+              <a:fillRect/>
+            </a:stretch>
+          </p:blipFill>
+          <p:spPr>
+            <a:xfrm>
+              <a:off x="2663812" y="4145473"/>
+              <a:ext cx="779905" cy="808721"/>
+            </a:xfrm>
+            <a:prstGeom prst="rect">
+              <a:avLst/>
+            </a:prstGeom>
+          </p:spPr>
+        </p:pic>
+        <p:sp>
+          <p:nvSpPr>
+            <p:cNvPr id="108" name="TextBox 107"/>
+            <p:cNvSpPr txBox="1"/>
+            <p:nvPr/>
+          </p:nvSpPr>
+          <p:spPr>
+            <a:xfrm>
+              <a:off x="2398366" y="4866162"/>
+              <a:ext cx="1259234" cy="1231106"/>
+            </a:xfrm>
+            <a:prstGeom prst="rect">
+              <a:avLst/>
+            </a:prstGeom>
+            <a:noFill/>
+          </p:spPr>
+          <p:txBody>
+            <a:bodyPr wrap="square" lIns="0" tIns="0" rIns="0" bIns="0" rtlCol="0">
+              <a:spAutoFit/>
+            </a:bodyPr>
+            <a:lstStyle/>
+            <a:p>
+              <a:pPr algn="ctr"/>
+              <a:r>
+                <a:rPr lang="en-US" sz="2000" dirty="0" smtClean="0">
+                  <a:solidFill>
+                    <a:schemeClr val="tx2">
+                      <a:lumMod val="60000"/>
+                      <a:lumOff val="40000"/>
+                    </a:schemeClr>
+                  </a:solidFill>
+                  <a:ea typeface="Ebrima" pitchFamily="2" charset="0"/>
+                  <a:cs typeface="Ebrima" pitchFamily="2" charset="0"/>
+                </a:rPr>
+                <a:t>Controller</a:t>
+              </a:r>
+            </a:p>
+            <a:p>
+              <a:pPr algn="ctr"/>
+              <a:r>
+                <a:rPr lang="en-US" sz="2000" dirty="0" smtClean="0">
+                  <a:solidFill>
+                    <a:schemeClr val="tx2">
+                      <a:lumMod val="60000"/>
+                      <a:lumOff val="40000"/>
+                    </a:schemeClr>
+                  </a:solidFill>
+                  <a:ea typeface="Ebrima" pitchFamily="2" charset="0"/>
+                  <a:cs typeface="Ebrima" pitchFamily="2" charset="0"/>
+                </a:rPr>
+                <a:t>+</a:t>
+              </a:r>
+            </a:p>
+            <a:p>
+              <a:pPr algn="ctr"/>
+              <a:r>
+                <a:rPr lang="en-US" sz="2000" dirty="0" smtClean="0">
+                  <a:solidFill>
+                    <a:schemeClr val="tx2">
+                      <a:lumMod val="60000"/>
+                      <a:lumOff val="40000"/>
+                    </a:schemeClr>
+                  </a:solidFill>
+                  <a:ea typeface="Ebrima" pitchFamily="2" charset="0"/>
+                  <a:cs typeface="Ebrima" pitchFamily="2" charset="0"/>
+                </a:rPr>
+                <a:t>Location Engine(s)</a:t>
+              </a:r>
+              <a:endParaRPr lang="en-US" sz="2000" dirty="0">
+                <a:solidFill>
+                  <a:schemeClr val="tx2">
+                    <a:lumMod val="60000"/>
+                    <a:lumOff val="40000"/>
+                  </a:schemeClr>
+                </a:solidFill>
+                <a:ea typeface="Ebrima" pitchFamily="2" charset="0"/>
+                <a:cs typeface="Ebrima" pitchFamily="2" charset="0"/>
+              </a:endParaRPr>
+            </a:p>
+          </p:txBody>
+        </p:sp>
+      </p:grpSp>
+      <p:pic>
+        <p:nvPicPr>
+          <p:cNvPr id="61" name="Picture 60" descr="1209193.png"/>
+          <p:cNvPicPr>
+            <a:picLocks noChangeAspect="1"/>
+          </p:cNvPicPr>
+          <p:nvPr/>
+        </p:nvPicPr>
+        <p:blipFill>
+          <a:blip r:embed="rId2" cstate="print"/>
+          <a:stretch>
+            <a:fillRect/>
+          </a:stretch>
+        </p:blipFill>
+        <p:spPr>
+          <a:xfrm>
+            <a:off x="5944366" y="4487672"/>
+            <a:ext cx="411113" cy="411113"/>
+          </a:xfrm>
+          <a:prstGeom prst="rect">
+            <a:avLst/>
+          </a:prstGeom>
+        </p:spPr>
+      </p:pic>
+      <p:sp>
+        <p:nvSpPr>
+          <p:cNvPr id="62" name="TextBox 61"/>
+          <p:cNvSpPr txBox="1"/>
+          <p:nvPr/>
+        </p:nvSpPr>
+        <p:spPr>
+          <a:xfrm>
+            <a:off x="5761087" y="4904303"/>
+            <a:ext cx="1206080" cy="307777"/>
+          </a:xfrm>
+          <a:prstGeom prst="rect">
+            <a:avLst/>
+          </a:prstGeom>
+          <a:noFill/>
+        </p:spPr>
+        <p:txBody>
+          <a:bodyPr wrap="square" lIns="0" tIns="0" rIns="0" bIns="0" rtlCol="0">
+            <a:spAutoFit/>
+          </a:bodyPr>
+          <a:lstStyle/>
+          <a:p>
+            <a:r>
+              <a:rPr lang="en-US" sz="2000" dirty="0" smtClean="0">
+                <a:solidFill>
+                  <a:schemeClr val="tx2">
+                    <a:lumMod val="60000"/>
+                    <a:lumOff val="40000"/>
+                  </a:schemeClr>
+                </a:solidFill>
+                <a:ea typeface="Ebrima" pitchFamily="2" charset="0"/>
+                <a:cs typeface="Ebrima" pitchFamily="2" charset="0"/>
+              </a:rPr>
+              <a:t>Detector</a:t>
+            </a:r>
+            <a:endParaRPr lang="en-US" sz="2000" dirty="0">
+              <a:solidFill>
+                <a:schemeClr val="tx2">
+                  <a:lumMod val="60000"/>
+                  <a:lumOff val="40000"/>
+                </a:schemeClr>
+              </a:solidFill>
+              <a:ea typeface="Ebrima" pitchFamily="2" charset="0"/>
+              <a:cs typeface="Ebrima" pitchFamily="2" charset="0"/>
+            </a:endParaRPr>
+          </a:p>
+        </p:txBody>
+      </p:sp>
+      <p:pic>
+        <p:nvPicPr>
+          <p:cNvPr id="63" name="Picture 62" descr="1209193.png"/>
+          <p:cNvPicPr>
+            <a:picLocks noChangeAspect="1"/>
+          </p:cNvPicPr>
+          <p:nvPr/>
+        </p:nvPicPr>
+        <p:blipFill>
+          <a:blip r:embed="rId2" cstate="print"/>
+          <a:stretch>
+            <a:fillRect/>
+          </a:stretch>
+        </p:blipFill>
+        <p:spPr>
+          <a:xfrm>
+            <a:off x="8123287" y="2240280"/>
+            <a:ext cx="411113" cy="411113"/>
+          </a:xfrm>
+          <a:prstGeom prst="rect">
+            <a:avLst/>
+          </a:prstGeom>
+        </p:spPr>
+      </p:pic>
+      <p:grpSp>
+        <p:nvGrpSpPr>
+          <p:cNvPr id="64" name="Group 65"/>
+          <p:cNvGrpSpPr/>
+          <p:nvPr/>
+        </p:nvGrpSpPr>
+        <p:grpSpPr>
+          <a:xfrm>
+            <a:off x="731888" y="2229964"/>
+            <a:ext cx="989988" cy="848516"/>
+            <a:chOff x="1" y="1056484"/>
+            <a:chExt cx="989988" cy="848516"/>
+          </a:xfrm>
+        </p:grpSpPr>
+        <p:pic>
+          <p:nvPicPr>
+            <p:cNvPr id="104" name="Picture 3" descr="H:\ECE 412\Winter 2011\Poster\PNG Icon\1305272247_1 - Macbook Pro.png"/>
+            <p:cNvPicPr>
+              <a:picLocks noChangeAspect="1" noChangeArrowheads="1"/>
+            </p:cNvPicPr>
+            <p:nvPr/>
+          </p:nvPicPr>
+          <p:blipFill>
+            <a:blip r:embed="rId4" cstate="print"/>
+            <a:srcRect/>
+            <a:stretch>
+              <a:fillRect/>
+            </a:stretch>
+          </p:blipFill>
+          <p:spPr bwMode="auto">
+            <a:xfrm>
+              <a:off x="1" y="1056484"/>
+              <a:ext cx="580115" cy="580116"/>
+            </a:xfrm>
+            <a:prstGeom prst="rect">
+              <a:avLst/>
+            </a:prstGeom>
+            <a:noFill/>
+          </p:spPr>
+        </p:pic>
+        <p:pic>
+          <p:nvPicPr>
+            <p:cNvPr id="105" name="Picture 5" descr="H:\ECE 412\Winter 2011\Poster\PNG Icon\20071280501875077805.png"/>
+            <p:cNvPicPr>
+              <a:picLocks noChangeAspect="1" noChangeArrowheads="1"/>
+            </p:cNvPicPr>
+            <p:nvPr/>
+          </p:nvPicPr>
+          <p:blipFill>
+            <a:blip r:embed="rId5" cstate="print"/>
+            <a:srcRect/>
+            <a:stretch>
+              <a:fillRect/>
+            </a:stretch>
+          </p:blipFill>
+          <p:spPr bwMode="auto">
+            <a:xfrm>
+              <a:off x="386744" y="1179758"/>
+              <a:ext cx="348070" cy="348070"/>
+            </a:xfrm>
+            <a:prstGeom prst="rect">
+              <a:avLst/>
+            </a:prstGeom>
+            <a:noFill/>
+          </p:spPr>
+        </p:pic>
+        <p:sp>
+          <p:nvSpPr>
+            <p:cNvPr id="106" name="TextBox 105"/>
+            <p:cNvSpPr txBox="1"/>
+            <p:nvPr/>
+          </p:nvSpPr>
+          <p:spPr>
+            <a:xfrm>
+              <a:off x="76200" y="1597223"/>
+              <a:ext cx="913789" cy="307777"/>
+            </a:xfrm>
+            <a:prstGeom prst="rect">
+              <a:avLst/>
+            </a:prstGeom>
+            <a:noFill/>
+          </p:spPr>
+          <p:txBody>
+            <a:bodyPr wrap="square" lIns="0" tIns="0" rIns="0" bIns="0" rtlCol="0">
+              <a:spAutoFit/>
+            </a:bodyPr>
+            <a:lstStyle/>
+            <a:p>
+              <a:r>
+                <a:rPr lang="en-US" sz="2000" dirty="0" smtClean="0">
+                  <a:solidFill>
+                    <a:schemeClr val="tx2">
+                      <a:lumMod val="60000"/>
+                      <a:lumOff val="40000"/>
+                    </a:schemeClr>
+                  </a:solidFill>
+                  <a:ea typeface="Ebrima" pitchFamily="2" charset="0"/>
+                  <a:cs typeface="Ebrima" pitchFamily="2" charset="0"/>
+                </a:rPr>
+                <a:t>Users</a:t>
+              </a:r>
+              <a:endParaRPr lang="en-US" sz="2000" dirty="0">
+                <a:solidFill>
+                  <a:schemeClr val="tx2">
+                    <a:lumMod val="60000"/>
+                    <a:lumOff val="40000"/>
+                  </a:schemeClr>
+                </a:solidFill>
+                <a:ea typeface="Ebrima" pitchFamily="2" charset="0"/>
+                <a:cs typeface="Ebrima" pitchFamily="2" charset="0"/>
+              </a:endParaRPr>
+            </a:p>
+          </p:txBody>
+        </p:sp>
+      </p:grpSp>
+      <p:grpSp>
+        <p:nvGrpSpPr>
+          <p:cNvPr id="65" name="Group 67"/>
+          <p:cNvGrpSpPr/>
+          <p:nvPr/>
+        </p:nvGrpSpPr>
+        <p:grpSpPr>
+          <a:xfrm>
+            <a:off x="808087" y="3535680"/>
+            <a:ext cx="685800" cy="905249"/>
+            <a:chOff x="1" y="2831528"/>
+            <a:chExt cx="685800" cy="905249"/>
+          </a:xfrm>
+        </p:grpSpPr>
+        <p:grpSp>
+          <p:nvGrpSpPr>
+            <p:cNvPr id="100" name="Group 66"/>
+            <p:cNvGrpSpPr/>
+            <p:nvPr/>
+          </p:nvGrpSpPr>
+          <p:grpSpPr>
+            <a:xfrm>
+              <a:off x="1" y="2831528"/>
+              <a:ext cx="570954" cy="614873"/>
+              <a:chOff x="1" y="2831528"/>
+              <a:chExt cx="570954" cy="614873"/>
+            </a:xfrm>
+          </p:grpSpPr>
+          <p:pic>
+            <p:nvPicPr>
+              <p:cNvPr id="102" name="Picture 4" descr="H:\ECE 412\Winter 2011\Poster\PNG Icon\1305272571_folder_locked.png"/>
+              <p:cNvPicPr>
+                <a:picLocks noChangeAspect="1" noChangeArrowheads="1"/>
+              </p:cNvPicPr>
+              <p:nvPr/>
+            </p:nvPicPr>
+            <p:blipFill>
+              <a:blip r:embed="rId6" cstate="print"/>
+              <a:srcRect/>
+              <a:stretch>
+                <a:fillRect/>
+              </a:stretch>
+            </p:blipFill>
+            <p:spPr bwMode="auto">
+              <a:xfrm>
+                <a:off x="1" y="2831528"/>
+                <a:ext cx="570954" cy="570954"/>
+              </a:xfrm>
+              <a:prstGeom prst="rect">
+                <a:avLst/>
+              </a:prstGeom>
+              <a:noFill/>
+            </p:spPr>
+          </p:pic>
+          <p:pic>
+            <p:nvPicPr>
+              <p:cNvPr id="103" name="Picture 8" descr="H:\ECE 412\Winter 2011\Poster\PNG Icon\20071280501875077808.png"/>
+              <p:cNvPicPr>
+                <a:picLocks noChangeAspect="1" noChangeArrowheads="1"/>
+              </p:cNvPicPr>
+              <p:nvPr/>
+            </p:nvPicPr>
+            <p:blipFill>
+              <a:blip r:embed="rId7" cstate="print"/>
+              <a:srcRect/>
+              <a:stretch>
+                <a:fillRect/>
+              </a:stretch>
+            </p:blipFill>
+            <p:spPr bwMode="auto">
+              <a:xfrm>
+                <a:off x="175679" y="3095045"/>
+                <a:ext cx="351356" cy="351356"/>
+              </a:xfrm>
+              <a:prstGeom prst="rect">
+                <a:avLst/>
+              </a:prstGeom>
+              <a:noFill/>
+            </p:spPr>
+          </p:pic>
+        </p:grpSp>
+        <p:sp>
+          <p:nvSpPr>
+            <p:cNvPr id="101" name="TextBox 100"/>
+            <p:cNvSpPr txBox="1"/>
+            <p:nvPr/>
+          </p:nvSpPr>
+          <p:spPr>
+            <a:xfrm>
+              <a:off x="1" y="3429000"/>
+              <a:ext cx="685800" cy="307777"/>
+            </a:xfrm>
+            <a:prstGeom prst="rect">
+              <a:avLst/>
+            </a:prstGeom>
+            <a:noFill/>
+          </p:spPr>
+          <p:txBody>
+            <a:bodyPr wrap="square" lIns="0" tIns="0" rIns="0" bIns="0" rtlCol="0">
+              <a:spAutoFit/>
+            </a:bodyPr>
+            <a:lstStyle/>
+            <a:p>
+              <a:r>
+                <a:rPr lang="en-US" sz="2000" dirty="0" smtClean="0">
+                  <a:solidFill>
+                    <a:schemeClr val="tx2">
+                      <a:lumMod val="60000"/>
+                      <a:lumOff val="40000"/>
+                    </a:schemeClr>
+                  </a:solidFill>
+                  <a:ea typeface="Ebrima" pitchFamily="2" charset="0"/>
+                  <a:cs typeface="Ebrima" pitchFamily="2" charset="0"/>
+                </a:rPr>
+                <a:t>Admin</a:t>
+              </a:r>
+              <a:endParaRPr lang="en-US" sz="2000" dirty="0">
+                <a:solidFill>
+                  <a:schemeClr val="tx2">
+                    <a:lumMod val="60000"/>
+                    <a:lumOff val="40000"/>
+                  </a:schemeClr>
+                </a:solidFill>
+                <a:ea typeface="Ebrima" pitchFamily="2" charset="0"/>
+                <a:cs typeface="Ebrima" pitchFamily="2" charset="0"/>
+              </a:endParaRPr>
+            </a:p>
+          </p:txBody>
+        </p:sp>
+      </p:grpSp>
+      <p:grpSp>
+        <p:nvGrpSpPr>
+          <p:cNvPr id="66" name="Group 64"/>
+          <p:cNvGrpSpPr/>
+          <p:nvPr/>
+        </p:nvGrpSpPr>
+        <p:grpSpPr>
+          <a:xfrm>
+            <a:off x="2179687" y="2087880"/>
+            <a:ext cx="1261356" cy="1077116"/>
+            <a:chOff x="2667000" y="1056484"/>
+            <a:chExt cx="1261356" cy="1077116"/>
+          </a:xfrm>
+        </p:grpSpPr>
+        <p:pic>
+          <p:nvPicPr>
+            <p:cNvPr id="98" name="Picture 97" descr="1914499.png"/>
+            <p:cNvPicPr>
+              <a:picLocks noChangeAspect="1"/>
+            </p:cNvPicPr>
+            <p:nvPr/>
+          </p:nvPicPr>
+          <p:blipFill>
+            <a:blip r:embed="rId3" cstate="print"/>
+            <a:stretch>
+              <a:fillRect/>
+            </a:stretch>
+          </p:blipFill>
+          <p:spPr>
+            <a:xfrm>
+              <a:off x="2737890" y="1056484"/>
+              <a:ext cx="779906" cy="808721"/>
+            </a:xfrm>
+            <a:prstGeom prst="rect">
+              <a:avLst/>
+            </a:prstGeom>
+          </p:spPr>
+        </p:pic>
+        <p:sp>
+          <p:nvSpPr>
+            <p:cNvPr id="99" name="TextBox 98"/>
+            <p:cNvSpPr txBox="1"/>
+            <p:nvPr/>
+          </p:nvSpPr>
+          <p:spPr>
+            <a:xfrm>
+              <a:off x="2667000" y="1825823"/>
+              <a:ext cx="1261356" cy="307777"/>
+            </a:xfrm>
+            <a:prstGeom prst="rect">
+              <a:avLst/>
+            </a:prstGeom>
+            <a:noFill/>
+          </p:spPr>
+          <p:txBody>
+            <a:bodyPr wrap="square" lIns="0" tIns="0" rIns="0" bIns="0" rtlCol="0">
+              <a:spAutoFit/>
+            </a:bodyPr>
+            <a:lstStyle/>
+            <a:p>
+              <a:r>
+                <a:rPr lang="en-US" sz="2000" dirty="0" smtClean="0">
+                  <a:solidFill>
+                    <a:schemeClr val="tx2">
+                      <a:lumMod val="60000"/>
+                      <a:lumOff val="40000"/>
+                    </a:schemeClr>
+                  </a:solidFill>
+                  <a:ea typeface="Ebrima" pitchFamily="2" charset="0"/>
+                  <a:cs typeface="Ebrima" pitchFamily="2" charset="0"/>
+                </a:rPr>
+                <a:t>Web App</a:t>
+              </a:r>
+              <a:endParaRPr lang="en-US" sz="2000" dirty="0">
+                <a:solidFill>
+                  <a:schemeClr val="tx2">
+                    <a:lumMod val="60000"/>
+                    <a:lumOff val="40000"/>
+                  </a:schemeClr>
+                </a:solidFill>
+                <a:ea typeface="Ebrima" pitchFamily="2" charset="0"/>
+                <a:cs typeface="Ebrima" pitchFamily="2" charset="0"/>
+              </a:endParaRPr>
+            </a:p>
+          </p:txBody>
+        </p:sp>
+      </p:grpSp>
+      <p:pic>
+        <p:nvPicPr>
+          <p:cNvPr id="73" name="Picture 72" descr="1209193.png"/>
+          <p:cNvPicPr>
+            <a:picLocks noChangeAspect="1"/>
+          </p:cNvPicPr>
+          <p:nvPr/>
+        </p:nvPicPr>
+        <p:blipFill>
+          <a:blip r:embed="rId2" cstate="print"/>
+          <a:stretch>
+            <a:fillRect/>
+          </a:stretch>
+        </p:blipFill>
+        <p:spPr>
+          <a:xfrm>
+            <a:off x="6142087" y="2468880"/>
+            <a:ext cx="411113" cy="411113"/>
+          </a:xfrm>
+          <a:prstGeom prst="rect">
+            <a:avLst/>
+          </a:prstGeom>
+        </p:spPr>
+      </p:pic>
+      <p:grpSp>
+        <p:nvGrpSpPr>
+          <p:cNvPr id="74" name="Group 76"/>
+          <p:cNvGrpSpPr/>
+          <p:nvPr/>
+        </p:nvGrpSpPr>
+        <p:grpSpPr>
+          <a:xfrm>
+            <a:off x="6599287" y="3002280"/>
+            <a:ext cx="1217384" cy="1414119"/>
+            <a:chOff x="7216377" y="1655130"/>
+            <a:chExt cx="1217384" cy="1414119"/>
+          </a:xfrm>
+        </p:grpSpPr>
+        <p:pic>
+          <p:nvPicPr>
+            <p:cNvPr id="92" name="Picture 7" descr="15342234.png"/>
+            <p:cNvPicPr>
+              <a:picLocks noChangeAspect="1"/>
+            </p:cNvPicPr>
+            <p:nvPr/>
+          </p:nvPicPr>
+          <p:blipFill>
+            <a:blip r:embed="rId8" cstate="print"/>
+            <a:stretch>
+              <a:fillRect/>
+            </a:stretch>
+          </p:blipFill>
+          <p:spPr>
+            <a:xfrm>
+              <a:off x="7592098" y="2140812"/>
+              <a:ext cx="448687" cy="448686"/>
+            </a:xfrm>
+            <a:prstGeom prst="rect">
+              <a:avLst/>
+            </a:prstGeom>
+          </p:spPr>
+        </p:pic>
+        <p:sp>
+          <p:nvSpPr>
+            <p:cNvPr id="93" name="TextBox 8"/>
+            <p:cNvSpPr txBox="1"/>
+            <p:nvPr/>
+          </p:nvSpPr>
+          <p:spPr>
+            <a:xfrm>
+              <a:off x="7696200" y="2514600"/>
+              <a:ext cx="601791" cy="307777"/>
+            </a:xfrm>
+            <a:prstGeom prst="rect">
+              <a:avLst/>
+            </a:prstGeom>
+            <a:noFill/>
+          </p:spPr>
+          <p:txBody>
+            <a:bodyPr wrap="square" lIns="0" tIns="0" rIns="0" bIns="0" rtlCol="0">
+              <a:spAutoFit/>
+            </a:bodyPr>
+            <a:lstStyle/>
+            <a:p>
+              <a:r>
+                <a:rPr lang="en-US" sz="2000" dirty="0" smtClean="0">
+                  <a:solidFill>
+                    <a:schemeClr val="tx2">
+                      <a:lumMod val="60000"/>
+                      <a:lumOff val="40000"/>
+                    </a:schemeClr>
+                  </a:solidFill>
+                  <a:ea typeface="Ebrima" pitchFamily="2" charset="0"/>
+                  <a:cs typeface="Ebrima" pitchFamily="2" charset="0"/>
+                </a:rPr>
+                <a:t>Tag</a:t>
+              </a:r>
+              <a:endParaRPr lang="en-US" sz="2000" dirty="0">
+                <a:solidFill>
+                  <a:schemeClr val="tx2">
+                    <a:lumMod val="60000"/>
+                    <a:lumOff val="40000"/>
+                  </a:schemeClr>
+                </a:solidFill>
+                <a:ea typeface="Ebrima" pitchFamily="2" charset="0"/>
+                <a:cs typeface="Ebrima" pitchFamily="2" charset="0"/>
+              </a:endParaRPr>
+            </a:p>
+          </p:txBody>
+        </p:sp>
+        <p:pic>
+          <p:nvPicPr>
+            <p:cNvPr id="94" name="Picture 2" descr="C:\Users\WOODY\Desktop\Image\123GoTV-transmitter-icon.jpg"/>
+            <p:cNvPicPr>
+              <a:picLocks noChangeAspect="1" noChangeArrowheads="1"/>
+            </p:cNvPicPr>
+            <p:nvPr/>
+          </p:nvPicPr>
+          <p:blipFill>
+            <a:blip r:embed="rId9" cstate="print">
+              <a:clrChange>
+                <a:clrFrom>
+                  <a:srgbClr val="FFFFFF"/>
+                </a:clrFrom>
+                <a:clrTo>
+                  <a:srgbClr val="FFFFFF">
+                    <a:alpha val="0"/>
+                  </a:srgbClr>
+                </a:clrTo>
+              </a:clrChange>
+            </a:blip>
+            <a:srcRect/>
+            <a:stretch>
+              <a:fillRect/>
+            </a:stretch>
+          </p:blipFill>
+          <p:spPr bwMode="auto">
+            <a:xfrm rot="13489628">
+              <a:off x="7292652" y="1778957"/>
+              <a:ext cx="426240" cy="328011"/>
+            </a:xfrm>
+            <a:prstGeom prst="rect">
+              <a:avLst/>
+            </a:prstGeom>
+            <a:noFill/>
+          </p:spPr>
+        </p:pic>
+        <p:pic>
+          <p:nvPicPr>
+            <p:cNvPr id="95" name="Picture 2" descr="C:\Users\WOODY\Desktop\Image\123GoTV-transmitter-icon.jpg"/>
+            <p:cNvPicPr>
+              <a:picLocks noChangeAspect="1" noChangeArrowheads="1"/>
+            </p:cNvPicPr>
+            <p:nvPr/>
+          </p:nvPicPr>
+          <p:blipFill>
+            <a:blip r:embed="rId9" cstate="print">
+              <a:clrChange>
+                <a:clrFrom>
+                  <a:srgbClr val="FFFFFF"/>
+                </a:clrFrom>
+                <a:clrTo>
+                  <a:srgbClr val="FFFFFF">
+                    <a:alpha val="0"/>
+                  </a:srgbClr>
+                </a:clrTo>
+              </a:clrChange>
+            </a:blip>
+            <a:srcRect/>
+            <a:stretch>
+              <a:fillRect/>
+            </a:stretch>
+          </p:blipFill>
+          <p:spPr bwMode="auto">
+            <a:xfrm rot="8102877">
+              <a:off x="7216377" y="2693433"/>
+              <a:ext cx="426240" cy="328011"/>
+            </a:xfrm>
+            <a:prstGeom prst="rect">
+              <a:avLst/>
+            </a:prstGeom>
+            <a:noFill/>
+          </p:spPr>
+        </p:pic>
+        <p:pic>
+          <p:nvPicPr>
+            <p:cNvPr id="96" name="Picture 2" descr="C:\Users\WOODY\Desktop\Image\123GoTV-transmitter-icon.jpg"/>
+            <p:cNvPicPr>
+              <a:picLocks noChangeAspect="1" noChangeArrowheads="1"/>
+            </p:cNvPicPr>
+            <p:nvPr/>
+          </p:nvPicPr>
+          <p:blipFill>
+            <a:blip r:embed="rId9" cstate="print">
+              <a:clrChange>
+                <a:clrFrom>
+                  <a:srgbClr val="FFFFFF"/>
+                </a:clrFrom>
+                <a:clrTo>
+                  <a:srgbClr val="FFFFFF">
+                    <a:alpha val="0"/>
+                  </a:srgbClr>
+                </a:clrTo>
+              </a:clrChange>
+            </a:blip>
+            <a:srcRect/>
+            <a:stretch>
+              <a:fillRect/>
+            </a:stretch>
+          </p:blipFill>
+          <p:spPr bwMode="auto">
+            <a:xfrm rot="18731356">
+              <a:off x="8056636" y="1704245"/>
+              <a:ext cx="426240" cy="328010"/>
+            </a:xfrm>
+            <a:prstGeom prst="rect">
+              <a:avLst/>
+            </a:prstGeom>
+            <a:noFill/>
+          </p:spPr>
+        </p:pic>
+        <p:pic>
+          <p:nvPicPr>
+            <p:cNvPr id="97" name="Picture 2" descr="C:\Users\WOODY\Desktop\Image\123GoTV-transmitter-icon.jpg"/>
+            <p:cNvPicPr>
+              <a:picLocks noChangeAspect="1" noChangeArrowheads="1"/>
+            </p:cNvPicPr>
+            <p:nvPr/>
+          </p:nvPicPr>
+          <p:blipFill>
+            <a:blip r:embed="rId9" cstate="print">
+              <a:clrChange>
+                <a:clrFrom>
+                  <a:srgbClr val="FFFFFF"/>
+                </a:clrFrom>
+                <a:clrTo>
+                  <a:srgbClr val="FFFFFF">
+                    <a:alpha val="0"/>
+                  </a:srgbClr>
+                </a:clrTo>
+              </a:clrChange>
+            </a:blip>
+            <a:srcRect/>
+            <a:stretch>
+              <a:fillRect/>
+            </a:stretch>
+          </p:blipFill>
+          <p:spPr bwMode="auto">
+            <a:xfrm rot="2871920">
+              <a:off x="7976279" y="2692125"/>
+              <a:ext cx="426239" cy="328010"/>
+            </a:xfrm>
+            <a:prstGeom prst="rect">
+              <a:avLst/>
+            </a:prstGeom>
+            <a:noFill/>
+          </p:spPr>
+        </p:pic>
+      </p:grpSp>
+      <p:cxnSp>
+        <p:nvCxnSpPr>
+          <p:cNvPr id="75" name="Straight Arrow Connector 74"/>
+          <p:cNvCxnSpPr>
+            <a:stCxn id="73" idx="3"/>
+            <a:endCxn id="63" idx="1"/>
+          </p:cNvCxnSpPr>
+          <p:nvPr/>
+        </p:nvCxnSpPr>
+        <p:spPr>
+          <a:xfrm flipV="1">
+            <a:off x="6553200" y="2445837"/>
+            <a:ext cx="1570087" cy="228600"/>
+          </a:xfrm>
+          <a:prstGeom prst="straightConnector1">
+            <a:avLst/>
+          </a:prstGeom>
+          <a:ln w="38100">
+            <a:solidFill>
+              <a:schemeClr val="tx2">
+                <a:lumMod val="20000"/>
+                <a:lumOff val="80000"/>
+              </a:schemeClr>
+            </a:solidFill>
+            <a:prstDash val="sysDash"/>
+            <a:headEnd type="triangle" w="med" len="med"/>
+            <a:tailEnd type="none" w="med" len="med"/>
+          </a:ln>
+        </p:spPr>
+        <p:style>
+          <a:lnRef idx="1">
+            <a:schemeClr val="accent1"/>
+          </a:lnRef>
+          <a:fillRef idx="0">
+            <a:schemeClr val="accent1"/>
+          </a:fillRef>
+          <a:effectRef idx="0">
+            <a:schemeClr val="accent1"/>
+          </a:effectRef>
+          <a:fontRef idx="minor">
+            <a:schemeClr val="tx1"/>
+          </a:fontRef>
+        </p:style>
+      </p:cxnSp>
+      <p:cxnSp>
+        <p:nvCxnSpPr>
+          <p:cNvPr id="76" name="Straight Arrow Connector 75"/>
+          <p:cNvCxnSpPr>
+            <a:stCxn id="59" idx="0"/>
+            <a:endCxn id="63" idx="2"/>
+          </p:cNvCxnSpPr>
+          <p:nvPr/>
+        </p:nvCxnSpPr>
+        <p:spPr>
+          <a:xfrm rot="5400000" flipH="1" flipV="1">
+            <a:off x="7239001" y="3588837"/>
+            <a:ext cx="2027287" cy="152400"/>
+          </a:xfrm>
+          <a:prstGeom prst="straightConnector1">
+            <a:avLst/>
+          </a:prstGeom>
+          <a:ln w="38100">
+            <a:solidFill>
+              <a:schemeClr val="tx2">
+                <a:lumMod val="20000"/>
+                <a:lumOff val="80000"/>
+              </a:schemeClr>
+            </a:solidFill>
+            <a:prstDash val="sysDash"/>
+            <a:headEnd type="triangle" w="med" len="med"/>
+            <a:tailEnd type="none" w="med" len="med"/>
+          </a:ln>
+        </p:spPr>
+        <p:style>
+          <a:lnRef idx="1">
+            <a:schemeClr val="accent1"/>
+          </a:lnRef>
+          <a:fillRef idx="0">
+            <a:schemeClr val="accent1"/>
+          </a:fillRef>
+          <a:effectRef idx="0">
+            <a:schemeClr val="accent1"/>
+          </a:effectRef>
+          <a:fontRef idx="minor">
+            <a:schemeClr val="tx1"/>
+          </a:fontRef>
+        </p:style>
+      </p:cxnSp>
+      <p:cxnSp>
+        <p:nvCxnSpPr>
+          <p:cNvPr id="77" name="Straight Arrow Connector 76"/>
+          <p:cNvCxnSpPr>
+            <a:stCxn id="61" idx="0"/>
+            <a:endCxn id="73" idx="2"/>
+          </p:cNvCxnSpPr>
+          <p:nvPr/>
+        </p:nvCxnSpPr>
+        <p:spPr>
+          <a:xfrm rot="5400000" flipH="1" flipV="1">
+            <a:off x="5444944" y="3584973"/>
+            <a:ext cx="1607679" cy="197721"/>
+          </a:xfrm>
+          <a:prstGeom prst="straightConnector1">
+            <a:avLst/>
+          </a:prstGeom>
+          <a:ln w="38100">
+            <a:solidFill>
+              <a:schemeClr val="tx2">
+                <a:lumMod val="20000"/>
+                <a:lumOff val="80000"/>
+              </a:schemeClr>
+            </a:solidFill>
+            <a:prstDash val="sysDash"/>
+            <a:headEnd type="triangle" w="med" len="med"/>
+            <a:tailEnd type="none" w="med" len="med"/>
+          </a:ln>
+        </p:spPr>
+        <p:style>
+          <a:lnRef idx="1">
+            <a:schemeClr val="accent1"/>
+          </a:lnRef>
+          <a:fillRef idx="0">
+            <a:schemeClr val="accent1"/>
+          </a:fillRef>
+          <a:effectRef idx="0">
+            <a:schemeClr val="accent1"/>
+          </a:effectRef>
+          <a:fontRef idx="minor">
+            <a:schemeClr val="tx1"/>
+          </a:fontRef>
+        </p:style>
+      </p:cxnSp>
+      <p:cxnSp>
+        <p:nvCxnSpPr>
+          <p:cNvPr id="78" name="Straight Arrow Connector 77"/>
+          <p:cNvCxnSpPr>
+            <a:stCxn id="61" idx="3"/>
+            <a:endCxn id="59" idx="1"/>
+          </p:cNvCxnSpPr>
+          <p:nvPr/>
+        </p:nvCxnSpPr>
+        <p:spPr>
+          <a:xfrm>
+            <a:off x="6355479" y="4693229"/>
+            <a:ext cx="1615408" cy="191008"/>
+          </a:xfrm>
+          <a:prstGeom prst="straightConnector1">
+            <a:avLst/>
+          </a:prstGeom>
+          <a:ln w="38100">
+            <a:solidFill>
+              <a:schemeClr val="tx2">
+                <a:lumMod val="20000"/>
+                <a:lumOff val="80000"/>
+              </a:schemeClr>
+            </a:solidFill>
+            <a:prstDash val="sysDash"/>
+            <a:headEnd type="triangle" w="med" len="med"/>
+            <a:tailEnd type="none" w="med" len="med"/>
+          </a:ln>
+        </p:spPr>
+        <p:style>
+          <a:lnRef idx="1">
+            <a:schemeClr val="accent1"/>
+          </a:lnRef>
+          <a:fillRef idx="0">
+            <a:schemeClr val="accent1"/>
+          </a:fillRef>
+          <a:effectRef idx="0">
+            <a:schemeClr val="accent1"/>
+          </a:effectRef>
+          <a:fontRef idx="minor">
+            <a:schemeClr val="tx1"/>
+          </a:fontRef>
+        </p:style>
+      </p:cxnSp>
+      <p:cxnSp>
+        <p:nvCxnSpPr>
+          <p:cNvPr id="79" name="Straight Arrow Connector 78"/>
+          <p:cNvCxnSpPr/>
+          <p:nvPr/>
+        </p:nvCxnSpPr>
+        <p:spPr>
+          <a:xfrm>
+            <a:off x="5303888" y="4648200"/>
+            <a:ext cx="533401" cy="3"/>
+          </a:xfrm>
+          <a:prstGeom prst="straightConnector1">
+            <a:avLst/>
+          </a:prstGeom>
+          <a:ln w="38100">
+            <a:solidFill>
+              <a:schemeClr val="tx2">
+                <a:lumMod val="20000"/>
+                <a:lumOff val="80000"/>
+              </a:schemeClr>
+            </a:solidFill>
+            <a:prstDash val="sysDash"/>
+            <a:headEnd type="triangle" w="med" len="med"/>
+            <a:tailEnd type="none" w="med" len="med"/>
+          </a:ln>
+        </p:spPr>
+        <p:style>
+          <a:lnRef idx="1">
+            <a:schemeClr val="accent1"/>
+          </a:lnRef>
+          <a:fillRef idx="0">
+            <a:schemeClr val="accent1"/>
+          </a:fillRef>
+          <a:effectRef idx="0">
+            <a:schemeClr val="accent1"/>
+          </a:effectRef>
+          <a:fontRef idx="minor">
+            <a:schemeClr val="tx1"/>
+          </a:fontRef>
+        </p:style>
+      </p:cxnSp>
+      <p:sp>
+        <p:nvSpPr>
+          <p:cNvPr id="80" name="TextBox 79"/>
+          <p:cNvSpPr txBox="1"/>
+          <p:nvPr/>
+        </p:nvSpPr>
+        <p:spPr>
+          <a:xfrm>
+            <a:off x="6142087" y="1447800"/>
+            <a:ext cx="1675168" cy="430887"/>
+          </a:xfrm>
+          <a:prstGeom prst="rect">
+            <a:avLst/>
+          </a:prstGeom>
+          <a:noFill/>
+        </p:spPr>
+        <p:txBody>
+          <a:bodyPr wrap="square" lIns="0" tIns="0" rIns="0" bIns="0" rtlCol="0">
+            <a:spAutoFit/>
+          </a:bodyPr>
+          <a:lstStyle/>
+          <a:p>
+            <a:r>
+              <a:rPr lang="en-US" sz="2800" b="1" dirty="0" smtClean="0">
+                <a:solidFill>
+                  <a:schemeClr val="accent2"/>
+                </a:solidFill>
+                <a:ea typeface="Ebrima" pitchFamily="2" charset="0"/>
+                <a:cs typeface="Ebrima" pitchFamily="2" charset="0"/>
+              </a:rPr>
+              <a:t>Front-end</a:t>
+            </a:r>
+            <a:endParaRPr lang="en-US" sz="2800" b="1" dirty="0">
+              <a:solidFill>
+                <a:schemeClr val="accent2"/>
+              </a:solidFill>
+              <a:ea typeface="Ebrima" pitchFamily="2" charset="0"/>
+              <a:cs typeface="Ebrima" pitchFamily="2" charset="0"/>
+            </a:endParaRPr>
+          </a:p>
+        </p:txBody>
+      </p:sp>
+      <p:sp>
+        <p:nvSpPr>
+          <p:cNvPr id="81" name="TextBox 80"/>
+          <p:cNvSpPr txBox="1"/>
+          <p:nvPr/>
+        </p:nvSpPr>
+        <p:spPr>
+          <a:xfrm>
+            <a:off x="1951087" y="1447800"/>
+            <a:ext cx="1842014" cy="430887"/>
+          </a:xfrm>
+          <a:prstGeom prst="rect">
+            <a:avLst/>
+          </a:prstGeom>
+          <a:noFill/>
+        </p:spPr>
+        <p:txBody>
+          <a:bodyPr wrap="square" lIns="0" tIns="0" rIns="0" bIns="0" rtlCol="0">
+            <a:spAutoFit/>
+          </a:bodyPr>
+          <a:lstStyle/>
+          <a:p>
+            <a:r>
+              <a:rPr lang="en-US" sz="2800" b="1" dirty="0" smtClean="0">
+                <a:solidFill>
+                  <a:schemeClr val="accent2"/>
+                </a:solidFill>
+                <a:ea typeface="Ebrima" pitchFamily="2" charset="0"/>
+                <a:cs typeface="Ebrima" pitchFamily="2" charset="0"/>
+              </a:rPr>
+              <a:t>Back-end</a:t>
+            </a:r>
+            <a:endParaRPr lang="en-US" sz="2800" b="1" dirty="0">
+              <a:solidFill>
+                <a:schemeClr val="accent2"/>
+              </a:solidFill>
+              <a:ea typeface="Ebrima" pitchFamily="2" charset="0"/>
+              <a:cs typeface="Ebrima" pitchFamily="2" charset="0"/>
+            </a:endParaRPr>
+          </a:p>
+        </p:txBody>
+      </p:sp>
+      <p:cxnSp>
+        <p:nvCxnSpPr>
+          <p:cNvPr id="82" name="Straight Connector 81"/>
+          <p:cNvCxnSpPr/>
+          <p:nvPr/>
+        </p:nvCxnSpPr>
+        <p:spPr>
+          <a:xfrm rot="5400000" flipH="1" flipV="1">
+            <a:off x="2942012" y="3946468"/>
+            <a:ext cx="3869578" cy="2"/>
+          </a:xfrm>
+          <a:prstGeom prst="line">
+            <a:avLst/>
+          </a:prstGeom>
+          <a:ln w="38100">
+            <a:solidFill>
+              <a:schemeClr val="accent2">
+                <a:lumMod val="20000"/>
+                <a:lumOff val="80000"/>
+              </a:schemeClr>
+            </a:solidFill>
+            <a:prstDash val="dash"/>
+          </a:ln>
+        </p:spPr>
+        <p:style>
+          <a:lnRef idx="1">
+            <a:schemeClr val="accent1"/>
+          </a:lnRef>
+          <a:fillRef idx="0">
+            <a:schemeClr val="accent1"/>
+          </a:fillRef>
+          <a:effectRef idx="0">
+            <a:schemeClr val="accent1"/>
+          </a:effectRef>
+          <a:fontRef idx="minor">
+            <a:schemeClr val="tx1"/>
+          </a:fontRef>
+        </p:style>
+      </p:cxnSp>
+      <p:grpSp>
+        <p:nvGrpSpPr>
+          <p:cNvPr id="83" name="Group 70"/>
+          <p:cNvGrpSpPr/>
+          <p:nvPr/>
+        </p:nvGrpSpPr>
+        <p:grpSpPr>
+          <a:xfrm>
+            <a:off x="4541887" y="4221480"/>
+            <a:ext cx="948714" cy="958127"/>
+            <a:chOff x="7138060" y="3632577"/>
+            <a:chExt cx="948714" cy="958127"/>
+          </a:xfrm>
+        </p:grpSpPr>
+        <p:pic>
+          <p:nvPicPr>
+            <p:cNvPr id="90" name="Picture 89" descr="wifi_router.png"/>
+            <p:cNvPicPr>
+              <a:picLocks noChangeAspect="1"/>
+            </p:cNvPicPr>
+            <p:nvPr/>
+          </p:nvPicPr>
+          <p:blipFill>
+            <a:blip r:embed="rId10" cstate="print"/>
+            <a:stretch>
+              <a:fillRect/>
+            </a:stretch>
+          </p:blipFill>
+          <p:spPr>
+            <a:xfrm>
+              <a:off x="7138060" y="3632577"/>
+              <a:ext cx="732070" cy="732070"/>
+            </a:xfrm>
+            <a:prstGeom prst="rect">
+              <a:avLst/>
+            </a:prstGeom>
+            <a:solidFill>
+              <a:schemeClr val="bg1"/>
+            </a:solidFill>
+          </p:spPr>
+        </p:pic>
+        <p:sp>
+          <p:nvSpPr>
+            <p:cNvPr id="91" name="TextBox 90"/>
+            <p:cNvSpPr txBox="1"/>
+            <p:nvPr/>
+          </p:nvSpPr>
+          <p:spPr>
+            <a:xfrm>
+              <a:off x="7162800" y="4282927"/>
+              <a:ext cx="923974" cy="307777"/>
+            </a:xfrm>
+            <a:prstGeom prst="rect">
+              <a:avLst/>
+            </a:prstGeom>
+            <a:solidFill>
+              <a:schemeClr val="bg1"/>
+            </a:solidFill>
+          </p:spPr>
+          <p:txBody>
+            <a:bodyPr wrap="square" lIns="0" tIns="0" rIns="0" bIns="0" rtlCol="0">
+              <a:spAutoFit/>
+            </a:bodyPr>
+            <a:lstStyle/>
+            <a:p>
+              <a:r>
+                <a:rPr lang="en-US" sz="2000" dirty="0" smtClean="0">
+                  <a:solidFill>
+                    <a:schemeClr val="tx2">
+                      <a:lumMod val="60000"/>
+                      <a:lumOff val="40000"/>
+                    </a:schemeClr>
+                  </a:solidFill>
+                  <a:ea typeface="Ebrima" pitchFamily="2" charset="0"/>
+                  <a:cs typeface="Ebrima" pitchFamily="2" charset="0"/>
+                </a:rPr>
+                <a:t>Proxy</a:t>
+              </a:r>
+            </a:p>
+          </p:txBody>
+        </p:sp>
+      </p:grpSp>
+      <p:grpSp>
+        <p:nvGrpSpPr>
+          <p:cNvPr id="84" name="Group 69"/>
+          <p:cNvGrpSpPr/>
+          <p:nvPr/>
+        </p:nvGrpSpPr>
+        <p:grpSpPr>
+          <a:xfrm>
+            <a:off x="3779887" y="2773680"/>
+            <a:ext cx="1238297" cy="861295"/>
+            <a:chOff x="5619703" y="1961082"/>
+            <a:chExt cx="1238297" cy="861295"/>
+          </a:xfrm>
+        </p:grpSpPr>
+        <p:grpSp>
+          <p:nvGrpSpPr>
+            <p:cNvPr id="86" name="Group 114"/>
+            <p:cNvGrpSpPr/>
+            <p:nvPr/>
+          </p:nvGrpSpPr>
+          <p:grpSpPr>
+            <a:xfrm>
+              <a:off x="5804383" y="1961082"/>
+              <a:ext cx="541674" cy="570954"/>
+              <a:chOff x="19964400" y="10668000"/>
+              <a:chExt cx="939800" cy="990600"/>
+            </a:xfrm>
+          </p:grpSpPr>
+          <p:pic>
+            <p:nvPicPr>
+              <p:cNvPr id="88" name="Picture 2" descr="D:\PSU\ECE 412\Winter 2011\Poster\PNG Icon\Server.png"/>
+              <p:cNvPicPr>
+                <a:picLocks noChangeAspect="1" noChangeArrowheads="1"/>
+              </p:cNvPicPr>
+              <p:nvPr/>
+            </p:nvPicPr>
+            <p:blipFill>
+              <a:blip r:embed="rId11" cstate="print"/>
+              <a:srcRect/>
+              <a:stretch>
+                <a:fillRect/>
+              </a:stretch>
+            </p:blipFill>
+            <p:spPr bwMode="auto">
+              <a:xfrm>
+                <a:off x="19964400" y="10668000"/>
+                <a:ext cx="939800" cy="939800"/>
+              </a:xfrm>
+              <a:prstGeom prst="rect">
+                <a:avLst/>
+              </a:prstGeom>
+              <a:noFill/>
+            </p:spPr>
+          </p:pic>
+          <p:pic>
+            <p:nvPicPr>
+              <p:cNvPr id="89" name="Picture 4" descr="C:\Users\WOODY\Desktop\Image\Free-Database-Add-icon.png"/>
+              <p:cNvPicPr>
+                <a:picLocks noChangeAspect="1" noChangeArrowheads="1"/>
+              </p:cNvPicPr>
+              <p:nvPr/>
+            </p:nvPicPr>
+            <p:blipFill>
+              <a:blip r:embed="rId12" cstate="print"/>
+              <a:srcRect/>
+              <a:stretch>
+                <a:fillRect/>
+              </a:stretch>
+            </p:blipFill>
+            <p:spPr bwMode="auto">
+              <a:xfrm>
+                <a:off x="20307300" y="11125200"/>
+                <a:ext cx="533400" cy="533400"/>
+              </a:xfrm>
+              <a:prstGeom prst="rect">
+                <a:avLst/>
+              </a:prstGeom>
+              <a:noFill/>
+            </p:spPr>
+          </p:pic>
+        </p:grpSp>
+        <p:sp>
+          <p:nvSpPr>
+            <p:cNvPr id="87" name="TextBox 86"/>
+            <p:cNvSpPr txBox="1"/>
+            <p:nvPr/>
+          </p:nvSpPr>
+          <p:spPr>
+            <a:xfrm>
+              <a:off x="5619703" y="2514600"/>
+              <a:ext cx="1238297" cy="307777"/>
+            </a:xfrm>
+            <a:prstGeom prst="rect">
+              <a:avLst/>
+            </a:prstGeom>
+            <a:noFill/>
+          </p:spPr>
+          <p:txBody>
+            <a:bodyPr wrap="square" lIns="0" tIns="0" rIns="0" bIns="0" rtlCol="0">
+              <a:spAutoFit/>
+            </a:bodyPr>
+            <a:lstStyle/>
+            <a:p>
+              <a:r>
+                <a:rPr lang="en-US" sz="2000" dirty="0" smtClean="0">
+                  <a:solidFill>
+                    <a:schemeClr val="tx2">
+                      <a:lumMod val="60000"/>
+                      <a:lumOff val="40000"/>
+                    </a:schemeClr>
+                  </a:solidFill>
+                  <a:ea typeface="Ebrima" pitchFamily="2" charset="0"/>
+                  <a:cs typeface="Ebrima" pitchFamily="2" charset="0"/>
+                </a:rPr>
+                <a:t>Database</a:t>
+              </a:r>
+              <a:endParaRPr lang="en-US" sz="2000" dirty="0">
+                <a:solidFill>
+                  <a:schemeClr val="tx2">
+                    <a:lumMod val="60000"/>
+                    <a:lumOff val="40000"/>
+                  </a:schemeClr>
+                </a:solidFill>
+                <a:ea typeface="Ebrima" pitchFamily="2" charset="0"/>
+                <a:cs typeface="Ebrima" pitchFamily="2" charset="0"/>
+              </a:endParaRPr>
+            </a:p>
+          </p:txBody>
+        </p:sp>
+      </p:grpSp>
+      <p:sp>
+        <p:nvSpPr>
+          <p:cNvPr id="85" name="TextBox 84"/>
+          <p:cNvSpPr txBox="1"/>
+          <p:nvPr/>
+        </p:nvSpPr>
+        <p:spPr>
+          <a:xfrm>
+            <a:off x="3475087" y="4678680"/>
+            <a:ext cx="866853" cy="307777"/>
+          </a:xfrm>
+          <a:prstGeom prst="rect">
+            <a:avLst/>
+          </a:prstGeom>
+          <a:noFill/>
+        </p:spPr>
+        <p:txBody>
+          <a:bodyPr wrap="square" lIns="0" tIns="0" rIns="0" bIns="0" rtlCol="0">
+            <a:spAutoFit/>
+          </a:bodyPr>
+          <a:lstStyle/>
+          <a:p>
+            <a:pPr algn="ctr"/>
+            <a:r>
+              <a:rPr lang="en-US" sz="2000" dirty="0" smtClean="0">
+                <a:solidFill>
+                  <a:schemeClr val="tx2">
+                    <a:lumMod val="60000"/>
+                    <a:lumOff val="40000"/>
+                  </a:schemeClr>
+                </a:solidFill>
+                <a:ea typeface="Ebrima" pitchFamily="2" charset="0"/>
+                <a:cs typeface="Ebrima" pitchFamily="2" charset="0"/>
+              </a:rPr>
+              <a:t>Wi-Fi</a:t>
+            </a:r>
+            <a:endParaRPr lang="en-US" sz="2000" dirty="0">
+              <a:solidFill>
+                <a:schemeClr val="tx2">
+                  <a:lumMod val="60000"/>
+                  <a:lumOff val="40000"/>
+                </a:schemeClr>
+              </a:solidFill>
+              <a:ea typeface="Ebrima" pitchFamily="2" charset="0"/>
+              <a:cs typeface="Ebrima" pitchFamily="2" charset="0"/>
+            </a:endParaRPr>
+          </a:p>
+        </p:txBody>
+      </p:sp>
+      <p:cxnSp>
+        <p:nvCxnSpPr>
+          <p:cNvPr id="109" name="Straight Arrow Connector 108"/>
+          <p:cNvCxnSpPr>
+            <a:endCxn id="105" idx="3"/>
+          </p:cNvCxnSpPr>
+          <p:nvPr/>
+        </p:nvCxnSpPr>
+        <p:spPr>
+          <a:xfrm rot="10800000" flipV="1">
+            <a:off x="1466702" y="2514599"/>
+            <a:ext cx="743099" cy="12673"/>
+          </a:xfrm>
+          <a:prstGeom prst="straightConnector1">
+            <a:avLst/>
+          </a:prstGeom>
+          <a:ln w="38100">
+            <a:solidFill>
+              <a:schemeClr val="tx2">
+                <a:lumMod val="20000"/>
+                <a:lumOff val="80000"/>
+              </a:schemeClr>
+            </a:solidFill>
+            <a:prstDash val="solid"/>
+            <a:headEnd type="triangle" w="med" len="med"/>
+            <a:tailEnd type="none" w="med" len="med"/>
+          </a:ln>
+        </p:spPr>
+        <p:style>
+          <a:lnRef idx="1">
+            <a:schemeClr val="accent1"/>
+          </a:lnRef>
+          <a:fillRef idx="0">
+            <a:schemeClr val="accent1"/>
+          </a:fillRef>
+          <a:effectRef idx="0">
+            <a:schemeClr val="accent1"/>
+          </a:effectRef>
+          <a:fontRef idx="minor">
+            <a:schemeClr val="tx1"/>
+          </a:fontRef>
+        </p:style>
+      </p:cxnSp>
+      <p:cxnSp>
+        <p:nvCxnSpPr>
+          <p:cNvPr id="112" name="Straight Arrow Connector 111"/>
+          <p:cNvCxnSpPr/>
+          <p:nvPr/>
+        </p:nvCxnSpPr>
+        <p:spPr>
+          <a:xfrm rot="10800000" flipV="1">
+            <a:off x="1447800" y="2971798"/>
+            <a:ext cx="609600" cy="533401"/>
+          </a:xfrm>
+          <a:prstGeom prst="straightConnector1">
+            <a:avLst/>
+          </a:prstGeom>
+          <a:ln w="38100">
+            <a:solidFill>
+              <a:schemeClr val="tx2">
+                <a:lumMod val="20000"/>
+                <a:lumOff val="80000"/>
+              </a:schemeClr>
+            </a:solidFill>
+            <a:prstDash val="solid"/>
+            <a:headEnd type="triangle" w="med" len="med"/>
+            <a:tailEnd type="none" w="med" len="med"/>
+          </a:ln>
+        </p:spPr>
+        <p:style>
+          <a:lnRef idx="1">
+            <a:schemeClr val="accent1"/>
+          </a:lnRef>
+          <a:fillRef idx="0">
+            <a:schemeClr val="accent1"/>
+          </a:fillRef>
+          <a:effectRef idx="0">
+            <a:schemeClr val="accent1"/>
+          </a:effectRef>
+          <a:fontRef idx="minor">
+            <a:schemeClr val="tx1"/>
+          </a:fontRef>
+        </p:style>
+      </p:cxnSp>
+      <p:cxnSp>
+        <p:nvCxnSpPr>
+          <p:cNvPr id="116" name="Straight Arrow Connector 115"/>
+          <p:cNvCxnSpPr/>
+          <p:nvPr/>
+        </p:nvCxnSpPr>
+        <p:spPr>
+          <a:xfrm rot="10800000">
+            <a:off x="1447802" y="4038600"/>
+            <a:ext cx="609599" cy="381003"/>
+          </a:xfrm>
+          <a:prstGeom prst="straightConnector1">
+            <a:avLst/>
+          </a:prstGeom>
+          <a:ln w="38100">
+            <a:solidFill>
+              <a:schemeClr val="tx2">
+                <a:lumMod val="20000"/>
+                <a:lumOff val="80000"/>
+              </a:schemeClr>
+            </a:solidFill>
+            <a:prstDash val="solid"/>
+            <a:headEnd type="triangle" w="med" len="med"/>
+            <a:tailEnd type="none" w="med" len="med"/>
+          </a:ln>
+        </p:spPr>
+        <p:style>
+          <a:lnRef idx="1">
+            <a:schemeClr val="accent1"/>
+          </a:lnRef>
+          <a:fillRef idx="0">
+            <a:schemeClr val="accent1"/>
+          </a:fillRef>
+          <a:effectRef idx="0">
+            <a:schemeClr val="accent1"/>
+          </a:effectRef>
+          <a:fontRef idx="minor">
+            <a:schemeClr val="tx1"/>
+          </a:fontRef>
+        </p:style>
+      </p:cxnSp>
+      <p:cxnSp>
+        <p:nvCxnSpPr>
+          <p:cNvPr id="121" name="Straight Arrow Connector 120"/>
+          <p:cNvCxnSpPr/>
+          <p:nvPr/>
+        </p:nvCxnSpPr>
+        <p:spPr>
+          <a:xfrm>
+            <a:off x="3124200" y="4648200"/>
+            <a:ext cx="1295400" cy="1588"/>
+          </a:xfrm>
+          <a:prstGeom prst="straightConnector1">
+            <a:avLst/>
+          </a:prstGeom>
+          <a:ln w="38100">
+            <a:solidFill>
+              <a:schemeClr val="tx2">
+                <a:lumMod val="20000"/>
+                <a:lumOff val="80000"/>
+              </a:schemeClr>
+            </a:solidFill>
+            <a:prstDash val="solid"/>
+            <a:headEnd type="triangle" w="med" len="med"/>
+            <a:tailEnd type="none" w="med" len="med"/>
+          </a:ln>
+        </p:spPr>
+        <p:style>
+          <a:lnRef idx="1">
+            <a:schemeClr val="accent1"/>
+          </a:lnRef>
+          <a:fillRef idx="0">
+            <a:schemeClr val="accent1"/>
+          </a:fillRef>
+          <a:effectRef idx="0">
+            <a:schemeClr val="accent1"/>
+          </a:effectRef>
+          <a:fontRef idx="minor">
+            <a:schemeClr val="tx1"/>
+          </a:fontRef>
+        </p:style>
+      </p:cxnSp>
+      <p:cxnSp>
+        <p:nvCxnSpPr>
+          <p:cNvPr id="126" name="Straight Arrow Connector 125"/>
+          <p:cNvCxnSpPr/>
+          <p:nvPr/>
+        </p:nvCxnSpPr>
+        <p:spPr>
+          <a:xfrm rot="10800000" flipV="1">
+            <a:off x="3124200" y="3581400"/>
+            <a:ext cx="609600" cy="533400"/>
+          </a:xfrm>
+          <a:prstGeom prst="straightConnector1">
+            <a:avLst/>
+          </a:prstGeom>
+          <a:ln w="38100">
+            <a:solidFill>
+              <a:schemeClr val="tx2">
+                <a:lumMod val="20000"/>
+                <a:lumOff val="80000"/>
+              </a:schemeClr>
+            </a:solidFill>
+            <a:prstDash val="solid"/>
+            <a:headEnd type="triangle" w="med" len="med"/>
+            <a:tailEnd type="triangle" w="med" len="med"/>
+          </a:ln>
+        </p:spPr>
+        <p:style>
+          <a:lnRef idx="1">
+            <a:schemeClr val="accent1"/>
+          </a:lnRef>
+          <a:fillRef idx="0">
+            <a:schemeClr val="accent1"/>
+          </a:fillRef>
+          <a:effectRef idx="0">
+            <a:schemeClr val="accent1"/>
+          </a:effectRef>
+          <a:fontRef idx="minor">
+            <a:schemeClr val="tx1"/>
+          </a:fontRef>
+        </p:style>
+      </p:cxnSp>
+      <p:cxnSp>
+        <p:nvCxnSpPr>
+          <p:cNvPr id="129" name="Straight Arrow Connector 128"/>
+          <p:cNvCxnSpPr/>
+          <p:nvPr/>
+        </p:nvCxnSpPr>
+        <p:spPr>
+          <a:xfrm rot="10800000">
+            <a:off x="3124204" y="2514600"/>
+            <a:ext cx="685797" cy="457200"/>
+          </a:xfrm>
+          <a:prstGeom prst="straightConnector1">
+            <a:avLst/>
+          </a:prstGeom>
+          <a:ln w="38100">
+            <a:solidFill>
+              <a:schemeClr val="tx2">
+                <a:lumMod val="20000"/>
+                <a:lumOff val="80000"/>
+              </a:schemeClr>
+            </a:solidFill>
+            <a:prstDash val="solid"/>
+            <a:headEnd type="triangle" w="med" len="med"/>
+            <a:tailEnd type="triangle" w="med" len="med"/>
+          </a:ln>
+        </p:spPr>
+        <p:style>
+          <a:lnRef idx="1">
+            <a:schemeClr val="accent1"/>
+          </a:lnRef>
+          <a:fillRef idx="0">
+            <a:schemeClr val="accent1"/>
+          </a:fillRef>
+          <a:effectRef idx="0">
+            <a:schemeClr val="accent1"/>
+          </a:effectRef>
+          <a:fontRef idx="minor">
+            <a:schemeClr val="tx1"/>
+          </a:fontRef>
+        </p:style>
+      </p:cxnSp>
     </p:spTree>
   </p:cSld>
   <p:clrMapOvr>
@@ -7274,6 +11622,30 @@
           </a:p>
         </p:txBody>
       </p:sp>
+      <p:sp>
+        <p:nvSpPr>
+          <p:cNvPr id="4" name="Slide Number Placeholder 3"/>
+          <p:cNvSpPr>
+            <a:spLocks noGrp="1"/>
+          </p:cNvSpPr>
+          <p:nvPr>
+            <p:ph type="sldNum" sz="quarter" idx="12"/>
+          </p:nvPr>
+        </p:nvSpPr>
+        <p:spPr/>
+        <p:txBody>
+          <a:bodyPr/>
+          <a:lstStyle/>
+          <a:p>
+            <a:fld id="{23A0C73A-8263-44E0-85DF-600D742C7FF4}" type="slidenum">
+              <a:rPr lang="en-US" smtClean="0"/>
+              <a:pPr/>
+              <a:t>5</a:t>
+            </a:fld>
+            <a:endParaRPr lang="en-US" dirty="0"/>
+          </a:p>
+        </p:txBody>
+      </p:sp>
     </p:spTree>
   </p:cSld>
   <p:clrMapOvr>
@@ -7357,8 +11729,8 @@
               <a:rPr lang="en-US" dirty="0" smtClean="0">
                 <a:solidFill>
                   <a:schemeClr val="tx1">
-                    <a:lumMod val="50000"/>
-                    <a:lumOff val="50000"/>
+                    <a:lumMod val="65000"/>
+                    <a:lumOff val="35000"/>
                   </a:schemeClr>
                 </a:solidFill>
               </a:rPr>
@@ -7371,8 +11743,8 @@
               <a:rPr lang="en-US" dirty="0" smtClean="0">
                 <a:solidFill>
                   <a:schemeClr val="tx1">
-                    <a:lumMod val="50000"/>
-                    <a:lumOff val="50000"/>
+                    <a:lumMod val="65000"/>
+                    <a:lumOff val="35000"/>
                   </a:schemeClr>
                 </a:solidFill>
               </a:rPr>
@@ -7385,8 +11757,8 @@
               <a:rPr lang="en-US" dirty="0" smtClean="0">
                 <a:solidFill>
                   <a:schemeClr val="tx1">
-                    <a:lumMod val="50000"/>
-                    <a:lumOff val="50000"/>
+                    <a:lumMod val="65000"/>
+                    <a:lumOff val="35000"/>
                   </a:schemeClr>
                 </a:solidFill>
               </a:rPr>
@@ -7405,8 +11777,8 @@
               <a:rPr lang="en-US" dirty="0" smtClean="0">
                 <a:solidFill>
                   <a:schemeClr val="tx1">
-                    <a:lumMod val="50000"/>
-                    <a:lumOff val="50000"/>
+                    <a:lumMod val="65000"/>
+                    <a:lumOff val="35000"/>
                   </a:schemeClr>
                 </a:solidFill>
               </a:rPr>
@@ -7419,8 +11791,8 @@
               <a:rPr lang="en-US" dirty="0" smtClean="0">
                 <a:solidFill>
                   <a:schemeClr val="tx1">
-                    <a:lumMod val="50000"/>
-                    <a:lumOff val="50000"/>
+                    <a:lumMod val="65000"/>
+                    <a:lumOff val="35000"/>
                   </a:schemeClr>
                 </a:solidFill>
               </a:rPr>
@@ -7433,8 +11805,8 @@
               <a:rPr lang="en-US" dirty="0" smtClean="0">
                 <a:solidFill>
                   <a:schemeClr val="tx1">
-                    <a:lumMod val="50000"/>
-                    <a:lumOff val="50000"/>
+                    <a:lumMod val="65000"/>
+                    <a:lumOff val="35000"/>
                   </a:schemeClr>
                 </a:solidFill>
               </a:rPr>
@@ -7450,8 +11822,36 @@
           <a:p>
             <a:r>
               <a:rPr lang="en-US" dirty="0" smtClean="0"/>
-              <a:t>PCB by Sunstone</a:t>
-            </a:r>
+              <a:t>PCB by </a:t>
+            </a:r>
+            <a:r>
+              <a:rPr lang="en-US" dirty="0" smtClean="0"/>
+              <a:t>Sunstone Circuits</a:t>
+            </a:r>
+            <a:endParaRPr lang="en-US" dirty="0"/>
+          </a:p>
+        </p:txBody>
+      </p:sp>
+      <p:sp>
+        <p:nvSpPr>
+          <p:cNvPr id="4" name="Slide Number Placeholder 3"/>
+          <p:cNvSpPr>
+            <a:spLocks noGrp="1"/>
+          </p:cNvSpPr>
+          <p:nvPr>
+            <p:ph type="sldNum" sz="quarter" idx="12"/>
+          </p:nvPr>
+        </p:nvSpPr>
+        <p:spPr/>
+        <p:txBody>
+          <a:bodyPr/>
+          <a:lstStyle/>
+          <a:p>
+            <a:fld id="{23A0C73A-8263-44E0-85DF-600D742C7FF4}" type="slidenum">
+              <a:rPr lang="en-US" smtClean="0"/>
+              <a:pPr/>
+              <a:t>6</a:t>
+            </a:fld>
             <a:endParaRPr lang="en-US" dirty="0"/>
           </a:p>
         </p:txBody>
@@ -7461,6 +11861,13 @@
   <p:clrMapOvr>
     <a:masterClrMapping/>
   </p:clrMapOvr>
+  <p:timing>
+    <p:tnLst>
+      <p:par>
+        <p:cTn id="1" dur="indefinite" restart="never" nodeType="tmRoot"/>
+      </p:par>
+    </p:tnLst>
+  </p:timing>
 </p:sld>
 </file>
 
@@ -7694,11 +12101,42 @@
           </a:p>
         </p:txBody>
       </p:sp>
+      <p:sp>
+        <p:nvSpPr>
+          <p:cNvPr id="9" name="Slide Number Placeholder 8"/>
+          <p:cNvSpPr>
+            <a:spLocks noGrp="1"/>
+          </p:cNvSpPr>
+          <p:nvPr>
+            <p:ph type="sldNum" sz="quarter" idx="12"/>
+          </p:nvPr>
+        </p:nvSpPr>
+        <p:spPr/>
+        <p:txBody>
+          <a:bodyPr/>
+          <a:lstStyle/>
+          <a:p>
+            <a:fld id="{23A0C73A-8263-44E0-85DF-600D742C7FF4}" type="slidenum">
+              <a:rPr lang="en-US" smtClean="0"/>
+              <a:pPr/>
+              <a:t>7</a:t>
+            </a:fld>
+            <a:endParaRPr lang="en-US" dirty="0"/>
+          </a:p>
+        </p:txBody>
+      </p:sp>
     </p:spTree>
   </p:cSld>
   <p:clrMapOvr>
     <a:masterClrMapping/>
   </p:clrMapOvr>
+  <p:timing>
+    <p:tnLst>
+      <p:par>
+        <p:cTn id="1" dur="indefinite" restart="never" nodeType="tmRoot"/>
+      </p:par>
+    </p:tnLst>
+  </p:timing>
 </p:sld>
 </file>
 
@@ -7905,11 +12343,42 @@
           </a:p>
         </p:txBody>
       </p:sp>
+      <p:sp>
+        <p:nvSpPr>
+          <p:cNvPr id="8" name="Slide Number Placeholder 7"/>
+          <p:cNvSpPr>
+            <a:spLocks noGrp="1"/>
+          </p:cNvSpPr>
+          <p:nvPr>
+            <p:ph type="sldNum" sz="quarter" idx="12"/>
+          </p:nvPr>
+        </p:nvSpPr>
+        <p:spPr/>
+        <p:txBody>
+          <a:bodyPr/>
+          <a:lstStyle/>
+          <a:p>
+            <a:fld id="{23A0C73A-8263-44E0-85DF-600D742C7FF4}" type="slidenum">
+              <a:rPr lang="en-US" smtClean="0"/>
+              <a:pPr/>
+              <a:t>8</a:t>
+            </a:fld>
+            <a:endParaRPr lang="en-US" dirty="0"/>
+          </a:p>
+        </p:txBody>
+      </p:sp>
     </p:spTree>
   </p:cSld>
   <p:clrMapOvr>
     <a:masterClrMapping/>
   </p:clrMapOvr>
+  <p:timing>
+    <p:tnLst>
+      <p:par>
+        <p:cTn id="1" dur="indefinite" restart="never" nodeType="tmRoot"/>
+      </p:par>
+    </p:tnLst>
+  </p:timing>
 </p:sld>
 </file>
 
@@ -8020,15 +12489,14 @@
         </p:nvPicPr>
         <p:blipFill>
           <a:blip r:embed="rId2" cstate="print"/>
-          <a:srcRect/>
           <a:stretch>
             <a:fillRect/>
           </a:stretch>
         </p:blipFill>
         <p:spPr bwMode="auto">
           <a:xfrm>
-            <a:off x="5181600" y="1752600"/>
-            <a:ext cx="3124200" cy="2444784"/>
+            <a:off x="4953000" y="1925193"/>
+            <a:ext cx="3755136" cy="4052062"/>
           </a:xfrm>
           <a:prstGeom prst="rect">
             <a:avLst/>
@@ -8036,11 +12504,42 @@
           <a:noFill/>
         </p:spPr>
       </p:pic>
+      <p:sp>
+        <p:nvSpPr>
+          <p:cNvPr id="5" name="Slide Number Placeholder 4"/>
+          <p:cNvSpPr>
+            <a:spLocks noGrp="1"/>
+          </p:cNvSpPr>
+          <p:nvPr>
+            <p:ph type="sldNum" sz="quarter" idx="12"/>
+          </p:nvPr>
+        </p:nvSpPr>
+        <p:spPr/>
+        <p:txBody>
+          <a:bodyPr/>
+          <a:lstStyle/>
+          <a:p>
+            <a:fld id="{23A0C73A-8263-44E0-85DF-600D742C7FF4}" type="slidenum">
+              <a:rPr lang="en-US" smtClean="0"/>
+              <a:pPr/>
+              <a:t>9</a:t>
+            </a:fld>
+            <a:endParaRPr lang="en-US" dirty="0"/>
+          </a:p>
+        </p:txBody>
+      </p:sp>
     </p:spTree>
   </p:cSld>
   <p:clrMapOvr>
     <a:masterClrMapping/>
   </p:clrMapOvr>
+  <p:timing>
+    <p:tnLst>
+      <p:par>
+        <p:cTn id="1" dur="indefinite" restart="never" nodeType="tmRoot"/>
+      </p:par>
+    </p:tnLst>
+  </p:timing>
 </p:sld>
 </file>
 

--- a/Docs/TIU_Tracking_Presentation_v1.pptx
+++ b/Docs/TIU_Tracking_Presentation_v1.pptx
@@ -6403,7 +6403,7 @@
         <p:spPr/>
         <p:txBody>
           <a:bodyPr numCol="2" spcCol="182880">
-            <a:normAutofit fontScale="92500"/>
+            <a:normAutofit lnSpcReduction="10000"/>
           </a:bodyPr>
           <a:lstStyle/>
           <a:p>
@@ -6432,9 +6432,6 @@
             <a:endParaRPr lang="en-US" dirty="0" smtClean="0"/>
           </a:p>
           <a:p>
-            <a:endParaRPr lang="en-US" dirty="0" smtClean="0"/>
-          </a:p>
-          <a:p>
             <a:r>
               <a:rPr lang="en-US" dirty="0" smtClean="0"/>
               <a:t>Theory</a:t>
@@ -6453,9 +6450,6 @@
               <a:rPr lang="en-US" dirty="0" smtClean="0"/>
               <a:t>Euclidean distance</a:t>
             </a:r>
-          </a:p>
-          <a:p>
-            <a:endParaRPr lang="en-US" dirty="0" smtClean="0"/>
           </a:p>
           <a:p>
             <a:endParaRPr lang="en-US" dirty="0" smtClean="0"/>
@@ -6506,10 +6500,10 @@
         </p:nvGrpSpPr>
         <p:grpSpPr>
           <a:xfrm>
-            <a:off x="472440" y="1828800"/>
-            <a:ext cx="8138160" cy="2011680"/>
+            <a:off x="472440" y="1676400"/>
+            <a:ext cx="8138160" cy="1874520"/>
             <a:chOff x="640080" y="2011680"/>
-            <a:chExt cx="8138160" cy="2011680"/>
+            <a:chExt cx="8138160" cy="1874520"/>
           </a:xfrm>
         </p:grpSpPr>
         <p:sp>
@@ -6682,7 +6676,7 @@
           </p:nvSpPr>
           <p:spPr>
             <a:xfrm>
-              <a:off x="3962400" y="3291840"/>
+              <a:off x="3962400" y="3154680"/>
               <a:ext cx="1463040" cy="731520"/>
             </a:xfrm>
             <a:prstGeom prst="rect">
@@ -6825,8 +6819,8 @@
           </p:nvCxnSpPr>
           <p:spPr>
             <a:xfrm rot="5400000" flipH="1" flipV="1">
-              <a:off x="4511040" y="3108960"/>
-              <a:ext cx="365760" cy="1588"/>
+              <a:off x="4579620" y="3040380"/>
+              <a:ext cx="228600" cy="1588"/>
             </a:xfrm>
             <a:prstGeom prst="straightConnector1">
               <a:avLst/>
@@ -7076,6 +7070,119 @@
           </a:p>
         </p:txBody>
       </p:sp>
+      <p:sp>
+        <p:nvSpPr>
+          <p:cNvPr id="17410" name="Rectangle 2"/>
+          <p:cNvSpPr>
+            <a:spLocks noChangeArrowheads="1"/>
+          </p:cNvSpPr>
+          <p:nvPr/>
+        </p:nvSpPr>
+        <p:spPr bwMode="auto">
+          <a:xfrm>
+            <a:off x="0" y="0"/>
+            <a:ext cx="9144000" cy="0"/>
+          </a:xfrm>
+          <a:prstGeom prst="rect">
+            <a:avLst/>
+          </a:prstGeom>
+          <a:noFill/>
+          <a:ln w="9525">
+            <a:noFill/>
+            <a:miter lim="800000"/>
+            <a:headEnd/>
+            <a:tailEnd/>
+          </a:ln>
+          <a:effectLst/>
+        </p:spPr>
+        <p:txBody>
+          <a:bodyPr vert="horz" wrap="none" lIns="91440" tIns="45720" rIns="91440" bIns="45720" numCol="1" anchor="ctr" anchorCtr="0" compatLnSpc="1">
+            <a:prstTxWarp prst="textNoShape">
+              <a:avLst/>
+            </a:prstTxWarp>
+            <a:spAutoFit/>
+          </a:bodyPr>
+          <a:lstStyle/>
+          <a:p>
+            <a:endParaRPr lang="en-US"/>
+          </a:p>
+        </p:txBody>
+      </p:sp>
+      <p:sp>
+        <p:nvSpPr>
+          <p:cNvPr id="17412" name="Rectangle 4"/>
+          <p:cNvSpPr>
+            <a:spLocks noChangeArrowheads="1"/>
+          </p:cNvSpPr>
+          <p:nvPr/>
+        </p:nvSpPr>
+        <p:spPr bwMode="auto">
+          <a:xfrm>
+            <a:off x="0" y="0"/>
+            <a:ext cx="9144000" cy="0"/>
+          </a:xfrm>
+          <a:prstGeom prst="rect">
+            <a:avLst/>
+          </a:prstGeom>
+          <a:noFill/>
+          <a:ln w="9525">
+            <a:noFill/>
+            <a:miter lim="800000"/>
+            <a:headEnd/>
+            <a:tailEnd/>
+          </a:ln>
+          <a:effectLst/>
+        </p:spPr>
+        <p:txBody>
+          <a:bodyPr vert="horz" wrap="none" lIns="91440" tIns="45720" rIns="91440" bIns="45720" numCol="1" anchor="ctr" anchorCtr="0" compatLnSpc="1">
+            <a:prstTxWarp prst="textNoShape">
+              <a:avLst/>
+            </a:prstTxWarp>
+            <a:spAutoFit/>
+          </a:bodyPr>
+          <a:lstStyle/>
+          <a:p>
+            <a:endParaRPr lang="en-US"/>
+          </a:p>
+        </p:txBody>
+      </p:sp>
+      <p:pic>
+        <p:nvPicPr>
+          <p:cNvPr id="17411" name="Picture 3"/>
+          <p:cNvPicPr>
+            <a:picLocks noChangeAspect="1" noChangeArrowheads="1"/>
+          </p:cNvPicPr>
+          <p:nvPr/>
+        </p:nvPicPr>
+        <p:blipFill>
+          <a:blip r:embed="rId2" cstate="print">
+            <a:clrChange>
+              <a:clrFrom>
+                <a:srgbClr val="FFFFFF"/>
+              </a:clrFrom>
+              <a:clrTo>
+                <a:srgbClr val="FFFFFF">
+                  <a:alpha val="0"/>
+                </a:srgbClr>
+              </a:clrTo>
+            </a:clrChange>
+          </a:blip>
+          <a:srcRect/>
+          <a:stretch>
+            <a:fillRect/>
+          </a:stretch>
+        </p:blipFill>
+        <p:spPr bwMode="auto">
+          <a:xfrm>
+            <a:off x="1333500" y="5486400"/>
+            <a:ext cx="2705100" cy="1104900"/>
+          </a:xfrm>
+          <a:prstGeom prst="rect">
+            <a:avLst/>
+          </a:prstGeom>
+          <a:noFill/>
+        </p:spPr>
+      </p:pic>
     </p:spTree>
   </p:cSld>
   <p:clrMapOvr>

--- a/Docs/TIU_Tracking_Presentation_v1.pptx
+++ b/Docs/TIU_Tracking_Presentation_v1.pptx
@@ -7458,7 +7458,7 @@
           <a:p>
             <a:r>
               <a:rPr lang="en-US" dirty="0" smtClean="0"/>
-              <a:t>Software</a:t>
+              <a:t>Recap</a:t>
             </a:r>
             <a:endParaRPr lang="en-US" dirty="0"/>
           </a:p>
@@ -7479,10 +7479,6 @@
           <a:bodyPr/>
           <a:lstStyle/>
           <a:p>
-            <a:r>
-              <a:rPr lang="en-US" dirty="0" smtClean="0"/>
-              <a:t>Key points</a:t>
-            </a:r>
             <a:endParaRPr lang="en-US" dirty="0"/>
           </a:p>
         </p:txBody>
@@ -7516,6 +7512,13 @@
   <p:clrMapOvr>
     <a:masterClrMapping/>
   </p:clrMapOvr>
+  <p:timing>
+    <p:tnLst>
+      <p:par>
+        <p:cTn id="1" dur="indefinite" restart="never" nodeType="tmRoot"/>
+      </p:par>
+    </p:tnLst>
+  </p:timing>
 </p:sld>
 </file>
 

--- a/Docs/TIU_Tracking_Presentation_v1.pptx
+++ b/Docs/TIU_Tracking_Presentation_v1.pptx
@@ -220,7 +220,7 @@
             <a:fld id="{342AF894-3CA5-4BF5-999A-858F3B50E095}" type="datetimeFigureOut">
               <a:rPr lang="en-US" smtClean="0"/>
               <a:pPr/>
-              <a:t>5/30/2011</a:t>
+              <a:t>5/31/2011</a:t>
             </a:fld>
             <a:endParaRPr lang="en-US"/>
           </a:p>
@@ -629,15 +629,7 @@
           <a:p>
             <a:r>
               <a:rPr lang="en-US" baseline="0" dirty="0" smtClean="0"/>
-              <a:t>Well, unlike a traditional window application, which requires different versions for different platforms, a web app can have </a:t>
-            </a:r>
-            <a:r>
-              <a:rPr lang="en-US" baseline="0" dirty="0" smtClean="0"/>
-              <a:t>only </a:t>
-            </a:r>
-            <a:r>
-              <a:rPr lang="en-US" baseline="0" dirty="0" smtClean="0"/>
-              <a:t>one version, and it can run virtually everywhere, from a mobile phone to a desktop.</a:t>
+              <a:t>Well, unlike a traditional window application, which requires different versions for different platforms, a web app can have only one version, and it can run virtually everywhere, from a mobile phone to a desktop.</a:t>
             </a:r>
           </a:p>
           <a:p>
@@ -1054,7 +1046,8 @@
           <a:p>
             <a:fld id="{13B28FB6-6C40-4E5B-B68F-A6DCCF626BF9}" type="datetime1">
               <a:rPr lang="en-US" smtClean="0"/>
-              <a:t>5/30/2011</a:t>
+              <a:pPr/>
+              <a:t>5/31/2011</a:t>
             </a:fld>
             <a:endParaRPr lang="en-US" dirty="0"/>
           </a:p>
@@ -1108,6 +1101,9 @@
   <p:clrMapOvr>
     <a:masterClrMapping/>
   </p:clrMapOvr>
+  <p:transition>
+    <p:fade/>
+  </p:transition>
 </p:sldLayout>
 </file>
 
@@ -1220,7 +1216,8 @@
           <a:p>
             <a:fld id="{4F7B8872-DDBE-49CA-AC62-98F3E35207AB}" type="datetime1">
               <a:rPr lang="en-US" smtClean="0"/>
-              <a:t>5/30/2011</a:t>
+              <a:pPr/>
+              <a:t>5/31/2011</a:t>
             </a:fld>
             <a:endParaRPr lang="en-US" dirty="0"/>
           </a:p>
@@ -1274,6 +1271,9 @@
   <p:clrMapOvr>
     <a:masterClrMapping/>
   </p:clrMapOvr>
+  <p:transition>
+    <p:fade/>
+  </p:transition>
 </p:sldLayout>
 </file>
 
@@ -1396,7 +1396,8 @@
           <a:p>
             <a:fld id="{52504D97-0F26-4A6B-868C-25B209D617FA}" type="datetime1">
               <a:rPr lang="en-US" smtClean="0"/>
-              <a:t>5/30/2011</a:t>
+              <a:pPr/>
+              <a:t>5/31/2011</a:t>
             </a:fld>
             <a:endParaRPr lang="en-US" dirty="0"/>
           </a:p>
@@ -1450,6 +1451,9 @@
   <p:clrMapOvr>
     <a:masterClrMapping/>
   </p:clrMapOvr>
+  <p:transition>
+    <p:fade/>
+  </p:transition>
 </p:sldLayout>
 </file>
 
@@ -1595,7 +1599,8 @@
           <a:p>
             <a:fld id="{D085DC50-35D8-4293-94D9-D835C484D7A2}" type="datetime1">
               <a:rPr lang="en-US" smtClean="0"/>
-              <a:t>5/30/2011</a:t>
+              <a:pPr/>
+              <a:t>5/31/2011</a:t>
             </a:fld>
             <a:endParaRPr lang="en-US" dirty="0"/>
           </a:p>
@@ -1649,6 +1654,9 @@
   <p:clrMapOvr>
     <a:masterClrMapping/>
   </p:clrMapOvr>
+  <p:transition>
+    <p:fade/>
+  </p:transition>
 </p:sldLayout>
 </file>
 
@@ -1837,7 +1845,8 @@
           <a:p>
             <a:fld id="{EEA761B6-1E4C-4527-8D86-6FD441BB1BD5}" type="datetime1">
               <a:rPr lang="en-US" smtClean="0"/>
-              <a:t>5/30/2011</a:t>
+              <a:pPr/>
+              <a:t>5/31/2011</a:t>
             </a:fld>
             <a:endParaRPr lang="en-US" dirty="0"/>
           </a:p>
@@ -1891,6 +1900,9 @@
   <p:clrMapOvr>
     <a:masterClrMapping/>
   </p:clrMapOvr>
+  <p:transition>
+    <p:fade/>
+  </p:transition>
 </p:sldLayout>
 </file>
 
@@ -2121,7 +2133,8 @@
           <a:p>
             <a:fld id="{D86DDD38-8D6A-49DC-9069-9C1743FAE277}" type="datetime1">
               <a:rPr lang="en-US" smtClean="0"/>
-              <a:t>5/30/2011</a:t>
+              <a:pPr/>
+              <a:t>5/31/2011</a:t>
             </a:fld>
             <a:endParaRPr lang="en-US" dirty="0"/>
           </a:p>
@@ -2175,6 +2188,9 @@
   <p:clrMapOvr>
     <a:masterClrMapping/>
   </p:clrMapOvr>
+  <p:transition>
+    <p:fade/>
+  </p:transition>
 </p:sldLayout>
 </file>
 
@@ -2539,7 +2555,8 @@
           <a:p>
             <a:fld id="{74A3B84C-20C5-4AA9-ACFD-2070A78A13CB}" type="datetime1">
               <a:rPr lang="en-US" smtClean="0"/>
-              <a:t>5/30/2011</a:t>
+              <a:pPr/>
+              <a:t>5/31/2011</a:t>
             </a:fld>
             <a:endParaRPr lang="en-US" dirty="0"/>
           </a:p>
@@ -2593,6 +2610,9 @@
   <p:clrMapOvr>
     <a:masterClrMapping/>
   </p:clrMapOvr>
+  <p:transition>
+    <p:fade/>
+  </p:transition>
 </p:sldLayout>
 </file>
 
@@ -2653,7 +2673,8 @@
           <a:p>
             <a:fld id="{02DB4639-7C56-4008-83E7-4A7BE8B2174A}" type="datetime1">
               <a:rPr lang="en-US" smtClean="0"/>
-              <a:t>5/30/2011</a:t>
+              <a:pPr/>
+              <a:t>5/31/2011</a:t>
             </a:fld>
             <a:endParaRPr lang="en-US" dirty="0"/>
           </a:p>
@@ -2707,6 +2728,9 @@
   <p:clrMapOvr>
     <a:masterClrMapping/>
   </p:clrMapOvr>
+  <p:transition>
+    <p:fade/>
+  </p:transition>
 </p:sldLayout>
 </file>
 
@@ -2744,7 +2768,8 @@
           <a:p>
             <a:fld id="{006EAB04-8EAA-4AE1-BBF3-FBED0AE6727C}" type="datetime1">
               <a:rPr lang="en-US" smtClean="0"/>
-              <a:t>5/30/2011</a:t>
+              <a:pPr/>
+              <a:t>5/31/2011</a:t>
             </a:fld>
             <a:endParaRPr lang="en-US" dirty="0"/>
           </a:p>
@@ -2798,6 +2823,9 @@
   <p:clrMapOvr>
     <a:masterClrMapping/>
   </p:clrMapOvr>
+  <p:transition>
+    <p:fade/>
+  </p:transition>
 </p:sldLayout>
 </file>
 
@@ -3017,7 +3045,8 @@
           <a:p>
             <a:fld id="{993B734A-CB8E-4F6B-9B39-0C8258B94388}" type="datetime1">
               <a:rPr lang="en-US" smtClean="0"/>
-              <a:t>5/30/2011</a:t>
+              <a:pPr/>
+              <a:t>5/31/2011</a:t>
             </a:fld>
             <a:endParaRPr lang="en-US" dirty="0"/>
           </a:p>
@@ -3071,6 +3100,9 @@
   <p:clrMapOvr>
     <a:masterClrMapping/>
   </p:clrMapOvr>
+  <p:transition>
+    <p:fade/>
+  </p:transition>
 </p:sldLayout>
 </file>
 
@@ -3270,7 +3302,8 @@
           <a:p>
             <a:fld id="{D4556FE2-3B15-4FCA-99DE-212197623C12}" type="datetime1">
               <a:rPr lang="en-US" smtClean="0"/>
-              <a:t>5/30/2011</a:t>
+              <a:pPr/>
+              <a:t>5/31/2011</a:t>
             </a:fld>
             <a:endParaRPr lang="en-US" dirty="0"/>
           </a:p>
@@ -3324,6 +3357,9 @@
   <p:clrMapOvr>
     <a:masterClrMapping/>
   </p:clrMapOvr>
+  <p:transition>
+    <p:fade/>
+  </p:transition>
 </p:sldLayout>
 </file>
 
@@ -3488,7 +3524,8 @@
           <a:p>
             <a:fld id="{2B555028-ABB8-481B-99A8-9A0B0578BBC2}" type="datetime1">
               <a:rPr lang="en-US" smtClean="0"/>
-              <a:t>5/30/2011</a:t>
+              <a:pPr/>
+              <a:t>5/31/2011</a:t>
             </a:fld>
             <a:endParaRPr lang="en-US" dirty="0"/>
           </a:p>
@@ -3589,6 +3626,9 @@
     <p:sldLayoutId id="2147483658" r:id="rId10"/>
     <p:sldLayoutId id="2147483659" r:id="rId11"/>
   </p:sldLayoutIdLst>
+  <p:transition>
+    <p:fade/>
+  </p:transition>
   <p:hf hdr="0" ftr="0" dt="0"/>
   <p:txStyles>
     <p:titleStyle>
@@ -4054,6 +4094,9 @@
   <p:clrMapOvr>
     <a:masterClrMapping/>
   </p:clrMapOvr>
+  <p:transition>
+    <p:fade/>
+  </p:transition>
   <p:timing>
     <p:tnLst>
       <p:par>
@@ -4246,6 +4289,9 @@
   <p:clrMapOvr>
     <a:masterClrMapping/>
   </p:clrMapOvr>
+  <p:transition>
+    <p:fade/>
+  </p:transition>
   <p:timing>
     <p:tnLst>
       <p:par>
@@ -5104,6 +5150,9 @@
   <p:clrMapOvr>
     <a:masterClrMapping/>
   </p:clrMapOvr>
+  <p:transition>
+    <p:fade/>
+  </p:transition>
   <p:timing>
     <p:tnLst>
       <p:par>
@@ -5307,6 +5356,9 @@
   <p:clrMapOvr>
     <a:masterClrMapping/>
   </p:clrMapOvr>
+  <p:transition>
+    <p:fade/>
+  </p:transition>
   <p:timing>
     <p:tnLst>
       <p:par>
@@ -5499,6 +5551,9 @@
   <p:clrMapOvr>
     <a:masterClrMapping/>
   </p:clrMapOvr>
+  <p:transition>
+    <p:fade/>
+  </p:transition>
   <p:timing>
     <p:tnLst>
       <p:par>
@@ -6153,6 +6208,9 @@
   <p:clrMapOvr>
     <a:masterClrMapping/>
   </p:clrMapOvr>
+  <p:transition>
+    <p:fade/>
+  </p:transition>
   <p:timing>
     <p:tnLst>
       <p:par>
@@ -6255,15 +6313,7 @@
             <a:pPr lvl="3"/>
             <a:r>
               <a:rPr lang="en-US" dirty="0" smtClean="0"/>
-              <a:t>Collects RF </a:t>
-            </a:r>
-            <a:r>
-              <a:rPr lang="en-US" dirty="0" smtClean="0"/>
-              <a:t>signatures </a:t>
-            </a:r>
-            <a:r>
-              <a:rPr lang="en-US" dirty="0" smtClean="0"/>
-              <a:t>at calibration points</a:t>
+              <a:t>Collects RF signatures at calibration points</a:t>
             </a:r>
           </a:p>
           <a:p>
@@ -6340,6 +6390,9 @@
   <p:clrMapOvr>
     <a:masterClrMapping/>
   </p:clrMapOvr>
+  <p:transition>
+    <p:fade/>
+  </p:transition>
   <p:timing>
     <p:tnLst>
       <p:par>
@@ -6412,11 +6465,7 @@
             </a:pPr>
             <a:r>
               <a:rPr lang="en-US" dirty="0" smtClean="0"/>
-              <a:t>Location </a:t>
-            </a:r>
-            <a:r>
-              <a:rPr lang="en-US" dirty="0" smtClean="0"/>
-              <a:t>Engine</a:t>
+              <a:t>Location Engine</a:t>
             </a:r>
           </a:p>
           <a:p>
@@ -6488,7 +6537,6 @@
               <a:rPr lang="en-US" dirty="0" smtClean="0"/>
               <a:t>Interpolating between two closest locations</a:t>
             </a:r>
-            <a:endParaRPr lang="en-US" dirty="0" smtClean="0"/>
           </a:p>
         </p:txBody>
       </p:sp>
@@ -7188,6 +7236,9 @@
   <p:clrMapOvr>
     <a:masterClrMapping/>
   </p:clrMapOvr>
+  <p:transition>
+    <p:fade/>
+  </p:transition>
   <p:timing>
     <p:tnLst>
       <p:par>
@@ -7334,11 +7385,7 @@
             <a:pPr lvl="2"/>
             <a:r>
               <a:rPr lang="en-US" dirty="0" smtClean="0"/>
-              <a:t>HTML5, CSS3, </a:t>
-            </a:r>
-            <a:r>
-              <a:rPr lang="en-US" dirty="0" smtClean="0"/>
-              <a:t>JavaScript</a:t>
+              <a:t>HTML5, CSS3, JavaScript</a:t>
             </a:r>
           </a:p>
           <a:p>
@@ -7414,6 +7461,9 @@
   <p:clrMapOvr>
     <a:masterClrMapping/>
   </p:clrMapOvr>
+  <p:transition>
+    <p:fade/>
+  </p:transition>
   <p:timing>
     <p:tnLst>
       <p:par>
@@ -7512,6 +7562,9 @@
   <p:clrMapOvr>
     <a:masterClrMapping/>
   </p:clrMapOvr>
+  <p:transition>
+    <p:fade/>
+  </p:transition>
   <p:timing>
     <p:tnLst>
       <p:par>
@@ -7704,6 +7757,9 @@
   <p:clrMapOvr>
     <a:masterClrMapping/>
   </p:clrMapOvr>
+  <p:transition>
+    <p:fade/>
+  </p:transition>
   <p:timing>
     <p:tnLst>
       <p:par>
@@ -7842,6 +7898,9 @@
   <p:clrMapOvr>
     <a:masterClrMapping/>
   </p:clrMapOvr>
+  <p:transition>
+    <p:fade/>
+  </p:transition>
   <p:timing>
     <p:tnLst>
       <p:par>
@@ -7986,6 +8045,9 @@
   <p:clrMapOvr>
     <a:masterClrMapping/>
   </p:clrMapOvr>
+  <p:transition>
+    <p:fade/>
+  </p:transition>
   <p:timing>
     <p:tnLst>
       <p:par>
@@ -8109,6 +8171,9 @@
   <p:clrMapOvr>
     <a:masterClrMapping/>
   </p:clrMapOvr>
+  <p:transition>
+    <p:fade/>
+  </p:transition>
   <p:timing>
     <p:tnLst>
       <p:par>
@@ -8301,6 +8366,9 @@
   <p:clrMapOvr>
     <a:masterClrMapping/>
   </p:clrMapOvr>
+  <p:transition>
+    <p:fade/>
+  </p:transition>
   <p:timing>
     <p:tnLst>
       <p:par>
@@ -8429,6 +8497,9 @@
   <p:clrMapOvr>
     <a:masterClrMapping/>
   </p:clrMapOvr>
+  <p:transition>
+    <p:fade/>
+  </p:transition>
   <p:timing>
     <p:tnLst>
       <p:par>
@@ -9004,6 +9075,9 @@
   <p:clrMapOvr>
     <a:masterClrMapping/>
   </p:clrMapOvr>
+  <p:transition>
+    <p:fade/>
+  </p:transition>
   <p:timing>
     <p:tnLst>
       <p:par>
@@ -9145,6 +9219,9 @@
   <p:clrMapOvr>
     <a:masterClrMapping/>
   </p:clrMapOvr>
+  <p:transition>
+    <p:fade/>
+  </p:transition>
   <p:timing>
     <p:tnLst>
       <p:par>
@@ -9337,6 +9414,9 @@
   <p:clrMapOvr>
     <a:masterClrMapping/>
   </p:clrMapOvr>
+  <p:transition>
+    <p:fade/>
+  </p:transition>
   <p:timing>
     <p:tnLst>
       <p:par>
@@ -9479,6 +9559,9 @@
   <p:clrMapOvr>
     <a:masterClrMapping/>
   </p:clrMapOvr>
+  <p:transition>
+    <p:fade/>
+  </p:transition>
   <p:timing>
     <p:tnLst>
       <p:par>
@@ -9599,6 +9682,9 @@
   <p:clrMapOvr>
     <a:masterClrMapping/>
   </p:clrMapOvr>
+  <p:transition>
+    <p:fade/>
+  </p:transition>
   <p:timing>
     <p:tnLst>
       <p:par>
@@ -9791,6 +9877,9 @@
   <p:clrMapOvr>
     <a:masterClrMapping/>
   </p:clrMapOvr>
+  <p:transition>
+    <p:fade/>
+  </p:transition>
   <p:timing>
     <p:tnLst>
       <p:par>
@@ -11569,6 +11658,9 @@
   <p:clrMapOvr>
     <a:masterClrMapping/>
   </p:clrMapOvr>
+  <p:transition>
+    <p:fade/>
+  </p:transition>
   <p:timing>
     <p:tnLst>
       <p:par>
@@ -11761,6 +11853,9 @@
   <p:clrMapOvr>
     <a:masterClrMapping/>
   </p:clrMapOvr>
+  <p:transition>
+    <p:fade/>
+  </p:transition>
   <p:timing>
     <p:tnLst>
       <p:par>
@@ -11932,11 +12027,7 @@
           <a:p>
             <a:r>
               <a:rPr lang="en-US" dirty="0" smtClean="0"/>
-              <a:t>PCB by </a:t>
-            </a:r>
-            <a:r>
-              <a:rPr lang="en-US" dirty="0" smtClean="0"/>
-              <a:t>Sunstone Circuits</a:t>
+              <a:t>PCB by Sunstone Circuits</a:t>
             </a:r>
             <a:endParaRPr lang="en-US" dirty="0"/>
           </a:p>
@@ -11971,6 +12062,9 @@
   <p:clrMapOvr>
     <a:masterClrMapping/>
   </p:clrMapOvr>
+  <p:transition>
+    <p:fade/>
+  </p:transition>
   <p:timing>
     <p:tnLst>
       <p:par>
@@ -12059,23 +12153,7 @@
             <a:pPr lvl="1"/>
             <a:r>
               <a:rPr lang="en-US" dirty="0" smtClean="0"/>
-              <a:t>Size</a:t>
-            </a:r>
-            <a:r>
-              <a:rPr lang="en-US" dirty="0" smtClean="0"/>
-              <a:t>: </a:t>
-            </a:r>
-            <a:r>
-              <a:rPr lang="en-US" dirty="0" smtClean="0"/>
-              <a:t>1” x 1” </a:t>
-            </a:r>
-            <a:r>
-              <a:rPr lang="en-US" dirty="0" smtClean="0"/>
-              <a:t>x 1</a:t>
-            </a:r>
-            <a:r>
-              <a:rPr lang="en-US" dirty="0" smtClean="0"/>
-              <a:t>”</a:t>
+              <a:t>Size: 1” x 1” x 1”</a:t>
             </a:r>
           </a:p>
           <a:p>
@@ -12084,7 +12162,6 @@
               <a:rPr lang="en-US" dirty="0" smtClean="0"/>
               <a:t>240mAh coin cell battery</a:t>
             </a:r>
-            <a:endParaRPr lang="en-US" dirty="0" smtClean="0"/>
           </a:p>
         </p:txBody>
       </p:sp>
@@ -12240,6 +12317,9 @@
   <p:clrMapOvr>
     <a:masterClrMapping/>
   </p:clrMapOvr>
+  <p:transition>
+    <p:fade/>
+  </p:transition>
   <p:timing>
     <p:tnLst>
       <p:par>
@@ -12482,6 +12562,9 @@
   <p:clrMapOvr>
     <a:masterClrMapping/>
   </p:clrMapOvr>
+  <p:transition>
+    <p:fade/>
+  </p:transition>
   <p:timing>
     <p:tnLst>
       <p:par>
@@ -12643,6 +12726,9 @@
   <p:clrMapOvr>
     <a:masterClrMapping/>
   </p:clrMapOvr>
+  <p:transition>
+    <p:fade/>
+  </p:transition>
   <p:timing>
     <p:tnLst>
       <p:par>

--- a/Docs/TIU_Tracking_Presentation_v1.pptx
+++ b/Docs/TIU_Tracking_Presentation_v1.pptx
@@ -6276,6 +6276,9 @@
           <a:bodyPr/>
           <a:lstStyle/>
           <a:p>
+            <a:pPr>
+              <a:buNone/>
+            </a:pPr>
             <a:r>
               <a:rPr lang="en-US" dirty="0" smtClean="0"/>
               <a:t>Controller</a:t>
@@ -7306,6 +7309,9 @@
           </a:bodyPr>
           <a:lstStyle/>
           <a:p>
+            <a:pPr>
+              <a:buNone/>
+            </a:pPr>
             <a:r>
               <a:rPr lang="en-US" dirty="0" smtClean="0"/>
               <a:t>Web App</a:t>
@@ -12165,43 +12171,88 @@
           </a:p>
         </p:txBody>
       </p:sp>
-      <p:pic>
-        <p:nvPicPr>
-          <p:cNvPr id="2050" name="Picture 2" descr="D:\Courses\2010-2011\Capstone\Docs\Images\Tag.jpg"/>
-          <p:cNvPicPr>
-            <a:picLocks noChangeAspect="1" noChangeArrowheads="1"/>
-          </p:cNvPicPr>
+      <p:grpSp>
+        <p:nvGrpSpPr>
+          <p:cNvPr id="10" name="Group 9"/>
+          <p:cNvGrpSpPr/>
           <p:nvPr/>
-        </p:nvPicPr>
-        <p:blipFill>
-          <a:blip r:embed="rId2" cstate="print">
-            <a:clrChange>
-              <a:clrFrom>
-                <a:srgbClr val="FFFFFF"/>
-              </a:clrFrom>
-              <a:clrTo>
-                <a:srgbClr val="FFFFFF">
-                  <a:alpha val="0"/>
-                </a:srgbClr>
-              </a:clrTo>
-            </a:clrChange>
-          </a:blip>
-          <a:srcRect/>
-          <a:stretch>
-            <a:fillRect/>
-          </a:stretch>
-        </p:blipFill>
-        <p:spPr bwMode="auto">
+        </p:nvGrpSpPr>
+        <p:grpSpPr>
           <a:xfrm>
-            <a:off x="2176463" y="3581400"/>
-            <a:ext cx="3309937" cy="2517775"/>
+            <a:off x="1185863" y="3581400"/>
+            <a:ext cx="3309937" cy="2655332"/>
+            <a:chOff x="2176463" y="3581400"/>
+            <a:chExt cx="3309937" cy="2655332"/>
           </a:xfrm>
-          <a:prstGeom prst="rect">
-            <a:avLst/>
-          </a:prstGeom>
-          <a:noFill/>
-        </p:spPr>
-      </p:pic>
+        </p:grpSpPr>
+        <p:pic>
+          <p:nvPicPr>
+            <p:cNvPr id="2050" name="Picture 2" descr="D:\Courses\2010-2011\Capstone\Docs\Images\Tag.jpg"/>
+            <p:cNvPicPr>
+              <a:picLocks noChangeAspect="1" noChangeArrowheads="1"/>
+            </p:cNvPicPr>
+            <p:nvPr/>
+          </p:nvPicPr>
+          <p:blipFill>
+            <a:blip r:embed="rId2" cstate="print">
+              <a:clrChange>
+                <a:clrFrom>
+                  <a:srgbClr val="FFFFFF"/>
+                </a:clrFrom>
+                <a:clrTo>
+                  <a:srgbClr val="FFFFFF">
+                    <a:alpha val="0"/>
+                  </a:srgbClr>
+                </a:clrTo>
+              </a:clrChange>
+            </a:blip>
+            <a:srcRect/>
+            <a:stretch>
+              <a:fillRect/>
+            </a:stretch>
+          </p:blipFill>
+          <p:spPr bwMode="auto">
+            <a:xfrm>
+              <a:off x="2176463" y="3581400"/>
+              <a:ext cx="3309937" cy="2517775"/>
+            </a:xfrm>
+            <a:prstGeom prst="rect">
+              <a:avLst/>
+            </a:prstGeom>
+            <a:noFill/>
+          </p:spPr>
+        </p:pic>
+        <p:sp>
+          <p:nvSpPr>
+            <p:cNvPr id="6" name="TextBox 5"/>
+            <p:cNvSpPr txBox="1"/>
+            <p:nvPr/>
+          </p:nvSpPr>
+          <p:spPr>
+            <a:xfrm>
+              <a:off x="3471863" y="5867400"/>
+              <a:ext cx="1066800" cy="369332"/>
+            </a:xfrm>
+            <a:prstGeom prst="rect">
+              <a:avLst/>
+            </a:prstGeom>
+            <a:noFill/>
+          </p:spPr>
+          <p:txBody>
+            <a:bodyPr wrap="square" rtlCol="0">
+              <a:spAutoFit/>
+            </a:bodyPr>
+            <a:lstStyle/>
+            <a:p>
+              <a:r>
+                <a:rPr lang="en-US" dirty="0" smtClean="0"/>
+                <a:t>Product</a:t>
+              </a:r>
+              <a:endParaRPr lang="en-US" dirty="0"/>
+            </a:p>
+          </p:txBody>
+        </p:sp>
+      </p:grpSp>
       <p:pic>
         <p:nvPicPr>
           <p:cNvPr id="2051" name="Picture 3" descr="D:\Courses\2010-2011\Capstone\Docs\Images\TagPCB.PNG"/>
@@ -12219,7 +12270,7 @@
         </p:blipFill>
         <p:spPr bwMode="auto">
           <a:xfrm>
-            <a:off x="5867400" y="1905000"/>
+            <a:off x="5867400" y="1295400"/>
             <a:ext cx="2409825" cy="2428875"/>
           </a:xfrm>
           <a:prstGeom prst="rect">
@@ -12230,14 +12281,14 @@
       </p:pic>
       <p:sp>
         <p:nvSpPr>
-          <p:cNvPr id="6" name="TextBox 5"/>
+          <p:cNvPr id="7" name="TextBox 6"/>
           <p:cNvSpPr txBox="1"/>
           <p:nvPr/>
         </p:nvSpPr>
         <p:spPr>
           <a:xfrm>
-            <a:off x="3471863" y="5867400"/>
-            <a:ext cx="1066800" cy="369332"/>
+            <a:off x="5943600" y="3733800"/>
+            <a:ext cx="2209800" cy="369332"/>
           </a:xfrm>
           <a:prstGeom prst="rect">
             <a:avLst/>
@@ -12250,39 +12301,10 @@
           </a:bodyPr>
           <a:lstStyle/>
           <a:p>
+            <a:pPr algn="ctr"/>
             <a:r>
               <a:rPr lang="en-US" dirty="0" smtClean="0"/>
-              <a:t>Product</a:t>
-            </a:r>
-            <a:endParaRPr lang="en-US" dirty="0"/>
-          </a:p>
-        </p:txBody>
-      </p:sp>
-      <p:sp>
-        <p:nvSpPr>
-          <p:cNvPr id="7" name="TextBox 6"/>
-          <p:cNvSpPr txBox="1"/>
-          <p:nvPr/>
-        </p:nvSpPr>
-        <p:spPr>
-          <a:xfrm>
-            <a:off x="6553200" y="4343400"/>
-            <a:ext cx="1066800" cy="369332"/>
-          </a:xfrm>
-          <a:prstGeom prst="rect">
-            <a:avLst/>
-          </a:prstGeom>
-          <a:noFill/>
-        </p:spPr>
-        <p:txBody>
-          <a:bodyPr wrap="square" rtlCol="0">
-            <a:spAutoFit/>
-          </a:bodyPr>
-          <a:lstStyle/>
-          <a:p>
-            <a:r>
-              <a:rPr lang="en-US" dirty="0" smtClean="0"/>
-              <a:t>Layout</a:t>
+              <a:t>Main Board Layout</a:t>
             </a:r>
             <a:endParaRPr lang="en-US" dirty="0"/>
           </a:p>
@@ -12312,6 +12334,89 @@
           </a:p>
         </p:txBody>
       </p:sp>
+      <p:grpSp>
+        <p:nvGrpSpPr>
+          <p:cNvPr id="13" name="Group 12"/>
+          <p:cNvGrpSpPr/>
+          <p:nvPr/>
+        </p:nvGrpSpPr>
+        <p:grpSpPr>
+          <a:xfrm>
+            <a:off x="5867400" y="4191000"/>
+            <a:ext cx="2438400" cy="2362200"/>
+            <a:chOff x="5867400" y="4191000"/>
+            <a:chExt cx="2438400" cy="2362200"/>
+          </a:xfrm>
+        </p:grpSpPr>
+        <p:pic>
+          <p:nvPicPr>
+            <p:cNvPr id="1026" name="Picture 2" descr="D:\Courses\2010-2011\Capstone\Docs\Images\breakout_board.png"/>
+            <p:cNvPicPr>
+              <a:picLocks noChangeAspect="1" noChangeArrowheads="1"/>
+            </p:cNvPicPr>
+            <p:nvPr/>
+          </p:nvPicPr>
+          <p:blipFill>
+            <a:blip r:embed="rId4" cstate="print">
+              <a:clrChange>
+                <a:clrFrom>
+                  <a:srgbClr val="FFFFFF"/>
+                </a:clrFrom>
+                <a:clrTo>
+                  <a:srgbClr val="FFFFFF">
+                    <a:alpha val="0"/>
+                  </a:srgbClr>
+                </a:clrTo>
+              </a:clrChange>
+            </a:blip>
+            <a:srcRect/>
+            <a:stretch>
+              <a:fillRect/>
+            </a:stretch>
+          </p:blipFill>
+          <p:spPr bwMode="auto">
+            <a:xfrm rot="5400000">
+              <a:off x="6080760" y="3977640"/>
+              <a:ext cx="2011680" cy="2438400"/>
+            </a:xfrm>
+            <a:prstGeom prst="rect">
+              <a:avLst/>
+            </a:prstGeom>
+            <a:noFill/>
+          </p:spPr>
+        </p:pic>
+        <p:sp>
+          <p:nvSpPr>
+            <p:cNvPr id="12" name="TextBox 11"/>
+            <p:cNvSpPr txBox="1"/>
+            <p:nvPr/>
+          </p:nvSpPr>
+          <p:spPr>
+            <a:xfrm>
+              <a:off x="5867400" y="6183868"/>
+              <a:ext cx="2438400" cy="369332"/>
+            </a:xfrm>
+            <a:prstGeom prst="rect">
+              <a:avLst/>
+            </a:prstGeom>
+            <a:noFill/>
+          </p:spPr>
+          <p:txBody>
+            <a:bodyPr wrap="square" rtlCol="0">
+              <a:spAutoFit/>
+            </a:bodyPr>
+            <a:lstStyle/>
+            <a:p>
+              <a:pPr algn="ctr"/>
+              <a:r>
+                <a:rPr lang="en-US" dirty="0" smtClean="0"/>
+                <a:t>Breakout Board Layout</a:t>
+              </a:r>
+              <a:endParaRPr lang="en-US" dirty="0"/>
+            </a:p>
+          </p:txBody>
+        </p:sp>
+      </p:grpSp>
     </p:spTree>
   </p:cSld>
   <p:clrMapOvr>
